--- a/Presentation.pptx
+++ b/Presentation.pptx
@@ -5,7 +5,7 @@
     <p:sldMasterId id="2147483682" r:id="rId1"/>
   </p:sldMasterIdLst>
   <p:notesMasterIdLst>
-    <p:notesMasterId r:id="rId14"/>
+    <p:notesMasterId r:id="rId16"/>
   </p:notesMasterIdLst>
   <p:sldIdLst>
     <p:sldId id="330" r:id="rId2"/>
@@ -20,26 +20,28 @@
     <p:sldId id="341" r:id="rId11"/>
     <p:sldId id="345" r:id="rId12"/>
     <p:sldId id="346" r:id="rId13"/>
+    <p:sldId id="347" r:id="rId14"/>
+    <p:sldId id="348" r:id="rId15"/>
   </p:sldIdLst>
   <p:sldSz cx="9144000" cy="5143500" type="screen16x9"/>
   <p:notesSz cx="6858000" cy="9144000"/>
   <p:embeddedFontLst>
     <p:embeddedFont>
       <p:font typeface="Roboto" panose="02000000000000000000" pitchFamily="2" charset="0"/>
-      <p:regular r:id="rId15"/>
-      <p:bold r:id="rId16"/>
-      <p:italic r:id="rId17"/>
-      <p:boldItalic r:id="rId18"/>
+      <p:regular r:id="rId17"/>
+      <p:bold r:id="rId18"/>
+      <p:italic r:id="rId19"/>
+      <p:boldItalic r:id="rId20"/>
     </p:embeddedFont>
     <p:embeddedFont>
       <p:font typeface="Roboto Condensed Light" panose="020F0302020204030204" pitchFamily="34" charset="0"/>
-      <p:regular r:id="rId19"/>
-      <p:italic r:id="rId20"/>
+      <p:regular r:id="rId21"/>
+      <p:italic r:id="rId22"/>
     </p:embeddedFont>
     <p:embeddedFont>
       <p:font typeface="Tajawal" pitchFamily="2" charset="-78"/>
-      <p:regular r:id="rId21"/>
-      <p:bold r:id="rId22"/>
+      <p:regular r:id="rId23"/>
+      <p:bold r:id="rId24"/>
     </p:embeddedFont>
   </p:embeddedFontLst>
   <p:defaultTextStyle>
@@ -1153,6 +1155,224 @@
     <p:extLst>
       <p:ext uri="{BB962C8B-B14F-4D97-AF65-F5344CB8AC3E}">
         <p14:creationId xmlns:p14="http://schemas.microsoft.com/office/powerpoint/2010/main" val="3852090680"/>
+      </p:ext>
+    </p:extLst>
+  </p:cSld>
+  <p:clrMapOvr>
+    <a:masterClrMapping/>
+  </p:clrMapOvr>
+</p:notes>
+</file>
+
+<file path=ppt/notesSlides/notesSlide13.xml><?xml version="1.0" encoding="utf-8"?>
+<p:notes xmlns:a="http://schemas.openxmlformats.org/drawingml/2006/main" xmlns:r="http://schemas.openxmlformats.org/officeDocument/2006/relationships" xmlns:p="http://schemas.openxmlformats.org/presentationml/2006/main" showMasterSp="0" showMasterPhAnim="0">
+  <p:cSld>
+    <p:spTree>
+      <p:nvGrpSpPr>
+        <p:cNvPr id="1" name="Shape 1339"/>
+        <p:cNvGrpSpPr/>
+        <p:nvPr/>
+      </p:nvGrpSpPr>
+      <p:grpSpPr>
+        <a:xfrm>
+          <a:off x="0" y="0"/>
+          <a:ext cx="0" cy="0"/>
+          <a:chOff x="0" y="0"/>
+          <a:chExt cx="0" cy="0"/>
+        </a:xfrm>
+      </p:grpSpPr>
+      <p:sp>
+        <p:nvSpPr>
+          <p:cNvPr id="1340" name="Google Shape;1340;gf311197722_0_10:notes"/>
+          <p:cNvSpPr>
+            <a:spLocks noGrp="1" noRot="1" noChangeAspect="1"/>
+          </p:cNvSpPr>
+          <p:nvPr>
+            <p:ph type="sldImg" idx="2"/>
+          </p:nvPr>
+        </p:nvSpPr>
+        <p:spPr>
+          <a:xfrm>
+            <a:off x="381000" y="685800"/>
+            <a:ext cx="6096000" cy="3429000"/>
+          </a:xfrm>
+          <a:custGeom>
+            <a:avLst/>
+            <a:gdLst/>
+            <a:ahLst/>
+            <a:cxnLst/>
+            <a:rect l="l" t="t" r="r" b="b"/>
+            <a:pathLst>
+              <a:path w="120000" h="120000" extrusionOk="0">
+                <a:moveTo>
+                  <a:pt x="0" y="0"/>
+                </a:moveTo>
+                <a:lnTo>
+                  <a:pt x="120000" y="0"/>
+                </a:lnTo>
+                <a:lnTo>
+                  <a:pt x="120000" y="120000"/>
+                </a:lnTo>
+                <a:lnTo>
+                  <a:pt x="0" y="120000"/>
+                </a:lnTo>
+                <a:close/>
+              </a:path>
+            </a:pathLst>
+          </a:custGeom>
+        </p:spPr>
+      </p:sp>
+      <p:sp>
+        <p:nvSpPr>
+          <p:cNvPr id="1341" name="Google Shape;1341;gf311197722_0_10:notes"/>
+          <p:cNvSpPr txBox="1">
+            <a:spLocks noGrp="1"/>
+          </p:cNvSpPr>
+          <p:nvPr>
+            <p:ph type="body" idx="1"/>
+          </p:nvPr>
+        </p:nvSpPr>
+        <p:spPr>
+          <a:xfrm>
+            <a:off x="685800" y="4343400"/>
+            <a:ext cx="5486400" cy="4114800"/>
+          </a:xfrm>
+          <a:prstGeom prst="rect">
+            <a:avLst/>
+          </a:prstGeom>
+        </p:spPr>
+        <p:txBody>
+          <a:bodyPr spcFirstLastPara="1" wrap="square" lIns="91425" tIns="91425" rIns="91425" bIns="91425" anchor="t" anchorCtr="0">
+            <a:noAutofit/>
+          </a:bodyPr>
+          <a:lstStyle/>
+          <a:p>
+            <a:pPr marL="0" lvl="0" indent="0" algn="l" rtl="0">
+              <a:spcBef>
+                <a:spcPts val="0"/>
+              </a:spcBef>
+              <a:spcAft>
+                <a:spcPts val="0"/>
+              </a:spcAft>
+              <a:buNone/>
+            </a:pPr>
+            <a:endParaRPr dirty="0"/>
+          </a:p>
+        </p:txBody>
+      </p:sp>
+    </p:spTree>
+    <p:extLst>
+      <p:ext uri="{BB962C8B-B14F-4D97-AF65-F5344CB8AC3E}">
+        <p14:creationId xmlns:p14="http://schemas.microsoft.com/office/powerpoint/2010/main" val="3544096429"/>
+      </p:ext>
+    </p:extLst>
+  </p:cSld>
+  <p:clrMapOvr>
+    <a:masterClrMapping/>
+  </p:clrMapOvr>
+</p:notes>
+</file>
+
+<file path=ppt/notesSlides/notesSlide14.xml><?xml version="1.0" encoding="utf-8"?>
+<p:notes xmlns:a="http://schemas.openxmlformats.org/drawingml/2006/main" xmlns:r="http://schemas.openxmlformats.org/officeDocument/2006/relationships" xmlns:p="http://schemas.openxmlformats.org/presentationml/2006/main" showMasterSp="0" showMasterPhAnim="0">
+  <p:cSld>
+    <p:spTree>
+      <p:nvGrpSpPr>
+        <p:cNvPr id="1" name="Shape 1339"/>
+        <p:cNvGrpSpPr/>
+        <p:nvPr/>
+      </p:nvGrpSpPr>
+      <p:grpSpPr>
+        <a:xfrm>
+          <a:off x="0" y="0"/>
+          <a:ext cx="0" cy="0"/>
+          <a:chOff x="0" y="0"/>
+          <a:chExt cx="0" cy="0"/>
+        </a:xfrm>
+      </p:grpSpPr>
+      <p:sp>
+        <p:nvSpPr>
+          <p:cNvPr id="1340" name="Google Shape;1340;gf311197722_0_10:notes"/>
+          <p:cNvSpPr>
+            <a:spLocks noGrp="1" noRot="1" noChangeAspect="1"/>
+          </p:cNvSpPr>
+          <p:nvPr>
+            <p:ph type="sldImg" idx="2"/>
+          </p:nvPr>
+        </p:nvSpPr>
+        <p:spPr>
+          <a:xfrm>
+            <a:off x="381000" y="685800"/>
+            <a:ext cx="6096000" cy="3429000"/>
+          </a:xfrm>
+          <a:custGeom>
+            <a:avLst/>
+            <a:gdLst/>
+            <a:ahLst/>
+            <a:cxnLst/>
+            <a:rect l="l" t="t" r="r" b="b"/>
+            <a:pathLst>
+              <a:path w="120000" h="120000" extrusionOk="0">
+                <a:moveTo>
+                  <a:pt x="0" y="0"/>
+                </a:moveTo>
+                <a:lnTo>
+                  <a:pt x="120000" y="0"/>
+                </a:lnTo>
+                <a:lnTo>
+                  <a:pt x="120000" y="120000"/>
+                </a:lnTo>
+                <a:lnTo>
+                  <a:pt x="0" y="120000"/>
+                </a:lnTo>
+                <a:close/>
+              </a:path>
+            </a:pathLst>
+          </a:custGeom>
+        </p:spPr>
+      </p:sp>
+      <p:sp>
+        <p:nvSpPr>
+          <p:cNvPr id="1341" name="Google Shape;1341;gf311197722_0_10:notes"/>
+          <p:cNvSpPr txBox="1">
+            <a:spLocks noGrp="1"/>
+          </p:cNvSpPr>
+          <p:nvPr>
+            <p:ph type="body" idx="1"/>
+          </p:nvPr>
+        </p:nvSpPr>
+        <p:spPr>
+          <a:xfrm>
+            <a:off x="685800" y="4343400"/>
+            <a:ext cx="5486400" cy="4114800"/>
+          </a:xfrm>
+          <a:prstGeom prst="rect">
+            <a:avLst/>
+          </a:prstGeom>
+        </p:spPr>
+        <p:txBody>
+          <a:bodyPr spcFirstLastPara="1" wrap="square" lIns="91425" tIns="91425" rIns="91425" bIns="91425" anchor="t" anchorCtr="0">
+            <a:noAutofit/>
+          </a:bodyPr>
+          <a:lstStyle/>
+          <a:p>
+            <a:pPr marL="0" lvl="0" indent="0" algn="l" rtl="0">
+              <a:spcBef>
+                <a:spcPts val="0"/>
+              </a:spcBef>
+              <a:spcAft>
+                <a:spcPts val="0"/>
+              </a:spcAft>
+              <a:buNone/>
+            </a:pPr>
+            <a:endParaRPr dirty="0"/>
+          </a:p>
+        </p:txBody>
+      </p:sp>
+    </p:spTree>
+    <p:extLst>
+      <p:ext uri="{BB962C8B-B14F-4D97-AF65-F5344CB8AC3E}">
+        <p14:creationId xmlns:p14="http://schemas.microsoft.com/office/powerpoint/2010/main" val="3776984744"/>
       </p:ext>
     </p:extLst>
   </p:cSld>
@@ -8294,6 +8514,20 @@
 <file path=ppt/slides/slide11.xml><?xml version="1.0" encoding="utf-8"?>
 <p:sld xmlns:a="http://schemas.openxmlformats.org/drawingml/2006/main" xmlns:r="http://schemas.openxmlformats.org/officeDocument/2006/relationships" xmlns:p="http://schemas.openxmlformats.org/presentationml/2006/main">
   <p:cSld>
+    <p:bg>
+      <p:bgPr>
+        <a:blipFill dpi="0" rotWithShape="1">
+          <a:blip r:embed="rId3">
+            <a:lum/>
+          </a:blip>
+          <a:srcRect/>
+          <a:stretch>
+            <a:fillRect l="-10000" r="-10000"/>
+          </a:stretch>
+        </a:blipFill>
+        <a:effectLst/>
+      </p:bgPr>
+    </p:bg>
     <p:spTree>
       <p:nvGrpSpPr>
         <p:cNvPr id="1" name="Shape 1342"/>
@@ -9318,6 +9552,20 @@
             </a:pPr>
             <a:r>
               <a:rPr lang="en-GB" sz="1600" dirty="0"/>
+              <a:t>remove punctuation, numbers</a:t>
+            </a:r>
+          </a:p>
+          <a:p>
+            <a:pPr marL="285750" indent="-285750">
+              <a:buClr>
+                <a:schemeClr val="dk1"/>
+              </a:buClr>
+              <a:buSzPct val="100000"/>
+              <a:buFont typeface="Arial" panose="020B0604020202020204" pitchFamily="34" charset="0"/>
+              <a:buChar char="•"/>
+            </a:pPr>
+            <a:r>
+              <a:rPr lang="en-GB" sz="1600" dirty="0"/>
               <a:t>tokenization</a:t>
             </a:r>
           </a:p>
@@ -9652,7 +9900,7 @@
           <p:nvPr/>
         </p:nvPicPr>
         <p:blipFill>
-          <a:blip r:embed="rId3"/>
+          <a:blip r:embed="rId4"/>
           <a:stretch>
             <a:fillRect/>
           </a:stretch>
@@ -9683,6 +9931,20 @@
 <file path=ppt/slides/slide12.xml><?xml version="1.0" encoding="utf-8"?>
 <p:sld xmlns:a="http://schemas.openxmlformats.org/drawingml/2006/main" xmlns:r="http://schemas.openxmlformats.org/officeDocument/2006/relationships" xmlns:p="http://schemas.openxmlformats.org/presentationml/2006/main">
   <p:cSld>
+    <p:bg>
+      <p:bgPr>
+        <a:blipFill dpi="0" rotWithShape="1">
+          <a:blip r:embed="rId3">
+            <a:lum/>
+          </a:blip>
+          <a:srcRect/>
+          <a:stretch>
+            <a:fillRect l="-10000" r="-10000"/>
+          </a:stretch>
+        </a:blipFill>
+        <a:effectLst/>
+      </p:bgPr>
+    </p:bg>
     <p:spTree>
       <p:nvGrpSpPr>
         <p:cNvPr id="1" name="Shape 1342"/>
@@ -9714,7 +9976,7 @@
         <p:spPr>
           <a:xfrm>
             <a:off x="713100" y="1029100"/>
-            <a:ext cx="7839229" cy="3420351"/>
+            <a:ext cx="7839229" cy="3913346"/>
           </a:xfrm>
           <a:prstGeom prst="rect">
             <a:avLst/>
@@ -10502,8 +10764,15 @@
                   </a:schemeClr>
                 </a:solidFill>
               </a:rPr>
-              <a:t>“away team”</a:t>
+              <a:t>“away team”.</a:t>
             </a:r>
+            <a:endParaRPr lang="en-GB" sz="1600" dirty="0">
+              <a:solidFill>
+                <a:schemeClr val="tx1">
+                  <a:lumMod val="50000"/>
+                </a:schemeClr>
+              </a:solidFill>
+            </a:endParaRPr>
           </a:p>
         </p:txBody>
       </p:sp>
@@ -11429,7 +11698,7 @@
           <p:nvPr/>
         </p:nvPicPr>
         <p:blipFill>
-          <a:blip r:embed="rId3"/>
+          <a:blip r:embed="rId4"/>
           <a:stretch>
             <a:fillRect/>
           </a:stretch>
@@ -11743,6 +12012,3329 @@
     <p:extLst>
       <p:ext uri="{BB962C8B-B14F-4D97-AF65-F5344CB8AC3E}">
         <p14:creationId xmlns:p14="http://schemas.microsoft.com/office/powerpoint/2010/main" val="3801064399"/>
+      </p:ext>
+    </p:extLst>
+  </p:cSld>
+  <p:clrMapOvr>
+    <a:masterClrMapping/>
+  </p:clrMapOvr>
+</p:sld>
+</file>
+
+<file path=ppt/slides/slide13.xml><?xml version="1.0" encoding="utf-8"?>
+<p:sld xmlns:a="http://schemas.openxmlformats.org/drawingml/2006/main" xmlns:r="http://schemas.openxmlformats.org/officeDocument/2006/relationships" xmlns:p="http://schemas.openxmlformats.org/presentationml/2006/main">
+  <p:cSld>
+    <p:bg>
+      <p:bgPr>
+        <a:blipFill dpi="0" rotWithShape="1">
+          <a:blip r:embed="rId3">
+            <a:lum/>
+          </a:blip>
+          <a:srcRect/>
+          <a:stretch>
+            <a:fillRect l="-10000" r="-10000"/>
+          </a:stretch>
+        </a:blipFill>
+        <a:effectLst/>
+      </p:bgPr>
+    </p:bg>
+    <p:spTree>
+      <p:nvGrpSpPr>
+        <p:cNvPr id="1" name="Shape 1342"/>
+        <p:cNvGrpSpPr/>
+        <p:nvPr/>
+      </p:nvGrpSpPr>
+      <p:grpSpPr>
+        <a:xfrm>
+          <a:off x="0" y="0"/>
+          <a:ext cx="0" cy="0"/>
+          <a:chOff x="0" y="0"/>
+          <a:chExt cx="0" cy="0"/>
+        </a:xfrm>
+      </p:grpSpPr>
+      <p:sp>
+        <p:nvSpPr>
+          <p:cNvPr id="14" name="Google Shape;1344;p38">
+            <a:extLst>
+              <a:ext uri="{FF2B5EF4-FFF2-40B4-BE49-F238E27FC236}">
+                <a16:creationId xmlns:a16="http://schemas.microsoft.com/office/drawing/2014/main" id="{980922C1-A395-6BB4-730E-83A8E1094A76}"/>
+              </a:ext>
+            </a:extLst>
+          </p:cNvPr>
+          <p:cNvSpPr txBox="1">
+            <a:spLocks/>
+          </p:cNvSpPr>
+          <p:nvPr/>
+        </p:nvSpPr>
+        <p:spPr>
+          <a:xfrm>
+            <a:off x="713100" y="1029100"/>
+            <a:ext cx="7839229" cy="3913346"/>
+          </a:xfrm>
+          <a:prstGeom prst="rect">
+            <a:avLst/>
+          </a:prstGeom>
+          <a:noFill/>
+          <a:ln>
+            <a:noFill/>
+          </a:ln>
+        </p:spPr>
+        <p:txBody>
+          <a:bodyPr spcFirstLastPara="1" wrap="square" lIns="91425" tIns="91425" rIns="91425" bIns="91425" anchor="t" anchorCtr="0">
+            <a:noAutofit/>
+          </a:bodyPr>
+          <a:lstStyle>
+            <a:defPPr marR="0" lvl="0" algn="l" rtl="0">
+              <a:lnSpc>
+                <a:spcPct val="100000"/>
+              </a:lnSpc>
+              <a:spcBef>
+                <a:spcPts val="0"/>
+              </a:spcBef>
+              <a:spcAft>
+                <a:spcPts val="0"/>
+              </a:spcAft>
+            </a:defPPr>
+            <a:lvl1pPr marL="457200" marR="0" lvl="0" indent="-304800" algn="l" rtl="0">
+              <a:lnSpc>
+                <a:spcPct val="100000"/>
+              </a:lnSpc>
+              <a:spcBef>
+                <a:spcPts val="0"/>
+              </a:spcBef>
+              <a:spcAft>
+                <a:spcPts val="0"/>
+              </a:spcAft>
+              <a:buClr>
+                <a:schemeClr val="accent2"/>
+              </a:buClr>
+              <a:buSzPts val="1200"/>
+              <a:buFont typeface="Roboto"/>
+              <a:buAutoNum type="arabicPeriod"/>
+              <a:defRPr sz="1200" b="0" i="0" u="none" strike="noStrike" cap="none">
+                <a:solidFill>
+                  <a:schemeClr val="dk1"/>
+                </a:solidFill>
+                <a:latin typeface="Roboto"/>
+                <a:ea typeface="Roboto"/>
+                <a:cs typeface="Roboto"/>
+                <a:sym typeface="Roboto"/>
+              </a:defRPr>
+            </a:lvl1pPr>
+            <a:lvl2pPr marL="914400" marR="0" lvl="1" indent="-304800" algn="l" rtl="0">
+              <a:lnSpc>
+                <a:spcPct val="115000"/>
+              </a:lnSpc>
+              <a:spcBef>
+                <a:spcPts val="0"/>
+              </a:spcBef>
+              <a:spcAft>
+                <a:spcPts val="0"/>
+              </a:spcAft>
+              <a:buClr>
+                <a:srgbClr val="434343"/>
+              </a:buClr>
+              <a:buSzPts val="1200"/>
+              <a:buFont typeface="Roboto Condensed Light"/>
+              <a:buAutoNum type="alphaLcPeriod"/>
+              <a:defRPr sz="1400" b="0" i="0" u="none" strike="noStrike" cap="none">
+                <a:solidFill>
+                  <a:schemeClr val="dk1"/>
+                </a:solidFill>
+                <a:latin typeface="Roboto"/>
+                <a:ea typeface="Roboto"/>
+                <a:cs typeface="Roboto"/>
+                <a:sym typeface="Roboto"/>
+              </a:defRPr>
+            </a:lvl2pPr>
+            <a:lvl3pPr marL="1371600" marR="0" lvl="2" indent="-304800" algn="l" rtl="0">
+              <a:lnSpc>
+                <a:spcPct val="115000"/>
+              </a:lnSpc>
+              <a:spcBef>
+                <a:spcPts val="0"/>
+              </a:spcBef>
+              <a:spcAft>
+                <a:spcPts val="0"/>
+              </a:spcAft>
+              <a:buClr>
+                <a:srgbClr val="434343"/>
+              </a:buClr>
+              <a:buSzPts val="1200"/>
+              <a:buFont typeface="Roboto Condensed Light"/>
+              <a:buAutoNum type="romanLcPeriod"/>
+              <a:defRPr sz="1400" b="0" i="0" u="none" strike="noStrike" cap="none">
+                <a:solidFill>
+                  <a:schemeClr val="dk1"/>
+                </a:solidFill>
+                <a:latin typeface="Roboto"/>
+                <a:ea typeface="Roboto"/>
+                <a:cs typeface="Roboto"/>
+                <a:sym typeface="Roboto"/>
+              </a:defRPr>
+            </a:lvl3pPr>
+            <a:lvl4pPr marL="1828800" marR="0" lvl="3" indent="-304800" algn="l" rtl="0">
+              <a:lnSpc>
+                <a:spcPct val="115000"/>
+              </a:lnSpc>
+              <a:spcBef>
+                <a:spcPts val="0"/>
+              </a:spcBef>
+              <a:spcAft>
+                <a:spcPts val="0"/>
+              </a:spcAft>
+              <a:buClr>
+                <a:srgbClr val="434343"/>
+              </a:buClr>
+              <a:buSzPts val="1200"/>
+              <a:buFont typeface="Roboto Condensed Light"/>
+              <a:buAutoNum type="arabicPeriod"/>
+              <a:defRPr sz="1400" b="0" i="0" u="none" strike="noStrike" cap="none">
+                <a:solidFill>
+                  <a:schemeClr val="dk1"/>
+                </a:solidFill>
+                <a:latin typeface="Roboto"/>
+                <a:ea typeface="Roboto"/>
+                <a:cs typeface="Roboto"/>
+                <a:sym typeface="Roboto"/>
+              </a:defRPr>
+            </a:lvl4pPr>
+            <a:lvl5pPr marL="2286000" marR="0" lvl="4" indent="-304800" algn="l" rtl="0">
+              <a:lnSpc>
+                <a:spcPct val="115000"/>
+              </a:lnSpc>
+              <a:spcBef>
+                <a:spcPts val="0"/>
+              </a:spcBef>
+              <a:spcAft>
+                <a:spcPts val="0"/>
+              </a:spcAft>
+              <a:buClr>
+                <a:srgbClr val="434343"/>
+              </a:buClr>
+              <a:buSzPts val="1200"/>
+              <a:buFont typeface="Roboto Condensed Light"/>
+              <a:buAutoNum type="alphaLcPeriod"/>
+              <a:defRPr sz="1400" b="0" i="0" u="none" strike="noStrike" cap="none">
+                <a:solidFill>
+                  <a:schemeClr val="dk1"/>
+                </a:solidFill>
+                <a:latin typeface="Roboto"/>
+                <a:ea typeface="Roboto"/>
+                <a:cs typeface="Roboto"/>
+                <a:sym typeface="Roboto"/>
+              </a:defRPr>
+            </a:lvl5pPr>
+            <a:lvl6pPr marL="2743200" marR="0" lvl="5" indent="-304800" algn="l" rtl="0">
+              <a:lnSpc>
+                <a:spcPct val="115000"/>
+              </a:lnSpc>
+              <a:spcBef>
+                <a:spcPts val="0"/>
+              </a:spcBef>
+              <a:spcAft>
+                <a:spcPts val="0"/>
+              </a:spcAft>
+              <a:buClr>
+                <a:srgbClr val="434343"/>
+              </a:buClr>
+              <a:buSzPts val="1200"/>
+              <a:buFont typeface="Roboto Condensed Light"/>
+              <a:buAutoNum type="romanLcPeriod"/>
+              <a:defRPr sz="1400" b="0" i="0" u="none" strike="noStrike" cap="none">
+                <a:solidFill>
+                  <a:schemeClr val="dk1"/>
+                </a:solidFill>
+                <a:latin typeface="Roboto"/>
+                <a:ea typeface="Roboto"/>
+                <a:cs typeface="Roboto"/>
+                <a:sym typeface="Roboto"/>
+              </a:defRPr>
+            </a:lvl6pPr>
+            <a:lvl7pPr marL="3200400" marR="0" lvl="6" indent="-304800" algn="l" rtl="0">
+              <a:lnSpc>
+                <a:spcPct val="115000"/>
+              </a:lnSpc>
+              <a:spcBef>
+                <a:spcPts val="0"/>
+              </a:spcBef>
+              <a:spcAft>
+                <a:spcPts val="0"/>
+              </a:spcAft>
+              <a:buClr>
+                <a:srgbClr val="434343"/>
+              </a:buClr>
+              <a:buSzPts val="1200"/>
+              <a:buFont typeface="Roboto Condensed Light"/>
+              <a:buAutoNum type="arabicPeriod"/>
+              <a:defRPr sz="1400" b="0" i="0" u="none" strike="noStrike" cap="none">
+                <a:solidFill>
+                  <a:schemeClr val="dk1"/>
+                </a:solidFill>
+                <a:latin typeface="Roboto"/>
+                <a:ea typeface="Roboto"/>
+                <a:cs typeface="Roboto"/>
+                <a:sym typeface="Roboto"/>
+              </a:defRPr>
+            </a:lvl7pPr>
+            <a:lvl8pPr marL="3657600" marR="0" lvl="7" indent="-304800" algn="l" rtl="0">
+              <a:lnSpc>
+                <a:spcPct val="115000"/>
+              </a:lnSpc>
+              <a:spcBef>
+                <a:spcPts val="0"/>
+              </a:spcBef>
+              <a:spcAft>
+                <a:spcPts val="0"/>
+              </a:spcAft>
+              <a:buClr>
+                <a:srgbClr val="434343"/>
+              </a:buClr>
+              <a:buSzPts val="1200"/>
+              <a:buFont typeface="Roboto Condensed Light"/>
+              <a:buAutoNum type="alphaLcPeriod"/>
+              <a:defRPr sz="1400" b="0" i="0" u="none" strike="noStrike" cap="none">
+                <a:solidFill>
+                  <a:schemeClr val="dk1"/>
+                </a:solidFill>
+                <a:latin typeface="Roboto"/>
+                <a:ea typeface="Roboto"/>
+                <a:cs typeface="Roboto"/>
+                <a:sym typeface="Roboto"/>
+              </a:defRPr>
+            </a:lvl8pPr>
+            <a:lvl9pPr marL="4114800" marR="0" lvl="8" indent="-304800" algn="l" rtl="0">
+              <a:lnSpc>
+                <a:spcPct val="115000"/>
+              </a:lnSpc>
+              <a:spcBef>
+                <a:spcPts val="0"/>
+              </a:spcBef>
+              <a:spcAft>
+                <a:spcPts val="0"/>
+              </a:spcAft>
+              <a:buClr>
+                <a:srgbClr val="434343"/>
+              </a:buClr>
+              <a:buSzPts val="1200"/>
+              <a:buFont typeface="Roboto Condensed Light"/>
+              <a:buAutoNum type="romanLcPeriod"/>
+              <a:defRPr sz="1400" b="0" i="0" u="none" strike="noStrike" cap="none">
+                <a:solidFill>
+                  <a:schemeClr val="dk1"/>
+                </a:solidFill>
+                <a:latin typeface="Roboto"/>
+                <a:ea typeface="Roboto"/>
+                <a:cs typeface="Roboto"/>
+                <a:sym typeface="Roboto"/>
+              </a:defRPr>
+            </a:lvl9pPr>
+          </a:lstStyle>
+          <a:p>
+            <a:pPr marL="0" indent="0">
+              <a:buClr>
+                <a:schemeClr val="dk1"/>
+              </a:buClr>
+              <a:buSzPts val="1100"/>
+              <a:buNone/>
+            </a:pPr>
+            <a:r>
+              <a:rPr lang="en-GB" sz="1600" dirty="0"/>
+              <a:t>The below steps are followed for each document found in the dataset. </a:t>
+            </a:r>
+          </a:p>
+          <a:p>
+            <a:pPr marL="0" indent="0">
+              <a:buClr>
+                <a:schemeClr val="dk1"/>
+              </a:buClr>
+              <a:buSzPts val="1100"/>
+              <a:buNone/>
+            </a:pPr>
+            <a:endParaRPr lang="en-GB" sz="1600" dirty="0"/>
+          </a:p>
+          <a:p>
+            <a:pPr marL="0" indent="0">
+              <a:buClr>
+                <a:schemeClr val="dk1"/>
+              </a:buClr>
+              <a:buSzPts val="1100"/>
+              <a:buNone/>
+            </a:pPr>
+            <a:r>
+              <a:rPr lang="en-GB" sz="1600" dirty="0"/>
+              <a:t>Punctuations and numbers don’t help much in processing the given text, if included, they will just increase the size of a bag of words that we will create as the last step and decrease the efficiency of an algorithm.</a:t>
+            </a:r>
+          </a:p>
+          <a:p>
+            <a:pPr marL="0" indent="0">
+              <a:buClr>
+                <a:schemeClr val="dk1"/>
+              </a:buClr>
+              <a:buSzPts val="1100"/>
+              <a:buNone/>
+            </a:pPr>
+            <a:r>
+              <a:rPr lang="en-GB" sz="1600" dirty="0"/>
+              <a:t>So, punctuation and numbers are removed from the text using regular expressions. </a:t>
+            </a:r>
+          </a:p>
+          <a:p>
+            <a:pPr marL="0" indent="0">
+              <a:buClr>
+                <a:schemeClr val="dk1"/>
+              </a:buClr>
+              <a:buSzPts val="1100"/>
+              <a:buNone/>
+            </a:pPr>
+            <a:endParaRPr lang="en-GB" sz="1600" dirty="0"/>
+          </a:p>
+          <a:p>
+            <a:pPr marL="0" indent="0">
+              <a:buClr>
+                <a:schemeClr val="dk1"/>
+              </a:buClr>
+              <a:buSzPts val="1100"/>
+              <a:buNone/>
+            </a:pPr>
+            <a:r>
+              <a:rPr lang="en-GB" sz="1600" dirty="0"/>
+              <a:t>After that, the document is tokenized and stop words are removed from the list of tokens (stop words filtering).</a:t>
+            </a:r>
+          </a:p>
+          <a:p>
+            <a:pPr marL="0" indent="0">
+              <a:buClr>
+                <a:schemeClr val="dk1"/>
+              </a:buClr>
+              <a:buSzPts val="1100"/>
+              <a:buNone/>
+            </a:pPr>
+            <a:endParaRPr lang="en-GB" sz="1600" dirty="0"/>
+          </a:p>
+          <a:p>
+            <a:pPr marL="0" indent="0">
+              <a:buClr>
+                <a:schemeClr val="dk1"/>
+              </a:buClr>
+              <a:buSzPts val="1100"/>
+              <a:buNone/>
+            </a:pPr>
+            <a:r>
+              <a:rPr lang="en-GB" sz="1600" dirty="0"/>
+              <a:t>The last phase is the stemming, so for each token is taken its root word.</a:t>
+            </a:r>
+          </a:p>
+          <a:p>
+            <a:pPr marL="0" indent="0">
+              <a:buClr>
+                <a:schemeClr val="dk1"/>
+              </a:buClr>
+              <a:buSzPts val="1100"/>
+              <a:buNone/>
+            </a:pPr>
+            <a:endParaRPr lang="en-GB" sz="1600" dirty="0"/>
+          </a:p>
+        </p:txBody>
+      </p:sp>
+      <p:grpSp>
+        <p:nvGrpSpPr>
+          <p:cNvPr id="1362" name="Google Shape;1362;p38"/>
+          <p:cNvGrpSpPr/>
+          <p:nvPr/>
+        </p:nvGrpSpPr>
+        <p:grpSpPr>
+          <a:xfrm rot="1796183">
+            <a:off x="-280957" y="4547452"/>
+            <a:ext cx="957552" cy="766847"/>
+            <a:chOff x="4365025" y="1539800"/>
+            <a:chExt cx="121025" cy="96925"/>
+          </a:xfrm>
+        </p:grpSpPr>
+        <p:sp>
+          <p:nvSpPr>
+            <p:cNvPr id="1363" name="Google Shape;1363;p38"/>
+            <p:cNvSpPr/>
+            <p:nvPr/>
+          </p:nvSpPr>
+          <p:spPr>
+            <a:xfrm>
+              <a:off x="4365025" y="1587950"/>
+              <a:ext cx="30125" cy="19500"/>
+            </a:xfrm>
+            <a:custGeom>
+              <a:avLst/>
+              <a:gdLst/>
+              <a:ahLst/>
+              <a:cxnLst/>
+              <a:rect l="l" t="t" r="r" b="b"/>
+              <a:pathLst>
+                <a:path w="1205" h="780" extrusionOk="0">
+                  <a:moveTo>
+                    <a:pt x="786" y="0"/>
+                  </a:moveTo>
+                  <a:cubicBezTo>
+                    <a:pt x="525" y="3"/>
+                    <a:pt x="1" y="135"/>
+                    <a:pt x="70" y="487"/>
+                  </a:cubicBezTo>
+                  <a:cubicBezTo>
+                    <a:pt x="112" y="700"/>
+                    <a:pt x="344" y="779"/>
+                    <a:pt x="555" y="779"/>
+                  </a:cubicBezTo>
+                  <a:cubicBezTo>
+                    <a:pt x="632" y="779"/>
+                    <a:pt x="705" y="769"/>
+                    <a:pt x="766" y="751"/>
+                  </a:cubicBezTo>
+                  <a:cubicBezTo>
+                    <a:pt x="949" y="699"/>
+                    <a:pt x="1204" y="525"/>
+                    <a:pt x="1147" y="307"/>
+                  </a:cubicBezTo>
+                  <a:cubicBezTo>
+                    <a:pt x="1115" y="184"/>
+                    <a:pt x="929" y="49"/>
+                    <a:pt x="786" y="0"/>
+                  </a:cubicBezTo>
+                  <a:close/>
+                </a:path>
+              </a:pathLst>
+            </a:custGeom>
+            <a:solidFill>
+              <a:schemeClr val="accent4"/>
+            </a:solidFill>
+            <a:ln>
+              <a:noFill/>
+            </a:ln>
+          </p:spPr>
+          <p:txBody>
+            <a:bodyPr spcFirstLastPara="1" wrap="square" lIns="91425" tIns="91425" rIns="91425" bIns="91425" anchor="ctr" anchorCtr="0">
+              <a:noAutofit/>
+            </a:bodyPr>
+            <a:lstStyle/>
+            <a:p>
+              <a:pPr marL="0" lvl="0" indent="0" algn="l" rtl="0">
+                <a:spcBef>
+                  <a:spcPts val="0"/>
+                </a:spcBef>
+                <a:spcAft>
+                  <a:spcPts val="0"/>
+                </a:spcAft>
+                <a:buNone/>
+              </a:pPr>
+              <a:endParaRPr/>
+            </a:p>
+          </p:txBody>
+        </p:sp>
+        <p:sp>
+          <p:nvSpPr>
+            <p:cNvPr id="1364" name="Google Shape;1364;p38"/>
+            <p:cNvSpPr/>
+            <p:nvPr/>
+          </p:nvSpPr>
+          <p:spPr>
+            <a:xfrm>
+              <a:off x="4407850" y="1579225"/>
+              <a:ext cx="22750" cy="14925"/>
+            </a:xfrm>
+            <a:custGeom>
+              <a:avLst/>
+              <a:gdLst/>
+              <a:ahLst/>
+              <a:cxnLst/>
+              <a:rect l="l" t="t" r="r" b="b"/>
+              <a:pathLst>
+                <a:path w="910" h="597" extrusionOk="0">
+                  <a:moveTo>
+                    <a:pt x="581" y="0"/>
+                  </a:moveTo>
+                  <a:cubicBezTo>
+                    <a:pt x="571" y="0"/>
+                    <a:pt x="561" y="1"/>
+                    <a:pt x="551" y="3"/>
+                  </a:cubicBezTo>
+                  <a:lnTo>
+                    <a:pt x="594" y="8"/>
+                  </a:lnTo>
+                  <a:cubicBezTo>
+                    <a:pt x="1" y="8"/>
+                    <a:pt x="140" y="596"/>
+                    <a:pt x="475" y="596"/>
+                  </a:cubicBezTo>
+                  <a:cubicBezTo>
+                    <a:pt x="531" y="596"/>
+                    <a:pt x="593" y="580"/>
+                    <a:pt x="657" y="541"/>
+                  </a:cubicBezTo>
+                  <a:cubicBezTo>
+                    <a:pt x="801" y="455"/>
+                    <a:pt x="909" y="343"/>
+                    <a:pt x="832" y="180"/>
+                  </a:cubicBezTo>
+                  <a:cubicBezTo>
+                    <a:pt x="788" y="81"/>
+                    <a:pt x="686" y="0"/>
+                    <a:pt x="581" y="0"/>
+                  </a:cubicBezTo>
+                  <a:close/>
+                </a:path>
+              </a:pathLst>
+            </a:custGeom>
+            <a:solidFill>
+              <a:schemeClr val="accent4"/>
+            </a:solidFill>
+            <a:ln>
+              <a:noFill/>
+            </a:ln>
+          </p:spPr>
+          <p:txBody>
+            <a:bodyPr spcFirstLastPara="1" wrap="square" lIns="91425" tIns="91425" rIns="91425" bIns="91425" anchor="ctr" anchorCtr="0">
+              <a:noAutofit/>
+            </a:bodyPr>
+            <a:lstStyle/>
+            <a:p>
+              <a:pPr marL="0" lvl="0" indent="0" algn="l" rtl="0">
+                <a:spcBef>
+                  <a:spcPts val="0"/>
+                </a:spcBef>
+                <a:spcAft>
+                  <a:spcPts val="0"/>
+                </a:spcAft>
+                <a:buNone/>
+              </a:pPr>
+              <a:endParaRPr/>
+            </a:p>
+          </p:txBody>
+        </p:sp>
+        <p:sp>
+          <p:nvSpPr>
+            <p:cNvPr id="1365" name="Google Shape;1365;p38"/>
+            <p:cNvSpPr/>
+            <p:nvPr/>
+          </p:nvSpPr>
+          <p:spPr>
+            <a:xfrm>
+              <a:off x="4403900" y="1617025"/>
+              <a:ext cx="28200" cy="19700"/>
+            </a:xfrm>
+            <a:custGeom>
+              <a:avLst/>
+              <a:gdLst/>
+              <a:ahLst/>
+              <a:cxnLst/>
+              <a:rect l="l" t="t" r="r" b="b"/>
+              <a:pathLst>
+                <a:path w="1128" h="788" extrusionOk="0">
+                  <a:moveTo>
+                    <a:pt x="649" y="0"/>
+                  </a:moveTo>
+                  <a:cubicBezTo>
+                    <a:pt x="0" y="101"/>
+                    <a:pt x="230" y="788"/>
+                    <a:pt x="599" y="788"/>
+                  </a:cubicBezTo>
+                  <a:cubicBezTo>
+                    <a:pt x="681" y="788"/>
+                    <a:pt x="770" y="754"/>
+                    <a:pt x="858" y="671"/>
+                  </a:cubicBezTo>
+                  <a:cubicBezTo>
+                    <a:pt x="1128" y="416"/>
+                    <a:pt x="921" y="141"/>
+                    <a:pt x="649" y="0"/>
+                  </a:cubicBezTo>
+                  <a:close/>
+                </a:path>
+              </a:pathLst>
+            </a:custGeom>
+            <a:solidFill>
+              <a:schemeClr val="accent4"/>
+            </a:solidFill>
+            <a:ln>
+              <a:noFill/>
+            </a:ln>
+          </p:spPr>
+          <p:txBody>
+            <a:bodyPr spcFirstLastPara="1" wrap="square" lIns="91425" tIns="91425" rIns="91425" bIns="91425" anchor="ctr" anchorCtr="0">
+              <a:noAutofit/>
+            </a:bodyPr>
+            <a:lstStyle/>
+            <a:p>
+              <a:pPr marL="0" lvl="0" indent="0" algn="l" rtl="0">
+                <a:spcBef>
+                  <a:spcPts val="0"/>
+                </a:spcBef>
+                <a:spcAft>
+                  <a:spcPts val="0"/>
+                </a:spcAft>
+                <a:buNone/>
+              </a:pPr>
+              <a:endParaRPr/>
+            </a:p>
+          </p:txBody>
+        </p:sp>
+        <p:sp>
+          <p:nvSpPr>
+            <p:cNvPr id="1366" name="Google Shape;1366;p38"/>
+            <p:cNvSpPr/>
+            <p:nvPr/>
+          </p:nvSpPr>
+          <p:spPr>
+            <a:xfrm>
+              <a:off x="4449625" y="1610200"/>
+              <a:ext cx="13700" cy="15800"/>
+            </a:xfrm>
+            <a:custGeom>
+              <a:avLst/>
+              <a:gdLst/>
+              <a:ahLst/>
+              <a:cxnLst/>
+              <a:rect l="l" t="t" r="r" b="b"/>
+              <a:pathLst>
+                <a:path w="548" h="632" extrusionOk="0">
+                  <a:moveTo>
+                    <a:pt x="299" y="0"/>
+                  </a:moveTo>
+                  <a:cubicBezTo>
+                    <a:pt x="274" y="0"/>
+                    <a:pt x="251" y="8"/>
+                    <a:pt x="230" y="27"/>
+                  </a:cubicBezTo>
+                  <a:lnTo>
+                    <a:pt x="207" y="59"/>
+                  </a:lnTo>
+                  <a:cubicBezTo>
+                    <a:pt x="78" y="248"/>
+                    <a:pt x="1" y="468"/>
+                    <a:pt x="213" y="632"/>
+                  </a:cubicBezTo>
+                  <a:cubicBezTo>
+                    <a:pt x="359" y="563"/>
+                    <a:pt x="548" y="408"/>
+                    <a:pt x="519" y="225"/>
+                  </a:cubicBezTo>
+                  <a:cubicBezTo>
+                    <a:pt x="505" y="131"/>
+                    <a:pt x="396" y="0"/>
+                    <a:pt x="299" y="0"/>
+                  </a:cubicBezTo>
+                  <a:close/>
+                </a:path>
+              </a:pathLst>
+            </a:custGeom>
+            <a:solidFill>
+              <a:schemeClr val="accent4"/>
+            </a:solidFill>
+            <a:ln>
+              <a:noFill/>
+            </a:ln>
+          </p:spPr>
+          <p:txBody>
+            <a:bodyPr spcFirstLastPara="1" wrap="square" lIns="91425" tIns="91425" rIns="91425" bIns="91425" anchor="ctr" anchorCtr="0">
+              <a:noAutofit/>
+            </a:bodyPr>
+            <a:lstStyle/>
+            <a:p>
+              <a:pPr marL="0" lvl="0" indent="0" algn="l" rtl="0">
+                <a:spcBef>
+                  <a:spcPts val="0"/>
+                </a:spcBef>
+                <a:spcAft>
+                  <a:spcPts val="0"/>
+                </a:spcAft>
+                <a:buNone/>
+              </a:pPr>
+              <a:endParaRPr/>
+            </a:p>
+          </p:txBody>
+        </p:sp>
+        <p:sp>
+          <p:nvSpPr>
+            <p:cNvPr id="1367" name="Google Shape;1367;p38"/>
+            <p:cNvSpPr/>
+            <p:nvPr/>
+          </p:nvSpPr>
+          <p:spPr>
+            <a:xfrm>
+              <a:off x="4388575" y="1553100"/>
+              <a:ext cx="24300" cy="10400"/>
+            </a:xfrm>
+            <a:custGeom>
+              <a:avLst/>
+              <a:gdLst/>
+              <a:ahLst/>
+              <a:cxnLst/>
+              <a:rect l="l" t="t" r="r" b="b"/>
+              <a:pathLst>
+                <a:path w="972" h="416" extrusionOk="0">
+                  <a:moveTo>
+                    <a:pt x="577" y="1"/>
+                  </a:moveTo>
+                  <a:cubicBezTo>
+                    <a:pt x="297" y="1"/>
+                    <a:pt x="1" y="289"/>
+                    <a:pt x="403" y="400"/>
+                  </a:cubicBezTo>
+                  <a:cubicBezTo>
+                    <a:pt x="440" y="410"/>
+                    <a:pt x="477" y="415"/>
+                    <a:pt x="514" y="415"/>
+                  </a:cubicBezTo>
+                  <a:cubicBezTo>
+                    <a:pt x="764" y="415"/>
+                    <a:pt x="972" y="196"/>
+                    <a:pt x="692" y="19"/>
+                  </a:cubicBezTo>
+                  <a:cubicBezTo>
+                    <a:pt x="655" y="6"/>
+                    <a:pt x="616" y="1"/>
+                    <a:pt x="577" y="1"/>
+                  </a:cubicBezTo>
+                  <a:close/>
+                </a:path>
+              </a:pathLst>
+            </a:custGeom>
+            <a:solidFill>
+              <a:schemeClr val="accent4"/>
+            </a:solidFill>
+            <a:ln>
+              <a:noFill/>
+            </a:ln>
+          </p:spPr>
+          <p:txBody>
+            <a:bodyPr spcFirstLastPara="1" wrap="square" lIns="91425" tIns="91425" rIns="91425" bIns="91425" anchor="ctr" anchorCtr="0">
+              <a:noAutofit/>
+            </a:bodyPr>
+            <a:lstStyle/>
+            <a:p>
+              <a:pPr marL="0" lvl="0" indent="0" algn="l" rtl="0">
+                <a:spcBef>
+                  <a:spcPts val="0"/>
+                </a:spcBef>
+                <a:spcAft>
+                  <a:spcPts val="0"/>
+                </a:spcAft>
+                <a:buNone/>
+              </a:pPr>
+              <a:endParaRPr/>
+            </a:p>
+          </p:txBody>
+        </p:sp>
+        <p:sp>
+          <p:nvSpPr>
+            <p:cNvPr id="1368" name="Google Shape;1368;p38"/>
+            <p:cNvSpPr/>
+            <p:nvPr/>
+          </p:nvSpPr>
+          <p:spPr>
+            <a:xfrm>
+              <a:off x="4457500" y="1582775"/>
+              <a:ext cx="13600" cy="7825"/>
+            </a:xfrm>
+            <a:custGeom>
+              <a:avLst/>
+              <a:gdLst/>
+              <a:ahLst/>
+              <a:cxnLst/>
+              <a:rect l="l" t="t" r="r" b="b"/>
+              <a:pathLst>
+                <a:path w="544" h="313" extrusionOk="0">
+                  <a:moveTo>
+                    <a:pt x="362" y="1"/>
+                  </a:moveTo>
+                  <a:cubicBezTo>
+                    <a:pt x="264" y="27"/>
+                    <a:pt x="1" y="67"/>
+                    <a:pt x="35" y="216"/>
+                  </a:cubicBezTo>
+                  <a:cubicBezTo>
+                    <a:pt x="51" y="296"/>
+                    <a:pt x="119" y="313"/>
+                    <a:pt x="186" y="313"/>
+                  </a:cubicBezTo>
+                  <a:cubicBezTo>
+                    <a:pt x="212" y="313"/>
+                    <a:pt x="239" y="310"/>
+                    <a:pt x="261" y="307"/>
+                  </a:cubicBezTo>
+                  <a:cubicBezTo>
+                    <a:pt x="345" y="299"/>
+                    <a:pt x="516" y="262"/>
+                    <a:pt x="534" y="153"/>
+                  </a:cubicBezTo>
+                  <a:cubicBezTo>
+                    <a:pt x="543" y="91"/>
+                    <a:pt x="467" y="11"/>
+                    <a:pt x="400" y="11"/>
+                  </a:cubicBezTo>
+                  <a:cubicBezTo>
+                    <a:pt x="389" y="11"/>
+                    <a:pt x="378" y="13"/>
+                    <a:pt x="367" y="18"/>
+                  </a:cubicBezTo>
+                  <a:lnTo>
+                    <a:pt x="362" y="1"/>
+                  </a:lnTo>
+                  <a:close/>
+                </a:path>
+              </a:pathLst>
+            </a:custGeom>
+            <a:solidFill>
+              <a:schemeClr val="accent4"/>
+            </a:solidFill>
+            <a:ln>
+              <a:noFill/>
+            </a:ln>
+          </p:spPr>
+          <p:txBody>
+            <a:bodyPr spcFirstLastPara="1" wrap="square" lIns="91425" tIns="91425" rIns="91425" bIns="91425" anchor="ctr" anchorCtr="0">
+              <a:noAutofit/>
+            </a:bodyPr>
+            <a:lstStyle/>
+            <a:p>
+              <a:pPr marL="0" lvl="0" indent="0" algn="l" rtl="0">
+                <a:spcBef>
+                  <a:spcPts val="0"/>
+                </a:spcBef>
+                <a:spcAft>
+                  <a:spcPts val="0"/>
+                </a:spcAft>
+                <a:buNone/>
+              </a:pPr>
+              <a:endParaRPr/>
+            </a:p>
+          </p:txBody>
+        </p:sp>
+        <p:sp>
+          <p:nvSpPr>
+            <p:cNvPr id="1369" name="Google Shape;1369;p38"/>
+            <p:cNvSpPr/>
+            <p:nvPr/>
+          </p:nvSpPr>
+          <p:spPr>
+            <a:xfrm>
+              <a:off x="4436600" y="1539800"/>
+              <a:ext cx="15925" cy="12850"/>
+            </a:xfrm>
+            <a:custGeom>
+              <a:avLst/>
+              <a:gdLst/>
+              <a:ahLst/>
+              <a:cxnLst/>
+              <a:rect l="l" t="t" r="r" b="b"/>
+              <a:pathLst>
+                <a:path w="637" h="514" extrusionOk="0">
+                  <a:moveTo>
+                    <a:pt x="473" y="1"/>
+                  </a:moveTo>
+                  <a:lnTo>
+                    <a:pt x="473" y="1"/>
+                  </a:lnTo>
+                  <a:cubicBezTo>
+                    <a:pt x="307" y="21"/>
+                    <a:pt x="0" y="196"/>
+                    <a:pt x="83" y="405"/>
+                  </a:cubicBezTo>
+                  <a:cubicBezTo>
+                    <a:pt x="115" y="484"/>
+                    <a:pt x="170" y="514"/>
+                    <a:pt x="230" y="514"/>
+                  </a:cubicBezTo>
+                  <a:cubicBezTo>
+                    <a:pt x="297" y="514"/>
+                    <a:pt x="370" y="478"/>
+                    <a:pt x="427" y="433"/>
+                  </a:cubicBezTo>
+                  <a:cubicBezTo>
+                    <a:pt x="570" y="319"/>
+                    <a:pt x="636" y="113"/>
+                    <a:pt x="473" y="1"/>
+                  </a:cubicBezTo>
+                  <a:close/>
+                </a:path>
+              </a:pathLst>
+            </a:custGeom>
+            <a:solidFill>
+              <a:schemeClr val="accent4"/>
+            </a:solidFill>
+            <a:ln>
+              <a:noFill/>
+            </a:ln>
+          </p:spPr>
+          <p:txBody>
+            <a:bodyPr spcFirstLastPara="1" wrap="square" lIns="91425" tIns="91425" rIns="91425" bIns="91425" anchor="ctr" anchorCtr="0">
+              <a:noAutofit/>
+            </a:bodyPr>
+            <a:lstStyle/>
+            <a:p>
+              <a:pPr marL="0" lvl="0" indent="0" algn="l" rtl="0">
+                <a:spcBef>
+                  <a:spcPts val="0"/>
+                </a:spcBef>
+                <a:spcAft>
+                  <a:spcPts val="0"/>
+                </a:spcAft>
+                <a:buNone/>
+              </a:pPr>
+              <a:endParaRPr/>
+            </a:p>
+          </p:txBody>
+        </p:sp>
+        <p:sp>
+          <p:nvSpPr>
+            <p:cNvPr id="1370" name="Google Shape;1370;p38"/>
+            <p:cNvSpPr/>
+            <p:nvPr/>
+          </p:nvSpPr>
+          <p:spPr>
+            <a:xfrm>
+              <a:off x="4472250" y="1549775"/>
+              <a:ext cx="13800" cy="12175"/>
+            </a:xfrm>
+            <a:custGeom>
+              <a:avLst/>
+              <a:gdLst/>
+              <a:ahLst/>
+              <a:cxnLst/>
+              <a:rect l="l" t="t" r="r" b="b"/>
+              <a:pathLst>
+                <a:path w="552" h="487" extrusionOk="0">
+                  <a:moveTo>
+                    <a:pt x="359" y="0"/>
+                  </a:moveTo>
+                  <a:lnTo>
+                    <a:pt x="359" y="0"/>
+                  </a:lnTo>
+                  <a:cubicBezTo>
+                    <a:pt x="239" y="37"/>
+                    <a:pt x="1" y="161"/>
+                    <a:pt x="18" y="315"/>
+                  </a:cubicBezTo>
+                  <a:cubicBezTo>
+                    <a:pt x="28" y="414"/>
+                    <a:pt x="123" y="487"/>
+                    <a:pt x="221" y="487"/>
+                  </a:cubicBezTo>
+                  <a:cubicBezTo>
+                    <a:pt x="239" y="487"/>
+                    <a:pt x="258" y="484"/>
+                    <a:pt x="276" y="479"/>
+                  </a:cubicBezTo>
+                  <a:cubicBezTo>
+                    <a:pt x="442" y="433"/>
+                    <a:pt x="551" y="118"/>
+                    <a:pt x="359" y="0"/>
+                  </a:cubicBezTo>
+                  <a:close/>
+                </a:path>
+              </a:pathLst>
+            </a:custGeom>
+            <a:solidFill>
+              <a:schemeClr val="accent4"/>
+            </a:solidFill>
+            <a:ln>
+              <a:noFill/>
+            </a:ln>
+          </p:spPr>
+          <p:txBody>
+            <a:bodyPr spcFirstLastPara="1" wrap="square" lIns="91425" tIns="91425" rIns="91425" bIns="91425" anchor="ctr" anchorCtr="0">
+              <a:noAutofit/>
+            </a:bodyPr>
+            <a:lstStyle/>
+            <a:p>
+              <a:pPr marL="0" lvl="0" indent="0" algn="l" rtl="0">
+                <a:spcBef>
+                  <a:spcPts val="0"/>
+                </a:spcBef>
+                <a:spcAft>
+                  <a:spcPts val="0"/>
+                </a:spcAft>
+                <a:buNone/>
+              </a:pPr>
+              <a:endParaRPr/>
+            </a:p>
+          </p:txBody>
+        </p:sp>
+      </p:grpSp>
+      <p:sp>
+        <p:nvSpPr>
+          <p:cNvPr id="7" name="Google Shape;1343;p38">
+            <a:extLst>
+              <a:ext uri="{FF2B5EF4-FFF2-40B4-BE49-F238E27FC236}">
+                <a16:creationId xmlns:a16="http://schemas.microsoft.com/office/drawing/2014/main" id="{F15CCC14-A652-DCAE-F707-EFA7C83CA764}"/>
+              </a:ext>
+            </a:extLst>
+          </p:cNvPr>
+          <p:cNvSpPr txBox="1">
+            <a:spLocks/>
+          </p:cNvSpPr>
+          <p:nvPr/>
+        </p:nvSpPr>
+        <p:spPr>
+          <a:xfrm>
+            <a:off x="685392" y="544550"/>
+            <a:ext cx="7717800" cy="572700"/>
+          </a:xfrm>
+          <a:prstGeom prst="rect">
+            <a:avLst/>
+          </a:prstGeom>
+          <a:noFill/>
+          <a:ln>
+            <a:noFill/>
+          </a:ln>
+        </p:spPr>
+        <p:txBody>
+          <a:bodyPr spcFirstLastPara="1" wrap="square" lIns="91425" tIns="91425" rIns="91425" bIns="91425" anchor="ctr" anchorCtr="0">
+            <a:noAutofit/>
+          </a:bodyPr>
+          <a:lstStyle>
+            <a:defPPr marR="0" lvl="0" algn="l" rtl="0">
+              <a:lnSpc>
+                <a:spcPct val="100000"/>
+              </a:lnSpc>
+              <a:spcBef>
+                <a:spcPts val="0"/>
+              </a:spcBef>
+              <a:spcAft>
+                <a:spcPts val="0"/>
+              </a:spcAft>
+            </a:defPPr>
+            <a:lvl1pPr marR="0" lvl="0" algn="l" rtl="0">
+              <a:lnSpc>
+                <a:spcPct val="100000"/>
+              </a:lnSpc>
+              <a:spcBef>
+                <a:spcPts val="0"/>
+              </a:spcBef>
+              <a:spcAft>
+                <a:spcPts val="0"/>
+              </a:spcAft>
+              <a:buClr>
+                <a:schemeClr val="dk1"/>
+              </a:buClr>
+              <a:buSzPts val="3200"/>
+              <a:buFont typeface="Tajawal"/>
+              <a:buNone/>
+              <a:defRPr sz="3200" b="1" i="0" u="none" strike="noStrike" cap="none">
+                <a:solidFill>
+                  <a:schemeClr val="dk1"/>
+                </a:solidFill>
+                <a:latin typeface="Tajawal"/>
+                <a:ea typeface="Tajawal"/>
+                <a:cs typeface="Tajawal"/>
+                <a:sym typeface="Tajawal"/>
+              </a:defRPr>
+            </a:lvl1pPr>
+            <a:lvl2pPr marR="0" lvl="1" algn="l" rtl="0">
+              <a:lnSpc>
+                <a:spcPct val="100000"/>
+              </a:lnSpc>
+              <a:spcBef>
+                <a:spcPts val="0"/>
+              </a:spcBef>
+              <a:spcAft>
+                <a:spcPts val="0"/>
+              </a:spcAft>
+              <a:buClr>
+                <a:schemeClr val="dk1"/>
+              </a:buClr>
+              <a:buSzPts val="3200"/>
+              <a:buFont typeface="Tajawal"/>
+              <a:buNone/>
+              <a:defRPr sz="3200" b="1" i="0" u="none" strike="noStrike" cap="none">
+                <a:solidFill>
+                  <a:schemeClr val="dk1"/>
+                </a:solidFill>
+                <a:latin typeface="Tajawal"/>
+                <a:ea typeface="Tajawal"/>
+                <a:cs typeface="Tajawal"/>
+                <a:sym typeface="Tajawal"/>
+              </a:defRPr>
+            </a:lvl2pPr>
+            <a:lvl3pPr marR="0" lvl="2" algn="l" rtl="0">
+              <a:lnSpc>
+                <a:spcPct val="100000"/>
+              </a:lnSpc>
+              <a:spcBef>
+                <a:spcPts val="0"/>
+              </a:spcBef>
+              <a:spcAft>
+                <a:spcPts val="0"/>
+              </a:spcAft>
+              <a:buClr>
+                <a:schemeClr val="dk1"/>
+              </a:buClr>
+              <a:buSzPts val="3200"/>
+              <a:buFont typeface="Tajawal"/>
+              <a:buNone/>
+              <a:defRPr sz="3200" b="1" i="0" u="none" strike="noStrike" cap="none">
+                <a:solidFill>
+                  <a:schemeClr val="dk1"/>
+                </a:solidFill>
+                <a:latin typeface="Tajawal"/>
+                <a:ea typeface="Tajawal"/>
+                <a:cs typeface="Tajawal"/>
+                <a:sym typeface="Tajawal"/>
+              </a:defRPr>
+            </a:lvl3pPr>
+            <a:lvl4pPr marR="0" lvl="3" algn="l" rtl="0">
+              <a:lnSpc>
+                <a:spcPct val="100000"/>
+              </a:lnSpc>
+              <a:spcBef>
+                <a:spcPts val="0"/>
+              </a:spcBef>
+              <a:spcAft>
+                <a:spcPts val="0"/>
+              </a:spcAft>
+              <a:buClr>
+                <a:schemeClr val="dk1"/>
+              </a:buClr>
+              <a:buSzPts val="3200"/>
+              <a:buFont typeface="Tajawal"/>
+              <a:buNone/>
+              <a:defRPr sz="3200" b="1" i="0" u="none" strike="noStrike" cap="none">
+                <a:solidFill>
+                  <a:schemeClr val="dk1"/>
+                </a:solidFill>
+                <a:latin typeface="Tajawal"/>
+                <a:ea typeface="Tajawal"/>
+                <a:cs typeface="Tajawal"/>
+                <a:sym typeface="Tajawal"/>
+              </a:defRPr>
+            </a:lvl4pPr>
+            <a:lvl5pPr marR="0" lvl="4" algn="l" rtl="0">
+              <a:lnSpc>
+                <a:spcPct val="100000"/>
+              </a:lnSpc>
+              <a:spcBef>
+                <a:spcPts val="0"/>
+              </a:spcBef>
+              <a:spcAft>
+                <a:spcPts val="0"/>
+              </a:spcAft>
+              <a:buClr>
+                <a:schemeClr val="dk1"/>
+              </a:buClr>
+              <a:buSzPts val="3200"/>
+              <a:buFont typeface="Tajawal"/>
+              <a:buNone/>
+              <a:defRPr sz="3200" b="1" i="0" u="none" strike="noStrike" cap="none">
+                <a:solidFill>
+                  <a:schemeClr val="dk1"/>
+                </a:solidFill>
+                <a:latin typeface="Tajawal"/>
+                <a:ea typeface="Tajawal"/>
+                <a:cs typeface="Tajawal"/>
+                <a:sym typeface="Tajawal"/>
+              </a:defRPr>
+            </a:lvl5pPr>
+            <a:lvl6pPr marR="0" lvl="5" algn="l" rtl="0">
+              <a:lnSpc>
+                <a:spcPct val="100000"/>
+              </a:lnSpc>
+              <a:spcBef>
+                <a:spcPts val="0"/>
+              </a:spcBef>
+              <a:spcAft>
+                <a:spcPts val="0"/>
+              </a:spcAft>
+              <a:buClr>
+                <a:schemeClr val="dk1"/>
+              </a:buClr>
+              <a:buSzPts val="3200"/>
+              <a:buFont typeface="Tajawal"/>
+              <a:buNone/>
+              <a:defRPr sz="3200" b="1" i="0" u="none" strike="noStrike" cap="none">
+                <a:solidFill>
+                  <a:schemeClr val="dk1"/>
+                </a:solidFill>
+                <a:latin typeface="Tajawal"/>
+                <a:ea typeface="Tajawal"/>
+                <a:cs typeface="Tajawal"/>
+                <a:sym typeface="Tajawal"/>
+              </a:defRPr>
+            </a:lvl6pPr>
+            <a:lvl7pPr marR="0" lvl="6" algn="l" rtl="0">
+              <a:lnSpc>
+                <a:spcPct val="100000"/>
+              </a:lnSpc>
+              <a:spcBef>
+                <a:spcPts val="0"/>
+              </a:spcBef>
+              <a:spcAft>
+                <a:spcPts val="0"/>
+              </a:spcAft>
+              <a:buClr>
+                <a:schemeClr val="dk1"/>
+              </a:buClr>
+              <a:buSzPts val="3200"/>
+              <a:buFont typeface="Tajawal"/>
+              <a:buNone/>
+              <a:defRPr sz="3200" b="1" i="0" u="none" strike="noStrike" cap="none">
+                <a:solidFill>
+                  <a:schemeClr val="dk1"/>
+                </a:solidFill>
+                <a:latin typeface="Tajawal"/>
+                <a:ea typeface="Tajawal"/>
+                <a:cs typeface="Tajawal"/>
+                <a:sym typeface="Tajawal"/>
+              </a:defRPr>
+            </a:lvl7pPr>
+            <a:lvl8pPr marR="0" lvl="7" algn="l" rtl="0">
+              <a:lnSpc>
+                <a:spcPct val="100000"/>
+              </a:lnSpc>
+              <a:spcBef>
+                <a:spcPts val="0"/>
+              </a:spcBef>
+              <a:spcAft>
+                <a:spcPts val="0"/>
+              </a:spcAft>
+              <a:buClr>
+                <a:schemeClr val="dk1"/>
+              </a:buClr>
+              <a:buSzPts val="3200"/>
+              <a:buFont typeface="Tajawal"/>
+              <a:buNone/>
+              <a:defRPr sz="3200" b="1" i="0" u="none" strike="noStrike" cap="none">
+                <a:solidFill>
+                  <a:schemeClr val="dk1"/>
+                </a:solidFill>
+                <a:latin typeface="Tajawal"/>
+                <a:ea typeface="Tajawal"/>
+                <a:cs typeface="Tajawal"/>
+                <a:sym typeface="Tajawal"/>
+              </a:defRPr>
+            </a:lvl8pPr>
+            <a:lvl9pPr marR="0" lvl="8" algn="l" rtl="0">
+              <a:lnSpc>
+                <a:spcPct val="100000"/>
+              </a:lnSpc>
+              <a:spcBef>
+                <a:spcPts val="0"/>
+              </a:spcBef>
+              <a:spcAft>
+                <a:spcPts val="0"/>
+              </a:spcAft>
+              <a:buClr>
+                <a:schemeClr val="dk1"/>
+              </a:buClr>
+              <a:buSzPts val="3200"/>
+              <a:buFont typeface="Tajawal"/>
+              <a:buNone/>
+              <a:defRPr sz="3200" b="1" i="0" u="none" strike="noStrike" cap="none">
+                <a:solidFill>
+                  <a:schemeClr val="dk1"/>
+                </a:solidFill>
+                <a:latin typeface="Tajawal"/>
+                <a:ea typeface="Tajawal"/>
+                <a:cs typeface="Tajawal"/>
+                <a:sym typeface="Tajawal"/>
+              </a:defRPr>
+            </a:lvl9pPr>
+          </a:lstStyle>
+          <a:p>
+            <a:r>
+              <a:rPr lang="en-GB" dirty="0"/>
+              <a:t>RE, Tokenization, stemming</a:t>
+            </a:r>
+          </a:p>
+        </p:txBody>
+      </p:sp>
+      <p:pic>
+        <p:nvPicPr>
+          <p:cNvPr id="6" name="Picture 5" descr="A picture containing circle&#10;&#10;Description automatically generated">
+            <a:extLst>
+              <a:ext uri="{FF2B5EF4-FFF2-40B4-BE49-F238E27FC236}">
+                <a16:creationId xmlns:a16="http://schemas.microsoft.com/office/drawing/2014/main" id="{BCC1A354-C16D-AB32-B9A9-8A5FA86E74F5}"/>
+              </a:ext>
+            </a:extLst>
+          </p:cNvPr>
+          <p:cNvPicPr>
+            <a:picLocks noChangeAspect="1"/>
+          </p:cNvPicPr>
+          <p:nvPr/>
+        </p:nvPicPr>
+        <p:blipFill>
+          <a:blip r:embed="rId4"/>
+          <a:stretch>
+            <a:fillRect/>
+          </a:stretch>
+        </p:blipFill>
+        <p:spPr>
+          <a:xfrm>
+            <a:off x="7820528" y="132735"/>
+            <a:ext cx="1258284" cy="677376"/>
+          </a:xfrm>
+          <a:prstGeom prst="rect">
+            <a:avLst/>
+          </a:prstGeom>
+        </p:spPr>
+      </p:pic>
+      <p:sp>
+        <p:nvSpPr>
+          <p:cNvPr id="8" name="Title 1">
+            <a:extLst>
+              <a:ext uri="{FF2B5EF4-FFF2-40B4-BE49-F238E27FC236}">
+                <a16:creationId xmlns:a16="http://schemas.microsoft.com/office/drawing/2014/main" id="{FAEE2A23-1D56-E547-5EF2-FA582DC6F459}"/>
+              </a:ext>
+            </a:extLst>
+          </p:cNvPr>
+          <p:cNvSpPr txBox="1">
+            <a:spLocks/>
+          </p:cNvSpPr>
+          <p:nvPr/>
+        </p:nvSpPr>
+        <p:spPr>
+          <a:xfrm>
+            <a:off x="731870" y="280427"/>
+            <a:ext cx="7717800" cy="572700"/>
+          </a:xfrm>
+          <a:prstGeom prst="rect">
+            <a:avLst/>
+          </a:prstGeom>
+          <a:noFill/>
+          <a:ln>
+            <a:noFill/>
+          </a:ln>
+        </p:spPr>
+        <p:txBody>
+          <a:bodyPr spcFirstLastPara="1" wrap="square" lIns="91425" tIns="91425" rIns="91425" bIns="91425" anchor="ctr" anchorCtr="0">
+            <a:noAutofit/>
+          </a:bodyPr>
+          <a:lstStyle>
+            <a:defPPr marR="0" lvl="0" algn="l" rtl="0">
+              <a:lnSpc>
+                <a:spcPct val="100000"/>
+              </a:lnSpc>
+              <a:spcBef>
+                <a:spcPts val="0"/>
+              </a:spcBef>
+              <a:spcAft>
+                <a:spcPts val="0"/>
+              </a:spcAft>
+            </a:defPPr>
+            <a:lvl1pPr marR="0" lvl="0" algn="l" rtl="0">
+              <a:lnSpc>
+                <a:spcPct val="100000"/>
+              </a:lnSpc>
+              <a:spcBef>
+                <a:spcPts val="0"/>
+              </a:spcBef>
+              <a:spcAft>
+                <a:spcPts val="0"/>
+              </a:spcAft>
+              <a:buClr>
+                <a:schemeClr val="dk1"/>
+              </a:buClr>
+              <a:buSzPts val="3200"/>
+              <a:buFont typeface="Tajawal"/>
+              <a:buNone/>
+              <a:defRPr sz="3200" b="1" i="0" u="none" strike="noStrike" cap="none">
+                <a:solidFill>
+                  <a:schemeClr val="dk1"/>
+                </a:solidFill>
+                <a:latin typeface="Tajawal"/>
+                <a:ea typeface="Tajawal"/>
+                <a:cs typeface="Tajawal"/>
+                <a:sym typeface="Tajawal"/>
+              </a:defRPr>
+            </a:lvl1pPr>
+            <a:lvl2pPr marR="0" lvl="1" algn="l" rtl="0">
+              <a:lnSpc>
+                <a:spcPct val="100000"/>
+              </a:lnSpc>
+              <a:spcBef>
+                <a:spcPts val="0"/>
+              </a:spcBef>
+              <a:spcAft>
+                <a:spcPts val="0"/>
+              </a:spcAft>
+              <a:buClr>
+                <a:schemeClr val="dk1"/>
+              </a:buClr>
+              <a:buSzPts val="3200"/>
+              <a:buFont typeface="Tajawal"/>
+              <a:buNone/>
+              <a:defRPr sz="3200" b="1" i="0" u="none" strike="noStrike" cap="none">
+                <a:solidFill>
+                  <a:schemeClr val="dk1"/>
+                </a:solidFill>
+                <a:latin typeface="Tajawal"/>
+                <a:ea typeface="Tajawal"/>
+                <a:cs typeface="Tajawal"/>
+                <a:sym typeface="Tajawal"/>
+              </a:defRPr>
+            </a:lvl2pPr>
+            <a:lvl3pPr marR="0" lvl="2" algn="l" rtl="0">
+              <a:lnSpc>
+                <a:spcPct val="100000"/>
+              </a:lnSpc>
+              <a:spcBef>
+                <a:spcPts val="0"/>
+              </a:spcBef>
+              <a:spcAft>
+                <a:spcPts val="0"/>
+              </a:spcAft>
+              <a:buClr>
+                <a:schemeClr val="dk1"/>
+              </a:buClr>
+              <a:buSzPts val="3200"/>
+              <a:buFont typeface="Tajawal"/>
+              <a:buNone/>
+              <a:defRPr sz="3200" b="1" i="0" u="none" strike="noStrike" cap="none">
+                <a:solidFill>
+                  <a:schemeClr val="dk1"/>
+                </a:solidFill>
+                <a:latin typeface="Tajawal"/>
+                <a:ea typeface="Tajawal"/>
+                <a:cs typeface="Tajawal"/>
+                <a:sym typeface="Tajawal"/>
+              </a:defRPr>
+            </a:lvl3pPr>
+            <a:lvl4pPr marR="0" lvl="3" algn="l" rtl="0">
+              <a:lnSpc>
+                <a:spcPct val="100000"/>
+              </a:lnSpc>
+              <a:spcBef>
+                <a:spcPts val="0"/>
+              </a:spcBef>
+              <a:spcAft>
+                <a:spcPts val="0"/>
+              </a:spcAft>
+              <a:buClr>
+                <a:schemeClr val="dk1"/>
+              </a:buClr>
+              <a:buSzPts val="3200"/>
+              <a:buFont typeface="Tajawal"/>
+              <a:buNone/>
+              <a:defRPr sz="3200" b="1" i="0" u="none" strike="noStrike" cap="none">
+                <a:solidFill>
+                  <a:schemeClr val="dk1"/>
+                </a:solidFill>
+                <a:latin typeface="Tajawal"/>
+                <a:ea typeface="Tajawal"/>
+                <a:cs typeface="Tajawal"/>
+                <a:sym typeface="Tajawal"/>
+              </a:defRPr>
+            </a:lvl4pPr>
+            <a:lvl5pPr marR="0" lvl="4" algn="l" rtl="0">
+              <a:lnSpc>
+                <a:spcPct val="100000"/>
+              </a:lnSpc>
+              <a:spcBef>
+                <a:spcPts val="0"/>
+              </a:spcBef>
+              <a:spcAft>
+                <a:spcPts val="0"/>
+              </a:spcAft>
+              <a:buClr>
+                <a:schemeClr val="dk1"/>
+              </a:buClr>
+              <a:buSzPts val="3200"/>
+              <a:buFont typeface="Tajawal"/>
+              <a:buNone/>
+              <a:defRPr sz="3200" b="1" i="0" u="none" strike="noStrike" cap="none">
+                <a:solidFill>
+                  <a:schemeClr val="dk1"/>
+                </a:solidFill>
+                <a:latin typeface="Tajawal"/>
+                <a:ea typeface="Tajawal"/>
+                <a:cs typeface="Tajawal"/>
+                <a:sym typeface="Tajawal"/>
+              </a:defRPr>
+            </a:lvl5pPr>
+            <a:lvl6pPr marR="0" lvl="5" algn="l" rtl="0">
+              <a:lnSpc>
+                <a:spcPct val="100000"/>
+              </a:lnSpc>
+              <a:spcBef>
+                <a:spcPts val="0"/>
+              </a:spcBef>
+              <a:spcAft>
+                <a:spcPts val="0"/>
+              </a:spcAft>
+              <a:buClr>
+                <a:schemeClr val="dk1"/>
+              </a:buClr>
+              <a:buSzPts val="3200"/>
+              <a:buFont typeface="Tajawal"/>
+              <a:buNone/>
+              <a:defRPr sz="3200" b="1" i="0" u="none" strike="noStrike" cap="none">
+                <a:solidFill>
+                  <a:schemeClr val="dk1"/>
+                </a:solidFill>
+                <a:latin typeface="Tajawal"/>
+                <a:ea typeface="Tajawal"/>
+                <a:cs typeface="Tajawal"/>
+                <a:sym typeface="Tajawal"/>
+              </a:defRPr>
+            </a:lvl6pPr>
+            <a:lvl7pPr marR="0" lvl="6" algn="l" rtl="0">
+              <a:lnSpc>
+                <a:spcPct val="100000"/>
+              </a:lnSpc>
+              <a:spcBef>
+                <a:spcPts val="0"/>
+              </a:spcBef>
+              <a:spcAft>
+                <a:spcPts val="0"/>
+              </a:spcAft>
+              <a:buClr>
+                <a:schemeClr val="dk1"/>
+              </a:buClr>
+              <a:buSzPts val="3200"/>
+              <a:buFont typeface="Tajawal"/>
+              <a:buNone/>
+              <a:defRPr sz="3200" b="1" i="0" u="none" strike="noStrike" cap="none">
+                <a:solidFill>
+                  <a:schemeClr val="dk1"/>
+                </a:solidFill>
+                <a:latin typeface="Tajawal"/>
+                <a:ea typeface="Tajawal"/>
+                <a:cs typeface="Tajawal"/>
+                <a:sym typeface="Tajawal"/>
+              </a:defRPr>
+            </a:lvl7pPr>
+            <a:lvl8pPr marR="0" lvl="7" algn="l" rtl="0">
+              <a:lnSpc>
+                <a:spcPct val="100000"/>
+              </a:lnSpc>
+              <a:spcBef>
+                <a:spcPts val="0"/>
+              </a:spcBef>
+              <a:spcAft>
+                <a:spcPts val="0"/>
+              </a:spcAft>
+              <a:buClr>
+                <a:schemeClr val="dk1"/>
+              </a:buClr>
+              <a:buSzPts val="3200"/>
+              <a:buFont typeface="Tajawal"/>
+              <a:buNone/>
+              <a:defRPr sz="3200" b="1" i="0" u="none" strike="noStrike" cap="none">
+                <a:solidFill>
+                  <a:schemeClr val="dk1"/>
+                </a:solidFill>
+                <a:latin typeface="Tajawal"/>
+                <a:ea typeface="Tajawal"/>
+                <a:cs typeface="Tajawal"/>
+                <a:sym typeface="Tajawal"/>
+              </a:defRPr>
+            </a:lvl8pPr>
+            <a:lvl9pPr marR="0" lvl="8" algn="l" rtl="0">
+              <a:lnSpc>
+                <a:spcPct val="100000"/>
+              </a:lnSpc>
+              <a:spcBef>
+                <a:spcPts val="0"/>
+              </a:spcBef>
+              <a:spcAft>
+                <a:spcPts val="0"/>
+              </a:spcAft>
+              <a:buClr>
+                <a:schemeClr val="dk1"/>
+              </a:buClr>
+              <a:buSzPts val="3200"/>
+              <a:buFont typeface="Tajawal"/>
+              <a:buNone/>
+              <a:defRPr sz="3200" b="1" i="0" u="none" strike="noStrike" cap="none">
+                <a:solidFill>
+                  <a:schemeClr val="dk1"/>
+                </a:solidFill>
+                <a:latin typeface="Tajawal"/>
+                <a:ea typeface="Tajawal"/>
+                <a:cs typeface="Tajawal"/>
+                <a:sym typeface="Tajawal"/>
+              </a:defRPr>
+            </a:lvl9pPr>
+          </a:lstStyle>
+          <a:p>
+            <a:r>
+              <a:rPr lang="it-IT" sz="1200" i="1" dirty="0">
+                <a:solidFill>
+                  <a:srgbClr val="00B050"/>
+                </a:solidFill>
+              </a:rPr>
+              <a:t>TEXT CLASSIFICATION – PRE-PROCESSING</a:t>
+            </a:r>
+            <a:endParaRPr lang="it-IT" i="1" dirty="0">
+              <a:solidFill>
+                <a:srgbClr val="00B050"/>
+              </a:solidFill>
+            </a:endParaRPr>
+          </a:p>
+        </p:txBody>
+      </p:sp>
+    </p:spTree>
+    <p:extLst>
+      <p:ext uri="{BB962C8B-B14F-4D97-AF65-F5344CB8AC3E}">
+        <p14:creationId xmlns:p14="http://schemas.microsoft.com/office/powerpoint/2010/main" val="4170826899"/>
+      </p:ext>
+    </p:extLst>
+  </p:cSld>
+  <p:clrMapOvr>
+    <a:masterClrMapping/>
+  </p:clrMapOvr>
+</p:sld>
+</file>
+
+<file path=ppt/slides/slide14.xml><?xml version="1.0" encoding="utf-8"?>
+<p:sld xmlns:a="http://schemas.openxmlformats.org/drawingml/2006/main" xmlns:r="http://schemas.openxmlformats.org/officeDocument/2006/relationships" xmlns:p="http://schemas.openxmlformats.org/presentationml/2006/main">
+  <p:cSld>
+    <p:bg>
+      <p:bgPr>
+        <a:blipFill dpi="0" rotWithShape="1">
+          <a:blip r:embed="rId3">
+            <a:lum/>
+          </a:blip>
+          <a:srcRect/>
+          <a:stretch>
+            <a:fillRect l="-10000" r="-10000"/>
+          </a:stretch>
+        </a:blipFill>
+        <a:effectLst/>
+      </p:bgPr>
+    </p:bg>
+    <p:spTree>
+      <p:nvGrpSpPr>
+        <p:cNvPr id="1" name="Shape 1342"/>
+        <p:cNvGrpSpPr/>
+        <p:nvPr/>
+      </p:nvGrpSpPr>
+      <p:grpSpPr>
+        <a:xfrm>
+          <a:off x="0" y="0"/>
+          <a:ext cx="0" cy="0"/>
+          <a:chOff x="0" y="0"/>
+          <a:chExt cx="0" cy="0"/>
+        </a:xfrm>
+      </p:grpSpPr>
+      <p:sp>
+        <p:nvSpPr>
+          <p:cNvPr id="14" name="Google Shape;1344;p38">
+            <a:extLst>
+              <a:ext uri="{FF2B5EF4-FFF2-40B4-BE49-F238E27FC236}">
+                <a16:creationId xmlns:a16="http://schemas.microsoft.com/office/drawing/2014/main" id="{980922C1-A395-6BB4-730E-83A8E1094A76}"/>
+              </a:ext>
+            </a:extLst>
+          </p:cNvPr>
+          <p:cNvSpPr txBox="1">
+            <a:spLocks/>
+          </p:cNvSpPr>
+          <p:nvPr/>
+        </p:nvSpPr>
+        <p:spPr>
+          <a:xfrm>
+            <a:off x="713100" y="1029100"/>
+            <a:ext cx="7839229" cy="3913346"/>
+          </a:xfrm>
+          <a:prstGeom prst="rect">
+            <a:avLst/>
+          </a:prstGeom>
+          <a:noFill/>
+          <a:ln>
+            <a:noFill/>
+          </a:ln>
+        </p:spPr>
+        <p:txBody>
+          <a:bodyPr spcFirstLastPara="1" wrap="square" lIns="91425" tIns="91425" rIns="91425" bIns="91425" anchor="t" anchorCtr="0">
+            <a:noAutofit/>
+          </a:bodyPr>
+          <a:lstStyle>
+            <a:defPPr marR="0" lvl="0" algn="l" rtl="0">
+              <a:lnSpc>
+                <a:spcPct val="100000"/>
+              </a:lnSpc>
+              <a:spcBef>
+                <a:spcPts val="0"/>
+              </a:spcBef>
+              <a:spcAft>
+                <a:spcPts val="0"/>
+              </a:spcAft>
+            </a:defPPr>
+            <a:lvl1pPr marL="457200" marR="0" lvl="0" indent="-304800" algn="l" rtl="0">
+              <a:lnSpc>
+                <a:spcPct val="100000"/>
+              </a:lnSpc>
+              <a:spcBef>
+                <a:spcPts val="0"/>
+              </a:spcBef>
+              <a:spcAft>
+                <a:spcPts val="0"/>
+              </a:spcAft>
+              <a:buClr>
+                <a:schemeClr val="accent2"/>
+              </a:buClr>
+              <a:buSzPts val="1200"/>
+              <a:buFont typeface="Roboto"/>
+              <a:buAutoNum type="arabicPeriod"/>
+              <a:defRPr sz="1200" b="0" i="0" u="none" strike="noStrike" cap="none">
+                <a:solidFill>
+                  <a:schemeClr val="dk1"/>
+                </a:solidFill>
+                <a:latin typeface="Roboto"/>
+                <a:ea typeface="Roboto"/>
+                <a:cs typeface="Roboto"/>
+                <a:sym typeface="Roboto"/>
+              </a:defRPr>
+            </a:lvl1pPr>
+            <a:lvl2pPr marL="914400" marR="0" lvl="1" indent="-304800" algn="l" rtl="0">
+              <a:lnSpc>
+                <a:spcPct val="115000"/>
+              </a:lnSpc>
+              <a:spcBef>
+                <a:spcPts val="0"/>
+              </a:spcBef>
+              <a:spcAft>
+                <a:spcPts val="0"/>
+              </a:spcAft>
+              <a:buClr>
+                <a:srgbClr val="434343"/>
+              </a:buClr>
+              <a:buSzPts val="1200"/>
+              <a:buFont typeface="Roboto Condensed Light"/>
+              <a:buAutoNum type="alphaLcPeriod"/>
+              <a:defRPr sz="1400" b="0" i="0" u="none" strike="noStrike" cap="none">
+                <a:solidFill>
+                  <a:schemeClr val="dk1"/>
+                </a:solidFill>
+                <a:latin typeface="Roboto"/>
+                <a:ea typeface="Roboto"/>
+                <a:cs typeface="Roboto"/>
+                <a:sym typeface="Roboto"/>
+              </a:defRPr>
+            </a:lvl2pPr>
+            <a:lvl3pPr marL="1371600" marR="0" lvl="2" indent="-304800" algn="l" rtl="0">
+              <a:lnSpc>
+                <a:spcPct val="115000"/>
+              </a:lnSpc>
+              <a:spcBef>
+                <a:spcPts val="0"/>
+              </a:spcBef>
+              <a:spcAft>
+                <a:spcPts val="0"/>
+              </a:spcAft>
+              <a:buClr>
+                <a:srgbClr val="434343"/>
+              </a:buClr>
+              <a:buSzPts val="1200"/>
+              <a:buFont typeface="Roboto Condensed Light"/>
+              <a:buAutoNum type="romanLcPeriod"/>
+              <a:defRPr sz="1400" b="0" i="0" u="none" strike="noStrike" cap="none">
+                <a:solidFill>
+                  <a:schemeClr val="dk1"/>
+                </a:solidFill>
+                <a:latin typeface="Roboto"/>
+                <a:ea typeface="Roboto"/>
+                <a:cs typeface="Roboto"/>
+                <a:sym typeface="Roboto"/>
+              </a:defRPr>
+            </a:lvl3pPr>
+            <a:lvl4pPr marL="1828800" marR="0" lvl="3" indent="-304800" algn="l" rtl="0">
+              <a:lnSpc>
+                <a:spcPct val="115000"/>
+              </a:lnSpc>
+              <a:spcBef>
+                <a:spcPts val="0"/>
+              </a:spcBef>
+              <a:spcAft>
+                <a:spcPts val="0"/>
+              </a:spcAft>
+              <a:buClr>
+                <a:srgbClr val="434343"/>
+              </a:buClr>
+              <a:buSzPts val="1200"/>
+              <a:buFont typeface="Roboto Condensed Light"/>
+              <a:buAutoNum type="arabicPeriod"/>
+              <a:defRPr sz="1400" b="0" i="0" u="none" strike="noStrike" cap="none">
+                <a:solidFill>
+                  <a:schemeClr val="dk1"/>
+                </a:solidFill>
+                <a:latin typeface="Roboto"/>
+                <a:ea typeface="Roboto"/>
+                <a:cs typeface="Roboto"/>
+                <a:sym typeface="Roboto"/>
+              </a:defRPr>
+            </a:lvl4pPr>
+            <a:lvl5pPr marL="2286000" marR="0" lvl="4" indent="-304800" algn="l" rtl="0">
+              <a:lnSpc>
+                <a:spcPct val="115000"/>
+              </a:lnSpc>
+              <a:spcBef>
+                <a:spcPts val="0"/>
+              </a:spcBef>
+              <a:spcAft>
+                <a:spcPts val="0"/>
+              </a:spcAft>
+              <a:buClr>
+                <a:srgbClr val="434343"/>
+              </a:buClr>
+              <a:buSzPts val="1200"/>
+              <a:buFont typeface="Roboto Condensed Light"/>
+              <a:buAutoNum type="alphaLcPeriod"/>
+              <a:defRPr sz="1400" b="0" i="0" u="none" strike="noStrike" cap="none">
+                <a:solidFill>
+                  <a:schemeClr val="dk1"/>
+                </a:solidFill>
+                <a:latin typeface="Roboto"/>
+                <a:ea typeface="Roboto"/>
+                <a:cs typeface="Roboto"/>
+                <a:sym typeface="Roboto"/>
+              </a:defRPr>
+            </a:lvl5pPr>
+            <a:lvl6pPr marL="2743200" marR="0" lvl="5" indent="-304800" algn="l" rtl="0">
+              <a:lnSpc>
+                <a:spcPct val="115000"/>
+              </a:lnSpc>
+              <a:spcBef>
+                <a:spcPts val="0"/>
+              </a:spcBef>
+              <a:spcAft>
+                <a:spcPts val="0"/>
+              </a:spcAft>
+              <a:buClr>
+                <a:srgbClr val="434343"/>
+              </a:buClr>
+              <a:buSzPts val="1200"/>
+              <a:buFont typeface="Roboto Condensed Light"/>
+              <a:buAutoNum type="romanLcPeriod"/>
+              <a:defRPr sz="1400" b="0" i="0" u="none" strike="noStrike" cap="none">
+                <a:solidFill>
+                  <a:schemeClr val="dk1"/>
+                </a:solidFill>
+                <a:latin typeface="Roboto"/>
+                <a:ea typeface="Roboto"/>
+                <a:cs typeface="Roboto"/>
+                <a:sym typeface="Roboto"/>
+              </a:defRPr>
+            </a:lvl6pPr>
+            <a:lvl7pPr marL="3200400" marR="0" lvl="6" indent="-304800" algn="l" rtl="0">
+              <a:lnSpc>
+                <a:spcPct val="115000"/>
+              </a:lnSpc>
+              <a:spcBef>
+                <a:spcPts val="0"/>
+              </a:spcBef>
+              <a:spcAft>
+                <a:spcPts val="0"/>
+              </a:spcAft>
+              <a:buClr>
+                <a:srgbClr val="434343"/>
+              </a:buClr>
+              <a:buSzPts val="1200"/>
+              <a:buFont typeface="Roboto Condensed Light"/>
+              <a:buAutoNum type="arabicPeriod"/>
+              <a:defRPr sz="1400" b="0" i="0" u="none" strike="noStrike" cap="none">
+                <a:solidFill>
+                  <a:schemeClr val="dk1"/>
+                </a:solidFill>
+                <a:latin typeface="Roboto"/>
+                <a:ea typeface="Roboto"/>
+                <a:cs typeface="Roboto"/>
+                <a:sym typeface="Roboto"/>
+              </a:defRPr>
+            </a:lvl7pPr>
+            <a:lvl8pPr marL="3657600" marR="0" lvl="7" indent="-304800" algn="l" rtl="0">
+              <a:lnSpc>
+                <a:spcPct val="115000"/>
+              </a:lnSpc>
+              <a:spcBef>
+                <a:spcPts val="0"/>
+              </a:spcBef>
+              <a:spcAft>
+                <a:spcPts val="0"/>
+              </a:spcAft>
+              <a:buClr>
+                <a:srgbClr val="434343"/>
+              </a:buClr>
+              <a:buSzPts val="1200"/>
+              <a:buFont typeface="Roboto Condensed Light"/>
+              <a:buAutoNum type="alphaLcPeriod"/>
+              <a:defRPr sz="1400" b="0" i="0" u="none" strike="noStrike" cap="none">
+                <a:solidFill>
+                  <a:schemeClr val="dk1"/>
+                </a:solidFill>
+                <a:latin typeface="Roboto"/>
+                <a:ea typeface="Roboto"/>
+                <a:cs typeface="Roboto"/>
+                <a:sym typeface="Roboto"/>
+              </a:defRPr>
+            </a:lvl8pPr>
+            <a:lvl9pPr marL="4114800" marR="0" lvl="8" indent="-304800" algn="l" rtl="0">
+              <a:lnSpc>
+                <a:spcPct val="115000"/>
+              </a:lnSpc>
+              <a:spcBef>
+                <a:spcPts val="0"/>
+              </a:spcBef>
+              <a:spcAft>
+                <a:spcPts val="0"/>
+              </a:spcAft>
+              <a:buClr>
+                <a:srgbClr val="434343"/>
+              </a:buClr>
+              <a:buSzPts val="1200"/>
+              <a:buFont typeface="Roboto Condensed Light"/>
+              <a:buAutoNum type="romanLcPeriod"/>
+              <a:defRPr sz="1400" b="0" i="0" u="none" strike="noStrike" cap="none">
+                <a:solidFill>
+                  <a:schemeClr val="dk1"/>
+                </a:solidFill>
+                <a:latin typeface="Roboto"/>
+                <a:ea typeface="Roboto"/>
+                <a:cs typeface="Roboto"/>
+                <a:sym typeface="Roboto"/>
+              </a:defRPr>
+            </a:lvl9pPr>
+          </a:lstStyle>
+          <a:p>
+            <a:pPr marL="0" indent="0">
+              <a:buClr>
+                <a:schemeClr val="dk1"/>
+              </a:buClr>
+              <a:buSzPts val="1100"/>
+              <a:buNone/>
+            </a:pPr>
+            <a:r>
+              <a:rPr lang="en-GB" sz="1600" dirty="0"/>
+              <a:t>The below steps are followed for each document found in the dataset. </a:t>
+            </a:r>
+          </a:p>
+          <a:p>
+            <a:pPr marL="0" indent="0">
+              <a:buClr>
+                <a:schemeClr val="dk1"/>
+              </a:buClr>
+              <a:buSzPts val="1100"/>
+              <a:buNone/>
+            </a:pPr>
+            <a:endParaRPr lang="en-GB" sz="1600" dirty="0"/>
+          </a:p>
+          <a:p>
+            <a:pPr marL="0" indent="0">
+              <a:buClr>
+                <a:schemeClr val="dk1"/>
+              </a:buClr>
+              <a:buSzPts val="1100"/>
+              <a:buNone/>
+            </a:pPr>
+            <a:r>
+              <a:rPr lang="en-GB" sz="1600" dirty="0"/>
+              <a:t>Punctuations and numbers don’t help much in processing the given text, if included, they will just increase the size of a bag of words that we will create as the last step and decrease the efficiency of an algorithm.</a:t>
+            </a:r>
+          </a:p>
+          <a:p>
+            <a:pPr marL="0" indent="0">
+              <a:buClr>
+                <a:schemeClr val="dk1"/>
+              </a:buClr>
+              <a:buSzPts val="1100"/>
+              <a:buNone/>
+            </a:pPr>
+            <a:r>
+              <a:rPr lang="en-GB" sz="1600" dirty="0"/>
+              <a:t>So, punctuation and numbers are removed from the text using regular expressions. </a:t>
+            </a:r>
+          </a:p>
+          <a:p>
+            <a:pPr marL="0" indent="0">
+              <a:buClr>
+                <a:schemeClr val="dk1"/>
+              </a:buClr>
+              <a:buSzPts val="1100"/>
+              <a:buNone/>
+            </a:pPr>
+            <a:endParaRPr lang="en-GB" sz="1600" dirty="0"/>
+          </a:p>
+          <a:p>
+            <a:pPr marL="0" indent="0">
+              <a:buClr>
+                <a:schemeClr val="dk1"/>
+              </a:buClr>
+              <a:buSzPts val="1100"/>
+              <a:buNone/>
+            </a:pPr>
+            <a:r>
+              <a:rPr lang="en-GB" sz="1600" dirty="0"/>
+              <a:t>After that, the document is tokenized and stop words are removed from the list of tokens (stop words filtering).</a:t>
+            </a:r>
+          </a:p>
+          <a:p>
+            <a:pPr marL="0" indent="0">
+              <a:buClr>
+                <a:schemeClr val="dk1"/>
+              </a:buClr>
+              <a:buSzPts val="1100"/>
+              <a:buNone/>
+            </a:pPr>
+            <a:endParaRPr lang="en-GB" sz="1600" dirty="0"/>
+          </a:p>
+          <a:p>
+            <a:pPr marL="0" indent="0">
+              <a:buClr>
+                <a:schemeClr val="dk1"/>
+              </a:buClr>
+              <a:buSzPts val="1100"/>
+              <a:buNone/>
+            </a:pPr>
+            <a:r>
+              <a:rPr lang="en-GB" sz="1600" dirty="0"/>
+              <a:t>The last phase is the stemming, so for each token is taken its root word.</a:t>
+            </a:r>
+          </a:p>
+          <a:p>
+            <a:pPr marL="0" indent="0">
+              <a:buClr>
+                <a:schemeClr val="dk1"/>
+              </a:buClr>
+              <a:buSzPts val="1100"/>
+              <a:buNone/>
+            </a:pPr>
+            <a:endParaRPr lang="en-GB" sz="1600" dirty="0"/>
+          </a:p>
+        </p:txBody>
+      </p:sp>
+      <p:grpSp>
+        <p:nvGrpSpPr>
+          <p:cNvPr id="1362" name="Google Shape;1362;p38"/>
+          <p:cNvGrpSpPr/>
+          <p:nvPr/>
+        </p:nvGrpSpPr>
+        <p:grpSpPr>
+          <a:xfrm rot="1796183">
+            <a:off x="-280957" y="4547452"/>
+            <a:ext cx="957552" cy="766847"/>
+            <a:chOff x="4365025" y="1539800"/>
+            <a:chExt cx="121025" cy="96925"/>
+          </a:xfrm>
+        </p:grpSpPr>
+        <p:sp>
+          <p:nvSpPr>
+            <p:cNvPr id="1363" name="Google Shape;1363;p38"/>
+            <p:cNvSpPr/>
+            <p:nvPr/>
+          </p:nvSpPr>
+          <p:spPr>
+            <a:xfrm>
+              <a:off x="4365025" y="1587950"/>
+              <a:ext cx="30125" cy="19500"/>
+            </a:xfrm>
+            <a:custGeom>
+              <a:avLst/>
+              <a:gdLst/>
+              <a:ahLst/>
+              <a:cxnLst/>
+              <a:rect l="l" t="t" r="r" b="b"/>
+              <a:pathLst>
+                <a:path w="1205" h="780" extrusionOk="0">
+                  <a:moveTo>
+                    <a:pt x="786" y="0"/>
+                  </a:moveTo>
+                  <a:cubicBezTo>
+                    <a:pt x="525" y="3"/>
+                    <a:pt x="1" y="135"/>
+                    <a:pt x="70" y="487"/>
+                  </a:cubicBezTo>
+                  <a:cubicBezTo>
+                    <a:pt x="112" y="700"/>
+                    <a:pt x="344" y="779"/>
+                    <a:pt x="555" y="779"/>
+                  </a:cubicBezTo>
+                  <a:cubicBezTo>
+                    <a:pt x="632" y="779"/>
+                    <a:pt x="705" y="769"/>
+                    <a:pt x="766" y="751"/>
+                  </a:cubicBezTo>
+                  <a:cubicBezTo>
+                    <a:pt x="949" y="699"/>
+                    <a:pt x="1204" y="525"/>
+                    <a:pt x="1147" y="307"/>
+                  </a:cubicBezTo>
+                  <a:cubicBezTo>
+                    <a:pt x="1115" y="184"/>
+                    <a:pt x="929" y="49"/>
+                    <a:pt x="786" y="0"/>
+                  </a:cubicBezTo>
+                  <a:close/>
+                </a:path>
+              </a:pathLst>
+            </a:custGeom>
+            <a:solidFill>
+              <a:schemeClr val="accent4"/>
+            </a:solidFill>
+            <a:ln>
+              <a:noFill/>
+            </a:ln>
+          </p:spPr>
+          <p:txBody>
+            <a:bodyPr spcFirstLastPara="1" wrap="square" lIns="91425" tIns="91425" rIns="91425" bIns="91425" anchor="ctr" anchorCtr="0">
+              <a:noAutofit/>
+            </a:bodyPr>
+            <a:lstStyle/>
+            <a:p>
+              <a:pPr marL="0" lvl="0" indent="0" algn="l" rtl="0">
+                <a:spcBef>
+                  <a:spcPts val="0"/>
+                </a:spcBef>
+                <a:spcAft>
+                  <a:spcPts val="0"/>
+                </a:spcAft>
+                <a:buNone/>
+              </a:pPr>
+              <a:endParaRPr/>
+            </a:p>
+          </p:txBody>
+        </p:sp>
+        <p:sp>
+          <p:nvSpPr>
+            <p:cNvPr id="1364" name="Google Shape;1364;p38"/>
+            <p:cNvSpPr/>
+            <p:nvPr/>
+          </p:nvSpPr>
+          <p:spPr>
+            <a:xfrm>
+              <a:off x="4407850" y="1579225"/>
+              <a:ext cx="22750" cy="14925"/>
+            </a:xfrm>
+            <a:custGeom>
+              <a:avLst/>
+              <a:gdLst/>
+              <a:ahLst/>
+              <a:cxnLst/>
+              <a:rect l="l" t="t" r="r" b="b"/>
+              <a:pathLst>
+                <a:path w="910" h="597" extrusionOk="0">
+                  <a:moveTo>
+                    <a:pt x="581" y="0"/>
+                  </a:moveTo>
+                  <a:cubicBezTo>
+                    <a:pt x="571" y="0"/>
+                    <a:pt x="561" y="1"/>
+                    <a:pt x="551" y="3"/>
+                  </a:cubicBezTo>
+                  <a:lnTo>
+                    <a:pt x="594" y="8"/>
+                  </a:lnTo>
+                  <a:cubicBezTo>
+                    <a:pt x="1" y="8"/>
+                    <a:pt x="140" y="596"/>
+                    <a:pt x="475" y="596"/>
+                  </a:cubicBezTo>
+                  <a:cubicBezTo>
+                    <a:pt x="531" y="596"/>
+                    <a:pt x="593" y="580"/>
+                    <a:pt x="657" y="541"/>
+                  </a:cubicBezTo>
+                  <a:cubicBezTo>
+                    <a:pt x="801" y="455"/>
+                    <a:pt x="909" y="343"/>
+                    <a:pt x="832" y="180"/>
+                  </a:cubicBezTo>
+                  <a:cubicBezTo>
+                    <a:pt x="788" y="81"/>
+                    <a:pt x="686" y="0"/>
+                    <a:pt x="581" y="0"/>
+                  </a:cubicBezTo>
+                  <a:close/>
+                </a:path>
+              </a:pathLst>
+            </a:custGeom>
+            <a:solidFill>
+              <a:schemeClr val="accent4"/>
+            </a:solidFill>
+            <a:ln>
+              <a:noFill/>
+            </a:ln>
+          </p:spPr>
+          <p:txBody>
+            <a:bodyPr spcFirstLastPara="1" wrap="square" lIns="91425" tIns="91425" rIns="91425" bIns="91425" anchor="ctr" anchorCtr="0">
+              <a:noAutofit/>
+            </a:bodyPr>
+            <a:lstStyle/>
+            <a:p>
+              <a:pPr marL="0" lvl="0" indent="0" algn="l" rtl="0">
+                <a:spcBef>
+                  <a:spcPts val="0"/>
+                </a:spcBef>
+                <a:spcAft>
+                  <a:spcPts val="0"/>
+                </a:spcAft>
+                <a:buNone/>
+              </a:pPr>
+              <a:endParaRPr/>
+            </a:p>
+          </p:txBody>
+        </p:sp>
+        <p:sp>
+          <p:nvSpPr>
+            <p:cNvPr id="1365" name="Google Shape;1365;p38"/>
+            <p:cNvSpPr/>
+            <p:nvPr/>
+          </p:nvSpPr>
+          <p:spPr>
+            <a:xfrm>
+              <a:off x="4403900" y="1617025"/>
+              <a:ext cx="28200" cy="19700"/>
+            </a:xfrm>
+            <a:custGeom>
+              <a:avLst/>
+              <a:gdLst/>
+              <a:ahLst/>
+              <a:cxnLst/>
+              <a:rect l="l" t="t" r="r" b="b"/>
+              <a:pathLst>
+                <a:path w="1128" h="788" extrusionOk="0">
+                  <a:moveTo>
+                    <a:pt x="649" y="0"/>
+                  </a:moveTo>
+                  <a:cubicBezTo>
+                    <a:pt x="0" y="101"/>
+                    <a:pt x="230" y="788"/>
+                    <a:pt x="599" y="788"/>
+                  </a:cubicBezTo>
+                  <a:cubicBezTo>
+                    <a:pt x="681" y="788"/>
+                    <a:pt x="770" y="754"/>
+                    <a:pt x="858" y="671"/>
+                  </a:cubicBezTo>
+                  <a:cubicBezTo>
+                    <a:pt x="1128" y="416"/>
+                    <a:pt x="921" y="141"/>
+                    <a:pt x="649" y="0"/>
+                  </a:cubicBezTo>
+                  <a:close/>
+                </a:path>
+              </a:pathLst>
+            </a:custGeom>
+            <a:solidFill>
+              <a:schemeClr val="accent4"/>
+            </a:solidFill>
+            <a:ln>
+              <a:noFill/>
+            </a:ln>
+          </p:spPr>
+          <p:txBody>
+            <a:bodyPr spcFirstLastPara="1" wrap="square" lIns="91425" tIns="91425" rIns="91425" bIns="91425" anchor="ctr" anchorCtr="0">
+              <a:noAutofit/>
+            </a:bodyPr>
+            <a:lstStyle/>
+            <a:p>
+              <a:pPr marL="0" lvl="0" indent="0" algn="l" rtl="0">
+                <a:spcBef>
+                  <a:spcPts val="0"/>
+                </a:spcBef>
+                <a:spcAft>
+                  <a:spcPts val="0"/>
+                </a:spcAft>
+                <a:buNone/>
+              </a:pPr>
+              <a:endParaRPr/>
+            </a:p>
+          </p:txBody>
+        </p:sp>
+        <p:sp>
+          <p:nvSpPr>
+            <p:cNvPr id="1366" name="Google Shape;1366;p38"/>
+            <p:cNvSpPr/>
+            <p:nvPr/>
+          </p:nvSpPr>
+          <p:spPr>
+            <a:xfrm>
+              <a:off x="4449625" y="1610200"/>
+              <a:ext cx="13700" cy="15800"/>
+            </a:xfrm>
+            <a:custGeom>
+              <a:avLst/>
+              <a:gdLst/>
+              <a:ahLst/>
+              <a:cxnLst/>
+              <a:rect l="l" t="t" r="r" b="b"/>
+              <a:pathLst>
+                <a:path w="548" h="632" extrusionOk="0">
+                  <a:moveTo>
+                    <a:pt x="299" y="0"/>
+                  </a:moveTo>
+                  <a:cubicBezTo>
+                    <a:pt x="274" y="0"/>
+                    <a:pt x="251" y="8"/>
+                    <a:pt x="230" y="27"/>
+                  </a:cubicBezTo>
+                  <a:lnTo>
+                    <a:pt x="207" y="59"/>
+                  </a:lnTo>
+                  <a:cubicBezTo>
+                    <a:pt x="78" y="248"/>
+                    <a:pt x="1" y="468"/>
+                    <a:pt x="213" y="632"/>
+                  </a:cubicBezTo>
+                  <a:cubicBezTo>
+                    <a:pt x="359" y="563"/>
+                    <a:pt x="548" y="408"/>
+                    <a:pt x="519" y="225"/>
+                  </a:cubicBezTo>
+                  <a:cubicBezTo>
+                    <a:pt x="505" y="131"/>
+                    <a:pt x="396" y="0"/>
+                    <a:pt x="299" y="0"/>
+                  </a:cubicBezTo>
+                  <a:close/>
+                </a:path>
+              </a:pathLst>
+            </a:custGeom>
+            <a:solidFill>
+              <a:schemeClr val="accent4"/>
+            </a:solidFill>
+            <a:ln>
+              <a:noFill/>
+            </a:ln>
+          </p:spPr>
+          <p:txBody>
+            <a:bodyPr spcFirstLastPara="1" wrap="square" lIns="91425" tIns="91425" rIns="91425" bIns="91425" anchor="ctr" anchorCtr="0">
+              <a:noAutofit/>
+            </a:bodyPr>
+            <a:lstStyle/>
+            <a:p>
+              <a:pPr marL="0" lvl="0" indent="0" algn="l" rtl="0">
+                <a:spcBef>
+                  <a:spcPts val="0"/>
+                </a:spcBef>
+                <a:spcAft>
+                  <a:spcPts val="0"/>
+                </a:spcAft>
+                <a:buNone/>
+              </a:pPr>
+              <a:endParaRPr/>
+            </a:p>
+          </p:txBody>
+        </p:sp>
+        <p:sp>
+          <p:nvSpPr>
+            <p:cNvPr id="1367" name="Google Shape;1367;p38"/>
+            <p:cNvSpPr/>
+            <p:nvPr/>
+          </p:nvSpPr>
+          <p:spPr>
+            <a:xfrm>
+              <a:off x="4388575" y="1553100"/>
+              <a:ext cx="24300" cy="10400"/>
+            </a:xfrm>
+            <a:custGeom>
+              <a:avLst/>
+              <a:gdLst/>
+              <a:ahLst/>
+              <a:cxnLst/>
+              <a:rect l="l" t="t" r="r" b="b"/>
+              <a:pathLst>
+                <a:path w="972" h="416" extrusionOk="0">
+                  <a:moveTo>
+                    <a:pt x="577" y="1"/>
+                  </a:moveTo>
+                  <a:cubicBezTo>
+                    <a:pt x="297" y="1"/>
+                    <a:pt x="1" y="289"/>
+                    <a:pt x="403" y="400"/>
+                  </a:cubicBezTo>
+                  <a:cubicBezTo>
+                    <a:pt x="440" y="410"/>
+                    <a:pt x="477" y="415"/>
+                    <a:pt x="514" y="415"/>
+                  </a:cubicBezTo>
+                  <a:cubicBezTo>
+                    <a:pt x="764" y="415"/>
+                    <a:pt x="972" y="196"/>
+                    <a:pt x="692" y="19"/>
+                  </a:cubicBezTo>
+                  <a:cubicBezTo>
+                    <a:pt x="655" y="6"/>
+                    <a:pt x="616" y="1"/>
+                    <a:pt x="577" y="1"/>
+                  </a:cubicBezTo>
+                  <a:close/>
+                </a:path>
+              </a:pathLst>
+            </a:custGeom>
+            <a:solidFill>
+              <a:schemeClr val="accent4"/>
+            </a:solidFill>
+            <a:ln>
+              <a:noFill/>
+            </a:ln>
+          </p:spPr>
+          <p:txBody>
+            <a:bodyPr spcFirstLastPara="1" wrap="square" lIns="91425" tIns="91425" rIns="91425" bIns="91425" anchor="ctr" anchorCtr="0">
+              <a:noAutofit/>
+            </a:bodyPr>
+            <a:lstStyle/>
+            <a:p>
+              <a:pPr marL="0" lvl="0" indent="0" algn="l" rtl="0">
+                <a:spcBef>
+                  <a:spcPts val="0"/>
+                </a:spcBef>
+                <a:spcAft>
+                  <a:spcPts val="0"/>
+                </a:spcAft>
+                <a:buNone/>
+              </a:pPr>
+              <a:endParaRPr/>
+            </a:p>
+          </p:txBody>
+        </p:sp>
+        <p:sp>
+          <p:nvSpPr>
+            <p:cNvPr id="1368" name="Google Shape;1368;p38"/>
+            <p:cNvSpPr/>
+            <p:nvPr/>
+          </p:nvSpPr>
+          <p:spPr>
+            <a:xfrm>
+              <a:off x="4457500" y="1582775"/>
+              <a:ext cx="13600" cy="7825"/>
+            </a:xfrm>
+            <a:custGeom>
+              <a:avLst/>
+              <a:gdLst/>
+              <a:ahLst/>
+              <a:cxnLst/>
+              <a:rect l="l" t="t" r="r" b="b"/>
+              <a:pathLst>
+                <a:path w="544" h="313" extrusionOk="0">
+                  <a:moveTo>
+                    <a:pt x="362" y="1"/>
+                  </a:moveTo>
+                  <a:cubicBezTo>
+                    <a:pt x="264" y="27"/>
+                    <a:pt x="1" y="67"/>
+                    <a:pt x="35" y="216"/>
+                  </a:cubicBezTo>
+                  <a:cubicBezTo>
+                    <a:pt x="51" y="296"/>
+                    <a:pt x="119" y="313"/>
+                    <a:pt x="186" y="313"/>
+                  </a:cubicBezTo>
+                  <a:cubicBezTo>
+                    <a:pt x="212" y="313"/>
+                    <a:pt x="239" y="310"/>
+                    <a:pt x="261" y="307"/>
+                  </a:cubicBezTo>
+                  <a:cubicBezTo>
+                    <a:pt x="345" y="299"/>
+                    <a:pt x="516" y="262"/>
+                    <a:pt x="534" y="153"/>
+                  </a:cubicBezTo>
+                  <a:cubicBezTo>
+                    <a:pt x="543" y="91"/>
+                    <a:pt x="467" y="11"/>
+                    <a:pt x="400" y="11"/>
+                  </a:cubicBezTo>
+                  <a:cubicBezTo>
+                    <a:pt x="389" y="11"/>
+                    <a:pt x="378" y="13"/>
+                    <a:pt x="367" y="18"/>
+                  </a:cubicBezTo>
+                  <a:lnTo>
+                    <a:pt x="362" y="1"/>
+                  </a:lnTo>
+                  <a:close/>
+                </a:path>
+              </a:pathLst>
+            </a:custGeom>
+            <a:solidFill>
+              <a:schemeClr val="accent4"/>
+            </a:solidFill>
+            <a:ln>
+              <a:noFill/>
+            </a:ln>
+          </p:spPr>
+          <p:txBody>
+            <a:bodyPr spcFirstLastPara="1" wrap="square" lIns="91425" tIns="91425" rIns="91425" bIns="91425" anchor="ctr" anchorCtr="0">
+              <a:noAutofit/>
+            </a:bodyPr>
+            <a:lstStyle/>
+            <a:p>
+              <a:pPr marL="0" lvl="0" indent="0" algn="l" rtl="0">
+                <a:spcBef>
+                  <a:spcPts val="0"/>
+                </a:spcBef>
+                <a:spcAft>
+                  <a:spcPts val="0"/>
+                </a:spcAft>
+                <a:buNone/>
+              </a:pPr>
+              <a:endParaRPr/>
+            </a:p>
+          </p:txBody>
+        </p:sp>
+        <p:sp>
+          <p:nvSpPr>
+            <p:cNvPr id="1369" name="Google Shape;1369;p38"/>
+            <p:cNvSpPr/>
+            <p:nvPr/>
+          </p:nvSpPr>
+          <p:spPr>
+            <a:xfrm>
+              <a:off x="4436600" y="1539800"/>
+              <a:ext cx="15925" cy="12850"/>
+            </a:xfrm>
+            <a:custGeom>
+              <a:avLst/>
+              <a:gdLst/>
+              <a:ahLst/>
+              <a:cxnLst/>
+              <a:rect l="l" t="t" r="r" b="b"/>
+              <a:pathLst>
+                <a:path w="637" h="514" extrusionOk="0">
+                  <a:moveTo>
+                    <a:pt x="473" y="1"/>
+                  </a:moveTo>
+                  <a:lnTo>
+                    <a:pt x="473" y="1"/>
+                  </a:lnTo>
+                  <a:cubicBezTo>
+                    <a:pt x="307" y="21"/>
+                    <a:pt x="0" y="196"/>
+                    <a:pt x="83" y="405"/>
+                  </a:cubicBezTo>
+                  <a:cubicBezTo>
+                    <a:pt x="115" y="484"/>
+                    <a:pt x="170" y="514"/>
+                    <a:pt x="230" y="514"/>
+                  </a:cubicBezTo>
+                  <a:cubicBezTo>
+                    <a:pt x="297" y="514"/>
+                    <a:pt x="370" y="478"/>
+                    <a:pt x="427" y="433"/>
+                  </a:cubicBezTo>
+                  <a:cubicBezTo>
+                    <a:pt x="570" y="319"/>
+                    <a:pt x="636" y="113"/>
+                    <a:pt x="473" y="1"/>
+                  </a:cubicBezTo>
+                  <a:close/>
+                </a:path>
+              </a:pathLst>
+            </a:custGeom>
+            <a:solidFill>
+              <a:schemeClr val="accent4"/>
+            </a:solidFill>
+            <a:ln>
+              <a:noFill/>
+            </a:ln>
+          </p:spPr>
+          <p:txBody>
+            <a:bodyPr spcFirstLastPara="1" wrap="square" lIns="91425" tIns="91425" rIns="91425" bIns="91425" anchor="ctr" anchorCtr="0">
+              <a:noAutofit/>
+            </a:bodyPr>
+            <a:lstStyle/>
+            <a:p>
+              <a:pPr marL="0" lvl="0" indent="0" algn="l" rtl="0">
+                <a:spcBef>
+                  <a:spcPts val="0"/>
+                </a:spcBef>
+                <a:spcAft>
+                  <a:spcPts val="0"/>
+                </a:spcAft>
+                <a:buNone/>
+              </a:pPr>
+              <a:endParaRPr/>
+            </a:p>
+          </p:txBody>
+        </p:sp>
+        <p:sp>
+          <p:nvSpPr>
+            <p:cNvPr id="1370" name="Google Shape;1370;p38"/>
+            <p:cNvSpPr/>
+            <p:nvPr/>
+          </p:nvSpPr>
+          <p:spPr>
+            <a:xfrm>
+              <a:off x="4472250" y="1549775"/>
+              <a:ext cx="13800" cy="12175"/>
+            </a:xfrm>
+            <a:custGeom>
+              <a:avLst/>
+              <a:gdLst/>
+              <a:ahLst/>
+              <a:cxnLst/>
+              <a:rect l="l" t="t" r="r" b="b"/>
+              <a:pathLst>
+                <a:path w="552" h="487" extrusionOk="0">
+                  <a:moveTo>
+                    <a:pt x="359" y="0"/>
+                  </a:moveTo>
+                  <a:lnTo>
+                    <a:pt x="359" y="0"/>
+                  </a:lnTo>
+                  <a:cubicBezTo>
+                    <a:pt x="239" y="37"/>
+                    <a:pt x="1" y="161"/>
+                    <a:pt x="18" y="315"/>
+                  </a:cubicBezTo>
+                  <a:cubicBezTo>
+                    <a:pt x="28" y="414"/>
+                    <a:pt x="123" y="487"/>
+                    <a:pt x="221" y="487"/>
+                  </a:cubicBezTo>
+                  <a:cubicBezTo>
+                    <a:pt x="239" y="487"/>
+                    <a:pt x="258" y="484"/>
+                    <a:pt x="276" y="479"/>
+                  </a:cubicBezTo>
+                  <a:cubicBezTo>
+                    <a:pt x="442" y="433"/>
+                    <a:pt x="551" y="118"/>
+                    <a:pt x="359" y="0"/>
+                  </a:cubicBezTo>
+                  <a:close/>
+                </a:path>
+              </a:pathLst>
+            </a:custGeom>
+            <a:solidFill>
+              <a:schemeClr val="accent4"/>
+            </a:solidFill>
+            <a:ln>
+              <a:noFill/>
+            </a:ln>
+          </p:spPr>
+          <p:txBody>
+            <a:bodyPr spcFirstLastPara="1" wrap="square" lIns="91425" tIns="91425" rIns="91425" bIns="91425" anchor="ctr" anchorCtr="0">
+              <a:noAutofit/>
+            </a:bodyPr>
+            <a:lstStyle/>
+            <a:p>
+              <a:pPr marL="0" lvl="0" indent="0" algn="l" rtl="0">
+                <a:spcBef>
+                  <a:spcPts val="0"/>
+                </a:spcBef>
+                <a:spcAft>
+                  <a:spcPts val="0"/>
+                </a:spcAft>
+                <a:buNone/>
+              </a:pPr>
+              <a:endParaRPr/>
+            </a:p>
+          </p:txBody>
+        </p:sp>
+      </p:grpSp>
+      <p:sp>
+        <p:nvSpPr>
+          <p:cNvPr id="7" name="Google Shape;1343;p38">
+            <a:extLst>
+              <a:ext uri="{FF2B5EF4-FFF2-40B4-BE49-F238E27FC236}">
+                <a16:creationId xmlns:a16="http://schemas.microsoft.com/office/drawing/2014/main" id="{F15CCC14-A652-DCAE-F707-EFA7C83CA764}"/>
+              </a:ext>
+            </a:extLst>
+          </p:cNvPr>
+          <p:cNvSpPr txBox="1">
+            <a:spLocks/>
+          </p:cNvSpPr>
+          <p:nvPr/>
+        </p:nvSpPr>
+        <p:spPr>
+          <a:xfrm>
+            <a:off x="685392" y="544550"/>
+            <a:ext cx="7717800" cy="572700"/>
+          </a:xfrm>
+          <a:prstGeom prst="rect">
+            <a:avLst/>
+          </a:prstGeom>
+          <a:noFill/>
+          <a:ln>
+            <a:noFill/>
+          </a:ln>
+        </p:spPr>
+        <p:txBody>
+          <a:bodyPr spcFirstLastPara="1" wrap="square" lIns="91425" tIns="91425" rIns="91425" bIns="91425" anchor="ctr" anchorCtr="0">
+            <a:noAutofit/>
+          </a:bodyPr>
+          <a:lstStyle>
+            <a:defPPr marR="0" lvl="0" algn="l" rtl="0">
+              <a:lnSpc>
+                <a:spcPct val="100000"/>
+              </a:lnSpc>
+              <a:spcBef>
+                <a:spcPts val="0"/>
+              </a:spcBef>
+              <a:spcAft>
+                <a:spcPts val="0"/>
+              </a:spcAft>
+            </a:defPPr>
+            <a:lvl1pPr marR="0" lvl="0" algn="l" rtl="0">
+              <a:lnSpc>
+                <a:spcPct val="100000"/>
+              </a:lnSpc>
+              <a:spcBef>
+                <a:spcPts val="0"/>
+              </a:spcBef>
+              <a:spcAft>
+                <a:spcPts val="0"/>
+              </a:spcAft>
+              <a:buClr>
+                <a:schemeClr val="dk1"/>
+              </a:buClr>
+              <a:buSzPts val="3200"/>
+              <a:buFont typeface="Tajawal"/>
+              <a:buNone/>
+              <a:defRPr sz="3200" b="1" i="0" u="none" strike="noStrike" cap="none">
+                <a:solidFill>
+                  <a:schemeClr val="dk1"/>
+                </a:solidFill>
+                <a:latin typeface="Tajawal"/>
+                <a:ea typeface="Tajawal"/>
+                <a:cs typeface="Tajawal"/>
+                <a:sym typeface="Tajawal"/>
+              </a:defRPr>
+            </a:lvl1pPr>
+            <a:lvl2pPr marR="0" lvl="1" algn="l" rtl="0">
+              <a:lnSpc>
+                <a:spcPct val="100000"/>
+              </a:lnSpc>
+              <a:spcBef>
+                <a:spcPts val="0"/>
+              </a:spcBef>
+              <a:spcAft>
+                <a:spcPts val="0"/>
+              </a:spcAft>
+              <a:buClr>
+                <a:schemeClr val="dk1"/>
+              </a:buClr>
+              <a:buSzPts val="3200"/>
+              <a:buFont typeface="Tajawal"/>
+              <a:buNone/>
+              <a:defRPr sz="3200" b="1" i="0" u="none" strike="noStrike" cap="none">
+                <a:solidFill>
+                  <a:schemeClr val="dk1"/>
+                </a:solidFill>
+                <a:latin typeface="Tajawal"/>
+                <a:ea typeface="Tajawal"/>
+                <a:cs typeface="Tajawal"/>
+                <a:sym typeface="Tajawal"/>
+              </a:defRPr>
+            </a:lvl2pPr>
+            <a:lvl3pPr marR="0" lvl="2" algn="l" rtl="0">
+              <a:lnSpc>
+                <a:spcPct val="100000"/>
+              </a:lnSpc>
+              <a:spcBef>
+                <a:spcPts val="0"/>
+              </a:spcBef>
+              <a:spcAft>
+                <a:spcPts val="0"/>
+              </a:spcAft>
+              <a:buClr>
+                <a:schemeClr val="dk1"/>
+              </a:buClr>
+              <a:buSzPts val="3200"/>
+              <a:buFont typeface="Tajawal"/>
+              <a:buNone/>
+              <a:defRPr sz="3200" b="1" i="0" u="none" strike="noStrike" cap="none">
+                <a:solidFill>
+                  <a:schemeClr val="dk1"/>
+                </a:solidFill>
+                <a:latin typeface="Tajawal"/>
+                <a:ea typeface="Tajawal"/>
+                <a:cs typeface="Tajawal"/>
+                <a:sym typeface="Tajawal"/>
+              </a:defRPr>
+            </a:lvl3pPr>
+            <a:lvl4pPr marR="0" lvl="3" algn="l" rtl="0">
+              <a:lnSpc>
+                <a:spcPct val="100000"/>
+              </a:lnSpc>
+              <a:spcBef>
+                <a:spcPts val="0"/>
+              </a:spcBef>
+              <a:spcAft>
+                <a:spcPts val="0"/>
+              </a:spcAft>
+              <a:buClr>
+                <a:schemeClr val="dk1"/>
+              </a:buClr>
+              <a:buSzPts val="3200"/>
+              <a:buFont typeface="Tajawal"/>
+              <a:buNone/>
+              <a:defRPr sz="3200" b="1" i="0" u="none" strike="noStrike" cap="none">
+                <a:solidFill>
+                  <a:schemeClr val="dk1"/>
+                </a:solidFill>
+                <a:latin typeface="Tajawal"/>
+                <a:ea typeface="Tajawal"/>
+                <a:cs typeface="Tajawal"/>
+                <a:sym typeface="Tajawal"/>
+              </a:defRPr>
+            </a:lvl4pPr>
+            <a:lvl5pPr marR="0" lvl="4" algn="l" rtl="0">
+              <a:lnSpc>
+                <a:spcPct val="100000"/>
+              </a:lnSpc>
+              <a:spcBef>
+                <a:spcPts val="0"/>
+              </a:spcBef>
+              <a:spcAft>
+                <a:spcPts val="0"/>
+              </a:spcAft>
+              <a:buClr>
+                <a:schemeClr val="dk1"/>
+              </a:buClr>
+              <a:buSzPts val="3200"/>
+              <a:buFont typeface="Tajawal"/>
+              <a:buNone/>
+              <a:defRPr sz="3200" b="1" i="0" u="none" strike="noStrike" cap="none">
+                <a:solidFill>
+                  <a:schemeClr val="dk1"/>
+                </a:solidFill>
+                <a:latin typeface="Tajawal"/>
+                <a:ea typeface="Tajawal"/>
+                <a:cs typeface="Tajawal"/>
+                <a:sym typeface="Tajawal"/>
+              </a:defRPr>
+            </a:lvl5pPr>
+            <a:lvl6pPr marR="0" lvl="5" algn="l" rtl="0">
+              <a:lnSpc>
+                <a:spcPct val="100000"/>
+              </a:lnSpc>
+              <a:spcBef>
+                <a:spcPts val="0"/>
+              </a:spcBef>
+              <a:spcAft>
+                <a:spcPts val="0"/>
+              </a:spcAft>
+              <a:buClr>
+                <a:schemeClr val="dk1"/>
+              </a:buClr>
+              <a:buSzPts val="3200"/>
+              <a:buFont typeface="Tajawal"/>
+              <a:buNone/>
+              <a:defRPr sz="3200" b="1" i="0" u="none" strike="noStrike" cap="none">
+                <a:solidFill>
+                  <a:schemeClr val="dk1"/>
+                </a:solidFill>
+                <a:latin typeface="Tajawal"/>
+                <a:ea typeface="Tajawal"/>
+                <a:cs typeface="Tajawal"/>
+                <a:sym typeface="Tajawal"/>
+              </a:defRPr>
+            </a:lvl6pPr>
+            <a:lvl7pPr marR="0" lvl="6" algn="l" rtl="0">
+              <a:lnSpc>
+                <a:spcPct val="100000"/>
+              </a:lnSpc>
+              <a:spcBef>
+                <a:spcPts val="0"/>
+              </a:spcBef>
+              <a:spcAft>
+                <a:spcPts val="0"/>
+              </a:spcAft>
+              <a:buClr>
+                <a:schemeClr val="dk1"/>
+              </a:buClr>
+              <a:buSzPts val="3200"/>
+              <a:buFont typeface="Tajawal"/>
+              <a:buNone/>
+              <a:defRPr sz="3200" b="1" i="0" u="none" strike="noStrike" cap="none">
+                <a:solidFill>
+                  <a:schemeClr val="dk1"/>
+                </a:solidFill>
+                <a:latin typeface="Tajawal"/>
+                <a:ea typeface="Tajawal"/>
+                <a:cs typeface="Tajawal"/>
+                <a:sym typeface="Tajawal"/>
+              </a:defRPr>
+            </a:lvl7pPr>
+            <a:lvl8pPr marR="0" lvl="7" algn="l" rtl="0">
+              <a:lnSpc>
+                <a:spcPct val="100000"/>
+              </a:lnSpc>
+              <a:spcBef>
+                <a:spcPts val="0"/>
+              </a:spcBef>
+              <a:spcAft>
+                <a:spcPts val="0"/>
+              </a:spcAft>
+              <a:buClr>
+                <a:schemeClr val="dk1"/>
+              </a:buClr>
+              <a:buSzPts val="3200"/>
+              <a:buFont typeface="Tajawal"/>
+              <a:buNone/>
+              <a:defRPr sz="3200" b="1" i="0" u="none" strike="noStrike" cap="none">
+                <a:solidFill>
+                  <a:schemeClr val="dk1"/>
+                </a:solidFill>
+                <a:latin typeface="Tajawal"/>
+                <a:ea typeface="Tajawal"/>
+                <a:cs typeface="Tajawal"/>
+                <a:sym typeface="Tajawal"/>
+              </a:defRPr>
+            </a:lvl8pPr>
+            <a:lvl9pPr marR="0" lvl="8" algn="l" rtl="0">
+              <a:lnSpc>
+                <a:spcPct val="100000"/>
+              </a:lnSpc>
+              <a:spcBef>
+                <a:spcPts val="0"/>
+              </a:spcBef>
+              <a:spcAft>
+                <a:spcPts val="0"/>
+              </a:spcAft>
+              <a:buClr>
+                <a:schemeClr val="dk1"/>
+              </a:buClr>
+              <a:buSzPts val="3200"/>
+              <a:buFont typeface="Tajawal"/>
+              <a:buNone/>
+              <a:defRPr sz="3200" b="1" i="0" u="none" strike="noStrike" cap="none">
+                <a:solidFill>
+                  <a:schemeClr val="dk1"/>
+                </a:solidFill>
+                <a:latin typeface="Tajawal"/>
+                <a:ea typeface="Tajawal"/>
+                <a:cs typeface="Tajawal"/>
+                <a:sym typeface="Tajawal"/>
+              </a:defRPr>
+            </a:lvl9pPr>
+          </a:lstStyle>
+          <a:p>
+            <a:r>
+              <a:rPr lang="en-GB"/>
+              <a:t>Decision Tree</a:t>
+            </a:r>
+            <a:endParaRPr lang="en-GB" dirty="0"/>
+          </a:p>
+        </p:txBody>
+      </p:sp>
+      <p:pic>
+        <p:nvPicPr>
+          <p:cNvPr id="6" name="Picture 5" descr="A picture containing circle&#10;&#10;Description automatically generated">
+            <a:extLst>
+              <a:ext uri="{FF2B5EF4-FFF2-40B4-BE49-F238E27FC236}">
+                <a16:creationId xmlns:a16="http://schemas.microsoft.com/office/drawing/2014/main" id="{BCC1A354-C16D-AB32-B9A9-8A5FA86E74F5}"/>
+              </a:ext>
+            </a:extLst>
+          </p:cNvPr>
+          <p:cNvPicPr>
+            <a:picLocks noChangeAspect="1"/>
+          </p:cNvPicPr>
+          <p:nvPr/>
+        </p:nvPicPr>
+        <p:blipFill>
+          <a:blip r:embed="rId4"/>
+          <a:stretch>
+            <a:fillRect/>
+          </a:stretch>
+        </p:blipFill>
+        <p:spPr>
+          <a:xfrm>
+            <a:off x="7820528" y="132735"/>
+            <a:ext cx="1258284" cy="677376"/>
+          </a:xfrm>
+          <a:prstGeom prst="rect">
+            <a:avLst/>
+          </a:prstGeom>
+        </p:spPr>
+      </p:pic>
+      <p:sp>
+        <p:nvSpPr>
+          <p:cNvPr id="8" name="Title 1">
+            <a:extLst>
+              <a:ext uri="{FF2B5EF4-FFF2-40B4-BE49-F238E27FC236}">
+                <a16:creationId xmlns:a16="http://schemas.microsoft.com/office/drawing/2014/main" id="{FAEE2A23-1D56-E547-5EF2-FA582DC6F459}"/>
+              </a:ext>
+            </a:extLst>
+          </p:cNvPr>
+          <p:cNvSpPr txBox="1">
+            <a:spLocks/>
+          </p:cNvSpPr>
+          <p:nvPr/>
+        </p:nvSpPr>
+        <p:spPr>
+          <a:xfrm>
+            <a:off x="731870" y="280427"/>
+            <a:ext cx="7717800" cy="572700"/>
+          </a:xfrm>
+          <a:prstGeom prst="rect">
+            <a:avLst/>
+          </a:prstGeom>
+          <a:noFill/>
+          <a:ln>
+            <a:noFill/>
+          </a:ln>
+        </p:spPr>
+        <p:txBody>
+          <a:bodyPr spcFirstLastPara="1" wrap="square" lIns="91425" tIns="91425" rIns="91425" bIns="91425" anchor="ctr" anchorCtr="0">
+            <a:noAutofit/>
+          </a:bodyPr>
+          <a:lstStyle>
+            <a:defPPr marR="0" lvl="0" algn="l" rtl="0">
+              <a:lnSpc>
+                <a:spcPct val="100000"/>
+              </a:lnSpc>
+              <a:spcBef>
+                <a:spcPts val="0"/>
+              </a:spcBef>
+              <a:spcAft>
+                <a:spcPts val="0"/>
+              </a:spcAft>
+            </a:defPPr>
+            <a:lvl1pPr marR="0" lvl="0" algn="l" rtl="0">
+              <a:lnSpc>
+                <a:spcPct val="100000"/>
+              </a:lnSpc>
+              <a:spcBef>
+                <a:spcPts val="0"/>
+              </a:spcBef>
+              <a:spcAft>
+                <a:spcPts val="0"/>
+              </a:spcAft>
+              <a:buClr>
+                <a:schemeClr val="dk1"/>
+              </a:buClr>
+              <a:buSzPts val="3200"/>
+              <a:buFont typeface="Tajawal"/>
+              <a:buNone/>
+              <a:defRPr sz="3200" b="1" i="0" u="none" strike="noStrike" cap="none">
+                <a:solidFill>
+                  <a:schemeClr val="dk1"/>
+                </a:solidFill>
+                <a:latin typeface="Tajawal"/>
+                <a:ea typeface="Tajawal"/>
+                <a:cs typeface="Tajawal"/>
+                <a:sym typeface="Tajawal"/>
+              </a:defRPr>
+            </a:lvl1pPr>
+            <a:lvl2pPr marR="0" lvl="1" algn="l" rtl="0">
+              <a:lnSpc>
+                <a:spcPct val="100000"/>
+              </a:lnSpc>
+              <a:spcBef>
+                <a:spcPts val="0"/>
+              </a:spcBef>
+              <a:spcAft>
+                <a:spcPts val="0"/>
+              </a:spcAft>
+              <a:buClr>
+                <a:schemeClr val="dk1"/>
+              </a:buClr>
+              <a:buSzPts val="3200"/>
+              <a:buFont typeface="Tajawal"/>
+              <a:buNone/>
+              <a:defRPr sz="3200" b="1" i="0" u="none" strike="noStrike" cap="none">
+                <a:solidFill>
+                  <a:schemeClr val="dk1"/>
+                </a:solidFill>
+                <a:latin typeface="Tajawal"/>
+                <a:ea typeface="Tajawal"/>
+                <a:cs typeface="Tajawal"/>
+                <a:sym typeface="Tajawal"/>
+              </a:defRPr>
+            </a:lvl2pPr>
+            <a:lvl3pPr marR="0" lvl="2" algn="l" rtl="0">
+              <a:lnSpc>
+                <a:spcPct val="100000"/>
+              </a:lnSpc>
+              <a:spcBef>
+                <a:spcPts val="0"/>
+              </a:spcBef>
+              <a:spcAft>
+                <a:spcPts val="0"/>
+              </a:spcAft>
+              <a:buClr>
+                <a:schemeClr val="dk1"/>
+              </a:buClr>
+              <a:buSzPts val="3200"/>
+              <a:buFont typeface="Tajawal"/>
+              <a:buNone/>
+              <a:defRPr sz="3200" b="1" i="0" u="none" strike="noStrike" cap="none">
+                <a:solidFill>
+                  <a:schemeClr val="dk1"/>
+                </a:solidFill>
+                <a:latin typeface="Tajawal"/>
+                <a:ea typeface="Tajawal"/>
+                <a:cs typeface="Tajawal"/>
+                <a:sym typeface="Tajawal"/>
+              </a:defRPr>
+            </a:lvl3pPr>
+            <a:lvl4pPr marR="0" lvl="3" algn="l" rtl="0">
+              <a:lnSpc>
+                <a:spcPct val="100000"/>
+              </a:lnSpc>
+              <a:spcBef>
+                <a:spcPts val="0"/>
+              </a:spcBef>
+              <a:spcAft>
+                <a:spcPts val="0"/>
+              </a:spcAft>
+              <a:buClr>
+                <a:schemeClr val="dk1"/>
+              </a:buClr>
+              <a:buSzPts val="3200"/>
+              <a:buFont typeface="Tajawal"/>
+              <a:buNone/>
+              <a:defRPr sz="3200" b="1" i="0" u="none" strike="noStrike" cap="none">
+                <a:solidFill>
+                  <a:schemeClr val="dk1"/>
+                </a:solidFill>
+                <a:latin typeface="Tajawal"/>
+                <a:ea typeface="Tajawal"/>
+                <a:cs typeface="Tajawal"/>
+                <a:sym typeface="Tajawal"/>
+              </a:defRPr>
+            </a:lvl4pPr>
+            <a:lvl5pPr marR="0" lvl="4" algn="l" rtl="0">
+              <a:lnSpc>
+                <a:spcPct val="100000"/>
+              </a:lnSpc>
+              <a:spcBef>
+                <a:spcPts val="0"/>
+              </a:spcBef>
+              <a:spcAft>
+                <a:spcPts val="0"/>
+              </a:spcAft>
+              <a:buClr>
+                <a:schemeClr val="dk1"/>
+              </a:buClr>
+              <a:buSzPts val="3200"/>
+              <a:buFont typeface="Tajawal"/>
+              <a:buNone/>
+              <a:defRPr sz="3200" b="1" i="0" u="none" strike="noStrike" cap="none">
+                <a:solidFill>
+                  <a:schemeClr val="dk1"/>
+                </a:solidFill>
+                <a:latin typeface="Tajawal"/>
+                <a:ea typeface="Tajawal"/>
+                <a:cs typeface="Tajawal"/>
+                <a:sym typeface="Tajawal"/>
+              </a:defRPr>
+            </a:lvl5pPr>
+            <a:lvl6pPr marR="0" lvl="5" algn="l" rtl="0">
+              <a:lnSpc>
+                <a:spcPct val="100000"/>
+              </a:lnSpc>
+              <a:spcBef>
+                <a:spcPts val="0"/>
+              </a:spcBef>
+              <a:spcAft>
+                <a:spcPts val="0"/>
+              </a:spcAft>
+              <a:buClr>
+                <a:schemeClr val="dk1"/>
+              </a:buClr>
+              <a:buSzPts val="3200"/>
+              <a:buFont typeface="Tajawal"/>
+              <a:buNone/>
+              <a:defRPr sz="3200" b="1" i="0" u="none" strike="noStrike" cap="none">
+                <a:solidFill>
+                  <a:schemeClr val="dk1"/>
+                </a:solidFill>
+                <a:latin typeface="Tajawal"/>
+                <a:ea typeface="Tajawal"/>
+                <a:cs typeface="Tajawal"/>
+                <a:sym typeface="Tajawal"/>
+              </a:defRPr>
+            </a:lvl6pPr>
+            <a:lvl7pPr marR="0" lvl="6" algn="l" rtl="0">
+              <a:lnSpc>
+                <a:spcPct val="100000"/>
+              </a:lnSpc>
+              <a:spcBef>
+                <a:spcPts val="0"/>
+              </a:spcBef>
+              <a:spcAft>
+                <a:spcPts val="0"/>
+              </a:spcAft>
+              <a:buClr>
+                <a:schemeClr val="dk1"/>
+              </a:buClr>
+              <a:buSzPts val="3200"/>
+              <a:buFont typeface="Tajawal"/>
+              <a:buNone/>
+              <a:defRPr sz="3200" b="1" i="0" u="none" strike="noStrike" cap="none">
+                <a:solidFill>
+                  <a:schemeClr val="dk1"/>
+                </a:solidFill>
+                <a:latin typeface="Tajawal"/>
+                <a:ea typeface="Tajawal"/>
+                <a:cs typeface="Tajawal"/>
+                <a:sym typeface="Tajawal"/>
+              </a:defRPr>
+            </a:lvl7pPr>
+            <a:lvl8pPr marR="0" lvl="7" algn="l" rtl="0">
+              <a:lnSpc>
+                <a:spcPct val="100000"/>
+              </a:lnSpc>
+              <a:spcBef>
+                <a:spcPts val="0"/>
+              </a:spcBef>
+              <a:spcAft>
+                <a:spcPts val="0"/>
+              </a:spcAft>
+              <a:buClr>
+                <a:schemeClr val="dk1"/>
+              </a:buClr>
+              <a:buSzPts val="3200"/>
+              <a:buFont typeface="Tajawal"/>
+              <a:buNone/>
+              <a:defRPr sz="3200" b="1" i="0" u="none" strike="noStrike" cap="none">
+                <a:solidFill>
+                  <a:schemeClr val="dk1"/>
+                </a:solidFill>
+                <a:latin typeface="Tajawal"/>
+                <a:ea typeface="Tajawal"/>
+                <a:cs typeface="Tajawal"/>
+                <a:sym typeface="Tajawal"/>
+              </a:defRPr>
+            </a:lvl8pPr>
+            <a:lvl9pPr marR="0" lvl="8" algn="l" rtl="0">
+              <a:lnSpc>
+                <a:spcPct val="100000"/>
+              </a:lnSpc>
+              <a:spcBef>
+                <a:spcPts val="0"/>
+              </a:spcBef>
+              <a:spcAft>
+                <a:spcPts val="0"/>
+              </a:spcAft>
+              <a:buClr>
+                <a:schemeClr val="dk1"/>
+              </a:buClr>
+              <a:buSzPts val="3200"/>
+              <a:buFont typeface="Tajawal"/>
+              <a:buNone/>
+              <a:defRPr sz="3200" b="1" i="0" u="none" strike="noStrike" cap="none">
+                <a:solidFill>
+                  <a:schemeClr val="dk1"/>
+                </a:solidFill>
+                <a:latin typeface="Tajawal"/>
+                <a:ea typeface="Tajawal"/>
+                <a:cs typeface="Tajawal"/>
+                <a:sym typeface="Tajawal"/>
+              </a:defRPr>
+            </a:lvl9pPr>
+          </a:lstStyle>
+          <a:p>
+            <a:r>
+              <a:rPr lang="it-IT" sz="1200" i="1" dirty="0">
+                <a:solidFill>
+                  <a:srgbClr val="00B050"/>
+                </a:solidFill>
+              </a:rPr>
+              <a:t>TEXT CLASSIFICATION – PRE-PROCESSING</a:t>
+            </a:r>
+            <a:endParaRPr lang="it-IT" i="1" dirty="0">
+              <a:solidFill>
+                <a:srgbClr val="00B050"/>
+              </a:solidFill>
+            </a:endParaRPr>
+          </a:p>
+        </p:txBody>
+      </p:sp>
+    </p:spTree>
+    <p:extLst>
+      <p:ext uri="{BB962C8B-B14F-4D97-AF65-F5344CB8AC3E}">
+        <p14:creationId xmlns:p14="http://schemas.microsoft.com/office/powerpoint/2010/main" val="3456230359"/>
       </p:ext>
     </p:extLst>
   </p:cSld>

--- a/Presentation.pptx
+++ b/Presentation.pptx
@@ -5,7 +5,7 @@
     <p:sldMasterId id="2147483682" r:id="rId1"/>
   </p:sldMasterIdLst>
   <p:notesMasterIdLst>
-    <p:notesMasterId r:id="rId16"/>
+    <p:notesMasterId r:id="rId19"/>
   </p:notesMasterIdLst>
   <p:sldIdLst>
     <p:sldId id="330" r:id="rId2"/>
@@ -17,31 +17,34 @@
     <p:sldId id="338" r:id="rId8"/>
     <p:sldId id="343" r:id="rId9"/>
     <p:sldId id="340" r:id="rId10"/>
-    <p:sldId id="341" r:id="rId11"/>
-    <p:sldId id="345" r:id="rId12"/>
-    <p:sldId id="346" r:id="rId13"/>
-    <p:sldId id="347" r:id="rId14"/>
+    <p:sldId id="349" r:id="rId11"/>
+    <p:sldId id="341" r:id="rId12"/>
+    <p:sldId id="345" r:id="rId13"/>
+    <p:sldId id="346" r:id="rId14"/>
     <p:sldId id="348" r:id="rId15"/>
+    <p:sldId id="350" r:id="rId16"/>
+    <p:sldId id="351" r:id="rId17"/>
+    <p:sldId id="354" r:id="rId18"/>
   </p:sldIdLst>
   <p:sldSz cx="9144000" cy="5143500" type="screen16x9"/>
   <p:notesSz cx="6858000" cy="9144000"/>
   <p:embeddedFontLst>
     <p:embeddedFont>
       <p:font typeface="Roboto" panose="02000000000000000000" pitchFamily="2" charset="0"/>
-      <p:regular r:id="rId17"/>
-      <p:bold r:id="rId18"/>
-      <p:italic r:id="rId19"/>
-      <p:boldItalic r:id="rId20"/>
+      <p:regular r:id="rId20"/>
+      <p:bold r:id="rId21"/>
+      <p:italic r:id="rId22"/>
+      <p:boldItalic r:id="rId23"/>
     </p:embeddedFont>
     <p:embeddedFont>
       <p:font typeface="Roboto Condensed Light" panose="020F0302020204030204" pitchFamily="34" charset="0"/>
-      <p:regular r:id="rId21"/>
-      <p:italic r:id="rId22"/>
+      <p:regular r:id="rId24"/>
+      <p:italic r:id="rId25"/>
     </p:embeddedFont>
     <p:embeddedFont>
       <p:font typeface="Tajawal" pitchFamily="2" charset="-78"/>
-      <p:regular r:id="rId23"/>
-      <p:bold r:id="rId24"/>
+      <p:regular r:id="rId26"/>
+      <p:bold r:id="rId27"/>
     </p:embeddedFont>
   </p:embeddedFontLst>
   <p:defaultTextStyle>
@@ -936,7 +939,7 @@
     </p:spTree>
     <p:extLst>
       <p:ext uri="{BB962C8B-B14F-4D97-AF65-F5344CB8AC3E}">
-        <p14:creationId xmlns:p14="http://schemas.microsoft.com/office/powerpoint/2010/main" val="3675141238"/>
+        <p14:creationId xmlns:p14="http://schemas.microsoft.com/office/powerpoint/2010/main" val="3744646380"/>
       </p:ext>
     </p:extLst>
   </p:cSld>
@@ -1045,7 +1048,7 @@
     </p:spTree>
     <p:extLst>
       <p:ext uri="{BB962C8B-B14F-4D97-AF65-F5344CB8AC3E}">
-        <p14:creationId xmlns:p14="http://schemas.microsoft.com/office/powerpoint/2010/main" val="1727769458"/>
+        <p14:creationId xmlns:p14="http://schemas.microsoft.com/office/powerpoint/2010/main" val="3675141238"/>
       </p:ext>
     </p:extLst>
   </p:cSld>
@@ -1154,7 +1157,7 @@
     </p:spTree>
     <p:extLst>
       <p:ext uri="{BB962C8B-B14F-4D97-AF65-F5344CB8AC3E}">
-        <p14:creationId xmlns:p14="http://schemas.microsoft.com/office/powerpoint/2010/main" val="3852090680"/>
+        <p14:creationId xmlns:p14="http://schemas.microsoft.com/office/powerpoint/2010/main" val="1727769458"/>
       </p:ext>
     </p:extLst>
   </p:cSld>
@@ -1263,7 +1266,7 @@
     </p:spTree>
     <p:extLst>
       <p:ext uri="{BB962C8B-B14F-4D97-AF65-F5344CB8AC3E}">
-        <p14:creationId xmlns:p14="http://schemas.microsoft.com/office/powerpoint/2010/main" val="3544096429"/>
+        <p14:creationId xmlns:p14="http://schemas.microsoft.com/office/powerpoint/2010/main" val="3852090680"/>
       </p:ext>
     </p:extLst>
   </p:cSld>
@@ -1373,6 +1376,333 @@
     <p:extLst>
       <p:ext uri="{BB962C8B-B14F-4D97-AF65-F5344CB8AC3E}">
         <p14:creationId xmlns:p14="http://schemas.microsoft.com/office/powerpoint/2010/main" val="3776984744"/>
+      </p:ext>
+    </p:extLst>
+  </p:cSld>
+  <p:clrMapOvr>
+    <a:masterClrMapping/>
+  </p:clrMapOvr>
+</p:notes>
+</file>
+
+<file path=ppt/notesSlides/notesSlide15.xml><?xml version="1.0" encoding="utf-8"?>
+<p:notes xmlns:a="http://schemas.openxmlformats.org/drawingml/2006/main" xmlns:r="http://schemas.openxmlformats.org/officeDocument/2006/relationships" xmlns:p="http://schemas.openxmlformats.org/presentationml/2006/main" showMasterSp="0" showMasterPhAnim="0">
+  <p:cSld>
+    <p:spTree>
+      <p:nvGrpSpPr>
+        <p:cNvPr id="1" name="Shape 1339"/>
+        <p:cNvGrpSpPr/>
+        <p:nvPr/>
+      </p:nvGrpSpPr>
+      <p:grpSpPr>
+        <a:xfrm>
+          <a:off x="0" y="0"/>
+          <a:ext cx="0" cy="0"/>
+          <a:chOff x="0" y="0"/>
+          <a:chExt cx="0" cy="0"/>
+        </a:xfrm>
+      </p:grpSpPr>
+      <p:sp>
+        <p:nvSpPr>
+          <p:cNvPr id="1340" name="Google Shape;1340;gf311197722_0_10:notes"/>
+          <p:cNvSpPr>
+            <a:spLocks noGrp="1" noRot="1" noChangeAspect="1"/>
+          </p:cNvSpPr>
+          <p:nvPr>
+            <p:ph type="sldImg" idx="2"/>
+          </p:nvPr>
+        </p:nvSpPr>
+        <p:spPr>
+          <a:xfrm>
+            <a:off x="381000" y="685800"/>
+            <a:ext cx="6096000" cy="3429000"/>
+          </a:xfrm>
+          <a:custGeom>
+            <a:avLst/>
+            <a:gdLst/>
+            <a:ahLst/>
+            <a:cxnLst/>
+            <a:rect l="l" t="t" r="r" b="b"/>
+            <a:pathLst>
+              <a:path w="120000" h="120000" extrusionOk="0">
+                <a:moveTo>
+                  <a:pt x="0" y="0"/>
+                </a:moveTo>
+                <a:lnTo>
+                  <a:pt x="120000" y="0"/>
+                </a:lnTo>
+                <a:lnTo>
+                  <a:pt x="120000" y="120000"/>
+                </a:lnTo>
+                <a:lnTo>
+                  <a:pt x="0" y="120000"/>
+                </a:lnTo>
+                <a:close/>
+              </a:path>
+            </a:pathLst>
+          </a:custGeom>
+        </p:spPr>
+      </p:sp>
+      <p:sp>
+        <p:nvSpPr>
+          <p:cNvPr id="1341" name="Google Shape;1341;gf311197722_0_10:notes"/>
+          <p:cNvSpPr txBox="1">
+            <a:spLocks noGrp="1"/>
+          </p:cNvSpPr>
+          <p:nvPr>
+            <p:ph type="body" idx="1"/>
+          </p:nvPr>
+        </p:nvSpPr>
+        <p:spPr>
+          <a:xfrm>
+            <a:off x="685800" y="4343400"/>
+            <a:ext cx="5486400" cy="4114800"/>
+          </a:xfrm>
+          <a:prstGeom prst="rect">
+            <a:avLst/>
+          </a:prstGeom>
+        </p:spPr>
+        <p:txBody>
+          <a:bodyPr spcFirstLastPara="1" wrap="square" lIns="91425" tIns="91425" rIns="91425" bIns="91425" anchor="t" anchorCtr="0">
+            <a:noAutofit/>
+          </a:bodyPr>
+          <a:lstStyle/>
+          <a:p>
+            <a:pPr marL="0" lvl="0" indent="0" algn="l" rtl="0">
+              <a:spcBef>
+                <a:spcPts val="0"/>
+              </a:spcBef>
+              <a:spcAft>
+                <a:spcPts val="0"/>
+              </a:spcAft>
+              <a:buNone/>
+            </a:pPr>
+            <a:endParaRPr dirty="0"/>
+          </a:p>
+        </p:txBody>
+      </p:sp>
+    </p:spTree>
+    <p:extLst>
+      <p:ext uri="{BB962C8B-B14F-4D97-AF65-F5344CB8AC3E}">
+        <p14:creationId xmlns:p14="http://schemas.microsoft.com/office/powerpoint/2010/main" val="3236058423"/>
+      </p:ext>
+    </p:extLst>
+  </p:cSld>
+  <p:clrMapOvr>
+    <a:masterClrMapping/>
+  </p:clrMapOvr>
+</p:notes>
+</file>
+
+<file path=ppt/notesSlides/notesSlide16.xml><?xml version="1.0" encoding="utf-8"?>
+<p:notes xmlns:a="http://schemas.openxmlformats.org/drawingml/2006/main" xmlns:r="http://schemas.openxmlformats.org/officeDocument/2006/relationships" xmlns:p="http://schemas.openxmlformats.org/presentationml/2006/main" showMasterSp="0" showMasterPhAnim="0">
+  <p:cSld>
+    <p:spTree>
+      <p:nvGrpSpPr>
+        <p:cNvPr id="1" name="Shape 1339"/>
+        <p:cNvGrpSpPr/>
+        <p:nvPr/>
+      </p:nvGrpSpPr>
+      <p:grpSpPr>
+        <a:xfrm>
+          <a:off x="0" y="0"/>
+          <a:ext cx="0" cy="0"/>
+          <a:chOff x="0" y="0"/>
+          <a:chExt cx="0" cy="0"/>
+        </a:xfrm>
+      </p:grpSpPr>
+      <p:sp>
+        <p:nvSpPr>
+          <p:cNvPr id="1340" name="Google Shape;1340;gf311197722_0_10:notes"/>
+          <p:cNvSpPr>
+            <a:spLocks noGrp="1" noRot="1" noChangeAspect="1"/>
+          </p:cNvSpPr>
+          <p:nvPr>
+            <p:ph type="sldImg" idx="2"/>
+          </p:nvPr>
+        </p:nvSpPr>
+        <p:spPr>
+          <a:xfrm>
+            <a:off x="381000" y="685800"/>
+            <a:ext cx="6096000" cy="3429000"/>
+          </a:xfrm>
+          <a:custGeom>
+            <a:avLst/>
+            <a:gdLst/>
+            <a:ahLst/>
+            <a:cxnLst/>
+            <a:rect l="l" t="t" r="r" b="b"/>
+            <a:pathLst>
+              <a:path w="120000" h="120000" extrusionOk="0">
+                <a:moveTo>
+                  <a:pt x="0" y="0"/>
+                </a:moveTo>
+                <a:lnTo>
+                  <a:pt x="120000" y="0"/>
+                </a:lnTo>
+                <a:lnTo>
+                  <a:pt x="120000" y="120000"/>
+                </a:lnTo>
+                <a:lnTo>
+                  <a:pt x="0" y="120000"/>
+                </a:lnTo>
+                <a:close/>
+              </a:path>
+            </a:pathLst>
+          </a:custGeom>
+        </p:spPr>
+      </p:sp>
+      <p:sp>
+        <p:nvSpPr>
+          <p:cNvPr id="1341" name="Google Shape;1341;gf311197722_0_10:notes"/>
+          <p:cNvSpPr txBox="1">
+            <a:spLocks noGrp="1"/>
+          </p:cNvSpPr>
+          <p:nvPr>
+            <p:ph type="body" idx="1"/>
+          </p:nvPr>
+        </p:nvSpPr>
+        <p:spPr>
+          <a:xfrm>
+            <a:off x="685800" y="4343400"/>
+            <a:ext cx="5486400" cy="4114800"/>
+          </a:xfrm>
+          <a:prstGeom prst="rect">
+            <a:avLst/>
+          </a:prstGeom>
+        </p:spPr>
+        <p:txBody>
+          <a:bodyPr spcFirstLastPara="1" wrap="square" lIns="91425" tIns="91425" rIns="91425" bIns="91425" anchor="t" anchorCtr="0">
+            <a:noAutofit/>
+          </a:bodyPr>
+          <a:lstStyle/>
+          <a:p>
+            <a:pPr marL="0" lvl="0" indent="0" algn="l" rtl="0">
+              <a:spcBef>
+                <a:spcPts val="0"/>
+              </a:spcBef>
+              <a:spcAft>
+                <a:spcPts val="0"/>
+              </a:spcAft>
+              <a:buNone/>
+            </a:pPr>
+            <a:endParaRPr dirty="0"/>
+          </a:p>
+        </p:txBody>
+      </p:sp>
+    </p:spTree>
+    <p:extLst>
+      <p:ext uri="{BB962C8B-B14F-4D97-AF65-F5344CB8AC3E}">
+        <p14:creationId xmlns:p14="http://schemas.microsoft.com/office/powerpoint/2010/main" val="758804090"/>
+      </p:ext>
+    </p:extLst>
+  </p:cSld>
+  <p:clrMapOvr>
+    <a:masterClrMapping/>
+  </p:clrMapOvr>
+</p:notes>
+</file>
+
+<file path=ppt/notesSlides/notesSlide17.xml><?xml version="1.0" encoding="utf-8"?>
+<p:notes xmlns:a="http://schemas.openxmlformats.org/drawingml/2006/main" xmlns:r="http://schemas.openxmlformats.org/officeDocument/2006/relationships" xmlns:p="http://schemas.openxmlformats.org/presentationml/2006/main" showMasterSp="0" showMasterPhAnim="0">
+  <p:cSld>
+    <p:spTree>
+      <p:nvGrpSpPr>
+        <p:cNvPr id="1" name="Shape 1339"/>
+        <p:cNvGrpSpPr/>
+        <p:nvPr/>
+      </p:nvGrpSpPr>
+      <p:grpSpPr>
+        <a:xfrm>
+          <a:off x="0" y="0"/>
+          <a:ext cx="0" cy="0"/>
+          <a:chOff x="0" y="0"/>
+          <a:chExt cx="0" cy="0"/>
+        </a:xfrm>
+      </p:grpSpPr>
+      <p:sp>
+        <p:nvSpPr>
+          <p:cNvPr id="1340" name="Google Shape;1340;gf311197722_0_10:notes"/>
+          <p:cNvSpPr>
+            <a:spLocks noGrp="1" noRot="1" noChangeAspect="1"/>
+          </p:cNvSpPr>
+          <p:nvPr>
+            <p:ph type="sldImg" idx="2"/>
+          </p:nvPr>
+        </p:nvSpPr>
+        <p:spPr>
+          <a:xfrm>
+            <a:off x="381000" y="685800"/>
+            <a:ext cx="6096000" cy="3429000"/>
+          </a:xfrm>
+          <a:custGeom>
+            <a:avLst/>
+            <a:gdLst/>
+            <a:ahLst/>
+            <a:cxnLst/>
+            <a:rect l="l" t="t" r="r" b="b"/>
+            <a:pathLst>
+              <a:path w="120000" h="120000" extrusionOk="0">
+                <a:moveTo>
+                  <a:pt x="0" y="0"/>
+                </a:moveTo>
+                <a:lnTo>
+                  <a:pt x="120000" y="0"/>
+                </a:lnTo>
+                <a:lnTo>
+                  <a:pt x="120000" y="120000"/>
+                </a:lnTo>
+                <a:lnTo>
+                  <a:pt x="0" y="120000"/>
+                </a:lnTo>
+                <a:close/>
+              </a:path>
+            </a:pathLst>
+          </a:custGeom>
+        </p:spPr>
+      </p:sp>
+      <p:sp>
+        <p:nvSpPr>
+          <p:cNvPr id="1341" name="Google Shape;1341;gf311197722_0_10:notes"/>
+          <p:cNvSpPr txBox="1">
+            <a:spLocks noGrp="1"/>
+          </p:cNvSpPr>
+          <p:nvPr>
+            <p:ph type="body" idx="1"/>
+          </p:nvPr>
+        </p:nvSpPr>
+        <p:spPr>
+          <a:xfrm>
+            <a:off x="685800" y="4343400"/>
+            <a:ext cx="5486400" cy="4114800"/>
+          </a:xfrm>
+          <a:prstGeom prst="rect">
+            <a:avLst/>
+          </a:prstGeom>
+        </p:spPr>
+        <p:txBody>
+          <a:bodyPr spcFirstLastPara="1" wrap="square" lIns="91425" tIns="91425" rIns="91425" bIns="91425" anchor="t" anchorCtr="0">
+            <a:noAutofit/>
+          </a:bodyPr>
+          <a:lstStyle/>
+          <a:p>
+            <a:pPr marL="0" lvl="0" indent="0" algn="l" rtl="0">
+              <a:spcBef>
+                <a:spcPts val="0"/>
+              </a:spcBef>
+              <a:spcAft>
+                <a:spcPts val="0"/>
+              </a:spcAft>
+              <a:buNone/>
+            </a:pPr>
+            <a:endParaRPr dirty="0"/>
+          </a:p>
+        </p:txBody>
+      </p:sp>
+    </p:spTree>
+    <p:extLst>
+      <p:ext uri="{BB962C8B-B14F-4D97-AF65-F5344CB8AC3E}">
+        <p14:creationId xmlns:p14="http://schemas.microsoft.com/office/powerpoint/2010/main" val="2408091532"/>
       </p:ext>
     </p:extLst>
   </p:cSld>
@@ -7792,10 +8122,305 @@
       </p:grpSp>
       <p:sp>
         <p:nvSpPr>
-          <p:cNvPr id="14" name="Google Shape;1344;p38">
+          <p:cNvPr id="5" name="Title 1">
             <a:extLst>
               <a:ext uri="{FF2B5EF4-FFF2-40B4-BE49-F238E27FC236}">
-                <a16:creationId xmlns:a16="http://schemas.microsoft.com/office/drawing/2014/main" id="{980922C1-A395-6BB4-730E-83A8E1094A76}"/>
+                <a16:creationId xmlns:a16="http://schemas.microsoft.com/office/drawing/2014/main" id="{A5119E7C-E9BB-8BF3-A118-3832D43D3FA8}"/>
+              </a:ext>
+            </a:extLst>
+          </p:cNvPr>
+          <p:cNvSpPr txBox="1">
+            <a:spLocks/>
+          </p:cNvSpPr>
+          <p:nvPr/>
+        </p:nvSpPr>
+        <p:spPr>
+          <a:xfrm>
+            <a:off x="731870" y="280427"/>
+            <a:ext cx="7717800" cy="572700"/>
+          </a:xfrm>
+          <a:prstGeom prst="rect">
+            <a:avLst/>
+          </a:prstGeom>
+          <a:noFill/>
+          <a:ln>
+            <a:noFill/>
+          </a:ln>
+        </p:spPr>
+        <p:txBody>
+          <a:bodyPr spcFirstLastPara="1" wrap="square" lIns="91425" tIns="91425" rIns="91425" bIns="91425" anchor="ctr" anchorCtr="0">
+            <a:noAutofit/>
+          </a:bodyPr>
+          <a:lstStyle>
+            <a:defPPr marR="0" lvl="0" algn="l" rtl="0">
+              <a:lnSpc>
+                <a:spcPct val="100000"/>
+              </a:lnSpc>
+              <a:spcBef>
+                <a:spcPts val="0"/>
+              </a:spcBef>
+              <a:spcAft>
+                <a:spcPts val="0"/>
+              </a:spcAft>
+            </a:defPPr>
+            <a:lvl1pPr marR="0" lvl="0" algn="l" rtl="0">
+              <a:lnSpc>
+                <a:spcPct val="100000"/>
+              </a:lnSpc>
+              <a:spcBef>
+                <a:spcPts val="0"/>
+              </a:spcBef>
+              <a:spcAft>
+                <a:spcPts val="0"/>
+              </a:spcAft>
+              <a:buClr>
+                <a:schemeClr val="dk1"/>
+              </a:buClr>
+              <a:buSzPts val="3200"/>
+              <a:buFont typeface="Tajawal"/>
+              <a:buNone/>
+              <a:defRPr sz="3200" b="1" i="0" u="none" strike="noStrike" cap="none">
+                <a:solidFill>
+                  <a:schemeClr val="dk1"/>
+                </a:solidFill>
+                <a:latin typeface="Tajawal"/>
+                <a:ea typeface="Tajawal"/>
+                <a:cs typeface="Tajawal"/>
+                <a:sym typeface="Tajawal"/>
+              </a:defRPr>
+            </a:lvl1pPr>
+            <a:lvl2pPr marR="0" lvl="1" algn="l" rtl="0">
+              <a:lnSpc>
+                <a:spcPct val="100000"/>
+              </a:lnSpc>
+              <a:spcBef>
+                <a:spcPts val="0"/>
+              </a:spcBef>
+              <a:spcAft>
+                <a:spcPts val="0"/>
+              </a:spcAft>
+              <a:buClr>
+                <a:schemeClr val="dk1"/>
+              </a:buClr>
+              <a:buSzPts val="3200"/>
+              <a:buFont typeface="Tajawal"/>
+              <a:buNone/>
+              <a:defRPr sz="3200" b="1" i="0" u="none" strike="noStrike" cap="none">
+                <a:solidFill>
+                  <a:schemeClr val="dk1"/>
+                </a:solidFill>
+                <a:latin typeface="Tajawal"/>
+                <a:ea typeface="Tajawal"/>
+                <a:cs typeface="Tajawal"/>
+                <a:sym typeface="Tajawal"/>
+              </a:defRPr>
+            </a:lvl2pPr>
+            <a:lvl3pPr marR="0" lvl="2" algn="l" rtl="0">
+              <a:lnSpc>
+                <a:spcPct val="100000"/>
+              </a:lnSpc>
+              <a:spcBef>
+                <a:spcPts val="0"/>
+              </a:spcBef>
+              <a:spcAft>
+                <a:spcPts val="0"/>
+              </a:spcAft>
+              <a:buClr>
+                <a:schemeClr val="dk1"/>
+              </a:buClr>
+              <a:buSzPts val="3200"/>
+              <a:buFont typeface="Tajawal"/>
+              <a:buNone/>
+              <a:defRPr sz="3200" b="1" i="0" u="none" strike="noStrike" cap="none">
+                <a:solidFill>
+                  <a:schemeClr val="dk1"/>
+                </a:solidFill>
+                <a:latin typeface="Tajawal"/>
+                <a:ea typeface="Tajawal"/>
+                <a:cs typeface="Tajawal"/>
+                <a:sym typeface="Tajawal"/>
+              </a:defRPr>
+            </a:lvl3pPr>
+            <a:lvl4pPr marR="0" lvl="3" algn="l" rtl="0">
+              <a:lnSpc>
+                <a:spcPct val="100000"/>
+              </a:lnSpc>
+              <a:spcBef>
+                <a:spcPts val="0"/>
+              </a:spcBef>
+              <a:spcAft>
+                <a:spcPts val="0"/>
+              </a:spcAft>
+              <a:buClr>
+                <a:schemeClr val="dk1"/>
+              </a:buClr>
+              <a:buSzPts val="3200"/>
+              <a:buFont typeface="Tajawal"/>
+              <a:buNone/>
+              <a:defRPr sz="3200" b="1" i="0" u="none" strike="noStrike" cap="none">
+                <a:solidFill>
+                  <a:schemeClr val="dk1"/>
+                </a:solidFill>
+                <a:latin typeface="Tajawal"/>
+                <a:ea typeface="Tajawal"/>
+                <a:cs typeface="Tajawal"/>
+                <a:sym typeface="Tajawal"/>
+              </a:defRPr>
+            </a:lvl4pPr>
+            <a:lvl5pPr marR="0" lvl="4" algn="l" rtl="0">
+              <a:lnSpc>
+                <a:spcPct val="100000"/>
+              </a:lnSpc>
+              <a:spcBef>
+                <a:spcPts val="0"/>
+              </a:spcBef>
+              <a:spcAft>
+                <a:spcPts val="0"/>
+              </a:spcAft>
+              <a:buClr>
+                <a:schemeClr val="dk1"/>
+              </a:buClr>
+              <a:buSzPts val="3200"/>
+              <a:buFont typeface="Tajawal"/>
+              <a:buNone/>
+              <a:defRPr sz="3200" b="1" i="0" u="none" strike="noStrike" cap="none">
+                <a:solidFill>
+                  <a:schemeClr val="dk1"/>
+                </a:solidFill>
+                <a:latin typeface="Tajawal"/>
+                <a:ea typeface="Tajawal"/>
+                <a:cs typeface="Tajawal"/>
+                <a:sym typeface="Tajawal"/>
+              </a:defRPr>
+            </a:lvl5pPr>
+            <a:lvl6pPr marR="0" lvl="5" algn="l" rtl="0">
+              <a:lnSpc>
+                <a:spcPct val="100000"/>
+              </a:lnSpc>
+              <a:spcBef>
+                <a:spcPts val="0"/>
+              </a:spcBef>
+              <a:spcAft>
+                <a:spcPts val="0"/>
+              </a:spcAft>
+              <a:buClr>
+                <a:schemeClr val="dk1"/>
+              </a:buClr>
+              <a:buSzPts val="3200"/>
+              <a:buFont typeface="Tajawal"/>
+              <a:buNone/>
+              <a:defRPr sz="3200" b="1" i="0" u="none" strike="noStrike" cap="none">
+                <a:solidFill>
+                  <a:schemeClr val="dk1"/>
+                </a:solidFill>
+                <a:latin typeface="Tajawal"/>
+                <a:ea typeface="Tajawal"/>
+                <a:cs typeface="Tajawal"/>
+                <a:sym typeface="Tajawal"/>
+              </a:defRPr>
+            </a:lvl6pPr>
+            <a:lvl7pPr marR="0" lvl="6" algn="l" rtl="0">
+              <a:lnSpc>
+                <a:spcPct val="100000"/>
+              </a:lnSpc>
+              <a:spcBef>
+                <a:spcPts val="0"/>
+              </a:spcBef>
+              <a:spcAft>
+                <a:spcPts val="0"/>
+              </a:spcAft>
+              <a:buClr>
+                <a:schemeClr val="dk1"/>
+              </a:buClr>
+              <a:buSzPts val="3200"/>
+              <a:buFont typeface="Tajawal"/>
+              <a:buNone/>
+              <a:defRPr sz="3200" b="1" i="0" u="none" strike="noStrike" cap="none">
+                <a:solidFill>
+                  <a:schemeClr val="dk1"/>
+                </a:solidFill>
+                <a:latin typeface="Tajawal"/>
+                <a:ea typeface="Tajawal"/>
+                <a:cs typeface="Tajawal"/>
+                <a:sym typeface="Tajawal"/>
+              </a:defRPr>
+            </a:lvl7pPr>
+            <a:lvl8pPr marR="0" lvl="7" algn="l" rtl="0">
+              <a:lnSpc>
+                <a:spcPct val="100000"/>
+              </a:lnSpc>
+              <a:spcBef>
+                <a:spcPts val="0"/>
+              </a:spcBef>
+              <a:spcAft>
+                <a:spcPts val="0"/>
+              </a:spcAft>
+              <a:buClr>
+                <a:schemeClr val="dk1"/>
+              </a:buClr>
+              <a:buSzPts val="3200"/>
+              <a:buFont typeface="Tajawal"/>
+              <a:buNone/>
+              <a:defRPr sz="3200" b="1" i="0" u="none" strike="noStrike" cap="none">
+                <a:solidFill>
+                  <a:schemeClr val="dk1"/>
+                </a:solidFill>
+                <a:latin typeface="Tajawal"/>
+                <a:ea typeface="Tajawal"/>
+                <a:cs typeface="Tajawal"/>
+                <a:sym typeface="Tajawal"/>
+              </a:defRPr>
+            </a:lvl8pPr>
+            <a:lvl9pPr marR="0" lvl="8" algn="l" rtl="0">
+              <a:lnSpc>
+                <a:spcPct val="100000"/>
+              </a:lnSpc>
+              <a:spcBef>
+                <a:spcPts val="0"/>
+              </a:spcBef>
+              <a:spcAft>
+                <a:spcPts val="0"/>
+              </a:spcAft>
+              <a:buClr>
+                <a:schemeClr val="dk1"/>
+              </a:buClr>
+              <a:buSzPts val="3200"/>
+              <a:buFont typeface="Tajawal"/>
+              <a:buNone/>
+              <a:defRPr sz="3200" b="1" i="0" u="none" strike="noStrike" cap="none">
+                <a:solidFill>
+                  <a:schemeClr val="dk1"/>
+                </a:solidFill>
+                <a:latin typeface="Tajawal"/>
+                <a:ea typeface="Tajawal"/>
+                <a:cs typeface="Tajawal"/>
+                <a:sym typeface="Tajawal"/>
+              </a:defRPr>
+            </a:lvl9pPr>
+          </a:lstStyle>
+          <a:p>
+            <a:r>
+              <a:rPr lang="it-IT" sz="1200" i="1" dirty="0">
+                <a:solidFill>
+                  <a:srgbClr val="00B050"/>
+                </a:solidFill>
+              </a:rPr>
+              <a:t>DATA COLLECTION - FBREF</a:t>
+            </a:r>
+            <a:endParaRPr lang="it-IT" i="1" dirty="0">
+              <a:solidFill>
+                <a:srgbClr val="00B050"/>
+              </a:solidFill>
+            </a:endParaRPr>
+          </a:p>
+        </p:txBody>
+      </p:sp>
+      <p:sp>
+        <p:nvSpPr>
+          <p:cNvPr id="15" name="Google Shape;1344;p38">
+            <a:extLst>
+              <a:ext uri="{FF2B5EF4-FFF2-40B4-BE49-F238E27FC236}">
+                <a16:creationId xmlns:a16="http://schemas.microsoft.com/office/drawing/2014/main" id="{6CDF0198-7442-4999-B830-425DF72AB961}"/>
               </a:ext>
             </a:extLst>
           </p:cNvPr>
@@ -7807,7 +8432,7 @@
         <p:spPr>
           <a:xfrm>
             <a:off x="713100" y="1029101"/>
-            <a:ext cx="7839229" cy="2454328"/>
+            <a:ext cx="7839229" cy="1084434"/>
           </a:xfrm>
           <a:prstGeom prst="rect">
             <a:avLst/>
@@ -8078,80 +8703,7 @@
             </a:pPr>
             <a:r>
               <a:rPr lang="en-GB" sz="1600" dirty="0"/>
-              <a:t>Matches can be classified into 3 classes:</a:t>
-            </a:r>
-          </a:p>
-          <a:p>
-            <a:pPr marL="285750" indent="-285750">
-              <a:buClr>
-                <a:schemeClr val="dk1"/>
-              </a:buClr>
-              <a:buSzPct val="100000"/>
-              <a:buFont typeface="Arial" panose="020B0604020202020204" pitchFamily="34" charset="0"/>
-              <a:buChar char="•"/>
-            </a:pPr>
-            <a:r>
-              <a:rPr lang="en-GB" sz="1600" dirty="0"/>
-              <a:t>draw			(”N" → 0)</a:t>
-            </a:r>
-          </a:p>
-          <a:p>
-            <a:pPr marL="285750" indent="-285750">
-              <a:buClr>
-                <a:schemeClr val="dk1"/>
-              </a:buClr>
-              <a:buSzPct val="100000"/>
-              <a:buFont typeface="Arial" panose="020B0604020202020204" pitchFamily="34" charset="0"/>
-              <a:buChar char="•"/>
-            </a:pPr>
-            <a:r>
-              <a:rPr lang="en-GB" sz="1600" dirty="0"/>
-              <a:t>home team winner 	("V" → 1)</a:t>
-            </a:r>
-          </a:p>
-          <a:p>
-            <a:pPr marL="285750" indent="-285750">
-              <a:buClr>
-                <a:schemeClr val="dk1"/>
-              </a:buClr>
-              <a:buSzPct val="100000"/>
-              <a:buFont typeface="Arial" panose="020B0604020202020204" pitchFamily="34" charset="0"/>
-              <a:buChar char="•"/>
-            </a:pPr>
-            <a:r>
-              <a:rPr lang="en-GB" sz="1600" dirty="0"/>
-              <a:t>away team winner 	(”P" → 2)</a:t>
-            </a:r>
-          </a:p>
-          <a:p>
-            <a:pPr marL="285750" indent="-285750">
-              <a:buClr>
-                <a:schemeClr val="dk1"/>
-              </a:buClr>
-              <a:buSzPct val="100000"/>
-              <a:buFont typeface="Arial" panose="020B0604020202020204" pitchFamily="34" charset="0"/>
-              <a:buChar char="•"/>
-            </a:pPr>
-            <a:endParaRPr lang="en-GB" sz="1600" dirty="0"/>
-          </a:p>
-          <a:p>
-            <a:pPr marL="0" indent="0">
-              <a:buClr>
-                <a:schemeClr val="dk1"/>
-              </a:buClr>
-              <a:buSzPct val="100000"/>
-              <a:buNone/>
-            </a:pPr>
-            <a:r>
-              <a:rPr lang="en-GB" sz="1600" dirty="0"/>
-              <a:t>To build the predictive model I used two different supervised classification</a:t>
-            </a:r>
-            <a:br>
-              <a:rPr lang="en-GB" sz="1600" dirty="0"/>
-            </a:br>
-            <a:r>
-              <a:rPr lang="en-GB" sz="1600" dirty="0"/>
-              <a:t>models:</a:t>
+              <a:t>For each match are got two values:</a:t>
             </a:r>
           </a:p>
           <a:p>
@@ -8165,11 +8717,19 @@
             </a:pPr>
             <a:r>
               <a:rPr lang="en-GB" sz="1600" b="1" dirty="0"/>
-              <a:t>Decision Tree</a:t>
+              <a:t>description</a:t>
             </a:r>
             <a:r>
               <a:rPr lang="en-GB" sz="1600" dirty="0"/>
-              <a:t>: used to analyse the text read from football prediction and to get the label</a:t>
+              <a:t> that is the news published on </a:t>
+            </a:r>
+            <a:r>
+              <a:rPr lang="en-GB" sz="1600" dirty="0" err="1"/>
+              <a:t>FootballPrediction</a:t>
+            </a:r>
+            <a:r>
+              <a:rPr lang="en-GB" sz="1600" dirty="0"/>
+              <a:t> before the match</a:t>
             </a:r>
           </a:p>
           <a:p>
@@ -8183,41 +8743,22 @@
             </a:pPr>
             <a:r>
               <a:rPr lang="en-GB" sz="1600" b="1" dirty="0"/>
-              <a:t>Random Forest</a:t>
+              <a:t>prediction </a:t>
             </a:r>
             <a:r>
               <a:rPr lang="en-GB" sz="1600" dirty="0"/>
-              <a:t>: used to predict the final result of a next match</a:t>
+              <a:t>that is the label that represents the prediction made over the final result of the match. It represents the expected score </a:t>
             </a:r>
-          </a:p>
-          <a:p>
-            <a:pPr marL="0" indent="0">
-              <a:buClr>
-                <a:schemeClr val="dk1"/>
-              </a:buClr>
-              <a:buSzPct val="100000"/>
-              <a:buNone/>
-            </a:pPr>
-            <a:endParaRPr lang="en-GB" sz="1600" dirty="0"/>
-          </a:p>
-          <a:p>
-            <a:pPr marL="0" indent="0">
-              <a:buClr>
-                <a:schemeClr val="dk1"/>
-              </a:buClr>
-              <a:buSzPts val="1100"/>
-              <a:buNone/>
-            </a:pPr>
-            <a:endParaRPr lang="en-GB" sz="1600" dirty="0"/>
+            <a:endParaRPr lang="en-GB" sz="1600" b="1" dirty="0"/>
           </a:p>
         </p:txBody>
       </p:sp>
       <p:sp>
         <p:nvSpPr>
-          <p:cNvPr id="7" name="Google Shape;1343;p38">
+          <p:cNvPr id="23" name="Google Shape;1343;p38">
             <a:extLst>
               <a:ext uri="{FF2B5EF4-FFF2-40B4-BE49-F238E27FC236}">
-                <a16:creationId xmlns:a16="http://schemas.microsoft.com/office/drawing/2014/main" id="{F15CCC14-A652-DCAE-F707-EFA7C83CA764}"/>
+                <a16:creationId xmlns:a16="http://schemas.microsoft.com/office/drawing/2014/main" id="{A4C93E17-FAF2-3167-EA3B-B9059862FCBC}"/>
               </a:ext>
             </a:extLst>
           </p:cNvPr>
@@ -8492,16 +9033,170 @@
           </a:lstStyle>
           <a:p>
             <a:r>
+              <a:rPr lang="en-GB" dirty="0" err="1"/>
+              <a:t>FootballPredictions</a:t>
+            </a:r>
+            <a:r>
               <a:rPr lang="en-GB" dirty="0"/>
-              <a:t>Classification</a:t>
+              <a:t> dataset</a:t>
             </a:r>
           </a:p>
         </p:txBody>
       </p:sp>
+      <p:pic>
+        <p:nvPicPr>
+          <p:cNvPr id="4" name="Picture 3">
+            <a:extLst>
+              <a:ext uri="{FF2B5EF4-FFF2-40B4-BE49-F238E27FC236}">
+                <a16:creationId xmlns:a16="http://schemas.microsoft.com/office/drawing/2014/main" id="{EEA03D89-3A14-BDB9-0493-192486E44379}"/>
+              </a:ext>
+            </a:extLst>
+          </p:cNvPr>
+          <p:cNvPicPr>
+            <a:picLocks noChangeAspect="1"/>
+          </p:cNvPicPr>
+          <p:nvPr/>
+        </p:nvPicPr>
+        <p:blipFill>
+          <a:blip r:embed="rId4"/>
+          <a:stretch>
+            <a:fillRect/>
+          </a:stretch>
+        </p:blipFill>
+        <p:spPr>
+          <a:xfrm>
+            <a:off x="2324476" y="2264429"/>
+            <a:ext cx="4439632" cy="2655990"/>
+          </a:xfrm>
+          <a:prstGeom prst="rect">
+            <a:avLst/>
+          </a:prstGeom>
+          <a:ln>
+            <a:noFill/>
+          </a:ln>
+          <a:effectLst>
+            <a:outerShdw blurRad="292100" dist="139700" dir="2700000" algn="tl" rotWithShape="0">
+              <a:srgbClr val="333333">
+                <a:alpha val="65000"/>
+              </a:srgbClr>
+            </a:outerShdw>
+          </a:effectLst>
+        </p:spPr>
+      </p:pic>
+      <p:pic>
+        <p:nvPicPr>
+          <p:cNvPr id="8" name="Picture 10">
+            <a:hlinkClick r:id="rId5"/>
+            <a:extLst>
+              <a:ext uri="{FF2B5EF4-FFF2-40B4-BE49-F238E27FC236}">
+                <a16:creationId xmlns:a16="http://schemas.microsoft.com/office/drawing/2014/main" id="{E0AF8999-3247-D571-3C4A-B1A4CC551BEE}"/>
+              </a:ext>
+            </a:extLst>
+          </p:cNvPr>
+          <p:cNvPicPr>
+            <a:picLocks noChangeAspect="1" noChangeArrowheads="1"/>
+          </p:cNvPicPr>
+          <p:nvPr/>
+        </p:nvPicPr>
+        <p:blipFill rotWithShape="1">
+          <a:blip r:embed="rId6">
+            <a:extLst>
+              <a:ext uri="{28A0092B-C50C-407E-A947-70E740481C1C}">
+                <a14:useLocalDpi xmlns:a14="http://schemas.microsoft.com/office/drawing/2010/main" val="0"/>
+              </a:ext>
+            </a:extLst>
+          </a:blip>
+          <a:srcRect t="1" r="67002" b="-23964"/>
+          <a:stretch/>
+        </p:blipFill>
+        <p:spPr bwMode="auto">
+          <a:xfrm>
+            <a:off x="7816973" y="324043"/>
+            <a:ext cx="1263366" cy="310152"/>
+          </a:xfrm>
+          <a:prstGeom prst="rect">
+            <a:avLst/>
+          </a:prstGeom>
+          <a:ln>
+            <a:noFill/>
+          </a:ln>
+          <a:effectLst>
+            <a:outerShdw blurRad="292100" dist="139700" dir="2700000" algn="tl" rotWithShape="0">
+              <a:srgbClr val="333333">
+                <a:alpha val="65000"/>
+              </a:srgbClr>
+            </a:outerShdw>
+          </a:effectLst>
+          <a:extLst>
+            <a:ext uri="{909E8E84-426E-40DD-AFC4-6F175D3DCCD1}">
+              <a14:hiddenFill xmlns:a14="http://schemas.microsoft.com/office/drawing/2010/main">
+                <a:solidFill>
+                  <a:srgbClr val="FFFFFF"/>
+                </a:solidFill>
+              </a14:hiddenFill>
+            </a:ext>
+          </a:extLst>
+        </p:spPr>
+      </p:pic>
+      <p:pic>
+        <p:nvPicPr>
+          <p:cNvPr id="10" name="Picture 10">
+            <a:hlinkClick r:id="rId5"/>
+            <a:extLst>
+              <a:ext uri="{FF2B5EF4-FFF2-40B4-BE49-F238E27FC236}">
+                <a16:creationId xmlns:a16="http://schemas.microsoft.com/office/drawing/2014/main" id="{078CFBCE-2DEC-141C-CB9B-84F864542CF0}"/>
+              </a:ext>
+            </a:extLst>
+          </p:cNvPr>
+          <p:cNvPicPr>
+            <a:picLocks noChangeAspect="1" noChangeArrowheads="1"/>
+          </p:cNvPicPr>
+          <p:nvPr/>
+        </p:nvPicPr>
+        <p:blipFill rotWithShape="1">
+          <a:blip r:embed="rId6">
+            <a:extLst>
+              <a:ext uri="{28A0092B-C50C-407E-A947-70E740481C1C}">
+                <a14:useLocalDpi xmlns:a14="http://schemas.microsoft.com/office/drawing/2010/main" val="0"/>
+              </a:ext>
+            </a:extLst>
+          </a:blip>
+          <a:srcRect l="33028" t="-7094" r="70" b="-23964"/>
+          <a:stretch/>
+        </p:blipFill>
+        <p:spPr bwMode="auto">
+          <a:xfrm>
+            <a:off x="7816973" y="566777"/>
+            <a:ext cx="1263366" cy="161737"/>
+          </a:xfrm>
+          <a:prstGeom prst="rect">
+            <a:avLst/>
+          </a:prstGeom>
+          <a:ln>
+            <a:noFill/>
+          </a:ln>
+          <a:effectLst>
+            <a:outerShdw blurRad="292100" dist="139700" dir="2700000" algn="tl" rotWithShape="0">
+              <a:srgbClr val="333333">
+                <a:alpha val="65000"/>
+              </a:srgbClr>
+            </a:outerShdw>
+          </a:effectLst>
+          <a:extLst>
+            <a:ext uri="{909E8E84-426E-40DD-AFC4-6F175D3DCCD1}">
+              <a14:hiddenFill xmlns:a14="http://schemas.microsoft.com/office/drawing/2010/main">
+                <a:solidFill>
+                  <a:srgbClr val="FFFFFF"/>
+                </a:solidFill>
+              </a14:hiddenFill>
+            </a:ext>
+          </a:extLst>
+        </p:spPr>
+      </p:pic>
     </p:spTree>
     <p:extLst>
       <p:ext uri="{BB962C8B-B14F-4D97-AF65-F5344CB8AC3E}">
-        <p14:creationId xmlns:p14="http://schemas.microsoft.com/office/powerpoint/2010/main" val="3922546941"/>
+        <p14:creationId xmlns:p14="http://schemas.microsoft.com/office/powerpoint/2010/main" val="2560241340"/>
       </p:ext>
     </p:extLst>
   </p:cSld>
@@ -9179,8 +9874,8 @@
         </p:nvSpPr>
         <p:spPr>
           <a:xfrm>
-            <a:off x="713100" y="1029100"/>
-            <a:ext cx="7839229" cy="3420351"/>
+            <a:off x="713100" y="1029101"/>
+            <a:ext cx="7839229" cy="2454328"/>
           </a:xfrm>
           <a:prstGeom prst="rect">
             <a:avLst/>
@@ -9451,80 +10146,7 @@
             </a:pPr>
             <a:r>
               <a:rPr lang="en-GB" sz="1600" dirty="0"/>
-              <a:t>Texts downloaded from FP can't be used to build the model without any pre-processing operation, in fact texts must be transformed into vectors of numbers.</a:t>
-            </a:r>
-          </a:p>
-          <a:p>
-            <a:pPr marL="0" indent="0">
-              <a:buClr>
-                <a:schemeClr val="dk1"/>
-              </a:buClr>
-              <a:buSzPts val="1100"/>
-              <a:buNone/>
-            </a:pPr>
-            <a:endParaRPr lang="en-GB" sz="1600" dirty="0"/>
-          </a:p>
-          <a:p>
-            <a:pPr marL="0" indent="0">
-              <a:buClr>
-                <a:schemeClr val="dk1"/>
-              </a:buClr>
-              <a:buSzPts val="1100"/>
-              <a:buNone/>
-            </a:pPr>
-            <a:r>
-              <a:rPr lang="en-GB" sz="1600" b="1" dirty="0"/>
-              <a:t>TfidfVectorizer</a:t>
-            </a:r>
-            <a:r>
-              <a:rPr lang="en-GB" sz="1600" dirty="0"/>
-              <a:t> is the vectorizer used to build the Decision Tree model.</a:t>
-            </a:r>
-          </a:p>
-          <a:p>
-            <a:pPr marL="0" indent="0">
-              <a:buClr>
-                <a:schemeClr val="dk1"/>
-              </a:buClr>
-              <a:buSzPts val="1100"/>
-              <a:buNone/>
-            </a:pPr>
-            <a:endParaRPr lang="en-GB" sz="1600" dirty="0"/>
-          </a:p>
-          <a:p>
-            <a:pPr marL="0" indent="0">
-              <a:buClr>
-                <a:schemeClr val="dk1"/>
-              </a:buClr>
-              <a:buSzPts val="1100"/>
-              <a:buNone/>
-            </a:pPr>
-            <a:r>
-              <a:rPr lang="en-GB" sz="1600" dirty="0"/>
-              <a:t>TfidfVectorizer converts a collection of raw documents to a matrix of TF-IDF features.</a:t>
-            </a:r>
-          </a:p>
-          <a:p>
-            <a:pPr marL="0" indent="0">
-              <a:buClr>
-                <a:schemeClr val="dk1"/>
-              </a:buClr>
-              <a:buSzPts val="1100"/>
-              <a:buNone/>
-            </a:pPr>
-            <a:endParaRPr lang="en-GB" sz="1600" dirty="0"/>
-          </a:p>
-          <a:p>
-            <a:pPr marL="0" indent="0">
-              <a:buClr>
-                <a:schemeClr val="dk1"/>
-              </a:buClr>
-              <a:buSzPts val="1100"/>
-              <a:buNone/>
-            </a:pPr>
-            <a:r>
-              <a:rPr lang="en-GB" sz="1600" dirty="0"/>
-              <a:t>In order to do that texts have to be processed through 4 phases: </a:t>
+              <a:t>Matches can be classified into 3 classes:</a:t>
             </a:r>
           </a:p>
           <a:p>
@@ -9538,7 +10160,7 @@
             </a:pPr>
             <a:r>
               <a:rPr lang="en-GB" sz="1600" dirty="0"/>
-              <a:t>synonyms normalization</a:t>
+              <a:t>draw			(”N" → 0)</a:t>
             </a:r>
           </a:p>
           <a:p>
@@ -9552,7 +10174,7 @@
             </a:pPr>
             <a:r>
               <a:rPr lang="en-GB" sz="1600" dirty="0"/>
-              <a:t>remove punctuation, numbers</a:t>
+              <a:t>home team winner 	("V" → 1)</a:t>
             </a:r>
           </a:p>
           <a:p>
@@ -9566,7 +10188,38 @@
             </a:pPr>
             <a:r>
               <a:rPr lang="en-GB" sz="1600" dirty="0"/>
-              <a:t>tokenization</a:t>
+              <a:t>away team winner 	(”P" → 2)</a:t>
+            </a:r>
+          </a:p>
+          <a:p>
+            <a:pPr marL="285750" indent="-285750">
+              <a:buClr>
+                <a:schemeClr val="dk1"/>
+              </a:buClr>
+              <a:buSzPct val="100000"/>
+              <a:buFont typeface="Arial" panose="020B0604020202020204" pitchFamily="34" charset="0"/>
+              <a:buChar char="•"/>
+            </a:pPr>
+            <a:endParaRPr lang="en-GB" sz="1600" dirty="0"/>
+          </a:p>
+          <a:p>
+            <a:pPr marL="0" indent="0">
+              <a:buClr>
+                <a:schemeClr val="dk1"/>
+              </a:buClr>
+              <a:buSzPct val="100000"/>
+              <a:buNone/>
+            </a:pPr>
+            <a:r>
+              <a:rPr lang="en-GB" sz="1600" dirty="0"/>
+              <a:t>To build the predictive model I used two different supervised classification</a:t>
+            </a:r>
+            <a:br>
+              <a:rPr lang="en-GB" sz="1600" dirty="0"/>
+            </a:br>
+            <a:r>
+              <a:rPr lang="en-GB" sz="1600" dirty="0"/>
+              <a:t>models:</a:t>
             </a:r>
           </a:p>
           <a:p>
@@ -9579,8 +10232,12 @@
               <a:buChar char="•"/>
             </a:pPr>
             <a:r>
+              <a:rPr lang="en-GB" sz="1600" b="1" dirty="0"/>
+              <a:t>Decision Tree</a:t>
+            </a:r>
+            <a:r>
               <a:rPr lang="en-GB" sz="1600" dirty="0"/>
-              <a:t>stop word filtering</a:t>
+              <a:t>: used to analyse the text read from football prediction and to get the label</a:t>
             </a:r>
           </a:p>
           <a:p>
@@ -9593,9 +10250,33 @@
               <a:buChar char="•"/>
             </a:pPr>
             <a:r>
+              <a:rPr lang="en-GB" sz="1600" b="1" dirty="0"/>
+              <a:t>Random Forest</a:t>
+            </a:r>
+            <a:r>
               <a:rPr lang="en-GB" sz="1600" dirty="0"/>
-              <a:t>stemming</a:t>
+              <a:t>: used to predict the final result of a next match</a:t>
             </a:r>
+          </a:p>
+          <a:p>
+            <a:pPr marL="0" indent="0">
+              <a:buClr>
+                <a:schemeClr val="dk1"/>
+              </a:buClr>
+              <a:buSzPct val="100000"/>
+              <a:buNone/>
+            </a:pPr>
+            <a:endParaRPr lang="en-GB" sz="1600" dirty="0"/>
+          </a:p>
+          <a:p>
+            <a:pPr marL="0" indent="0">
+              <a:buClr>
+                <a:schemeClr val="dk1"/>
+              </a:buClr>
+              <a:buSzPts val="1100"/>
+              <a:buNone/>
+            </a:pPr>
+            <a:endParaRPr lang="en-GB" sz="1600" dirty="0"/>
           </a:p>
         </p:txBody>
       </p:sp>
@@ -9880,45 +10561,15 @@
           <a:p>
             <a:r>
               <a:rPr lang="en-GB" dirty="0"/>
-              <a:t>Text classification</a:t>
+              <a:t>Classification</a:t>
             </a:r>
           </a:p>
         </p:txBody>
       </p:sp>
-      <p:pic>
-        <p:nvPicPr>
-          <p:cNvPr id="6" name="Picture 5" descr="A picture containing circle&#10;&#10;Description automatically generated">
-            <a:extLst>
-              <a:ext uri="{FF2B5EF4-FFF2-40B4-BE49-F238E27FC236}">
-                <a16:creationId xmlns:a16="http://schemas.microsoft.com/office/drawing/2014/main" id="{BCC1A354-C16D-AB32-B9A9-8A5FA86E74F5}"/>
-              </a:ext>
-            </a:extLst>
-          </p:cNvPr>
-          <p:cNvPicPr>
-            <a:picLocks noChangeAspect="1"/>
-          </p:cNvPicPr>
-          <p:nvPr/>
-        </p:nvPicPr>
-        <p:blipFill>
-          <a:blip r:embed="rId4"/>
-          <a:stretch>
-            <a:fillRect/>
-          </a:stretch>
-        </p:blipFill>
-        <p:spPr>
-          <a:xfrm>
-            <a:off x="7820528" y="132735"/>
-            <a:ext cx="1258284" cy="677376"/>
-          </a:xfrm>
-          <a:prstGeom prst="rect">
-            <a:avLst/>
-          </a:prstGeom>
-        </p:spPr>
-      </p:pic>
     </p:spTree>
     <p:extLst>
       <p:ext uri="{BB962C8B-B14F-4D97-AF65-F5344CB8AC3E}">
-        <p14:creationId xmlns:p14="http://schemas.microsoft.com/office/powerpoint/2010/main" val="3115673575"/>
+        <p14:creationId xmlns:p14="http://schemas.microsoft.com/office/powerpoint/2010/main" val="3922546941"/>
       </p:ext>
     </p:extLst>
   </p:cSld>
@@ -9959,823 +10610,6 @@
           <a:chExt cx="0" cy="0"/>
         </a:xfrm>
       </p:grpSpPr>
-      <p:sp>
-        <p:nvSpPr>
-          <p:cNvPr id="14" name="Google Shape;1344;p38">
-            <a:extLst>
-              <a:ext uri="{FF2B5EF4-FFF2-40B4-BE49-F238E27FC236}">
-                <a16:creationId xmlns:a16="http://schemas.microsoft.com/office/drawing/2014/main" id="{980922C1-A395-6BB4-730E-83A8E1094A76}"/>
-              </a:ext>
-            </a:extLst>
-          </p:cNvPr>
-          <p:cNvSpPr txBox="1">
-            <a:spLocks/>
-          </p:cNvSpPr>
-          <p:nvPr/>
-        </p:nvSpPr>
-        <p:spPr>
-          <a:xfrm>
-            <a:off x="713100" y="1029100"/>
-            <a:ext cx="7839229" cy="3913346"/>
-          </a:xfrm>
-          <a:prstGeom prst="rect">
-            <a:avLst/>
-          </a:prstGeom>
-          <a:noFill/>
-          <a:ln>
-            <a:noFill/>
-          </a:ln>
-        </p:spPr>
-        <p:txBody>
-          <a:bodyPr spcFirstLastPara="1" wrap="square" lIns="91425" tIns="91425" rIns="91425" bIns="91425" anchor="t" anchorCtr="0">
-            <a:noAutofit/>
-          </a:bodyPr>
-          <a:lstStyle>
-            <a:defPPr marR="0" lvl="0" algn="l" rtl="0">
-              <a:lnSpc>
-                <a:spcPct val="100000"/>
-              </a:lnSpc>
-              <a:spcBef>
-                <a:spcPts val="0"/>
-              </a:spcBef>
-              <a:spcAft>
-                <a:spcPts val="0"/>
-              </a:spcAft>
-            </a:defPPr>
-            <a:lvl1pPr marL="457200" marR="0" lvl="0" indent="-304800" algn="l" rtl="0">
-              <a:lnSpc>
-                <a:spcPct val="100000"/>
-              </a:lnSpc>
-              <a:spcBef>
-                <a:spcPts val="0"/>
-              </a:spcBef>
-              <a:spcAft>
-                <a:spcPts val="0"/>
-              </a:spcAft>
-              <a:buClr>
-                <a:schemeClr val="accent2"/>
-              </a:buClr>
-              <a:buSzPts val="1200"/>
-              <a:buFont typeface="Roboto"/>
-              <a:buAutoNum type="arabicPeriod"/>
-              <a:defRPr sz="1200" b="0" i="0" u="none" strike="noStrike" cap="none">
-                <a:solidFill>
-                  <a:schemeClr val="dk1"/>
-                </a:solidFill>
-                <a:latin typeface="Roboto"/>
-                <a:ea typeface="Roboto"/>
-                <a:cs typeface="Roboto"/>
-                <a:sym typeface="Roboto"/>
-              </a:defRPr>
-            </a:lvl1pPr>
-            <a:lvl2pPr marL="914400" marR="0" lvl="1" indent="-304800" algn="l" rtl="0">
-              <a:lnSpc>
-                <a:spcPct val="115000"/>
-              </a:lnSpc>
-              <a:spcBef>
-                <a:spcPts val="0"/>
-              </a:spcBef>
-              <a:spcAft>
-                <a:spcPts val="0"/>
-              </a:spcAft>
-              <a:buClr>
-                <a:srgbClr val="434343"/>
-              </a:buClr>
-              <a:buSzPts val="1200"/>
-              <a:buFont typeface="Roboto Condensed Light"/>
-              <a:buAutoNum type="alphaLcPeriod"/>
-              <a:defRPr sz="1400" b="0" i="0" u="none" strike="noStrike" cap="none">
-                <a:solidFill>
-                  <a:schemeClr val="dk1"/>
-                </a:solidFill>
-                <a:latin typeface="Roboto"/>
-                <a:ea typeface="Roboto"/>
-                <a:cs typeface="Roboto"/>
-                <a:sym typeface="Roboto"/>
-              </a:defRPr>
-            </a:lvl2pPr>
-            <a:lvl3pPr marL="1371600" marR="0" lvl="2" indent="-304800" algn="l" rtl="0">
-              <a:lnSpc>
-                <a:spcPct val="115000"/>
-              </a:lnSpc>
-              <a:spcBef>
-                <a:spcPts val="0"/>
-              </a:spcBef>
-              <a:spcAft>
-                <a:spcPts val="0"/>
-              </a:spcAft>
-              <a:buClr>
-                <a:srgbClr val="434343"/>
-              </a:buClr>
-              <a:buSzPts val="1200"/>
-              <a:buFont typeface="Roboto Condensed Light"/>
-              <a:buAutoNum type="romanLcPeriod"/>
-              <a:defRPr sz="1400" b="0" i="0" u="none" strike="noStrike" cap="none">
-                <a:solidFill>
-                  <a:schemeClr val="dk1"/>
-                </a:solidFill>
-                <a:latin typeface="Roboto"/>
-                <a:ea typeface="Roboto"/>
-                <a:cs typeface="Roboto"/>
-                <a:sym typeface="Roboto"/>
-              </a:defRPr>
-            </a:lvl3pPr>
-            <a:lvl4pPr marL="1828800" marR="0" lvl="3" indent="-304800" algn="l" rtl="0">
-              <a:lnSpc>
-                <a:spcPct val="115000"/>
-              </a:lnSpc>
-              <a:spcBef>
-                <a:spcPts val="0"/>
-              </a:spcBef>
-              <a:spcAft>
-                <a:spcPts val="0"/>
-              </a:spcAft>
-              <a:buClr>
-                <a:srgbClr val="434343"/>
-              </a:buClr>
-              <a:buSzPts val="1200"/>
-              <a:buFont typeface="Roboto Condensed Light"/>
-              <a:buAutoNum type="arabicPeriod"/>
-              <a:defRPr sz="1400" b="0" i="0" u="none" strike="noStrike" cap="none">
-                <a:solidFill>
-                  <a:schemeClr val="dk1"/>
-                </a:solidFill>
-                <a:latin typeface="Roboto"/>
-                <a:ea typeface="Roboto"/>
-                <a:cs typeface="Roboto"/>
-                <a:sym typeface="Roboto"/>
-              </a:defRPr>
-            </a:lvl4pPr>
-            <a:lvl5pPr marL="2286000" marR="0" lvl="4" indent="-304800" algn="l" rtl="0">
-              <a:lnSpc>
-                <a:spcPct val="115000"/>
-              </a:lnSpc>
-              <a:spcBef>
-                <a:spcPts val="0"/>
-              </a:spcBef>
-              <a:spcAft>
-                <a:spcPts val="0"/>
-              </a:spcAft>
-              <a:buClr>
-                <a:srgbClr val="434343"/>
-              </a:buClr>
-              <a:buSzPts val="1200"/>
-              <a:buFont typeface="Roboto Condensed Light"/>
-              <a:buAutoNum type="alphaLcPeriod"/>
-              <a:defRPr sz="1400" b="0" i="0" u="none" strike="noStrike" cap="none">
-                <a:solidFill>
-                  <a:schemeClr val="dk1"/>
-                </a:solidFill>
-                <a:latin typeface="Roboto"/>
-                <a:ea typeface="Roboto"/>
-                <a:cs typeface="Roboto"/>
-                <a:sym typeface="Roboto"/>
-              </a:defRPr>
-            </a:lvl5pPr>
-            <a:lvl6pPr marL="2743200" marR="0" lvl="5" indent="-304800" algn="l" rtl="0">
-              <a:lnSpc>
-                <a:spcPct val="115000"/>
-              </a:lnSpc>
-              <a:spcBef>
-                <a:spcPts val="0"/>
-              </a:spcBef>
-              <a:spcAft>
-                <a:spcPts val="0"/>
-              </a:spcAft>
-              <a:buClr>
-                <a:srgbClr val="434343"/>
-              </a:buClr>
-              <a:buSzPts val="1200"/>
-              <a:buFont typeface="Roboto Condensed Light"/>
-              <a:buAutoNum type="romanLcPeriod"/>
-              <a:defRPr sz="1400" b="0" i="0" u="none" strike="noStrike" cap="none">
-                <a:solidFill>
-                  <a:schemeClr val="dk1"/>
-                </a:solidFill>
-                <a:latin typeface="Roboto"/>
-                <a:ea typeface="Roboto"/>
-                <a:cs typeface="Roboto"/>
-                <a:sym typeface="Roboto"/>
-              </a:defRPr>
-            </a:lvl6pPr>
-            <a:lvl7pPr marL="3200400" marR="0" lvl="6" indent="-304800" algn="l" rtl="0">
-              <a:lnSpc>
-                <a:spcPct val="115000"/>
-              </a:lnSpc>
-              <a:spcBef>
-                <a:spcPts val="0"/>
-              </a:spcBef>
-              <a:spcAft>
-                <a:spcPts val="0"/>
-              </a:spcAft>
-              <a:buClr>
-                <a:srgbClr val="434343"/>
-              </a:buClr>
-              <a:buSzPts val="1200"/>
-              <a:buFont typeface="Roboto Condensed Light"/>
-              <a:buAutoNum type="arabicPeriod"/>
-              <a:defRPr sz="1400" b="0" i="0" u="none" strike="noStrike" cap="none">
-                <a:solidFill>
-                  <a:schemeClr val="dk1"/>
-                </a:solidFill>
-                <a:latin typeface="Roboto"/>
-                <a:ea typeface="Roboto"/>
-                <a:cs typeface="Roboto"/>
-                <a:sym typeface="Roboto"/>
-              </a:defRPr>
-            </a:lvl7pPr>
-            <a:lvl8pPr marL="3657600" marR="0" lvl="7" indent="-304800" algn="l" rtl="0">
-              <a:lnSpc>
-                <a:spcPct val="115000"/>
-              </a:lnSpc>
-              <a:spcBef>
-                <a:spcPts val="0"/>
-              </a:spcBef>
-              <a:spcAft>
-                <a:spcPts val="0"/>
-              </a:spcAft>
-              <a:buClr>
-                <a:srgbClr val="434343"/>
-              </a:buClr>
-              <a:buSzPts val="1200"/>
-              <a:buFont typeface="Roboto Condensed Light"/>
-              <a:buAutoNum type="alphaLcPeriod"/>
-              <a:defRPr sz="1400" b="0" i="0" u="none" strike="noStrike" cap="none">
-                <a:solidFill>
-                  <a:schemeClr val="dk1"/>
-                </a:solidFill>
-                <a:latin typeface="Roboto"/>
-                <a:ea typeface="Roboto"/>
-                <a:cs typeface="Roboto"/>
-                <a:sym typeface="Roboto"/>
-              </a:defRPr>
-            </a:lvl8pPr>
-            <a:lvl9pPr marL="4114800" marR="0" lvl="8" indent="-304800" algn="l" rtl="0">
-              <a:lnSpc>
-                <a:spcPct val="115000"/>
-              </a:lnSpc>
-              <a:spcBef>
-                <a:spcPts val="0"/>
-              </a:spcBef>
-              <a:spcAft>
-                <a:spcPts val="0"/>
-              </a:spcAft>
-              <a:buClr>
-                <a:srgbClr val="434343"/>
-              </a:buClr>
-              <a:buSzPts val="1200"/>
-              <a:buFont typeface="Roboto Condensed Light"/>
-              <a:buAutoNum type="romanLcPeriod"/>
-              <a:defRPr sz="1400" b="0" i="0" u="none" strike="noStrike" cap="none">
-                <a:solidFill>
-                  <a:schemeClr val="dk1"/>
-                </a:solidFill>
-                <a:latin typeface="Roboto"/>
-                <a:ea typeface="Roboto"/>
-                <a:cs typeface="Roboto"/>
-                <a:sym typeface="Roboto"/>
-              </a:defRPr>
-            </a:lvl9pPr>
-          </a:lstStyle>
-          <a:p>
-            <a:pPr marL="0" indent="0">
-              <a:buClr>
-                <a:schemeClr val="dk1"/>
-              </a:buClr>
-              <a:buSzPts val="1100"/>
-              <a:buNone/>
-            </a:pPr>
-            <a:r>
-              <a:rPr lang="en-GB" sz="1600" dirty="0">
-                <a:latin typeface="Roboto" panose="02000000000000000000" pitchFamily="2" charset="0"/>
-                <a:ea typeface="Roboto" panose="02000000000000000000" pitchFamily="2" charset="0"/>
-              </a:rPr>
-              <a:t>T</a:t>
-            </a:r>
-            <a:r>
-              <a:rPr lang="en-GB" sz="1600" b="0" i="0" dirty="0">
-                <a:effectLst/>
-                <a:latin typeface="Roboto" panose="02000000000000000000" pitchFamily="2" charset="0"/>
-                <a:ea typeface="Roboto" panose="02000000000000000000" pitchFamily="2" charset="0"/>
-              </a:rPr>
-              <a:t>aking into account the the text of the match between </a:t>
-            </a:r>
-            <a:r>
-              <a:rPr lang="en-GB" sz="1600" b="0" i="0" dirty="0" err="1">
-                <a:effectLst/>
-                <a:latin typeface="Roboto" panose="02000000000000000000" pitchFamily="2" charset="0"/>
-                <a:ea typeface="Roboto" panose="02000000000000000000" pitchFamily="2" charset="0"/>
-              </a:rPr>
-              <a:t>Sassuolo</a:t>
-            </a:r>
-            <a:r>
-              <a:rPr lang="en-GB" sz="1600" b="0" i="0" dirty="0">
-                <a:effectLst/>
-                <a:latin typeface="Roboto" panose="02000000000000000000" pitchFamily="2" charset="0"/>
-                <a:ea typeface="Roboto" panose="02000000000000000000" pitchFamily="2" charset="0"/>
-              </a:rPr>
-              <a:t>-Hellas Verona in the 24 October 2022: </a:t>
-            </a:r>
-            <a:endParaRPr lang="en-GB" sz="1600" b="0" i="1" dirty="0">
-              <a:solidFill>
-                <a:schemeClr val="accent5">
-                  <a:lumMod val="50000"/>
-                </a:schemeClr>
-              </a:solidFill>
-              <a:effectLst/>
-              <a:latin typeface="Roboto" panose="02000000000000000000" pitchFamily="2" charset="0"/>
-              <a:ea typeface="Roboto" panose="02000000000000000000" pitchFamily="2" charset="0"/>
-            </a:endParaRPr>
-          </a:p>
-          <a:p>
-            <a:pPr marL="0" indent="0">
-              <a:buClr>
-                <a:schemeClr val="dk1"/>
-              </a:buClr>
-              <a:buSzPts val="1100"/>
-              <a:buNone/>
-            </a:pPr>
-            <a:endParaRPr lang="en-GB" i="1" dirty="0">
-              <a:solidFill>
-                <a:schemeClr val="accent5">
-                  <a:lumMod val="50000"/>
-                </a:schemeClr>
-              </a:solidFill>
-            </a:endParaRPr>
-          </a:p>
-          <a:p>
-            <a:pPr marL="0" indent="0">
-              <a:buClr>
-                <a:schemeClr val="dk1"/>
-              </a:buClr>
-              <a:buSzPts val="1100"/>
-              <a:buNone/>
-            </a:pPr>
-            <a:r>
-              <a:rPr lang="en-GB" i="1" dirty="0">
-                <a:solidFill>
-                  <a:schemeClr val="accent5">
-                    <a:lumMod val="50000"/>
-                  </a:schemeClr>
-                </a:solidFill>
-              </a:rPr>
-              <a:t>“Monday's football game between </a:t>
-            </a:r>
-            <a:r>
-              <a:rPr lang="en-GB" b="1" i="1" dirty="0" err="1">
-                <a:solidFill>
-                  <a:srgbClr val="006B0E"/>
-                </a:solidFill>
-              </a:rPr>
-              <a:t>Sassuolo</a:t>
-            </a:r>
-            <a:r>
-              <a:rPr lang="en-GB" i="1" dirty="0">
-                <a:solidFill>
-                  <a:schemeClr val="accent5">
-                    <a:lumMod val="50000"/>
-                  </a:schemeClr>
-                </a:solidFill>
-              </a:rPr>
-              <a:t> and orange </a:t>
-            </a:r>
-            <a:r>
-              <a:rPr lang="en-GB" b="1" i="1" dirty="0">
-                <a:solidFill>
-                  <a:srgbClr val="9B9200"/>
-                </a:solidFill>
-              </a:rPr>
-              <a:t>Verona</a:t>
-            </a:r>
-            <a:r>
-              <a:rPr lang="en-GB" i="1" dirty="0">
-                <a:solidFill>
-                  <a:schemeClr val="accent5">
-                    <a:lumMod val="50000"/>
-                  </a:schemeClr>
-                </a:solidFill>
-              </a:rPr>
-              <a:t> will bring down the curtain on day 11 of the new Serie A campaign. The </a:t>
-            </a:r>
-            <a:r>
-              <a:rPr lang="en-GB" b="1" i="1" dirty="0" err="1">
-                <a:solidFill>
-                  <a:srgbClr val="006B0E"/>
-                </a:solidFill>
-              </a:rPr>
-              <a:t>Neroverdi</a:t>
-            </a:r>
-            <a:r>
-              <a:rPr lang="en-GB" i="1" dirty="0">
-                <a:solidFill>
-                  <a:schemeClr val="accent5">
-                    <a:lumMod val="50000"/>
-                  </a:schemeClr>
-                </a:solidFill>
-              </a:rPr>
-              <a:t> aim to make amends for back-to-back losses to Inter and Atalanta, and they are surely capable of matching the </a:t>
-            </a:r>
-            <a:r>
-              <a:rPr lang="en-GB" b="1" i="1" dirty="0" err="1">
-                <a:solidFill>
-                  <a:srgbClr val="9B9200"/>
-                </a:solidFill>
-              </a:rPr>
-              <a:t>Mastini</a:t>
-            </a:r>
-            <a:r>
-              <a:rPr lang="en-GB" i="1" dirty="0">
-                <a:solidFill>
-                  <a:schemeClr val="accent5">
-                    <a:lumMod val="50000"/>
-                  </a:schemeClr>
-                </a:solidFill>
-              </a:rPr>
-              <a:t> on home soil. Fit-again forward Domenico Berardi is widely expected to return to the starting XI, while both Gregoire </a:t>
-            </a:r>
-            <a:r>
-              <a:rPr lang="en-GB" i="1" dirty="0" err="1">
-                <a:solidFill>
-                  <a:schemeClr val="accent5">
-                    <a:lumMod val="50000"/>
-                  </a:schemeClr>
-                </a:solidFill>
-              </a:rPr>
-              <a:t>Defrel</a:t>
-            </a:r>
-            <a:r>
-              <a:rPr lang="en-GB" i="1" dirty="0">
-                <a:solidFill>
-                  <a:schemeClr val="accent5">
-                    <a:lumMod val="50000"/>
-                  </a:schemeClr>
-                </a:solidFill>
-              </a:rPr>
-              <a:t> and </a:t>
-            </a:r>
-            <a:r>
-              <a:rPr lang="en-GB" i="1" dirty="0" err="1">
-                <a:solidFill>
-                  <a:schemeClr val="accent5">
-                    <a:lumMod val="50000"/>
-                  </a:schemeClr>
-                </a:solidFill>
-              </a:rPr>
-              <a:t>Mert</a:t>
-            </a:r>
-            <a:r>
-              <a:rPr lang="en-GB" i="1" dirty="0">
-                <a:solidFill>
-                  <a:schemeClr val="accent5">
-                    <a:lumMod val="50000"/>
-                  </a:schemeClr>
-                </a:solidFill>
-              </a:rPr>
-              <a:t> </a:t>
-            </a:r>
-            <a:r>
-              <a:rPr lang="en-GB" i="1" dirty="0" err="1">
-                <a:solidFill>
-                  <a:schemeClr val="accent5">
-                    <a:lumMod val="50000"/>
-                  </a:schemeClr>
-                </a:solidFill>
-              </a:rPr>
-              <a:t>Muldur</a:t>
-            </a:r>
-            <a:r>
-              <a:rPr lang="en-GB" i="1" dirty="0">
-                <a:solidFill>
-                  <a:schemeClr val="accent5">
-                    <a:lumMod val="50000"/>
-                  </a:schemeClr>
-                </a:solidFill>
-              </a:rPr>
-              <a:t> continue to miss out with injuries. </a:t>
-            </a:r>
-            <a:r>
-              <a:rPr lang="en-GB" b="1" i="1" dirty="0">
-                <a:solidFill>
-                  <a:srgbClr val="9B9200"/>
-                </a:solidFill>
-              </a:rPr>
-              <a:t>Verona</a:t>
-            </a:r>
-            <a:r>
-              <a:rPr lang="en-GB" i="1" dirty="0">
-                <a:solidFill>
-                  <a:schemeClr val="accent5">
-                    <a:lumMod val="50000"/>
-                  </a:schemeClr>
-                </a:solidFill>
-              </a:rPr>
-              <a:t>, on the other hand, are on a five-game losing run in the Italian top flight, meaning that </a:t>
-            </a:r>
-            <a:r>
-              <a:rPr lang="en-GB" b="1" i="1" dirty="0" err="1">
-                <a:solidFill>
-                  <a:srgbClr val="006B0E"/>
-                </a:solidFill>
-              </a:rPr>
-              <a:t>Sassuolo</a:t>
-            </a:r>
-            <a:r>
-              <a:rPr lang="en-GB" i="1" dirty="0">
-                <a:solidFill>
-                  <a:schemeClr val="accent5">
-                    <a:lumMod val="50000"/>
-                  </a:schemeClr>
-                </a:solidFill>
-              </a:rPr>
-              <a:t> will not have a better chance than this to get back on course. Both Kevin </a:t>
-            </a:r>
-            <a:r>
-              <a:rPr lang="en-GB" i="1" dirty="0" err="1">
-                <a:solidFill>
-                  <a:schemeClr val="accent5">
-                    <a:lumMod val="50000"/>
-                  </a:schemeClr>
-                </a:solidFill>
-              </a:rPr>
-              <a:t>Lasagna</a:t>
-            </a:r>
-            <a:r>
-              <a:rPr lang="en-GB" i="1" dirty="0">
-                <a:solidFill>
-                  <a:schemeClr val="accent5">
-                    <a:lumMod val="50000"/>
-                  </a:schemeClr>
-                </a:solidFill>
-              </a:rPr>
-              <a:t> and Diego Coppola are </a:t>
-            </a:r>
-            <a:r>
-              <a:rPr lang="en-GB" i="1" dirty="0" err="1">
-                <a:solidFill>
-                  <a:schemeClr val="accent5">
-                    <a:lumMod val="50000"/>
-                  </a:schemeClr>
-                </a:solidFill>
-              </a:rPr>
-              <a:t>sidelined</a:t>
-            </a:r>
-            <a:r>
-              <a:rPr lang="en-GB" i="1" dirty="0">
-                <a:solidFill>
-                  <a:schemeClr val="accent5">
-                    <a:lumMod val="50000"/>
-                  </a:schemeClr>
-                </a:solidFill>
-              </a:rPr>
-              <a:t> with injuries for the visiting side, while defender Federico Ceccherini is back from suspension. In their last encounter in the Serie A </a:t>
-            </a:r>
-            <a:r>
-              <a:rPr lang="en-GB" b="1" i="1" dirty="0">
-                <a:solidFill>
-                  <a:srgbClr val="9B9200"/>
-                </a:solidFill>
-              </a:rPr>
-              <a:t>Verona</a:t>
-            </a:r>
-            <a:r>
-              <a:rPr lang="en-GB" i="1" dirty="0">
-                <a:solidFill>
-                  <a:schemeClr val="accent5">
-                    <a:lumMod val="50000"/>
-                  </a:schemeClr>
-                </a:solidFill>
-              </a:rPr>
-              <a:t> outplayed </a:t>
-            </a:r>
-            <a:r>
-              <a:rPr lang="en-GB" b="1" i="1" dirty="0" err="1">
-                <a:solidFill>
-                  <a:srgbClr val="006B0E"/>
-                </a:solidFill>
-              </a:rPr>
-              <a:t>Sassuolo</a:t>
-            </a:r>
-            <a:r>
-              <a:rPr lang="en-GB" i="1" dirty="0">
-                <a:solidFill>
-                  <a:schemeClr val="accent5">
-                    <a:lumMod val="50000"/>
-                  </a:schemeClr>
-                </a:solidFill>
-              </a:rPr>
-              <a:t> 4-2, meaning that the hosts are hungry for revenge.”</a:t>
-            </a:r>
-          </a:p>
-          <a:p>
-            <a:pPr marL="0" indent="0">
-              <a:buClr>
-                <a:schemeClr val="dk1"/>
-              </a:buClr>
-              <a:buSzPts val="1100"/>
-              <a:buNone/>
-            </a:pPr>
-            <a:endParaRPr lang="en-GB" sz="1400" i="1" dirty="0">
-              <a:solidFill>
-                <a:schemeClr val="tx1">
-                  <a:lumMod val="60000"/>
-                  <a:lumOff val="40000"/>
-                </a:schemeClr>
-              </a:solidFill>
-            </a:endParaRPr>
-          </a:p>
-          <a:p>
-            <a:pPr marL="0" indent="0">
-              <a:buClr>
-                <a:schemeClr val="dk1"/>
-              </a:buClr>
-              <a:buSzPts val="1100"/>
-              <a:buNone/>
-            </a:pPr>
-            <a:r>
-              <a:rPr lang="en-GB" sz="1600" dirty="0">
-                <a:solidFill>
-                  <a:schemeClr val="tx1">
-                    <a:lumMod val="50000"/>
-                  </a:schemeClr>
-                </a:solidFill>
-              </a:rPr>
-              <a:t>In text there are words meaning nicknames of the teams involved in a match for example </a:t>
-            </a:r>
-            <a:r>
-              <a:rPr lang="en-GB" sz="1600" i="1" dirty="0">
-                <a:solidFill>
-                  <a:schemeClr val="tx1">
-                    <a:lumMod val="50000"/>
-                  </a:schemeClr>
-                </a:solidFill>
-              </a:rPr>
-              <a:t>”</a:t>
-            </a:r>
-            <a:r>
-              <a:rPr lang="en-GB" sz="1600" i="1" dirty="0" err="1">
-                <a:solidFill>
-                  <a:schemeClr val="tx1">
-                    <a:lumMod val="50000"/>
-                  </a:schemeClr>
-                </a:solidFill>
-              </a:rPr>
-              <a:t>Mastini</a:t>
-            </a:r>
-            <a:r>
-              <a:rPr lang="en-GB" sz="1600" i="1" dirty="0">
-                <a:solidFill>
-                  <a:schemeClr val="tx1">
-                    <a:lumMod val="50000"/>
-                  </a:schemeClr>
-                </a:solidFill>
-              </a:rPr>
-              <a:t>” </a:t>
-            </a:r>
-            <a:r>
-              <a:rPr lang="en-GB" sz="1600" dirty="0">
-                <a:solidFill>
-                  <a:schemeClr val="tx1">
-                    <a:lumMod val="50000"/>
-                  </a:schemeClr>
-                </a:solidFill>
-              </a:rPr>
-              <a:t>(Verona’s nickname) and </a:t>
-            </a:r>
-            <a:r>
-              <a:rPr lang="en-GB" sz="1600" i="1" dirty="0">
-                <a:solidFill>
-                  <a:schemeClr val="tx1">
-                    <a:lumMod val="50000"/>
-                  </a:schemeClr>
-                </a:solidFill>
-              </a:rPr>
-              <a:t>”</a:t>
-            </a:r>
-            <a:r>
-              <a:rPr lang="en-GB" sz="1600" i="1" dirty="0" err="1">
-                <a:solidFill>
-                  <a:schemeClr val="tx1">
-                    <a:lumMod val="50000"/>
-                  </a:schemeClr>
-                </a:solidFill>
-              </a:rPr>
-              <a:t>Neroverdi</a:t>
-            </a:r>
-            <a:r>
-              <a:rPr lang="en-GB" sz="1600" i="1" dirty="0">
-                <a:solidFill>
-                  <a:schemeClr val="tx1">
-                    <a:lumMod val="50000"/>
-                  </a:schemeClr>
-                </a:solidFill>
-              </a:rPr>
-              <a:t>” </a:t>
-            </a:r>
-            <a:r>
-              <a:rPr lang="en-GB" sz="1600" dirty="0">
-                <a:solidFill>
-                  <a:schemeClr val="tx1">
-                    <a:lumMod val="50000"/>
-                  </a:schemeClr>
-                </a:solidFill>
-              </a:rPr>
-              <a:t>(</a:t>
-            </a:r>
-            <a:r>
-              <a:rPr lang="en-GB" sz="1600" dirty="0" err="1">
-                <a:solidFill>
-                  <a:schemeClr val="tx1">
-                    <a:lumMod val="50000"/>
-                  </a:schemeClr>
-                </a:solidFill>
-              </a:rPr>
-              <a:t>Sassuolo’s</a:t>
-            </a:r>
-            <a:r>
-              <a:rPr lang="en-GB" sz="1600" dirty="0">
-                <a:solidFill>
-                  <a:schemeClr val="tx1">
-                    <a:lumMod val="50000"/>
-                  </a:schemeClr>
-                </a:solidFill>
-              </a:rPr>
-              <a:t> nickname).</a:t>
-            </a:r>
-          </a:p>
-          <a:p>
-            <a:pPr marL="0" indent="0">
-              <a:buClr>
-                <a:schemeClr val="dk1"/>
-              </a:buClr>
-              <a:buSzPts val="1100"/>
-              <a:buNone/>
-            </a:pPr>
-            <a:endParaRPr lang="en-GB" sz="1600" dirty="0">
-              <a:solidFill>
-                <a:schemeClr val="tx1">
-                  <a:lumMod val="50000"/>
-                </a:schemeClr>
-              </a:solidFill>
-            </a:endParaRPr>
-          </a:p>
-          <a:p>
-            <a:pPr marL="0" indent="0">
-              <a:buClr>
-                <a:schemeClr val="dk1"/>
-              </a:buClr>
-              <a:buSzPts val="1100"/>
-              <a:buNone/>
-            </a:pPr>
-            <a:r>
-              <a:rPr lang="en-GB" sz="1600" dirty="0">
-                <a:solidFill>
-                  <a:schemeClr val="tx1">
-                    <a:lumMod val="50000"/>
-                  </a:schemeClr>
-                </a:solidFill>
-              </a:rPr>
-              <a:t>These words need to be processed and they are replaced with “</a:t>
-            </a:r>
-            <a:r>
-              <a:rPr lang="en-GB" sz="1600" i="1" dirty="0">
-                <a:solidFill>
-                  <a:schemeClr val="tx1">
-                    <a:lumMod val="50000"/>
-                  </a:schemeClr>
-                </a:solidFill>
-              </a:rPr>
-              <a:t>home team” </a:t>
-            </a:r>
-            <a:r>
-              <a:rPr lang="en-GB" sz="1600" dirty="0">
-                <a:solidFill>
-                  <a:schemeClr val="tx1">
-                    <a:lumMod val="50000"/>
-                  </a:schemeClr>
-                </a:solidFill>
-              </a:rPr>
-              <a:t>or </a:t>
-            </a:r>
-            <a:r>
-              <a:rPr lang="en-GB" sz="1600" i="1" dirty="0">
-                <a:solidFill>
-                  <a:schemeClr val="tx1">
-                    <a:lumMod val="50000"/>
-                  </a:schemeClr>
-                </a:solidFill>
-              </a:rPr>
-              <a:t>“away team”.</a:t>
-            </a:r>
-            <a:endParaRPr lang="en-GB" sz="1600" dirty="0">
-              <a:solidFill>
-                <a:schemeClr val="tx1">
-                  <a:lumMod val="50000"/>
-                </a:schemeClr>
-              </a:solidFill>
-            </a:endParaRPr>
-          </a:p>
-        </p:txBody>
-      </p:sp>
       <p:grpSp>
         <p:nvGrpSpPr>
           <p:cNvPr id="1362" name="Google Shape;1362;p38"/>
@@ -11399,6 +11233,442 @@
       </p:grpSp>
       <p:sp>
         <p:nvSpPr>
+          <p:cNvPr id="14" name="Google Shape;1344;p38">
+            <a:extLst>
+              <a:ext uri="{FF2B5EF4-FFF2-40B4-BE49-F238E27FC236}">
+                <a16:creationId xmlns:a16="http://schemas.microsoft.com/office/drawing/2014/main" id="{980922C1-A395-6BB4-730E-83A8E1094A76}"/>
+              </a:ext>
+            </a:extLst>
+          </p:cNvPr>
+          <p:cNvSpPr txBox="1">
+            <a:spLocks/>
+          </p:cNvSpPr>
+          <p:nvPr/>
+        </p:nvSpPr>
+        <p:spPr>
+          <a:xfrm>
+            <a:off x="713100" y="1029100"/>
+            <a:ext cx="7839229" cy="3420351"/>
+          </a:xfrm>
+          <a:prstGeom prst="rect">
+            <a:avLst/>
+          </a:prstGeom>
+          <a:noFill/>
+          <a:ln>
+            <a:noFill/>
+          </a:ln>
+        </p:spPr>
+        <p:txBody>
+          <a:bodyPr spcFirstLastPara="1" wrap="square" lIns="91425" tIns="91425" rIns="91425" bIns="91425" anchor="t" anchorCtr="0">
+            <a:noAutofit/>
+          </a:bodyPr>
+          <a:lstStyle>
+            <a:defPPr marR="0" lvl="0" algn="l" rtl="0">
+              <a:lnSpc>
+                <a:spcPct val="100000"/>
+              </a:lnSpc>
+              <a:spcBef>
+                <a:spcPts val="0"/>
+              </a:spcBef>
+              <a:spcAft>
+                <a:spcPts val="0"/>
+              </a:spcAft>
+            </a:defPPr>
+            <a:lvl1pPr marL="457200" marR="0" lvl="0" indent="-304800" algn="l" rtl="0">
+              <a:lnSpc>
+                <a:spcPct val="100000"/>
+              </a:lnSpc>
+              <a:spcBef>
+                <a:spcPts val="0"/>
+              </a:spcBef>
+              <a:spcAft>
+                <a:spcPts val="0"/>
+              </a:spcAft>
+              <a:buClr>
+                <a:schemeClr val="accent2"/>
+              </a:buClr>
+              <a:buSzPts val="1200"/>
+              <a:buFont typeface="Roboto"/>
+              <a:buAutoNum type="arabicPeriod"/>
+              <a:defRPr sz="1200" b="0" i="0" u="none" strike="noStrike" cap="none">
+                <a:solidFill>
+                  <a:schemeClr val="dk1"/>
+                </a:solidFill>
+                <a:latin typeface="Roboto"/>
+                <a:ea typeface="Roboto"/>
+                <a:cs typeface="Roboto"/>
+                <a:sym typeface="Roboto"/>
+              </a:defRPr>
+            </a:lvl1pPr>
+            <a:lvl2pPr marL="914400" marR="0" lvl="1" indent="-304800" algn="l" rtl="0">
+              <a:lnSpc>
+                <a:spcPct val="115000"/>
+              </a:lnSpc>
+              <a:spcBef>
+                <a:spcPts val="0"/>
+              </a:spcBef>
+              <a:spcAft>
+                <a:spcPts val="0"/>
+              </a:spcAft>
+              <a:buClr>
+                <a:srgbClr val="434343"/>
+              </a:buClr>
+              <a:buSzPts val="1200"/>
+              <a:buFont typeface="Roboto Condensed Light"/>
+              <a:buAutoNum type="alphaLcPeriod"/>
+              <a:defRPr sz="1400" b="0" i="0" u="none" strike="noStrike" cap="none">
+                <a:solidFill>
+                  <a:schemeClr val="dk1"/>
+                </a:solidFill>
+                <a:latin typeface="Roboto"/>
+                <a:ea typeface="Roboto"/>
+                <a:cs typeface="Roboto"/>
+                <a:sym typeface="Roboto"/>
+              </a:defRPr>
+            </a:lvl2pPr>
+            <a:lvl3pPr marL="1371600" marR="0" lvl="2" indent="-304800" algn="l" rtl="0">
+              <a:lnSpc>
+                <a:spcPct val="115000"/>
+              </a:lnSpc>
+              <a:spcBef>
+                <a:spcPts val="0"/>
+              </a:spcBef>
+              <a:spcAft>
+                <a:spcPts val="0"/>
+              </a:spcAft>
+              <a:buClr>
+                <a:srgbClr val="434343"/>
+              </a:buClr>
+              <a:buSzPts val="1200"/>
+              <a:buFont typeface="Roboto Condensed Light"/>
+              <a:buAutoNum type="romanLcPeriod"/>
+              <a:defRPr sz="1400" b="0" i="0" u="none" strike="noStrike" cap="none">
+                <a:solidFill>
+                  <a:schemeClr val="dk1"/>
+                </a:solidFill>
+                <a:latin typeface="Roboto"/>
+                <a:ea typeface="Roboto"/>
+                <a:cs typeface="Roboto"/>
+                <a:sym typeface="Roboto"/>
+              </a:defRPr>
+            </a:lvl3pPr>
+            <a:lvl4pPr marL="1828800" marR="0" lvl="3" indent="-304800" algn="l" rtl="0">
+              <a:lnSpc>
+                <a:spcPct val="115000"/>
+              </a:lnSpc>
+              <a:spcBef>
+                <a:spcPts val="0"/>
+              </a:spcBef>
+              <a:spcAft>
+                <a:spcPts val="0"/>
+              </a:spcAft>
+              <a:buClr>
+                <a:srgbClr val="434343"/>
+              </a:buClr>
+              <a:buSzPts val="1200"/>
+              <a:buFont typeface="Roboto Condensed Light"/>
+              <a:buAutoNum type="arabicPeriod"/>
+              <a:defRPr sz="1400" b="0" i="0" u="none" strike="noStrike" cap="none">
+                <a:solidFill>
+                  <a:schemeClr val="dk1"/>
+                </a:solidFill>
+                <a:latin typeface="Roboto"/>
+                <a:ea typeface="Roboto"/>
+                <a:cs typeface="Roboto"/>
+                <a:sym typeface="Roboto"/>
+              </a:defRPr>
+            </a:lvl4pPr>
+            <a:lvl5pPr marL="2286000" marR="0" lvl="4" indent="-304800" algn="l" rtl="0">
+              <a:lnSpc>
+                <a:spcPct val="115000"/>
+              </a:lnSpc>
+              <a:spcBef>
+                <a:spcPts val="0"/>
+              </a:spcBef>
+              <a:spcAft>
+                <a:spcPts val="0"/>
+              </a:spcAft>
+              <a:buClr>
+                <a:srgbClr val="434343"/>
+              </a:buClr>
+              <a:buSzPts val="1200"/>
+              <a:buFont typeface="Roboto Condensed Light"/>
+              <a:buAutoNum type="alphaLcPeriod"/>
+              <a:defRPr sz="1400" b="0" i="0" u="none" strike="noStrike" cap="none">
+                <a:solidFill>
+                  <a:schemeClr val="dk1"/>
+                </a:solidFill>
+                <a:latin typeface="Roboto"/>
+                <a:ea typeface="Roboto"/>
+                <a:cs typeface="Roboto"/>
+                <a:sym typeface="Roboto"/>
+              </a:defRPr>
+            </a:lvl5pPr>
+            <a:lvl6pPr marL="2743200" marR="0" lvl="5" indent="-304800" algn="l" rtl="0">
+              <a:lnSpc>
+                <a:spcPct val="115000"/>
+              </a:lnSpc>
+              <a:spcBef>
+                <a:spcPts val="0"/>
+              </a:spcBef>
+              <a:spcAft>
+                <a:spcPts val="0"/>
+              </a:spcAft>
+              <a:buClr>
+                <a:srgbClr val="434343"/>
+              </a:buClr>
+              <a:buSzPts val="1200"/>
+              <a:buFont typeface="Roboto Condensed Light"/>
+              <a:buAutoNum type="romanLcPeriod"/>
+              <a:defRPr sz="1400" b="0" i="0" u="none" strike="noStrike" cap="none">
+                <a:solidFill>
+                  <a:schemeClr val="dk1"/>
+                </a:solidFill>
+                <a:latin typeface="Roboto"/>
+                <a:ea typeface="Roboto"/>
+                <a:cs typeface="Roboto"/>
+                <a:sym typeface="Roboto"/>
+              </a:defRPr>
+            </a:lvl6pPr>
+            <a:lvl7pPr marL="3200400" marR="0" lvl="6" indent="-304800" algn="l" rtl="0">
+              <a:lnSpc>
+                <a:spcPct val="115000"/>
+              </a:lnSpc>
+              <a:spcBef>
+                <a:spcPts val="0"/>
+              </a:spcBef>
+              <a:spcAft>
+                <a:spcPts val="0"/>
+              </a:spcAft>
+              <a:buClr>
+                <a:srgbClr val="434343"/>
+              </a:buClr>
+              <a:buSzPts val="1200"/>
+              <a:buFont typeface="Roboto Condensed Light"/>
+              <a:buAutoNum type="arabicPeriod"/>
+              <a:defRPr sz="1400" b="0" i="0" u="none" strike="noStrike" cap="none">
+                <a:solidFill>
+                  <a:schemeClr val="dk1"/>
+                </a:solidFill>
+                <a:latin typeface="Roboto"/>
+                <a:ea typeface="Roboto"/>
+                <a:cs typeface="Roboto"/>
+                <a:sym typeface="Roboto"/>
+              </a:defRPr>
+            </a:lvl7pPr>
+            <a:lvl8pPr marL="3657600" marR="0" lvl="7" indent="-304800" algn="l" rtl="0">
+              <a:lnSpc>
+                <a:spcPct val="115000"/>
+              </a:lnSpc>
+              <a:spcBef>
+                <a:spcPts val="0"/>
+              </a:spcBef>
+              <a:spcAft>
+                <a:spcPts val="0"/>
+              </a:spcAft>
+              <a:buClr>
+                <a:srgbClr val="434343"/>
+              </a:buClr>
+              <a:buSzPts val="1200"/>
+              <a:buFont typeface="Roboto Condensed Light"/>
+              <a:buAutoNum type="alphaLcPeriod"/>
+              <a:defRPr sz="1400" b="0" i="0" u="none" strike="noStrike" cap="none">
+                <a:solidFill>
+                  <a:schemeClr val="dk1"/>
+                </a:solidFill>
+                <a:latin typeface="Roboto"/>
+                <a:ea typeface="Roboto"/>
+                <a:cs typeface="Roboto"/>
+                <a:sym typeface="Roboto"/>
+              </a:defRPr>
+            </a:lvl8pPr>
+            <a:lvl9pPr marL="4114800" marR="0" lvl="8" indent="-304800" algn="l" rtl="0">
+              <a:lnSpc>
+                <a:spcPct val="115000"/>
+              </a:lnSpc>
+              <a:spcBef>
+                <a:spcPts val="0"/>
+              </a:spcBef>
+              <a:spcAft>
+                <a:spcPts val="0"/>
+              </a:spcAft>
+              <a:buClr>
+                <a:srgbClr val="434343"/>
+              </a:buClr>
+              <a:buSzPts val="1200"/>
+              <a:buFont typeface="Roboto Condensed Light"/>
+              <a:buAutoNum type="romanLcPeriod"/>
+              <a:defRPr sz="1400" b="0" i="0" u="none" strike="noStrike" cap="none">
+                <a:solidFill>
+                  <a:schemeClr val="dk1"/>
+                </a:solidFill>
+                <a:latin typeface="Roboto"/>
+                <a:ea typeface="Roboto"/>
+                <a:cs typeface="Roboto"/>
+                <a:sym typeface="Roboto"/>
+              </a:defRPr>
+            </a:lvl9pPr>
+          </a:lstStyle>
+          <a:p>
+            <a:pPr marL="0" indent="0">
+              <a:buClr>
+                <a:schemeClr val="dk1"/>
+              </a:buClr>
+              <a:buSzPts val="1100"/>
+              <a:buNone/>
+            </a:pPr>
+            <a:r>
+              <a:rPr lang="en-GB" sz="1600" dirty="0"/>
+              <a:t>Texts downloaded from FP can't be used to build the model without any pre-processing operation, in fact texts must be transformed into vectors of numbers.</a:t>
+            </a:r>
+          </a:p>
+          <a:p>
+            <a:pPr marL="0" indent="0">
+              <a:buClr>
+                <a:schemeClr val="dk1"/>
+              </a:buClr>
+              <a:buSzPts val="1100"/>
+              <a:buNone/>
+            </a:pPr>
+            <a:endParaRPr lang="en-GB" sz="1600" dirty="0"/>
+          </a:p>
+          <a:p>
+            <a:pPr marL="0" indent="0">
+              <a:buClr>
+                <a:schemeClr val="dk1"/>
+              </a:buClr>
+              <a:buSzPts val="1100"/>
+              <a:buNone/>
+            </a:pPr>
+            <a:r>
+              <a:rPr lang="en-GB" sz="1600" b="1" dirty="0"/>
+              <a:t>TfidfVectorizer</a:t>
+            </a:r>
+            <a:r>
+              <a:rPr lang="en-GB" sz="1600" dirty="0"/>
+              <a:t> is the vectorizer used to build the Decision Tree model.</a:t>
+            </a:r>
+          </a:p>
+          <a:p>
+            <a:pPr marL="0" indent="0">
+              <a:buClr>
+                <a:schemeClr val="dk1"/>
+              </a:buClr>
+              <a:buSzPts val="1100"/>
+              <a:buNone/>
+            </a:pPr>
+            <a:endParaRPr lang="en-GB" sz="1600" dirty="0"/>
+          </a:p>
+          <a:p>
+            <a:pPr marL="0" indent="0">
+              <a:buClr>
+                <a:schemeClr val="dk1"/>
+              </a:buClr>
+              <a:buSzPts val="1100"/>
+              <a:buNone/>
+            </a:pPr>
+            <a:r>
+              <a:rPr lang="en-GB" sz="1600" dirty="0"/>
+              <a:t>TfidfVectorizer converts a collection of raw documents to a matrix of TF-IDF features.</a:t>
+            </a:r>
+          </a:p>
+          <a:p>
+            <a:pPr marL="0" indent="0">
+              <a:buClr>
+                <a:schemeClr val="dk1"/>
+              </a:buClr>
+              <a:buSzPts val="1100"/>
+              <a:buNone/>
+            </a:pPr>
+            <a:endParaRPr lang="en-GB" sz="1600" dirty="0"/>
+          </a:p>
+          <a:p>
+            <a:pPr marL="0" indent="0">
+              <a:buClr>
+                <a:schemeClr val="dk1"/>
+              </a:buClr>
+              <a:buSzPts val="1100"/>
+              <a:buNone/>
+            </a:pPr>
+            <a:r>
+              <a:rPr lang="en-GB" sz="1600" dirty="0"/>
+              <a:t>In order to do that texts have to be processed through 4 phases: </a:t>
+            </a:r>
+          </a:p>
+          <a:p>
+            <a:pPr marL="285750" indent="-285750">
+              <a:buClr>
+                <a:schemeClr val="dk1"/>
+              </a:buClr>
+              <a:buSzPct val="100000"/>
+              <a:buFont typeface="Arial" panose="020B0604020202020204" pitchFamily="34" charset="0"/>
+              <a:buChar char="•"/>
+            </a:pPr>
+            <a:r>
+              <a:rPr lang="en-GB" sz="1600" dirty="0"/>
+              <a:t>synonyms normalization</a:t>
+            </a:r>
+          </a:p>
+          <a:p>
+            <a:pPr marL="285750" indent="-285750">
+              <a:buClr>
+                <a:schemeClr val="dk1"/>
+              </a:buClr>
+              <a:buSzPct val="100000"/>
+              <a:buFont typeface="Arial" panose="020B0604020202020204" pitchFamily="34" charset="0"/>
+              <a:buChar char="•"/>
+            </a:pPr>
+            <a:r>
+              <a:rPr lang="en-GB" sz="1600" dirty="0"/>
+              <a:t>remove punctuation, numbers</a:t>
+            </a:r>
+          </a:p>
+          <a:p>
+            <a:pPr marL="285750" indent="-285750">
+              <a:buClr>
+                <a:schemeClr val="dk1"/>
+              </a:buClr>
+              <a:buSzPct val="100000"/>
+              <a:buFont typeface="Arial" panose="020B0604020202020204" pitchFamily="34" charset="0"/>
+              <a:buChar char="•"/>
+            </a:pPr>
+            <a:r>
+              <a:rPr lang="en-GB" sz="1600" dirty="0"/>
+              <a:t>tokenization</a:t>
+            </a:r>
+          </a:p>
+          <a:p>
+            <a:pPr marL="285750" indent="-285750">
+              <a:buClr>
+                <a:schemeClr val="dk1"/>
+              </a:buClr>
+              <a:buSzPct val="100000"/>
+              <a:buFont typeface="Arial" panose="020B0604020202020204" pitchFamily="34" charset="0"/>
+              <a:buChar char="•"/>
+            </a:pPr>
+            <a:r>
+              <a:rPr lang="en-GB" sz="1600" dirty="0"/>
+              <a:t>stop word filtering</a:t>
+            </a:r>
+          </a:p>
+          <a:p>
+            <a:pPr marL="285750" indent="-285750">
+              <a:buClr>
+                <a:schemeClr val="dk1"/>
+              </a:buClr>
+              <a:buSzPct val="100000"/>
+              <a:buFont typeface="Arial" panose="020B0604020202020204" pitchFamily="34" charset="0"/>
+              <a:buChar char="•"/>
+            </a:pPr>
+            <a:r>
+              <a:rPr lang="en-GB" sz="1600" dirty="0"/>
+              <a:t>stemming</a:t>
+            </a:r>
+          </a:p>
+        </p:txBody>
+      </p:sp>
+      <p:sp>
+        <p:nvSpPr>
           <p:cNvPr id="7" name="Google Shape;1343;p38">
             <a:extLst>
               <a:ext uri="{FF2B5EF4-FFF2-40B4-BE49-F238E27FC236}">
@@ -11678,7 +11948,7 @@
           <a:p>
             <a:r>
               <a:rPr lang="en-GB" dirty="0"/>
-              <a:t>Normalization of synonyms</a:t>
+              <a:t>Text classification</a:t>
             </a:r>
           </a:p>
         </p:txBody>
@@ -11711,307 +11981,22 @@
           <a:prstGeom prst="rect">
             <a:avLst/>
           </a:prstGeom>
-        </p:spPr>
-      </p:pic>
-      <p:sp>
-        <p:nvSpPr>
-          <p:cNvPr id="8" name="Title 1">
-            <a:extLst>
-              <a:ext uri="{FF2B5EF4-FFF2-40B4-BE49-F238E27FC236}">
-                <a16:creationId xmlns:a16="http://schemas.microsoft.com/office/drawing/2014/main" id="{FAEE2A23-1D56-E547-5EF2-FA582DC6F459}"/>
-              </a:ext>
-            </a:extLst>
-          </p:cNvPr>
-          <p:cNvSpPr txBox="1">
-            <a:spLocks/>
-          </p:cNvSpPr>
-          <p:nvPr/>
-        </p:nvSpPr>
-        <p:spPr>
-          <a:xfrm>
-            <a:off x="731870" y="280427"/>
-            <a:ext cx="7717800" cy="572700"/>
-          </a:xfrm>
-          <a:prstGeom prst="rect">
-            <a:avLst/>
-          </a:prstGeom>
-          <a:noFill/>
           <a:ln>
             <a:noFill/>
           </a:ln>
+          <a:effectLst>
+            <a:outerShdw blurRad="292100" dist="139700" dir="2700000" algn="tl" rotWithShape="0">
+              <a:srgbClr val="333333">
+                <a:alpha val="65000"/>
+              </a:srgbClr>
+            </a:outerShdw>
+          </a:effectLst>
         </p:spPr>
-        <p:txBody>
-          <a:bodyPr spcFirstLastPara="1" wrap="square" lIns="91425" tIns="91425" rIns="91425" bIns="91425" anchor="ctr" anchorCtr="0">
-            <a:noAutofit/>
-          </a:bodyPr>
-          <a:lstStyle>
-            <a:defPPr marR="0" lvl="0" algn="l" rtl="0">
-              <a:lnSpc>
-                <a:spcPct val="100000"/>
-              </a:lnSpc>
-              <a:spcBef>
-                <a:spcPts val="0"/>
-              </a:spcBef>
-              <a:spcAft>
-                <a:spcPts val="0"/>
-              </a:spcAft>
-            </a:defPPr>
-            <a:lvl1pPr marR="0" lvl="0" algn="l" rtl="0">
-              <a:lnSpc>
-                <a:spcPct val="100000"/>
-              </a:lnSpc>
-              <a:spcBef>
-                <a:spcPts val="0"/>
-              </a:spcBef>
-              <a:spcAft>
-                <a:spcPts val="0"/>
-              </a:spcAft>
-              <a:buClr>
-                <a:schemeClr val="dk1"/>
-              </a:buClr>
-              <a:buSzPts val="3200"/>
-              <a:buFont typeface="Tajawal"/>
-              <a:buNone/>
-              <a:defRPr sz="3200" b="1" i="0" u="none" strike="noStrike" cap="none">
-                <a:solidFill>
-                  <a:schemeClr val="dk1"/>
-                </a:solidFill>
-                <a:latin typeface="Tajawal"/>
-                <a:ea typeface="Tajawal"/>
-                <a:cs typeface="Tajawal"/>
-                <a:sym typeface="Tajawal"/>
-              </a:defRPr>
-            </a:lvl1pPr>
-            <a:lvl2pPr marR="0" lvl="1" algn="l" rtl="0">
-              <a:lnSpc>
-                <a:spcPct val="100000"/>
-              </a:lnSpc>
-              <a:spcBef>
-                <a:spcPts val="0"/>
-              </a:spcBef>
-              <a:spcAft>
-                <a:spcPts val="0"/>
-              </a:spcAft>
-              <a:buClr>
-                <a:schemeClr val="dk1"/>
-              </a:buClr>
-              <a:buSzPts val="3200"/>
-              <a:buFont typeface="Tajawal"/>
-              <a:buNone/>
-              <a:defRPr sz="3200" b="1" i="0" u="none" strike="noStrike" cap="none">
-                <a:solidFill>
-                  <a:schemeClr val="dk1"/>
-                </a:solidFill>
-                <a:latin typeface="Tajawal"/>
-                <a:ea typeface="Tajawal"/>
-                <a:cs typeface="Tajawal"/>
-                <a:sym typeface="Tajawal"/>
-              </a:defRPr>
-            </a:lvl2pPr>
-            <a:lvl3pPr marR="0" lvl="2" algn="l" rtl="0">
-              <a:lnSpc>
-                <a:spcPct val="100000"/>
-              </a:lnSpc>
-              <a:spcBef>
-                <a:spcPts val="0"/>
-              </a:spcBef>
-              <a:spcAft>
-                <a:spcPts val="0"/>
-              </a:spcAft>
-              <a:buClr>
-                <a:schemeClr val="dk1"/>
-              </a:buClr>
-              <a:buSzPts val="3200"/>
-              <a:buFont typeface="Tajawal"/>
-              <a:buNone/>
-              <a:defRPr sz="3200" b="1" i="0" u="none" strike="noStrike" cap="none">
-                <a:solidFill>
-                  <a:schemeClr val="dk1"/>
-                </a:solidFill>
-                <a:latin typeface="Tajawal"/>
-                <a:ea typeface="Tajawal"/>
-                <a:cs typeface="Tajawal"/>
-                <a:sym typeface="Tajawal"/>
-              </a:defRPr>
-            </a:lvl3pPr>
-            <a:lvl4pPr marR="0" lvl="3" algn="l" rtl="0">
-              <a:lnSpc>
-                <a:spcPct val="100000"/>
-              </a:lnSpc>
-              <a:spcBef>
-                <a:spcPts val="0"/>
-              </a:spcBef>
-              <a:spcAft>
-                <a:spcPts val="0"/>
-              </a:spcAft>
-              <a:buClr>
-                <a:schemeClr val="dk1"/>
-              </a:buClr>
-              <a:buSzPts val="3200"/>
-              <a:buFont typeface="Tajawal"/>
-              <a:buNone/>
-              <a:defRPr sz="3200" b="1" i="0" u="none" strike="noStrike" cap="none">
-                <a:solidFill>
-                  <a:schemeClr val="dk1"/>
-                </a:solidFill>
-                <a:latin typeface="Tajawal"/>
-                <a:ea typeface="Tajawal"/>
-                <a:cs typeface="Tajawal"/>
-                <a:sym typeface="Tajawal"/>
-              </a:defRPr>
-            </a:lvl4pPr>
-            <a:lvl5pPr marR="0" lvl="4" algn="l" rtl="0">
-              <a:lnSpc>
-                <a:spcPct val="100000"/>
-              </a:lnSpc>
-              <a:spcBef>
-                <a:spcPts val="0"/>
-              </a:spcBef>
-              <a:spcAft>
-                <a:spcPts val="0"/>
-              </a:spcAft>
-              <a:buClr>
-                <a:schemeClr val="dk1"/>
-              </a:buClr>
-              <a:buSzPts val="3200"/>
-              <a:buFont typeface="Tajawal"/>
-              <a:buNone/>
-              <a:defRPr sz="3200" b="1" i="0" u="none" strike="noStrike" cap="none">
-                <a:solidFill>
-                  <a:schemeClr val="dk1"/>
-                </a:solidFill>
-                <a:latin typeface="Tajawal"/>
-                <a:ea typeface="Tajawal"/>
-                <a:cs typeface="Tajawal"/>
-                <a:sym typeface="Tajawal"/>
-              </a:defRPr>
-            </a:lvl5pPr>
-            <a:lvl6pPr marR="0" lvl="5" algn="l" rtl="0">
-              <a:lnSpc>
-                <a:spcPct val="100000"/>
-              </a:lnSpc>
-              <a:spcBef>
-                <a:spcPts val="0"/>
-              </a:spcBef>
-              <a:spcAft>
-                <a:spcPts val="0"/>
-              </a:spcAft>
-              <a:buClr>
-                <a:schemeClr val="dk1"/>
-              </a:buClr>
-              <a:buSzPts val="3200"/>
-              <a:buFont typeface="Tajawal"/>
-              <a:buNone/>
-              <a:defRPr sz="3200" b="1" i="0" u="none" strike="noStrike" cap="none">
-                <a:solidFill>
-                  <a:schemeClr val="dk1"/>
-                </a:solidFill>
-                <a:latin typeface="Tajawal"/>
-                <a:ea typeface="Tajawal"/>
-                <a:cs typeface="Tajawal"/>
-                <a:sym typeface="Tajawal"/>
-              </a:defRPr>
-            </a:lvl6pPr>
-            <a:lvl7pPr marR="0" lvl="6" algn="l" rtl="0">
-              <a:lnSpc>
-                <a:spcPct val="100000"/>
-              </a:lnSpc>
-              <a:spcBef>
-                <a:spcPts val="0"/>
-              </a:spcBef>
-              <a:spcAft>
-                <a:spcPts val="0"/>
-              </a:spcAft>
-              <a:buClr>
-                <a:schemeClr val="dk1"/>
-              </a:buClr>
-              <a:buSzPts val="3200"/>
-              <a:buFont typeface="Tajawal"/>
-              <a:buNone/>
-              <a:defRPr sz="3200" b="1" i="0" u="none" strike="noStrike" cap="none">
-                <a:solidFill>
-                  <a:schemeClr val="dk1"/>
-                </a:solidFill>
-                <a:latin typeface="Tajawal"/>
-                <a:ea typeface="Tajawal"/>
-                <a:cs typeface="Tajawal"/>
-                <a:sym typeface="Tajawal"/>
-              </a:defRPr>
-            </a:lvl7pPr>
-            <a:lvl8pPr marR="0" lvl="7" algn="l" rtl="0">
-              <a:lnSpc>
-                <a:spcPct val="100000"/>
-              </a:lnSpc>
-              <a:spcBef>
-                <a:spcPts val="0"/>
-              </a:spcBef>
-              <a:spcAft>
-                <a:spcPts val="0"/>
-              </a:spcAft>
-              <a:buClr>
-                <a:schemeClr val="dk1"/>
-              </a:buClr>
-              <a:buSzPts val="3200"/>
-              <a:buFont typeface="Tajawal"/>
-              <a:buNone/>
-              <a:defRPr sz="3200" b="1" i="0" u="none" strike="noStrike" cap="none">
-                <a:solidFill>
-                  <a:schemeClr val="dk1"/>
-                </a:solidFill>
-                <a:latin typeface="Tajawal"/>
-                <a:ea typeface="Tajawal"/>
-                <a:cs typeface="Tajawal"/>
-                <a:sym typeface="Tajawal"/>
-              </a:defRPr>
-            </a:lvl8pPr>
-            <a:lvl9pPr marR="0" lvl="8" algn="l" rtl="0">
-              <a:lnSpc>
-                <a:spcPct val="100000"/>
-              </a:lnSpc>
-              <a:spcBef>
-                <a:spcPts val="0"/>
-              </a:spcBef>
-              <a:spcAft>
-                <a:spcPts val="0"/>
-              </a:spcAft>
-              <a:buClr>
-                <a:schemeClr val="dk1"/>
-              </a:buClr>
-              <a:buSzPts val="3200"/>
-              <a:buFont typeface="Tajawal"/>
-              <a:buNone/>
-              <a:defRPr sz="3200" b="1" i="0" u="none" strike="noStrike" cap="none">
-                <a:solidFill>
-                  <a:schemeClr val="dk1"/>
-                </a:solidFill>
-                <a:latin typeface="Tajawal"/>
-                <a:ea typeface="Tajawal"/>
-                <a:cs typeface="Tajawal"/>
-                <a:sym typeface="Tajawal"/>
-              </a:defRPr>
-            </a:lvl9pPr>
-          </a:lstStyle>
-          <a:p>
-            <a:r>
-              <a:rPr lang="it-IT" sz="1200" i="1" dirty="0">
-                <a:solidFill>
-                  <a:srgbClr val="00B050"/>
-                </a:solidFill>
-              </a:rPr>
-              <a:t>TEXT CLASSIFICATION – PRE-PROCESSING</a:t>
-            </a:r>
-            <a:endParaRPr lang="it-IT" i="1" dirty="0">
-              <a:solidFill>
-                <a:srgbClr val="00B050"/>
-              </a:solidFill>
-            </a:endParaRPr>
-          </a:p>
-        </p:txBody>
-      </p:sp>
+      </p:pic>
     </p:spTree>
     <p:extLst>
       <p:ext uri="{BB962C8B-B14F-4D97-AF65-F5344CB8AC3E}">
-        <p14:creationId xmlns:p14="http://schemas.microsoft.com/office/powerpoint/2010/main" val="3801064399"/>
+        <p14:creationId xmlns:p14="http://schemas.microsoft.com/office/powerpoint/2010/main" val="3115673575"/>
       </p:ext>
     </p:extLst>
   </p:cSld>
@@ -12339,8 +12324,324 @@
               <a:buNone/>
             </a:pPr>
             <a:r>
-              <a:rPr lang="en-GB" sz="1600" dirty="0"/>
-              <a:t>The below steps are followed for each document found in the dataset. </a:t>
+              <a:rPr lang="en-GB" sz="1600" dirty="0">
+                <a:latin typeface="Roboto" panose="02000000000000000000" pitchFamily="2" charset="0"/>
+                <a:ea typeface="Roboto" panose="02000000000000000000" pitchFamily="2" charset="0"/>
+              </a:rPr>
+              <a:t>T</a:t>
+            </a:r>
+            <a:r>
+              <a:rPr lang="en-GB" sz="1600" b="0" i="0" dirty="0">
+                <a:effectLst/>
+                <a:latin typeface="Roboto" panose="02000000000000000000" pitchFamily="2" charset="0"/>
+                <a:ea typeface="Roboto" panose="02000000000000000000" pitchFamily="2" charset="0"/>
+              </a:rPr>
+              <a:t>aking into account the the text of the match between </a:t>
+            </a:r>
+            <a:r>
+              <a:rPr lang="en-GB" sz="1600" b="0" i="0" dirty="0" err="1">
+                <a:effectLst/>
+                <a:latin typeface="Roboto" panose="02000000000000000000" pitchFamily="2" charset="0"/>
+                <a:ea typeface="Roboto" panose="02000000000000000000" pitchFamily="2" charset="0"/>
+              </a:rPr>
+              <a:t>Sassuolo</a:t>
+            </a:r>
+            <a:r>
+              <a:rPr lang="en-GB" sz="1600" b="0" i="0" dirty="0">
+                <a:effectLst/>
+                <a:latin typeface="Roboto" panose="02000000000000000000" pitchFamily="2" charset="0"/>
+                <a:ea typeface="Roboto" panose="02000000000000000000" pitchFamily="2" charset="0"/>
+              </a:rPr>
+              <a:t>-Hellas Verona in the 24 October 2022: </a:t>
+            </a:r>
+            <a:endParaRPr lang="en-GB" sz="1600" b="0" i="1" dirty="0">
+              <a:solidFill>
+                <a:schemeClr val="accent5">
+                  <a:lumMod val="50000"/>
+                </a:schemeClr>
+              </a:solidFill>
+              <a:effectLst/>
+              <a:latin typeface="Roboto" panose="02000000000000000000" pitchFamily="2" charset="0"/>
+              <a:ea typeface="Roboto" panose="02000000000000000000" pitchFamily="2" charset="0"/>
+            </a:endParaRPr>
+          </a:p>
+          <a:p>
+            <a:pPr marL="0" indent="0">
+              <a:buClr>
+                <a:schemeClr val="dk1"/>
+              </a:buClr>
+              <a:buSzPts val="1100"/>
+              <a:buNone/>
+            </a:pPr>
+            <a:endParaRPr lang="en-GB" i="1" dirty="0">
+              <a:solidFill>
+                <a:schemeClr val="accent5">
+                  <a:lumMod val="50000"/>
+                </a:schemeClr>
+              </a:solidFill>
+            </a:endParaRPr>
+          </a:p>
+          <a:p>
+            <a:pPr marL="0" indent="0">
+              <a:buClr>
+                <a:schemeClr val="dk1"/>
+              </a:buClr>
+              <a:buSzPts val="1100"/>
+              <a:buNone/>
+            </a:pPr>
+            <a:r>
+              <a:rPr lang="en-GB" i="1" dirty="0">
+                <a:solidFill>
+                  <a:schemeClr val="accent5">
+                    <a:lumMod val="50000"/>
+                  </a:schemeClr>
+                </a:solidFill>
+              </a:rPr>
+              <a:t>“Monday's football game between </a:t>
+            </a:r>
+            <a:r>
+              <a:rPr lang="en-GB" b="1" i="1" dirty="0" err="1">
+                <a:solidFill>
+                  <a:srgbClr val="006B0E"/>
+                </a:solidFill>
+              </a:rPr>
+              <a:t>Sassuolo</a:t>
+            </a:r>
+            <a:r>
+              <a:rPr lang="en-GB" i="1" dirty="0">
+                <a:solidFill>
+                  <a:schemeClr val="accent5">
+                    <a:lumMod val="50000"/>
+                  </a:schemeClr>
+                </a:solidFill>
+              </a:rPr>
+              <a:t> and orange </a:t>
+            </a:r>
+            <a:r>
+              <a:rPr lang="en-GB" b="1" i="1" dirty="0">
+                <a:solidFill>
+                  <a:srgbClr val="9B9200"/>
+                </a:solidFill>
+              </a:rPr>
+              <a:t>Verona</a:t>
+            </a:r>
+            <a:r>
+              <a:rPr lang="en-GB" i="1" dirty="0">
+                <a:solidFill>
+                  <a:schemeClr val="accent5">
+                    <a:lumMod val="50000"/>
+                  </a:schemeClr>
+                </a:solidFill>
+              </a:rPr>
+              <a:t> will bring down the curtain on day 11 of the new Serie A campaign. The </a:t>
+            </a:r>
+            <a:r>
+              <a:rPr lang="en-GB" b="1" i="1" dirty="0" err="1">
+                <a:solidFill>
+                  <a:srgbClr val="006B0E"/>
+                </a:solidFill>
+              </a:rPr>
+              <a:t>Neroverdi</a:t>
+            </a:r>
+            <a:r>
+              <a:rPr lang="en-GB" i="1" dirty="0">
+                <a:solidFill>
+                  <a:schemeClr val="accent5">
+                    <a:lumMod val="50000"/>
+                  </a:schemeClr>
+                </a:solidFill>
+              </a:rPr>
+              <a:t> aim to make amends for back-to-back losses to Inter and Atalanta, and they are surely capable of matching the </a:t>
+            </a:r>
+            <a:r>
+              <a:rPr lang="en-GB" b="1" i="1" dirty="0" err="1">
+                <a:solidFill>
+                  <a:srgbClr val="9B9200"/>
+                </a:solidFill>
+              </a:rPr>
+              <a:t>Mastini</a:t>
+            </a:r>
+            <a:r>
+              <a:rPr lang="en-GB" i="1" dirty="0">
+                <a:solidFill>
+                  <a:schemeClr val="accent5">
+                    <a:lumMod val="50000"/>
+                  </a:schemeClr>
+                </a:solidFill>
+              </a:rPr>
+              <a:t> on home soil. Fit-again forward Domenico Berardi is widely expected to return to the starting XI, while both Gregoire </a:t>
+            </a:r>
+            <a:r>
+              <a:rPr lang="en-GB" i="1" dirty="0" err="1">
+                <a:solidFill>
+                  <a:schemeClr val="accent5">
+                    <a:lumMod val="50000"/>
+                  </a:schemeClr>
+                </a:solidFill>
+              </a:rPr>
+              <a:t>Defrel</a:t>
+            </a:r>
+            <a:r>
+              <a:rPr lang="en-GB" i="1" dirty="0">
+                <a:solidFill>
+                  <a:schemeClr val="accent5">
+                    <a:lumMod val="50000"/>
+                  </a:schemeClr>
+                </a:solidFill>
+              </a:rPr>
+              <a:t> and </a:t>
+            </a:r>
+            <a:r>
+              <a:rPr lang="en-GB" i="1" dirty="0" err="1">
+                <a:solidFill>
+                  <a:schemeClr val="accent5">
+                    <a:lumMod val="50000"/>
+                  </a:schemeClr>
+                </a:solidFill>
+              </a:rPr>
+              <a:t>Mert</a:t>
+            </a:r>
+            <a:r>
+              <a:rPr lang="en-GB" i="1" dirty="0">
+                <a:solidFill>
+                  <a:schemeClr val="accent5">
+                    <a:lumMod val="50000"/>
+                  </a:schemeClr>
+                </a:solidFill>
+              </a:rPr>
+              <a:t> </a:t>
+            </a:r>
+            <a:r>
+              <a:rPr lang="en-GB" i="1" dirty="0" err="1">
+                <a:solidFill>
+                  <a:schemeClr val="accent5">
+                    <a:lumMod val="50000"/>
+                  </a:schemeClr>
+                </a:solidFill>
+              </a:rPr>
+              <a:t>Muldur</a:t>
+            </a:r>
+            <a:r>
+              <a:rPr lang="en-GB" i="1" dirty="0">
+                <a:solidFill>
+                  <a:schemeClr val="accent5">
+                    <a:lumMod val="50000"/>
+                  </a:schemeClr>
+                </a:solidFill>
+              </a:rPr>
+              <a:t> continue to miss out with injuries. </a:t>
+            </a:r>
+            <a:r>
+              <a:rPr lang="en-GB" b="1" i="1" dirty="0">
+                <a:solidFill>
+                  <a:srgbClr val="9B9200"/>
+                </a:solidFill>
+              </a:rPr>
+              <a:t>Verona</a:t>
+            </a:r>
+            <a:r>
+              <a:rPr lang="en-GB" i="1" dirty="0">
+                <a:solidFill>
+                  <a:schemeClr val="accent5">
+                    <a:lumMod val="50000"/>
+                  </a:schemeClr>
+                </a:solidFill>
+              </a:rPr>
+              <a:t>, on the other hand, are on a five-game losing run in the Italian top flight, meaning that </a:t>
+            </a:r>
+            <a:r>
+              <a:rPr lang="en-GB" b="1" i="1" dirty="0" err="1">
+                <a:solidFill>
+                  <a:srgbClr val="006B0E"/>
+                </a:solidFill>
+              </a:rPr>
+              <a:t>Sassuolo</a:t>
+            </a:r>
+            <a:r>
+              <a:rPr lang="en-GB" i="1" dirty="0">
+                <a:solidFill>
+                  <a:schemeClr val="accent5">
+                    <a:lumMod val="50000"/>
+                  </a:schemeClr>
+                </a:solidFill>
+              </a:rPr>
+              <a:t> will not have a better chance than this to get back on course. Both Kevin </a:t>
+            </a:r>
+            <a:r>
+              <a:rPr lang="en-GB" i="1" dirty="0" err="1">
+                <a:solidFill>
+                  <a:schemeClr val="accent5">
+                    <a:lumMod val="50000"/>
+                  </a:schemeClr>
+                </a:solidFill>
+              </a:rPr>
+              <a:t>Lasagna</a:t>
+            </a:r>
+            <a:r>
+              <a:rPr lang="en-GB" i="1" dirty="0">
+                <a:solidFill>
+                  <a:schemeClr val="accent5">
+                    <a:lumMod val="50000"/>
+                  </a:schemeClr>
+                </a:solidFill>
+              </a:rPr>
+              <a:t> and Diego Coppola are </a:t>
+            </a:r>
+            <a:r>
+              <a:rPr lang="en-GB" i="1" dirty="0" err="1">
+                <a:solidFill>
+                  <a:schemeClr val="accent5">
+                    <a:lumMod val="50000"/>
+                  </a:schemeClr>
+                </a:solidFill>
+              </a:rPr>
+              <a:t>sidelined</a:t>
+            </a:r>
+            <a:r>
+              <a:rPr lang="en-GB" i="1" dirty="0">
+                <a:solidFill>
+                  <a:schemeClr val="accent5">
+                    <a:lumMod val="50000"/>
+                  </a:schemeClr>
+                </a:solidFill>
+              </a:rPr>
+              <a:t> with injuries for the visiting side, while defender Federico Ceccherini is back from suspension. In their last encounter in the Serie A </a:t>
+            </a:r>
+            <a:r>
+              <a:rPr lang="en-GB" b="1" i="1" dirty="0">
+                <a:solidFill>
+                  <a:srgbClr val="9B9200"/>
+                </a:solidFill>
+              </a:rPr>
+              <a:t>Verona</a:t>
+            </a:r>
+            <a:r>
+              <a:rPr lang="en-GB" i="1" dirty="0">
+                <a:solidFill>
+                  <a:schemeClr val="accent5">
+                    <a:lumMod val="50000"/>
+                  </a:schemeClr>
+                </a:solidFill>
+              </a:rPr>
+              <a:t> outplayed </a:t>
+            </a:r>
+            <a:r>
+              <a:rPr lang="en-GB" b="1" i="1" dirty="0" err="1">
+                <a:solidFill>
+                  <a:srgbClr val="006B0E"/>
+                </a:solidFill>
+              </a:rPr>
+              <a:t>Sassuolo</a:t>
+            </a:r>
+            <a:r>
+              <a:rPr lang="en-GB" i="1" dirty="0">
+                <a:solidFill>
+                  <a:schemeClr val="accent5">
+                    <a:lumMod val="50000"/>
+                  </a:schemeClr>
+                </a:solidFill>
+              </a:rPr>
+              <a:t> 4-2, meaning that the hosts are hungry for revenge.”</a:t>
             </a:r>
           </a:p>
           <a:p>
@@ -12351,7 +12652,14 @@
               <a:buSzPts val="1100"/>
               <a:buNone/>
             </a:pPr>
-            <a:endParaRPr lang="en-GB" sz="1600" dirty="0"/>
+            <a:endParaRPr lang="en-GB" sz="1400" i="1" dirty="0">
+              <a:solidFill>
+                <a:schemeClr val="tx1">
+                  <a:lumMod val="60000"/>
+                  <a:lumOff val="40000"/>
+                </a:schemeClr>
+              </a:solidFill>
+            </a:endParaRPr>
           </a:p>
           <a:p>
             <a:pPr marL="0" indent="0">
@@ -12362,8 +12670,114 @@
               <a:buNone/>
             </a:pPr>
             <a:r>
-              <a:rPr lang="en-GB" sz="1600" dirty="0"/>
-              <a:t>Punctuations and numbers don’t help much in processing the given text, if included, they will just increase the size of a bag of words that we will create as the last step and decrease the efficiency of an algorithm.</a:t>
+              <a:rPr lang="en-GB" sz="1600" dirty="0">
+                <a:solidFill>
+                  <a:schemeClr val="tx1">
+                    <a:lumMod val="50000"/>
+                  </a:schemeClr>
+                </a:solidFill>
+              </a:rPr>
+              <a:t>In text there are words meaning nicknames of the teams involved in a match for example </a:t>
+            </a:r>
+            <a:r>
+              <a:rPr lang="en-GB" sz="1600" i="1" dirty="0">
+                <a:solidFill>
+                  <a:schemeClr val="tx1">
+                    <a:lumMod val="50000"/>
+                  </a:schemeClr>
+                </a:solidFill>
+              </a:rPr>
+              <a:t>”</a:t>
+            </a:r>
+            <a:r>
+              <a:rPr lang="en-GB" sz="1600" i="1" dirty="0" err="1">
+                <a:solidFill>
+                  <a:schemeClr val="tx1">
+                    <a:lumMod val="50000"/>
+                  </a:schemeClr>
+                </a:solidFill>
+              </a:rPr>
+              <a:t>Mastini</a:t>
+            </a:r>
+            <a:r>
+              <a:rPr lang="en-GB" sz="1600" i="1" dirty="0">
+                <a:solidFill>
+                  <a:schemeClr val="tx1">
+                    <a:lumMod val="50000"/>
+                  </a:schemeClr>
+                </a:solidFill>
+              </a:rPr>
+              <a:t>” </a:t>
+            </a:r>
+            <a:r>
+              <a:rPr lang="en-GB" sz="1600" dirty="0">
+                <a:solidFill>
+                  <a:schemeClr val="tx1">
+                    <a:lumMod val="50000"/>
+                  </a:schemeClr>
+                </a:solidFill>
+              </a:rPr>
+              <a:t>(Verona’s nickname) and </a:t>
+            </a:r>
+            <a:r>
+              <a:rPr lang="en-GB" sz="1600" i="1" dirty="0">
+                <a:solidFill>
+                  <a:schemeClr val="tx1">
+                    <a:lumMod val="50000"/>
+                  </a:schemeClr>
+                </a:solidFill>
+              </a:rPr>
+              <a:t>”</a:t>
+            </a:r>
+            <a:r>
+              <a:rPr lang="en-GB" sz="1600" i="1" dirty="0" err="1">
+                <a:solidFill>
+                  <a:schemeClr val="tx1">
+                    <a:lumMod val="50000"/>
+                  </a:schemeClr>
+                </a:solidFill>
+              </a:rPr>
+              <a:t>Neroverdi</a:t>
+            </a:r>
+            <a:r>
+              <a:rPr lang="en-GB" sz="1600" i="1" dirty="0">
+                <a:solidFill>
+                  <a:schemeClr val="tx1">
+                    <a:lumMod val="50000"/>
+                  </a:schemeClr>
+                </a:solidFill>
+              </a:rPr>
+              <a:t>” </a:t>
+            </a:r>
+            <a:r>
+              <a:rPr lang="en-GB" sz="1600" dirty="0">
+                <a:solidFill>
+                  <a:schemeClr val="tx1">
+                    <a:lumMod val="50000"/>
+                  </a:schemeClr>
+                </a:solidFill>
+              </a:rPr>
+              <a:t>(</a:t>
+            </a:r>
+            <a:r>
+              <a:rPr lang="en-GB" sz="1600" dirty="0" err="1">
+                <a:solidFill>
+                  <a:schemeClr val="tx1">
+                    <a:lumMod val="50000"/>
+                  </a:schemeClr>
+                </a:solidFill>
+              </a:rPr>
+              <a:t>Sassuolo’s</a:t>
+            </a:r>
+            <a:r>
+              <a:rPr lang="en-GB" sz="1600" dirty="0">
+                <a:solidFill>
+                  <a:schemeClr val="tx1">
+                    <a:lumMod val="50000"/>
+                  </a:schemeClr>
+                </a:solidFill>
+              </a:rPr>
+              <a:t> nickname).</a:t>
             </a:r>
           </a:p>
           <a:p>
@@ -12374,10 +12788,13 @@
               <a:buSzPts val="1100"/>
               <a:buNone/>
             </a:pPr>
-            <a:r>
-              <a:rPr lang="en-GB" sz="1600" dirty="0"/>
-              <a:t>So, punctuation and numbers are removed from the text using regular expressions. </a:t>
-            </a:r>
+            <a:endParaRPr lang="en-GB" sz="1600" dirty="0">
+              <a:solidFill>
+                <a:schemeClr val="tx1">
+                  <a:lumMod val="50000"/>
+                </a:schemeClr>
+              </a:solidFill>
+            </a:endParaRPr>
           </a:p>
           <a:p>
             <a:pPr marL="0" indent="0">
@@ -12387,53 +12804,53 @@
               <a:buSzPts val="1100"/>
               <a:buNone/>
             </a:pPr>
-            <a:endParaRPr lang="en-GB" sz="1600" dirty="0"/>
-          </a:p>
-          <a:p>
-            <a:pPr marL="0" indent="0">
-              <a:buClr>
-                <a:schemeClr val="dk1"/>
-              </a:buClr>
-              <a:buSzPts val="1100"/>
-              <a:buNone/>
-            </a:pPr>
             <a:r>
-              <a:rPr lang="en-GB" sz="1600" dirty="0"/>
-              <a:t>After that, the document is tokenized and stop words are removed from the list of tokens (stop words filtering).</a:t>
+              <a:rPr lang="en-GB" sz="1600" dirty="0">
+                <a:solidFill>
+                  <a:schemeClr val="tx1">
+                    <a:lumMod val="50000"/>
+                  </a:schemeClr>
+                </a:solidFill>
+              </a:rPr>
+              <a:t>These words need to be processed and they are replaced with “</a:t>
             </a:r>
-          </a:p>
-          <a:p>
-            <a:pPr marL="0" indent="0">
-              <a:buClr>
-                <a:schemeClr val="dk1"/>
-              </a:buClr>
-              <a:buSzPts val="1100"/>
-              <a:buNone/>
-            </a:pPr>
-            <a:endParaRPr lang="en-GB" sz="1600" dirty="0"/>
-          </a:p>
-          <a:p>
-            <a:pPr marL="0" indent="0">
-              <a:buClr>
-                <a:schemeClr val="dk1"/>
-              </a:buClr>
-              <a:buSzPts val="1100"/>
-              <a:buNone/>
-            </a:pPr>
             <a:r>
-              <a:rPr lang="en-GB" sz="1600" dirty="0"/>
-              <a:t>The last phase is the stemming, so for each token is taken its root word.</a:t>
+              <a:rPr lang="en-GB" sz="1600" i="1" dirty="0">
+                <a:solidFill>
+                  <a:schemeClr val="tx1">
+                    <a:lumMod val="50000"/>
+                  </a:schemeClr>
+                </a:solidFill>
+              </a:rPr>
+              <a:t>home team” </a:t>
             </a:r>
-          </a:p>
-          <a:p>
-            <a:pPr marL="0" indent="0">
-              <a:buClr>
-                <a:schemeClr val="dk1"/>
-              </a:buClr>
-              <a:buSzPts val="1100"/>
-              <a:buNone/>
-            </a:pPr>
-            <a:endParaRPr lang="en-GB" sz="1600" dirty="0"/>
+            <a:r>
+              <a:rPr lang="en-GB" sz="1600" dirty="0">
+                <a:solidFill>
+                  <a:schemeClr val="tx1">
+                    <a:lumMod val="50000"/>
+                  </a:schemeClr>
+                </a:solidFill>
+              </a:rPr>
+              <a:t>or </a:t>
+            </a:r>
+            <a:r>
+              <a:rPr lang="en-GB" sz="1600" i="1" dirty="0">
+                <a:solidFill>
+                  <a:schemeClr val="tx1">
+                    <a:lumMod val="50000"/>
+                  </a:schemeClr>
+                </a:solidFill>
+              </a:rPr>
+              <a:t>“away team”.</a:t>
+            </a:r>
+            <a:endParaRPr lang="en-GB" sz="1600" dirty="0">
+              <a:solidFill>
+                <a:schemeClr val="tx1">
+                  <a:lumMod val="50000"/>
+                </a:schemeClr>
+              </a:solidFill>
+            </a:endParaRPr>
           </a:p>
         </p:txBody>
       </p:sp>
@@ -13339,41 +13756,11 @@
           <a:p>
             <a:r>
               <a:rPr lang="en-GB" dirty="0"/>
-              <a:t>RE, Tokenization, stemming</a:t>
+              <a:t>Normalization of synonyms</a:t>
             </a:r>
           </a:p>
         </p:txBody>
       </p:sp>
-      <p:pic>
-        <p:nvPicPr>
-          <p:cNvPr id="6" name="Picture 5" descr="A picture containing circle&#10;&#10;Description automatically generated">
-            <a:extLst>
-              <a:ext uri="{FF2B5EF4-FFF2-40B4-BE49-F238E27FC236}">
-                <a16:creationId xmlns:a16="http://schemas.microsoft.com/office/drawing/2014/main" id="{BCC1A354-C16D-AB32-B9A9-8A5FA86E74F5}"/>
-              </a:ext>
-            </a:extLst>
-          </p:cNvPr>
-          <p:cNvPicPr>
-            <a:picLocks noChangeAspect="1"/>
-          </p:cNvPicPr>
-          <p:nvPr/>
-        </p:nvPicPr>
-        <p:blipFill>
-          <a:blip r:embed="rId4"/>
-          <a:stretch>
-            <a:fillRect/>
-          </a:stretch>
-        </p:blipFill>
-        <p:spPr>
-          <a:xfrm>
-            <a:off x="7820528" y="132735"/>
-            <a:ext cx="1258284" cy="677376"/>
-          </a:xfrm>
-          <a:prstGeom prst="rect">
-            <a:avLst/>
-          </a:prstGeom>
-        </p:spPr>
-      </p:pic>
       <p:sp>
         <p:nvSpPr>
           <p:cNvPr id="8" name="Title 1">
@@ -13672,7 +14059,7 @@
     </p:spTree>
     <p:extLst>
       <p:ext uri="{BB962C8B-B14F-4D97-AF65-F5344CB8AC3E}">
-        <p14:creationId xmlns:p14="http://schemas.microsoft.com/office/powerpoint/2010/main" val="4170826899"/>
+        <p14:creationId xmlns:p14="http://schemas.microsoft.com/office/powerpoint/2010/main" val="3801064399"/>
       </p:ext>
     </p:extLst>
   </p:cSld>
@@ -13729,7 +14116,7 @@
         </p:nvSpPr>
         <p:spPr>
           <a:xfrm>
-            <a:off x="713100" y="1029100"/>
+            <a:off x="713100" y="1037051"/>
             <a:ext cx="7839229" cy="3913346"/>
           </a:xfrm>
           <a:prstGeom prst="rect">
@@ -14001,7 +14388,7 @@
             </a:pPr>
             <a:r>
               <a:rPr lang="en-GB" sz="1600" dirty="0"/>
-              <a:t>The below steps are followed for each document found in the dataset. </a:t>
+              <a:t>The ML model with highest accuracy is Decision Tree.</a:t>
             </a:r>
           </a:p>
           <a:p>
@@ -14012,7 +14399,7 @@
               <a:buSzPts val="1100"/>
               <a:buNone/>
             </a:pPr>
-            <a:endParaRPr lang="en-GB" sz="1600" dirty="0"/>
+            <a:endParaRPr lang="en-GB" sz="1600" b="1" dirty="0"/>
           </a:p>
           <a:p>
             <a:pPr marL="0" indent="0">
@@ -14022,10 +14409,62 @@
               <a:buSzPts val="1100"/>
               <a:buNone/>
             </a:pPr>
-            <a:r>
-              <a:rPr lang="en-GB" sz="1600" dirty="0"/>
-              <a:t>Punctuations and numbers don’t help much in processing the given text, if included, they will just increase the size of a bag of words that we will create as the last step and decrease the efficiency of an algorithm.</a:t>
-            </a:r>
+            <a:endParaRPr lang="en-GB" sz="1600" b="1" dirty="0"/>
+          </a:p>
+          <a:p>
+            <a:pPr marL="285750" indent="-285750">
+              <a:buClr>
+                <a:schemeClr val="dk1"/>
+              </a:buClr>
+              <a:buSzPts val="1100"/>
+              <a:buFontTx/>
+              <a:buChar char="-"/>
+            </a:pPr>
+            <a:endParaRPr lang="en-GB" sz="1600" b="1" dirty="0"/>
+          </a:p>
+          <a:p>
+            <a:pPr marL="285750" indent="-285750">
+              <a:buClr>
+                <a:schemeClr val="dk1"/>
+              </a:buClr>
+              <a:buSzPts val="1100"/>
+              <a:buFontTx/>
+              <a:buChar char="-"/>
+            </a:pPr>
+            <a:endParaRPr lang="en-GB" sz="1600" b="1" dirty="0"/>
+          </a:p>
+          <a:p>
+            <a:pPr marL="285750" indent="-285750">
+              <a:buClr>
+                <a:schemeClr val="dk1"/>
+              </a:buClr>
+              <a:buSzPts val="1100"/>
+              <a:buFontTx/>
+              <a:buChar char="-"/>
+            </a:pPr>
+            <a:endParaRPr lang="en-GB" sz="1600" b="1" dirty="0"/>
+          </a:p>
+          <a:p>
+            <a:pPr marL="285750" indent="-285750">
+              <a:buClr>
+                <a:schemeClr val="dk1"/>
+              </a:buClr>
+              <a:buSzPts val="1100"/>
+              <a:buFontTx/>
+              <a:buChar char="-"/>
+            </a:pPr>
+            <a:endParaRPr lang="en-GB" sz="1600" b="1" dirty="0"/>
+          </a:p>
+          <a:p>
+            <a:pPr marL="285750" indent="-285750">
+              <a:buClr>
+                <a:schemeClr val="dk1"/>
+              </a:buClr>
+              <a:buSzPts val="1100"/>
+              <a:buFontTx/>
+              <a:buChar char="-"/>
+            </a:pPr>
+            <a:endParaRPr lang="en-GB" sz="1600" b="1" dirty="0"/>
           </a:p>
           <a:p>
             <a:pPr marL="0" indent="0">
@@ -14035,10 +14474,7 @@
               <a:buSzPts val="1100"/>
               <a:buNone/>
             </a:pPr>
-            <a:r>
-              <a:rPr lang="en-GB" sz="1600" dirty="0"/>
-              <a:t>So, punctuation and numbers are removed from the text using regular expressions. </a:t>
-            </a:r>
+            <a:endParaRPr lang="en-GB" sz="1600" b="1" dirty="0"/>
           </a:p>
           <a:p>
             <a:pPr marL="0" indent="0">
@@ -14048,53 +14484,7 @@
               <a:buSzPts val="1100"/>
               <a:buNone/>
             </a:pPr>
-            <a:endParaRPr lang="en-GB" sz="1600" dirty="0"/>
-          </a:p>
-          <a:p>
-            <a:pPr marL="0" indent="0">
-              <a:buClr>
-                <a:schemeClr val="dk1"/>
-              </a:buClr>
-              <a:buSzPts val="1100"/>
-              <a:buNone/>
-            </a:pPr>
-            <a:r>
-              <a:rPr lang="en-GB" sz="1600" dirty="0"/>
-              <a:t>After that, the document is tokenized and stop words are removed from the list of tokens (stop words filtering).</a:t>
-            </a:r>
-          </a:p>
-          <a:p>
-            <a:pPr marL="0" indent="0">
-              <a:buClr>
-                <a:schemeClr val="dk1"/>
-              </a:buClr>
-              <a:buSzPts val="1100"/>
-              <a:buNone/>
-            </a:pPr>
-            <a:endParaRPr lang="en-GB" sz="1600" dirty="0"/>
-          </a:p>
-          <a:p>
-            <a:pPr marL="0" indent="0">
-              <a:buClr>
-                <a:schemeClr val="dk1"/>
-              </a:buClr>
-              <a:buSzPts val="1100"/>
-              <a:buNone/>
-            </a:pPr>
-            <a:r>
-              <a:rPr lang="en-GB" sz="1600" dirty="0"/>
-              <a:t>The last phase is the stemming, so for each token is taken its root word.</a:t>
-            </a:r>
-          </a:p>
-          <a:p>
-            <a:pPr marL="0" indent="0">
-              <a:buClr>
-                <a:schemeClr val="dk1"/>
-              </a:buClr>
-              <a:buSzPts val="1100"/>
-              <a:buNone/>
-            </a:pPr>
-            <a:endParaRPr lang="en-GB" sz="1600" dirty="0"/>
+            <a:endParaRPr lang="en-GB" sz="1600" b="1" dirty="0"/>
           </a:p>
         </p:txBody>
       </p:sp>
@@ -14999,43 +15389,12 @@
           </a:lstStyle>
           <a:p>
             <a:r>
-              <a:rPr lang="en-GB"/>
+              <a:rPr lang="en-GB" dirty="0"/>
               <a:t>Decision Tree</a:t>
             </a:r>
-            <a:endParaRPr lang="en-GB" dirty="0"/>
           </a:p>
         </p:txBody>
       </p:sp>
-      <p:pic>
-        <p:nvPicPr>
-          <p:cNvPr id="6" name="Picture 5" descr="A picture containing circle&#10;&#10;Description automatically generated">
-            <a:extLst>
-              <a:ext uri="{FF2B5EF4-FFF2-40B4-BE49-F238E27FC236}">
-                <a16:creationId xmlns:a16="http://schemas.microsoft.com/office/drawing/2014/main" id="{BCC1A354-C16D-AB32-B9A9-8A5FA86E74F5}"/>
-              </a:ext>
-            </a:extLst>
-          </p:cNvPr>
-          <p:cNvPicPr>
-            <a:picLocks noChangeAspect="1"/>
-          </p:cNvPicPr>
-          <p:nvPr/>
-        </p:nvPicPr>
-        <p:blipFill>
-          <a:blip r:embed="rId4"/>
-          <a:stretch>
-            <a:fillRect/>
-          </a:stretch>
-        </p:blipFill>
-        <p:spPr>
-          <a:xfrm>
-            <a:off x="7820528" y="132735"/>
-            <a:ext cx="1258284" cy="677376"/>
-          </a:xfrm>
-          <a:prstGeom prst="rect">
-            <a:avLst/>
-          </a:prstGeom>
-        </p:spPr>
-      </p:pic>
       <p:sp>
         <p:nvSpPr>
           <p:cNvPr id="8" name="Title 1">
@@ -15321,7 +15680,7 @@
                   <a:srgbClr val="00B050"/>
                 </a:solidFill>
               </a:rPr>
-              <a:t>TEXT CLASSIFICATION – PRE-PROCESSING</a:t>
+              <a:t>TEXT CLASSIFICATION</a:t>
             </a:r>
             <a:endParaRPr lang="it-IT" i="1" dirty="0">
               <a:solidFill>
@@ -15331,10 +15690,4292 @@
           </a:p>
         </p:txBody>
       </p:sp>
+      <p:pic>
+        <p:nvPicPr>
+          <p:cNvPr id="3" name="Picture 2" descr="A black screen with white text&#10;&#10;Description automatically generated with low confidence">
+            <a:extLst>
+              <a:ext uri="{FF2B5EF4-FFF2-40B4-BE49-F238E27FC236}">
+                <a16:creationId xmlns:a16="http://schemas.microsoft.com/office/drawing/2014/main" id="{6704E4DB-B410-8580-B425-AF3772EE3677}"/>
+              </a:ext>
+            </a:extLst>
+          </p:cNvPr>
+          <p:cNvPicPr>
+            <a:picLocks noChangeAspect="1"/>
+          </p:cNvPicPr>
+          <p:nvPr/>
+        </p:nvPicPr>
+        <p:blipFill>
+          <a:blip r:embed="rId4"/>
+          <a:stretch>
+            <a:fillRect/>
+          </a:stretch>
+        </p:blipFill>
+        <p:spPr>
+          <a:xfrm>
+            <a:off x="704570" y="1493405"/>
+            <a:ext cx="7772400" cy="1651278"/>
+          </a:xfrm>
+          <a:prstGeom prst="rect">
+            <a:avLst/>
+          </a:prstGeom>
+          <a:ln>
+            <a:noFill/>
+          </a:ln>
+          <a:effectLst>
+            <a:outerShdw blurRad="292100" dist="139700" dir="2700000" algn="tl" rotWithShape="0">
+              <a:srgbClr val="333333">
+                <a:alpha val="65000"/>
+              </a:srgbClr>
+            </a:outerShdw>
+          </a:effectLst>
+        </p:spPr>
+      </p:pic>
     </p:spTree>
     <p:extLst>
       <p:ext uri="{BB962C8B-B14F-4D97-AF65-F5344CB8AC3E}">
         <p14:creationId xmlns:p14="http://schemas.microsoft.com/office/powerpoint/2010/main" val="3456230359"/>
+      </p:ext>
+    </p:extLst>
+  </p:cSld>
+  <p:clrMapOvr>
+    <a:masterClrMapping/>
+  </p:clrMapOvr>
+</p:sld>
+</file>
+
+<file path=ppt/slides/slide15.xml><?xml version="1.0" encoding="utf-8"?>
+<p:sld xmlns:a="http://schemas.openxmlformats.org/drawingml/2006/main" xmlns:r="http://schemas.openxmlformats.org/officeDocument/2006/relationships" xmlns:p="http://schemas.openxmlformats.org/presentationml/2006/main">
+  <p:cSld>
+    <p:bg>
+      <p:bgPr>
+        <a:blipFill dpi="0" rotWithShape="1">
+          <a:blip r:embed="rId3">
+            <a:lum/>
+          </a:blip>
+          <a:srcRect/>
+          <a:stretch>
+            <a:fillRect l="-10000" r="-10000"/>
+          </a:stretch>
+        </a:blipFill>
+        <a:effectLst/>
+      </p:bgPr>
+    </p:bg>
+    <p:spTree>
+      <p:nvGrpSpPr>
+        <p:cNvPr id="1" name="Shape 1342"/>
+        <p:cNvGrpSpPr/>
+        <p:nvPr/>
+      </p:nvGrpSpPr>
+      <p:grpSpPr>
+        <a:xfrm>
+          <a:off x="0" y="0"/>
+          <a:ext cx="0" cy="0"/>
+          <a:chOff x="0" y="0"/>
+          <a:chExt cx="0" cy="0"/>
+        </a:xfrm>
+      </p:grpSpPr>
+      <p:sp>
+        <p:nvSpPr>
+          <p:cNvPr id="14" name="Google Shape;1344;p38">
+            <a:extLst>
+              <a:ext uri="{FF2B5EF4-FFF2-40B4-BE49-F238E27FC236}">
+                <a16:creationId xmlns:a16="http://schemas.microsoft.com/office/drawing/2014/main" id="{980922C1-A395-6BB4-730E-83A8E1094A76}"/>
+              </a:ext>
+            </a:extLst>
+          </p:cNvPr>
+          <p:cNvSpPr txBox="1">
+            <a:spLocks/>
+          </p:cNvSpPr>
+          <p:nvPr/>
+        </p:nvSpPr>
+        <p:spPr>
+          <a:xfrm>
+            <a:off x="713100" y="1037051"/>
+            <a:ext cx="7839229" cy="3913346"/>
+          </a:xfrm>
+          <a:prstGeom prst="rect">
+            <a:avLst/>
+          </a:prstGeom>
+          <a:noFill/>
+          <a:ln>
+            <a:noFill/>
+          </a:ln>
+        </p:spPr>
+        <p:txBody>
+          <a:bodyPr spcFirstLastPara="1" wrap="square" lIns="91425" tIns="91425" rIns="91425" bIns="91425" anchor="t" anchorCtr="0">
+            <a:noAutofit/>
+          </a:bodyPr>
+          <a:lstStyle>
+            <a:defPPr marR="0" lvl="0" algn="l" rtl="0">
+              <a:lnSpc>
+                <a:spcPct val="100000"/>
+              </a:lnSpc>
+              <a:spcBef>
+                <a:spcPts val="0"/>
+              </a:spcBef>
+              <a:spcAft>
+                <a:spcPts val="0"/>
+              </a:spcAft>
+            </a:defPPr>
+            <a:lvl1pPr marL="457200" marR="0" lvl="0" indent="-304800" algn="l" rtl="0">
+              <a:lnSpc>
+                <a:spcPct val="100000"/>
+              </a:lnSpc>
+              <a:spcBef>
+                <a:spcPts val="0"/>
+              </a:spcBef>
+              <a:spcAft>
+                <a:spcPts val="0"/>
+              </a:spcAft>
+              <a:buClr>
+                <a:schemeClr val="accent2"/>
+              </a:buClr>
+              <a:buSzPts val="1200"/>
+              <a:buFont typeface="Roboto"/>
+              <a:buAutoNum type="arabicPeriod"/>
+              <a:defRPr sz="1200" b="0" i="0" u="none" strike="noStrike" cap="none">
+                <a:solidFill>
+                  <a:schemeClr val="dk1"/>
+                </a:solidFill>
+                <a:latin typeface="Roboto"/>
+                <a:ea typeface="Roboto"/>
+                <a:cs typeface="Roboto"/>
+                <a:sym typeface="Roboto"/>
+              </a:defRPr>
+            </a:lvl1pPr>
+            <a:lvl2pPr marL="914400" marR="0" lvl="1" indent="-304800" algn="l" rtl="0">
+              <a:lnSpc>
+                <a:spcPct val="115000"/>
+              </a:lnSpc>
+              <a:spcBef>
+                <a:spcPts val="0"/>
+              </a:spcBef>
+              <a:spcAft>
+                <a:spcPts val="0"/>
+              </a:spcAft>
+              <a:buClr>
+                <a:srgbClr val="434343"/>
+              </a:buClr>
+              <a:buSzPts val="1200"/>
+              <a:buFont typeface="Roboto Condensed Light"/>
+              <a:buAutoNum type="alphaLcPeriod"/>
+              <a:defRPr sz="1400" b="0" i="0" u="none" strike="noStrike" cap="none">
+                <a:solidFill>
+                  <a:schemeClr val="dk1"/>
+                </a:solidFill>
+                <a:latin typeface="Roboto"/>
+                <a:ea typeface="Roboto"/>
+                <a:cs typeface="Roboto"/>
+                <a:sym typeface="Roboto"/>
+              </a:defRPr>
+            </a:lvl2pPr>
+            <a:lvl3pPr marL="1371600" marR="0" lvl="2" indent="-304800" algn="l" rtl="0">
+              <a:lnSpc>
+                <a:spcPct val="115000"/>
+              </a:lnSpc>
+              <a:spcBef>
+                <a:spcPts val="0"/>
+              </a:spcBef>
+              <a:spcAft>
+                <a:spcPts val="0"/>
+              </a:spcAft>
+              <a:buClr>
+                <a:srgbClr val="434343"/>
+              </a:buClr>
+              <a:buSzPts val="1200"/>
+              <a:buFont typeface="Roboto Condensed Light"/>
+              <a:buAutoNum type="romanLcPeriod"/>
+              <a:defRPr sz="1400" b="0" i="0" u="none" strike="noStrike" cap="none">
+                <a:solidFill>
+                  <a:schemeClr val="dk1"/>
+                </a:solidFill>
+                <a:latin typeface="Roboto"/>
+                <a:ea typeface="Roboto"/>
+                <a:cs typeface="Roboto"/>
+                <a:sym typeface="Roboto"/>
+              </a:defRPr>
+            </a:lvl3pPr>
+            <a:lvl4pPr marL="1828800" marR="0" lvl="3" indent="-304800" algn="l" rtl="0">
+              <a:lnSpc>
+                <a:spcPct val="115000"/>
+              </a:lnSpc>
+              <a:spcBef>
+                <a:spcPts val="0"/>
+              </a:spcBef>
+              <a:spcAft>
+                <a:spcPts val="0"/>
+              </a:spcAft>
+              <a:buClr>
+                <a:srgbClr val="434343"/>
+              </a:buClr>
+              <a:buSzPts val="1200"/>
+              <a:buFont typeface="Roboto Condensed Light"/>
+              <a:buAutoNum type="arabicPeriod"/>
+              <a:defRPr sz="1400" b="0" i="0" u="none" strike="noStrike" cap="none">
+                <a:solidFill>
+                  <a:schemeClr val="dk1"/>
+                </a:solidFill>
+                <a:latin typeface="Roboto"/>
+                <a:ea typeface="Roboto"/>
+                <a:cs typeface="Roboto"/>
+                <a:sym typeface="Roboto"/>
+              </a:defRPr>
+            </a:lvl4pPr>
+            <a:lvl5pPr marL="2286000" marR="0" lvl="4" indent="-304800" algn="l" rtl="0">
+              <a:lnSpc>
+                <a:spcPct val="115000"/>
+              </a:lnSpc>
+              <a:spcBef>
+                <a:spcPts val="0"/>
+              </a:spcBef>
+              <a:spcAft>
+                <a:spcPts val="0"/>
+              </a:spcAft>
+              <a:buClr>
+                <a:srgbClr val="434343"/>
+              </a:buClr>
+              <a:buSzPts val="1200"/>
+              <a:buFont typeface="Roboto Condensed Light"/>
+              <a:buAutoNum type="alphaLcPeriod"/>
+              <a:defRPr sz="1400" b="0" i="0" u="none" strike="noStrike" cap="none">
+                <a:solidFill>
+                  <a:schemeClr val="dk1"/>
+                </a:solidFill>
+                <a:latin typeface="Roboto"/>
+                <a:ea typeface="Roboto"/>
+                <a:cs typeface="Roboto"/>
+                <a:sym typeface="Roboto"/>
+              </a:defRPr>
+            </a:lvl5pPr>
+            <a:lvl6pPr marL="2743200" marR="0" lvl="5" indent="-304800" algn="l" rtl="0">
+              <a:lnSpc>
+                <a:spcPct val="115000"/>
+              </a:lnSpc>
+              <a:spcBef>
+                <a:spcPts val="0"/>
+              </a:spcBef>
+              <a:spcAft>
+                <a:spcPts val="0"/>
+              </a:spcAft>
+              <a:buClr>
+                <a:srgbClr val="434343"/>
+              </a:buClr>
+              <a:buSzPts val="1200"/>
+              <a:buFont typeface="Roboto Condensed Light"/>
+              <a:buAutoNum type="romanLcPeriod"/>
+              <a:defRPr sz="1400" b="0" i="0" u="none" strike="noStrike" cap="none">
+                <a:solidFill>
+                  <a:schemeClr val="dk1"/>
+                </a:solidFill>
+                <a:latin typeface="Roboto"/>
+                <a:ea typeface="Roboto"/>
+                <a:cs typeface="Roboto"/>
+                <a:sym typeface="Roboto"/>
+              </a:defRPr>
+            </a:lvl6pPr>
+            <a:lvl7pPr marL="3200400" marR="0" lvl="6" indent="-304800" algn="l" rtl="0">
+              <a:lnSpc>
+                <a:spcPct val="115000"/>
+              </a:lnSpc>
+              <a:spcBef>
+                <a:spcPts val="0"/>
+              </a:spcBef>
+              <a:spcAft>
+                <a:spcPts val="0"/>
+              </a:spcAft>
+              <a:buClr>
+                <a:srgbClr val="434343"/>
+              </a:buClr>
+              <a:buSzPts val="1200"/>
+              <a:buFont typeface="Roboto Condensed Light"/>
+              <a:buAutoNum type="arabicPeriod"/>
+              <a:defRPr sz="1400" b="0" i="0" u="none" strike="noStrike" cap="none">
+                <a:solidFill>
+                  <a:schemeClr val="dk1"/>
+                </a:solidFill>
+                <a:latin typeface="Roboto"/>
+                <a:ea typeface="Roboto"/>
+                <a:cs typeface="Roboto"/>
+                <a:sym typeface="Roboto"/>
+              </a:defRPr>
+            </a:lvl7pPr>
+            <a:lvl8pPr marL="3657600" marR="0" lvl="7" indent="-304800" algn="l" rtl="0">
+              <a:lnSpc>
+                <a:spcPct val="115000"/>
+              </a:lnSpc>
+              <a:spcBef>
+                <a:spcPts val="0"/>
+              </a:spcBef>
+              <a:spcAft>
+                <a:spcPts val="0"/>
+              </a:spcAft>
+              <a:buClr>
+                <a:srgbClr val="434343"/>
+              </a:buClr>
+              <a:buSzPts val="1200"/>
+              <a:buFont typeface="Roboto Condensed Light"/>
+              <a:buAutoNum type="alphaLcPeriod"/>
+              <a:defRPr sz="1400" b="0" i="0" u="none" strike="noStrike" cap="none">
+                <a:solidFill>
+                  <a:schemeClr val="dk1"/>
+                </a:solidFill>
+                <a:latin typeface="Roboto"/>
+                <a:ea typeface="Roboto"/>
+                <a:cs typeface="Roboto"/>
+                <a:sym typeface="Roboto"/>
+              </a:defRPr>
+            </a:lvl8pPr>
+            <a:lvl9pPr marL="4114800" marR="0" lvl="8" indent="-304800" algn="l" rtl="0">
+              <a:lnSpc>
+                <a:spcPct val="115000"/>
+              </a:lnSpc>
+              <a:spcBef>
+                <a:spcPts val="0"/>
+              </a:spcBef>
+              <a:spcAft>
+                <a:spcPts val="0"/>
+              </a:spcAft>
+              <a:buClr>
+                <a:srgbClr val="434343"/>
+              </a:buClr>
+              <a:buSzPts val="1200"/>
+              <a:buFont typeface="Roboto Condensed Light"/>
+              <a:buAutoNum type="romanLcPeriod"/>
+              <a:defRPr sz="1400" b="0" i="0" u="none" strike="noStrike" cap="none">
+                <a:solidFill>
+                  <a:schemeClr val="dk1"/>
+                </a:solidFill>
+                <a:latin typeface="Roboto"/>
+                <a:ea typeface="Roboto"/>
+                <a:cs typeface="Roboto"/>
+                <a:sym typeface="Roboto"/>
+              </a:defRPr>
+            </a:lvl9pPr>
+          </a:lstStyle>
+          <a:p>
+            <a:pPr marL="0" indent="0">
+              <a:buClr>
+                <a:schemeClr val="dk1"/>
+              </a:buClr>
+              <a:buSzPts val="1100"/>
+              <a:buNone/>
+            </a:pPr>
+            <a:r>
+              <a:rPr lang="en-GB" sz="1600" dirty="0"/>
+              <a:t>The aim of this point is to build a model which can be used to predict outcomes of future matches.</a:t>
+            </a:r>
+          </a:p>
+          <a:p>
+            <a:pPr marL="0" indent="0">
+              <a:buClr>
+                <a:schemeClr val="dk1"/>
+              </a:buClr>
+              <a:buSzPts val="1100"/>
+              <a:buNone/>
+            </a:pPr>
+            <a:endParaRPr lang="en-GB" sz="1600" dirty="0"/>
+          </a:p>
+          <a:p>
+            <a:pPr marL="0" indent="0">
+              <a:buClr>
+                <a:schemeClr val="dk1"/>
+              </a:buClr>
+              <a:buSzPts val="1100"/>
+              <a:buNone/>
+            </a:pPr>
+            <a:r>
+              <a:rPr lang="en-GB" sz="1600" dirty="0"/>
+              <a:t>Random Forest works with numerical features, so names of teams have to be transformed into numbers: it is done using a dictionary created during the download phase.</a:t>
+            </a:r>
+          </a:p>
+          <a:p>
+            <a:pPr marL="0" indent="0">
+              <a:buClr>
+                <a:schemeClr val="dk1"/>
+              </a:buClr>
+              <a:buSzPts val="1100"/>
+              <a:buNone/>
+            </a:pPr>
+            <a:endParaRPr lang="en-GB" sz="1600" dirty="0"/>
+          </a:p>
+          <a:p>
+            <a:pPr marL="0" indent="0">
+              <a:buClr>
+                <a:schemeClr val="dk1"/>
+              </a:buClr>
+              <a:buSzPts val="1100"/>
+              <a:buNone/>
+            </a:pPr>
+            <a:endParaRPr lang="en-GB" sz="1600" dirty="0"/>
+          </a:p>
+        </p:txBody>
+      </p:sp>
+      <p:grpSp>
+        <p:nvGrpSpPr>
+          <p:cNvPr id="1362" name="Google Shape;1362;p38"/>
+          <p:cNvGrpSpPr/>
+          <p:nvPr/>
+        </p:nvGrpSpPr>
+        <p:grpSpPr>
+          <a:xfrm rot="1796183">
+            <a:off x="-280957" y="4547452"/>
+            <a:ext cx="957552" cy="766847"/>
+            <a:chOff x="4365025" y="1539800"/>
+            <a:chExt cx="121025" cy="96925"/>
+          </a:xfrm>
+        </p:grpSpPr>
+        <p:sp>
+          <p:nvSpPr>
+            <p:cNvPr id="1363" name="Google Shape;1363;p38"/>
+            <p:cNvSpPr/>
+            <p:nvPr/>
+          </p:nvSpPr>
+          <p:spPr>
+            <a:xfrm>
+              <a:off x="4365025" y="1587950"/>
+              <a:ext cx="30125" cy="19500"/>
+            </a:xfrm>
+            <a:custGeom>
+              <a:avLst/>
+              <a:gdLst/>
+              <a:ahLst/>
+              <a:cxnLst/>
+              <a:rect l="l" t="t" r="r" b="b"/>
+              <a:pathLst>
+                <a:path w="1205" h="780" extrusionOk="0">
+                  <a:moveTo>
+                    <a:pt x="786" y="0"/>
+                  </a:moveTo>
+                  <a:cubicBezTo>
+                    <a:pt x="525" y="3"/>
+                    <a:pt x="1" y="135"/>
+                    <a:pt x="70" y="487"/>
+                  </a:cubicBezTo>
+                  <a:cubicBezTo>
+                    <a:pt x="112" y="700"/>
+                    <a:pt x="344" y="779"/>
+                    <a:pt x="555" y="779"/>
+                  </a:cubicBezTo>
+                  <a:cubicBezTo>
+                    <a:pt x="632" y="779"/>
+                    <a:pt x="705" y="769"/>
+                    <a:pt x="766" y="751"/>
+                  </a:cubicBezTo>
+                  <a:cubicBezTo>
+                    <a:pt x="949" y="699"/>
+                    <a:pt x="1204" y="525"/>
+                    <a:pt x="1147" y="307"/>
+                  </a:cubicBezTo>
+                  <a:cubicBezTo>
+                    <a:pt x="1115" y="184"/>
+                    <a:pt x="929" y="49"/>
+                    <a:pt x="786" y="0"/>
+                  </a:cubicBezTo>
+                  <a:close/>
+                </a:path>
+              </a:pathLst>
+            </a:custGeom>
+            <a:solidFill>
+              <a:schemeClr val="accent4"/>
+            </a:solidFill>
+            <a:ln>
+              <a:noFill/>
+            </a:ln>
+          </p:spPr>
+          <p:txBody>
+            <a:bodyPr spcFirstLastPara="1" wrap="square" lIns="91425" tIns="91425" rIns="91425" bIns="91425" anchor="ctr" anchorCtr="0">
+              <a:noAutofit/>
+            </a:bodyPr>
+            <a:lstStyle/>
+            <a:p>
+              <a:pPr marL="0" lvl="0" indent="0" algn="l" rtl="0">
+                <a:spcBef>
+                  <a:spcPts val="0"/>
+                </a:spcBef>
+                <a:spcAft>
+                  <a:spcPts val="0"/>
+                </a:spcAft>
+                <a:buNone/>
+              </a:pPr>
+              <a:endParaRPr/>
+            </a:p>
+          </p:txBody>
+        </p:sp>
+        <p:sp>
+          <p:nvSpPr>
+            <p:cNvPr id="1364" name="Google Shape;1364;p38"/>
+            <p:cNvSpPr/>
+            <p:nvPr/>
+          </p:nvSpPr>
+          <p:spPr>
+            <a:xfrm>
+              <a:off x="4407850" y="1579225"/>
+              <a:ext cx="22750" cy="14925"/>
+            </a:xfrm>
+            <a:custGeom>
+              <a:avLst/>
+              <a:gdLst/>
+              <a:ahLst/>
+              <a:cxnLst/>
+              <a:rect l="l" t="t" r="r" b="b"/>
+              <a:pathLst>
+                <a:path w="910" h="597" extrusionOk="0">
+                  <a:moveTo>
+                    <a:pt x="581" y="0"/>
+                  </a:moveTo>
+                  <a:cubicBezTo>
+                    <a:pt x="571" y="0"/>
+                    <a:pt x="561" y="1"/>
+                    <a:pt x="551" y="3"/>
+                  </a:cubicBezTo>
+                  <a:lnTo>
+                    <a:pt x="594" y="8"/>
+                  </a:lnTo>
+                  <a:cubicBezTo>
+                    <a:pt x="1" y="8"/>
+                    <a:pt x="140" y="596"/>
+                    <a:pt x="475" y="596"/>
+                  </a:cubicBezTo>
+                  <a:cubicBezTo>
+                    <a:pt x="531" y="596"/>
+                    <a:pt x="593" y="580"/>
+                    <a:pt x="657" y="541"/>
+                  </a:cubicBezTo>
+                  <a:cubicBezTo>
+                    <a:pt x="801" y="455"/>
+                    <a:pt x="909" y="343"/>
+                    <a:pt x="832" y="180"/>
+                  </a:cubicBezTo>
+                  <a:cubicBezTo>
+                    <a:pt x="788" y="81"/>
+                    <a:pt x="686" y="0"/>
+                    <a:pt x="581" y="0"/>
+                  </a:cubicBezTo>
+                  <a:close/>
+                </a:path>
+              </a:pathLst>
+            </a:custGeom>
+            <a:solidFill>
+              <a:schemeClr val="accent4"/>
+            </a:solidFill>
+            <a:ln>
+              <a:noFill/>
+            </a:ln>
+          </p:spPr>
+          <p:txBody>
+            <a:bodyPr spcFirstLastPara="1" wrap="square" lIns="91425" tIns="91425" rIns="91425" bIns="91425" anchor="ctr" anchorCtr="0">
+              <a:noAutofit/>
+            </a:bodyPr>
+            <a:lstStyle/>
+            <a:p>
+              <a:pPr marL="0" lvl="0" indent="0" algn="l" rtl="0">
+                <a:spcBef>
+                  <a:spcPts val="0"/>
+                </a:spcBef>
+                <a:spcAft>
+                  <a:spcPts val="0"/>
+                </a:spcAft>
+                <a:buNone/>
+              </a:pPr>
+              <a:endParaRPr/>
+            </a:p>
+          </p:txBody>
+        </p:sp>
+        <p:sp>
+          <p:nvSpPr>
+            <p:cNvPr id="1365" name="Google Shape;1365;p38"/>
+            <p:cNvSpPr/>
+            <p:nvPr/>
+          </p:nvSpPr>
+          <p:spPr>
+            <a:xfrm>
+              <a:off x="4403900" y="1617025"/>
+              <a:ext cx="28200" cy="19700"/>
+            </a:xfrm>
+            <a:custGeom>
+              <a:avLst/>
+              <a:gdLst/>
+              <a:ahLst/>
+              <a:cxnLst/>
+              <a:rect l="l" t="t" r="r" b="b"/>
+              <a:pathLst>
+                <a:path w="1128" h="788" extrusionOk="0">
+                  <a:moveTo>
+                    <a:pt x="649" y="0"/>
+                  </a:moveTo>
+                  <a:cubicBezTo>
+                    <a:pt x="0" y="101"/>
+                    <a:pt x="230" y="788"/>
+                    <a:pt x="599" y="788"/>
+                  </a:cubicBezTo>
+                  <a:cubicBezTo>
+                    <a:pt x="681" y="788"/>
+                    <a:pt x="770" y="754"/>
+                    <a:pt x="858" y="671"/>
+                  </a:cubicBezTo>
+                  <a:cubicBezTo>
+                    <a:pt x="1128" y="416"/>
+                    <a:pt x="921" y="141"/>
+                    <a:pt x="649" y="0"/>
+                  </a:cubicBezTo>
+                  <a:close/>
+                </a:path>
+              </a:pathLst>
+            </a:custGeom>
+            <a:solidFill>
+              <a:schemeClr val="accent4"/>
+            </a:solidFill>
+            <a:ln>
+              <a:noFill/>
+            </a:ln>
+          </p:spPr>
+          <p:txBody>
+            <a:bodyPr spcFirstLastPara="1" wrap="square" lIns="91425" tIns="91425" rIns="91425" bIns="91425" anchor="ctr" anchorCtr="0">
+              <a:noAutofit/>
+            </a:bodyPr>
+            <a:lstStyle/>
+            <a:p>
+              <a:pPr marL="0" lvl="0" indent="0" algn="l" rtl="0">
+                <a:spcBef>
+                  <a:spcPts val="0"/>
+                </a:spcBef>
+                <a:spcAft>
+                  <a:spcPts val="0"/>
+                </a:spcAft>
+                <a:buNone/>
+              </a:pPr>
+              <a:endParaRPr/>
+            </a:p>
+          </p:txBody>
+        </p:sp>
+        <p:sp>
+          <p:nvSpPr>
+            <p:cNvPr id="1366" name="Google Shape;1366;p38"/>
+            <p:cNvSpPr/>
+            <p:nvPr/>
+          </p:nvSpPr>
+          <p:spPr>
+            <a:xfrm>
+              <a:off x="4449625" y="1610200"/>
+              <a:ext cx="13700" cy="15800"/>
+            </a:xfrm>
+            <a:custGeom>
+              <a:avLst/>
+              <a:gdLst/>
+              <a:ahLst/>
+              <a:cxnLst/>
+              <a:rect l="l" t="t" r="r" b="b"/>
+              <a:pathLst>
+                <a:path w="548" h="632" extrusionOk="0">
+                  <a:moveTo>
+                    <a:pt x="299" y="0"/>
+                  </a:moveTo>
+                  <a:cubicBezTo>
+                    <a:pt x="274" y="0"/>
+                    <a:pt x="251" y="8"/>
+                    <a:pt x="230" y="27"/>
+                  </a:cubicBezTo>
+                  <a:lnTo>
+                    <a:pt x="207" y="59"/>
+                  </a:lnTo>
+                  <a:cubicBezTo>
+                    <a:pt x="78" y="248"/>
+                    <a:pt x="1" y="468"/>
+                    <a:pt x="213" y="632"/>
+                  </a:cubicBezTo>
+                  <a:cubicBezTo>
+                    <a:pt x="359" y="563"/>
+                    <a:pt x="548" y="408"/>
+                    <a:pt x="519" y="225"/>
+                  </a:cubicBezTo>
+                  <a:cubicBezTo>
+                    <a:pt x="505" y="131"/>
+                    <a:pt x="396" y="0"/>
+                    <a:pt x="299" y="0"/>
+                  </a:cubicBezTo>
+                  <a:close/>
+                </a:path>
+              </a:pathLst>
+            </a:custGeom>
+            <a:solidFill>
+              <a:schemeClr val="accent4"/>
+            </a:solidFill>
+            <a:ln>
+              <a:noFill/>
+            </a:ln>
+          </p:spPr>
+          <p:txBody>
+            <a:bodyPr spcFirstLastPara="1" wrap="square" lIns="91425" tIns="91425" rIns="91425" bIns="91425" anchor="ctr" anchorCtr="0">
+              <a:noAutofit/>
+            </a:bodyPr>
+            <a:lstStyle/>
+            <a:p>
+              <a:pPr marL="0" lvl="0" indent="0" algn="l" rtl="0">
+                <a:spcBef>
+                  <a:spcPts val="0"/>
+                </a:spcBef>
+                <a:spcAft>
+                  <a:spcPts val="0"/>
+                </a:spcAft>
+                <a:buNone/>
+              </a:pPr>
+              <a:endParaRPr/>
+            </a:p>
+          </p:txBody>
+        </p:sp>
+        <p:sp>
+          <p:nvSpPr>
+            <p:cNvPr id="1367" name="Google Shape;1367;p38"/>
+            <p:cNvSpPr/>
+            <p:nvPr/>
+          </p:nvSpPr>
+          <p:spPr>
+            <a:xfrm>
+              <a:off x="4388575" y="1553100"/>
+              <a:ext cx="24300" cy="10400"/>
+            </a:xfrm>
+            <a:custGeom>
+              <a:avLst/>
+              <a:gdLst/>
+              <a:ahLst/>
+              <a:cxnLst/>
+              <a:rect l="l" t="t" r="r" b="b"/>
+              <a:pathLst>
+                <a:path w="972" h="416" extrusionOk="0">
+                  <a:moveTo>
+                    <a:pt x="577" y="1"/>
+                  </a:moveTo>
+                  <a:cubicBezTo>
+                    <a:pt x="297" y="1"/>
+                    <a:pt x="1" y="289"/>
+                    <a:pt x="403" y="400"/>
+                  </a:cubicBezTo>
+                  <a:cubicBezTo>
+                    <a:pt x="440" y="410"/>
+                    <a:pt x="477" y="415"/>
+                    <a:pt x="514" y="415"/>
+                  </a:cubicBezTo>
+                  <a:cubicBezTo>
+                    <a:pt x="764" y="415"/>
+                    <a:pt x="972" y="196"/>
+                    <a:pt x="692" y="19"/>
+                  </a:cubicBezTo>
+                  <a:cubicBezTo>
+                    <a:pt x="655" y="6"/>
+                    <a:pt x="616" y="1"/>
+                    <a:pt x="577" y="1"/>
+                  </a:cubicBezTo>
+                  <a:close/>
+                </a:path>
+              </a:pathLst>
+            </a:custGeom>
+            <a:solidFill>
+              <a:schemeClr val="accent4"/>
+            </a:solidFill>
+            <a:ln>
+              <a:noFill/>
+            </a:ln>
+          </p:spPr>
+          <p:txBody>
+            <a:bodyPr spcFirstLastPara="1" wrap="square" lIns="91425" tIns="91425" rIns="91425" bIns="91425" anchor="ctr" anchorCtr="0">
+              <a:noAutofit/>
+            </a:bodyPr>
+            <a:lstStyle/>
+            <a:p>
+              <a:pPr marL="0" lvl="0" indent="0" algn="l" rtl="0">
+                <a:spcBef>
+                  <a:spcPts val="0"/>
+                </a:spcBef>
+                <a:spcAft>
+                  <a:spcPts val="0"/>
+                </a:spcAft>
+                <a:buNone/>
+              </a:pPr>
+              <a:endParaRPr/>
+            </a:p>
+          </p:txBody>
+        </p:sp>
+        <p:sp>
+          <p:nvSpPr>
+            <p:cNvPr id="1368" name="Google Shape;1368;p38"/>
+            <p:cNvSpPr/>
+            <p:nvPr/>
+          </p:nvSpPr>
+          <p:spPr>
+            <a:xfrm>
+              <a:off x="4457500" y="1582775"/>
+              <a:ext cx="13600" cy="7825"/>
+            </a:xfrm>
+            <a:custGeom>
+              <a:avLst/>
+              <a:gdLst/>
+              <a:ahLst/>
+              <a:cxnLst/>
+              <a:rect l="l" t="t" r="r" b="b"/>
+              <a:pathLst>
+                <a:path w="544" h="313" extrusionOk="0">
+                  <a:moveTo>
+                    <a:pt x="362" y="1"/>
+                  </a:moveTo>
+                  <a:cubicBezTo>
+                    <a:pt x="264" y="27"/>
+                    <a:pt x="1" y="67"/>
+                    <a:pt x="35" y="216"/>
+                  </a:cubicBezTo>
+                  <a:cubicBezTo>
+                    <a:pt x="51" y="296"/>
+                    <a:pt x="119" y="313"/>
+                    <a:pt x="186" y="313"/>
+                  </a:cubicBezTo>
+                  <a:cubicBezTo>
+                    <a:pt x="212" y="313"/>
+                    <a:pt x="239" y="310"/>
+                    <a:pt x="261" y="307"/>
+                  </a:cubicBezTo>
+                  <a:cubicBezTo>
+                    <a:pt x="345" y="299"/>
+                    <a:pt x="516" y="262"/>
+                    <a:pt x="534" y="153"/>
+                  </a:cubicBezTo>
+                  <a:cubicBezTo>
+                    <a:pt x="543" y="91"/>
+                    <a:pt x="467" y="11"/>
+                    <a:pt x="400" y="11"/>
+                  </a:cubicBezTo>
+                  <a:cubicBezTo>
+                    <a:pt x="389" y="11"/>
+                    <a:pt x="378" y="13"/>
+                    <a:pt x="367" y="18"/>
+                  </a:cubicBezTo>
+                  <a:lnTo>
+                    <a:pt x="362" y="1"/>
+                  </a:lnTo>
+                  <a:close/>
+                </a:path>
+              </a:pathLst>
+            </a:custGeom>
+            <a:solidFill>
+              <a:schemeClr val="accent4"/>
+            </a:solidFill>
+            <a:ln>
+              <a:noFill/>
+            </a:ln>
+          </p:spPr>
+          <p:txBody>
+            <a:bodyPr spcFirstLastPara="1" wrap="square" lIns="91425" tIns="91425" rIns="91425" bIns="91425" anchor="ctr" anchorCtr="0">
+              <a:noAutofit/>
+            </a:bodyPr>
+            <a:lstStyle/>
+            <a:p>
+              <a:pPr marL="0" lvl="0" indent="0" algn="l" rtl="0">
+                <a:spcBef>
+                  <a:spcPts val="0"/>
+                </a:spcBef>
+                <a:spcAft>
+                  <a:spcPts val="0"/>
+                </a:spcAft>
+                <a:buNone/>
+              </a:pPr>
+              <a:endParaRPr/>
+            </a:p>
+          </p:txBody>
+        </p:sp>
+        <p:sp>
+          <p:nvSpPr>
+            <p:cNvPr id="1369" name="Google Shape;1369;p38"/>
+            <p:cNvSpPr/>
+            <p:nvPr/>
+          </p:nvSpPr>
+          <p:spPr>
+            <a:xfrm>
+              <a:off x="4436600" y="1539800"/>
+              <a:ext cx="15925" cy="12850"/>
+            </a:xfrm>
+            <a:custGeom>
+              <a:avLst/>
+              <a:gdLst/>
+              <a:ahLst/>
+              <a:cxnLst/>
+              <a:rect l="l" t="t" r="r" b="b"/>
+              <a:pathLst>
+                <a:path w="637" h="514" extrusionOk="0">
+                  <a:moveTo>
+                    <a:pt x="473" y="1"/>
+                  </a:moveTo>
+                  <a:lnTo>
+                    <a:pt x="473" y="1"/>
+                  </a:lnTo>
+                  <a:cubicBezTo>
+                    <a:pt x="307" y="21"/>
+                    <a:pt x="0" y="196"/>
+                    <a:pt x="83" y="405"/>
+                  </a:cubicBezTo>
+                  <a:cubicBezTo>
+                    <a:pt x="115" y="484"/>
+                    <a:pt x="170" y="514"/>
+                    <a:pt x="230" y="514"/>
+                  </a:cubicBezTo>
+                  <a:cubicBezTo>
+                    <a:pt x="297" y="514"/>
+                    <a:pt x="370" y="478"/>
+                    <a:pt x="427" y="433"/>
+                  </a:cubicBezTo>
+                  <a:cubicBezTo>
+                    <a:pt x="570" y="319"/>
+                    <a:pt x="636" y="113"/>
+                    <a:pt x="473" y="1"/>
+                  </a:cubicBezTo>
+                  <a:close/>
+                </a:path>
+              </a:pathLst>
+            </a:custGeom>
+            <a:solidFill>
+              <a:schemeClr val="accent4"/>
+            </a:solidFill>
+            <a:ln>
+              <a:noFill/>
+            </a:ln>
+          </p:spPr>
+          <p:txBody>
+            <a:bodyPr spcFirstLastPara="1" wrap="square" lIns="91425" tIns="91425" rIns="91425" bIns="91425" anchor="ctr" anchorCtr="0">
+              <a:noAutofit/>
+            </a:bodyPr>
+            <a:lstStyle/>
+            <a:p>
+              <a:pPr marL="0" lvl="0" indent="0" algn="l" rtl="0">
+                <a:spcBef>
+                  <a:spcPts val="0"/>
+                </a:spcBef>
+                <a:spcAft>
+                  <a:spcPts val="0"/>
+                </a:spcAft>
+                <a:buNone/>
+              </a:pPr>
+              <a:endParaRPr/>
+            </a:p>
+          </p:txBody>
+        </p:sp>
+        <p:sp>
+          <p:nvSpPr>
+            <p:cNvPr id="1370" name="Google Shape;1370;p38"/>
+            <p:cNvSpPr/>
+            <p:nvPr/>
+          </p:nvSpPr>
+          <p:spPr>
+            <a:xfrm>
+              <a:off x="4472250" y="1549775"/>
+              <a:ext cx="13800" cy="12175"/>
+            </a:xfrm>
+            <a:custGeom>
+              <a:avLst/>
+              <a:gdLst/>
+              <a:ahLst/>
+              <a:cxnLst/>
+              <a:rect l="l" t="t" r="r" b="b"/>
+              <a:pathLst>
+                <a:path w="552" h="487" extrusionOk="0">
+                  <a:moveTo>
+                    <a:pt x="359" y="0"/>
+                  </a:moveTo>
+                  <a:lnTo>
+                    <a:pt x="359" y="0"/>
+                  </a:lnTo>
+                  <a:cubicBezTo>
+                    <a:pt x="239" y="37"/>
+                    <a:pt x="1" y="161"/>
+                    <a:pt x="18" y="315"/>
+                  </a:cubicBezTo>
+                  <a:cubicBezTo>
+                    <a:pt x="28" y="414"/>
+                    <a:pt x="123" y="487"/>
+                    <a:pt x="221" y="487"/>
+                  </a:cubicBezTo>
+                  <a:cubicBezTo>
+                    <a:pt x="239" y="487"/>
+                    <a:pt x="258" y="484"/>
+                    <a:pt x="276" y="479"/>
+                  </a:cubicBezTo>
+                  <a:cubicBezTo>
+                    <a:pt x="442" y="433"/>
+                    <a:pt x="551" y="118"/>
+                    <a:pt x="359" y="0"/>
+                  </a:cubicBezTo>
+                  <a:close/>
+                </a:path>
+              </a:pathLst>
+            </a:custGeom>
+            <a:solidFill>
+              <a:schemeClr val="accent4"/>
+            </a:solidFill>
+            <a:ln>
+              <a:noFill/>
+            </a:ln>
+          </p:spPr>
+          <p:txBody>
+            <a:bodyPr spcFirstLastPara="1" wrap="square" lIns="91425" tIns="91425" rIns="91425" bIns="91425" anchor="ctr" anchorCtr="0">
+              <a:noAutofit/>
+            </a:bodyPr>
+            <a:lstStyle/>
+            <a:p>
+              <a:pPr marL="0" lvl="0" indent="0" algn="l" rtl="0">
+                <a:spcBef>
+                  <a:spcPts val="0"/>
+                </a:spcBef>
+                <a:spcAft>
+                  <a:spcPts val="0"/>
+                </a:spcAft>
+                <a:buNone/>
+              </a:pPr>
+              <a:endParaRPr/>
+            </a:p>
+          </p:txBody>
+        </p:sp>
+      </p:grpSp>
+      <p:sp>
+        <p:nvSpPr>
+          <p:cNvPr id="7" name="Google Shape;1343;p38">
+            <a:extLst>
+              <a:ext uri="{FF2B5EF4-FFF2-40B4-BE49-F238E27FC236}">
+                <a16:creationId xmlns:a16="http://schemas.microsoft.com/office/drawing/2014/main" id="{F15CCC14-A652-DCAE-F707-EFA7C83CA764}"/>
+              </a:ext>
+            </a:extLst>
+          </p:cNvPr>
+          <p:cNvSpPr txBox="1">
+            <a:spLocks/>
+          </p:cNvSpPr>
+          <p:nvPr/>
+        </p:nvSpPr>
+        <p:spPr>
+          <a:xfrm>
+            <a:off x="685392" y="544550"/>
+            <a:ext cx="7717800" cy="572700"/>
+          </a:xfrm>
+          <a:prstGeom prst="rect">
+            <a:avLst/>
+          </a:prstGeom>
+          <a:noFill/>
+          <a:ln>
+            <a:noFill/>
+          </a:ln>
+        </p:spPr>
+        <p:txBody>
+          <a:bodyPr spcFirstLastPara="1" wrap="square" lIns="91425" tIns="91425" rIns="91425" bIns="91425" anchor="ctr" anchorCtr="0">
+            <a:noAutofit/>
+          </a:bodyPr>
+          <a:lstStyle>
+            <a:defPPr marR="0" lvl="0" algn="l" rtl="0">
+              <a:lnSpc>
+                <a:spcPct val="100000"/>
+              </a:lnSpc>
+              <a:spcBef>
+                <a:spcPts val="0"/>
+              </a:spcBef>
+              <a:spcAft>
+                <a:spcPts val="0"/>
+              </a:spcAft>
+            </a:defPPr>
+            <a:lvl1pPr marR="0" lvl="0" algn="l" rtl="0">
+              <a:lnSpc>
+                <a:spcPct val="100000"/>
+              </a:lnSpc>
+              <a:spcBef>
+                <a:spcPts val="0"/>
+              </a:spcBef>
+              <a:spcAft>
+                <a:spcPts val="0"/>
+              </a:spcAft>
+              <a:buClr>
+                <a:schemeClr val="dk1"/>
+              </a:buClr>
+              <a:buSzPts val="3200"/>
+              <a:buFont typeface="Tajawal"/>
+              <a:buNone/>
+              <a:defRPr sz="3200" b="1" i="0" u="none" strike="noStrike" cap="none">
+                <a:solidFill>
+                  <a:schemeClr val="dk1"/>
+                </a:solidFill>
+                <a:latin typeface="Tajawal"/>
+                <a:ea typeface="Tajawal"/>
+                <a:cs typeface="Tajawal"/>
+                <a:sym typeface="Tajawal"/>
+              </a:defRPr>
+            </a:lvl1pPr>
+            <a:lvl2pPr marR="0" lvl="1" algn="l" rtl="0">
+              <a:lnSpc>
+                <a:spcPct val="100000"/>
+              </a:lnSpc>
+              <a:spcBef>
+                <a:spcPts val="0"/>
+              </a:spcBef>
+              <a:spcAft>
+                <a:spcPts val="0"/>
+              </a:spcAft>
+              <a:buClr>
+                <a:schemeClr val="dk1"/>
+              </a:buClr>
+              <a:buSzPts val="3200"/>
+              <a:buFont typeface="Tajawal"/>
+              <a:buNone/>
+              <a:defRPr sz="3200" b="1" i="0" u="none" strike="noStrike" cap="none">
+                <a:solidFill>
+                  <a:schemeClr val="dk1"/>
+                </a:solidFill>
+                <a:latin typeface="Tajawal"/>
+                <a:ea typeface="Tajawal"/>
+                <a:cs typeface="Tajawal"/>
+                <a:sym typeface="Tajawal"/>
+              </a:defRPr>
+            </a:lvl2pPr>
+            <a:lvl3pPr marR="0" lvl="2" algn="l" rtl="0">
+              <a:lnSpc>
+                <a:spcPct val="100000"/>
+              </a:lnSpc>
+              <a:spcBef>
+                <a:spcPts val="0"/>
+              </a:spcBef>
+              <a:spcAft>
+                <a:spcPts val="0"/>
+              </a:spcAft>
+              <a:buClr>
+                <a:schemeClr val="dk1"/>
+              </a:buClr>
+              <a:buSzPts val="3200"/>
+              <a:buFont typeface="Tajawal"/>
+              <a:buNone/>
+              <a:defRPr sz="3200" b="1" i="0" u="none" strike="noStrike" cap="none">
+                <a:solidFill>
+                  <a:schemeClr val="dk1"/>
+                </a:solidFill>
+                <a:latin typeface="Tajawal"/>
+                <a:ea typeface="Tajawal"/>
+                <a:cs typeface="Tajawal"/>
+                <a:sym typeface="Tajawal"/>
+              </a:defRPr>
+            </a:lvl3pPr>
+            <a:lvl4pPr marR="0" lvl="3" algn="l" rtl="0">
+              <a:lnSpc>
+                <a:spcPct val="100000"/>
+              </a:lnSpc>
+              <a:spcBef>
+                <a:spcPts val="0"/>
+              </a:spcBef>
+              <a:spcAft>
+                <a:spcPts val="0"/>
+              </a:spcAft>
+              <a:buClr>
+                <a:schemeClr val="dk1"/>
+              </a:buClr>
+              <a:buSzPts val="3200"/>
+              <a:buFont typeface="Tajawal"/>
+              <a:buNone/>
+              <a:defRPr sz="3200" b="1" i="0" u="none" strike="noStrike" cap="none">
+                <a:solidFill>
+                  <a:schemeClr val="dk1"/>
+                </a:solidFill>
+                <a:latin typeface="Tajawal"/>
+                <a:ea typeface="Tajawal"/>
+                <a:cs typeface="Tajawal"/>
+                <a:sym typeface="Tajawal"/>
+              </a:defRPr>
+            </a:lvl4pPr>
+            <a:lvl5pPr marR="0" lvl="4" algn="l" rtl="0">
+              <a:lnSpc>
+                <a:spcPct val="100000"/>
+              </a:lnSpc>
+              <a:spcBef>
+                <a:spcPts val="0"/>
+              </a:spcBef>
+              <a:spcAft>
+                <a:spcPts val="0"/>
+              </a:spcAft>
+              <a:buClr>
+                <a:schemeClr val="dk1"/>
+              </a:buClr>
+              <a:buSzPts val="3200"/>
+              <a:buFont typeface="Tajawal"/>
+              <a:buNone/>
+              <a:defRPr sz="3200" b="1" i="0" u="none" strike="noStrike" cap="none">
+                <a:solidFill>
+                  <a:schemeClr val="dk1"/>
+                </a:solidFill>
+                <a:latin typeface="Tajawal"/>
+                <a:ea typeface="Tajawal"/>
+                <a:cs typeface="Tajawal"/>
+                <a:sym typeface="Tajawal"/>
+              </a:defRPr>
+            </a:lvl5pPr>
+            <a:lvl6pPr marR="0" lvl="5" algn="l" rtl="0">
+              <a:lnSpc>
+                <a:spcPct val="100000"/>
+              </a:lnSpc>
+              <a:spcBef>
+                <a:spcPts val="0"/>
+              </a:spcBef>
+              <a:spcAft>
+                <a:spcPts val="0"/>
+              </a:spcAft>
+              <a:buClr>
+                <a:schemeClr val="dk1"/>
+              </a:buClr>
+              <a:buSzPts val="3200"/>
+              <a:buFont typeface="Tajawal"/>
+              <a:buNone/>
+              <a:defRPr sz="3200" b="1" i="0" u="none" strike="noStrike" cap="none">
+                <a:solidFill>
+                  <a:schemeClr val="dk1"/>
+                </a:solidFill>
+                <a:latin typeface="Tajawal"/>
+                <a:ea typeface="Tajawal"/>
+                <a:cs typeface="Tajawal"/>
+                <a:sym typeface="Tajawal"/>
+              </a:defRPr>
+            </a:lvl6pPr>
+            <a:lvl7pPr marR="0" lvl="6" algn="l" rtl="0">
+              <a:lnSpc>
+                <a:spcPct val="100000"/>
+              </a:lnSpc>
+              <a:spcBef>
+                <a:spcPts val="0"/>
+              </a:spcBef>
+              <a:spcAft>
+                <a:spcPts val="0"/>
+              </a:spcAft>
+              <a:buClr>
+                <a:schemeClr val="dk1"/>
+              </a:buClr>
+              <a:buSzPts val="3200"/>
+              <a:buFont typeface="Tajawal"/>
+              <a:buNone/>
+              <a:defRPr sz="3200" b="1" i="0" u="none" strike="noStrike" cap="none">
+                <a:solidFill>
+                  <a:schemeClr val="dk1"/>
+                </a:solidFill>
+                <a:latin typeface="Tajawal"/>
+                <a:ea typeface="Tajawal"/>
+                <a:cs typeface="Tajawal"/>
+                <a:sym typeface="Tajawal"/>
+              </a:defRPr>
+            </a:lvl7pPr>
+            <a:lvl8pPr marR="0" lvl="7" algn="l" rtl="0">
+              <a:lnSpc>
+                <a:spcPct val="100000"/>
+              </a:lnSpc>
+              <a:spcBef>
+                <a:spcPts val="0"/>
+              </a:spcBef>
+              <a:spcAft>
+                <a:spcPts val="0"/>
+              </a:spcAft>
+              <a:buClr>
+                <a:schemeClr val="dk1"/>
+              </a:buClr>
+              <a:buSzPts val="3200"/>
+              <a:buFont typeface="Tajawal"/>
+              <a:buNone/>
+              <a:defRPr sz="3200" b="1" i="0" u="none" strike="noStrike" cap="none">
+                <a:solidFill>
+                  <a:schemeClr val="dk1"/>
+                </a:solidFill>
+                <a:latin typeface="Tajawal"/>
+                <a:ea typeface="Tajawal"/>
+                <a:cs typeface="Tajawal"/>
+                <a:sym typeface="Tajawal"/>
+              </a:defRPr>
+            </a:lvl8pPr>
+            <a:lvl9pPr marR="0" lvl="8" algn="l" rtl="0">
+              <a:lnSpc>
+                <a:spcPct val="100000"/>
+              </a:lnSpc>
+              <a:spcBef>
+                <a:spcPts val="0"/>
+              </a:spcBef>
+              <a:spcAft>
+                <a:spcPts val="0"/>
+              </a:spcAft>
+              <a:buClr>
+                <a:schemeClr val="dk1"/>
+              </a:buClr>
+              <a:buSzPts val="3200"/>
+              <a:buFont typeface="Tajawal"/>
+              <a:buNone/>
+              <a:defRPr sz="3200" b="1" i="0" u="none" strike="noStrike" cap="none">
+                <a:solidFill>
+                  <a:schemeClr val="dk1"/>
+                </a:solidFill>
+                <a:latin typeface="Tajawal"/>
+                <a:ea typeface="Tajawal"/>
+                <a:cs typeface="Tajawal"/>
+                <a:sym typeface="Tajawal"/>
+              </a:defRPr>
+            </a:lvl9pPr>
+          </a:lstStyle>
+          <a:p>
+            <a:r>
+              <a:rPr lang="en-GB" dirty="0"/>
+              <a:t>Random Forest</a:t>
+            </a:r>
+          </a:p>
+        </p:txBody>
+      </p:sp>
+      <p:sp>
+        <p:nvSpPr>
+          <p:cNvPr id="8" name="Title 1">
+            <a:extLst>
+              <a:ext uri="{FF2B5EF4-FFF2-40B4-BE49-F238E27FC236}">
+                <a16:creationId xmlns:a16="http://schemas.microsoft.com/office/drawing/2014/main" id="{FAEE2A23-1D56-E547-5EF2-FA582DC6F459}"/>
+              </a:ext>
+            </a:extLst>
+          </p:cNvPr>
+          <p:cNvSpPr txBox="1">
+            <a:spLocks/>
+          </p:cNvSpPr>
+          <p:nvPr/>
+        </p:nvSpPr>
+        <p:spPr>
+          <a:xfrm>
+            <a:off x="731870" y="280427"/>
+            <a:ext cx="7717800" cy="572700"/>
+          </a:xfrm>
+          <a:prstGeom prst="rect">
+            <a:avLst/>
+          </a:prstGeom>
+          <a:noFill/>
+          <a:ln>
+            <a:noFill/>
+          </a:ln>
+        </p:spPr>
+        <p:txBody>
+          <a:bodyPr spcFirstLastPara="1" wrap="square" lIns="91425" tIns="91425" rIns="91425" bIns="91425" anchor="ctr" anchorCtr="0">
+            <a:noAutofit/>
+          </a:bodyPr>
+          <a:lstStyle>
+            <a:defPPr marR="0" lvl="0" algn="l" rtl="0">
+              <a:lnSpc>
+                <a:spcPct val="100000"/>
+              </a:lnSpc>
+              <a:spcBef>
+                <a:spcPts val="0"/>
+              </a:spcBef>
+              <a:spcAft>
+                <a:spcPts val="0"/>
+              </a:spcAft>
+            </a:defPPr>
+            <a:lvl1pPr marR="0" lvl="0" algn="l" rtl="0">
+              <a:lnSpc>
+                <a:spcPct val="100000"/>
+              </a:lnSpc>
+              <a:spcBef>
+                <a:spcPts val="0"/>
+              </a:spcBef>
+              <a:spcAft>
+                <a:spcPts val="0"/>
+              </a:spcAft>
+              <a:buClr>
+                <a:schemeClr val="dk1"/>
+              </a:buClr>
+              <a:buSzPts val="3200"/>
+              <a:buFont typeface="Tajawal"/>
+              <a:buNone/>
+              <a:defRPr sz="3200" b="1" i="0" u="none" strike="noStrike" cap="none">
+                <a:solidFill>
+                  <a:schemeClr val="dk1"/>
+                </a:solidFill>
+                <a:latin typeface="Tajawal"/>
+                <a:ea typeface="Tajawal"/>
+                <a:cs typeface="Tajawal"/>
+                <a:sym typeface="Tajawal"/>
+              </a:defRPr>
+            </a:lvl1pPr>
+            <a:lvl2pPr marR="0" lvl="1" algn="l" rtl="0">
+              <a:lnSpc>
+                <a:spcPct val="100000"/>
+              </a:lnSpc>
+              <a:spcBef>
+                <a:spcPts val="0"/>
+              </a:spcBef>
+              <a:spcAft>
+                <a:spcPts val="0"/>
+              </a:spcAft>
+              <a:buClr>
+                <a:schemeClr val="dk1"/>
+              </a:buClr>
+              <a:buSzPts val="3200"/>
+              <a:buFont typeface="Tajawal"/>
+              <a:buNone/>
+              <a:defRPr sz="3200" b="1" i="0" u="none" strike="noStrike" cap="none">
+                <a:solidFill>
+                  <a:schemeClr val="dk1"/>
+                </a:solidFill>
+                <a:latin typeface="Tajawal"/>
+                <a:ea typeface="Tajawal"/>
+                <a:cs typeface="Tajawal"/>
+                <a:sym typeface="Tajawal"/>
+              </a:defRPr>
+            </a:lvl2pPr>
+            <a:lvl3pPr marR="0" lvl="2" algn="l" rtl="0">
+              <a:lnSpc>
+                <a:spcPct val="100000"/>
+              </a:lnSpc>
+              <a:spcBef>
+                <a:spcPts val="0"/>
+              </a:spcBef>
+              <a:spcAft>
+                <a:spcPts val="0"/>
+              </a:spcAft>
+              <a:buClr>
+                <a:schemeClr val="dk1"/>
+              </a:buClr>
+              <a:buSzPts val="3200"/>
+              <a:buFont typeface="Tajawal"/>
+              <a:buNone/>
+              <a:defRPr sz="3200" b="1" i="0" u="none" strike="noStrike" cap="none">
+                <a:solidFill>
+                  <a:schemeClr val="dk1"/>
+                </a:solidFill>
+                <a:latin typeface="Tajawal"/>
+                <a:ea typeface="Tajawal"/>
+                <a:cs typeface="Tajawal"/>
+                <a:sym typeface="Tajawal"/>
+              </a:defRPr>
+            </a:lvl3pPr>
+            <a:lvl4pPr marR="0" lvl="3" algn="l" rtl="0">
+              <a:lnSpc>
+                <a:spcPct val="100000"/>
+              </a:lnSpc>
+              <a:spcBef>
+                <a:spcPts val="0"/>
+              </a:spcBef>
+              <a:spcAft>
+                <a:spcPts val="0"/>
+              </a:spcAft>
+              <a:buClr>
+                <a:schemeClr val="dk1"/>
+              </a:buClr>
+              <a:buSzPts val="3200"/>
+              <a:buFont typeface="Tajawal"/>
+              <a:buNone/>
+              <a:defRPr sz="3200" b="1" i="0" u="none" strike="noStrike" cap="none">
+                <a:solidFill>
+                  <a:schemeClr val="dk1"/>
+                </a:solidFill>
+                <a:latin typeface="Tajawal"/>
+                <a:ea typeface="Tajawal"/>
+                <a:cs typeface="Tajawal"/>
+                <a:sym typeface="Tajawal"/>
+              </a:defRPr>
+            </a:lvl4pPr>
+            <a:lvl5pPr marR="0" lvl="4" algn="l" rtl="0">
+              <a:lnSpc>
+                <a:spcPct val="100000"/>
+              </a:lnSpc>
+              <a:spcBef>
+                <a:spcPts val="0"/>
+              </a:spcBef>
+              <a:spcAft>
+                <a:spcPts val="0"/>
+              </a:spcAft>
+              <a:buClr>
+                <a:schemeClr val="dk1"/>
+              </a:buClr>
+              <a:buSzPts val="3200"/>
+              <a:buFont typeface="Tajawal"/>
+              <a:buNone/>
+              <a:defRPr sz="3200" b="1" i="0" u="none" strike="noStrike" cap="none">
+                <a:solidFill>
+                  <a:schemeClr val="dk1"/>
+                </a:solidFill>
+                <a:latin typeface="Tajawal"/>
+                <a:ea typeface="Tajawal"/>
+                <a:cs typeface="Tajawal"/>
+                <a:sym typeface="Tajawal"/>
+              </a:defRPr>
+            </a:lvl5pPr>
+            <a:lvl6pPr marR="0" lvl="5" algn="l" rtl="0">
+              <a:lnSpc>
+                <a:spcPct val="100000"/>
+              </a:lnSpc>
+              <a:spcBef>
+                <a:spcPts val="0"/>
+              </a:spcBef>
+              <a:spcAft>
+                <a:spcPts val="0"/>
+              </a:spcAft>
+              <a:buClr>
+                <a:schemeClr val="dk1"/>
+              </a:buClr>
+              <a:buSzPts val="3200"/>
+              <a:buFont typeface="Tajawal"/>
+              <a:buNone/>
+              <a:defRPr sz="3200" b="1" i="0" u="none" strike="noStrike" cap="none">
+                <a:solidFill>
+                  <a:schemeClr val="dk1"/>
+                </a:solidFill>
+                <a:latin typeface="Tajawal"/>
+                <a:ea typeface="Tajawal"/>
+                <a:cs typeface="Tajawal"/>
+                <a:sym typeface="Tajawal"/>
+              </a:defRPr>
+            </a:lvl6pPr>
+            <a:lvl7pPr marR="0" lvl="6" algn="l" rtl="0">
+              <a:lnSpc>
+                <a:spcPct val="100000"/>
+              </a:lnSpc>
+              <a:spcBef>
+                <a:spcPts val="0"/>
+              </a:spcBef>
+              <a:spcAft>
+                <a:spcPts val="0"/>
+              </a:spcAft>
+              <a:buClr>
+                <a:schemeClr val="dk1"/>
+              </a:buClr>
+              <a:buSzPts val="3200"/>
+              <a:buFont typeface="Tajawal"/>
+              <a:buNone/>
+              <a:defRPr sz="3200" b="1" i="0" u="none" strike="noStrike" cap="none">
+                <a:solidFill>
+                  <a:schemeClr val="dk1"/>
+                </a:solidFill>
+                <a:latin typeface="Tajawal"/>
+                <a:ea typeface="Tajawal"/>
+                <a:cs typeface="Tajawal"/>
+                <a:sym typeface="Tajawal"/>
+              </a:defRPr>
+            </a:lvl7pPr>
+            <a:lvl8pPr marR="0" lvl="7" algn="l" rtl="0">
+              <a:lnSpc>
+                <a:spcPct val="100000"/>
+              </a:lnSpc>
+              <a:spcBef>
+                <a:spcPts val="0"/>
+              </a:spcBef>
+              <a:spcAft>
+                <a:spcPts val="0"/>
+              </a:spcAft>
+              <a:buClr>
+                <a:schemeClr val="dk1"/>
+              </a:buClr>
+              <a:buSzPts val="3200"/>
+              <a:buFont typeface="Tajawal"/>
+              <a:buNone/>
+              <a:defRPr sz="3200" b="1" i="0" u="none" strike="noStrike" cap="none">
+                <a:solidFill>
+                  <a:schemeClr val="dk1"/>
+                </a:solidFill>
+                <a:latin typeface="Tajawal"/>
+                <a:ea typeface="Tajawal"/>
+                <a:cs typeface="Tajawal"/>
+                <a:sym typeface="Tajawal"/>
+              </a:defRPr>
+            </a:lvl8pPr>
+            <a:lvl9pPr marR="0" lvl="8" algn="l" rtl="0">
+              <a:lnSpc>
+                <a:spcPct val="100000"/>
+              </a:lnSpc>
+              <a:spcBef>
+                <a:spcPts val="0"/>
+              </a:spcBef>
+              <a:spcAft>
+                <a:spcPts val="0"/>
+              </a:spcAft>
+              <a:buClr>
+                <a:schemeClr val="dk1"/>
+              </a:buClr>
+              <a:buSzPts val="3200"/>
+              <a:buFont typeface="Tajawal"/>
+              <a:buNone/>
+              <a:defRPr sz="3200" b="1" i="0" u="none" strike="noStrike" cap="none">
+                <a:solidFill>
+                  <a:schemeClr val="dk1"/>
+                </a:solidFill>
+                <a:latin typeface="Tajawal"/>
+                <a:ea typeface="Tajawal"/>
+                <a:cs typeface="Tajawal"/>
+                <a:sym typeface="Tajawal"/>
+              </a:defRPr>
+            </a:lvl9pPr>
+          </a:lstStyle>
+          <a:p>
+            <a:r>
+              <a:rPr lang="it-IT" sz="1200" i="1" dirty="0">
+                <a:solidFill>
+                  <a:srgbClr val="00B050"/>
+                </a:solidFill>
+              </a:rPr>
+              <a:t>FINAL CLASSIFICATION</a:t>
+            </a:r>
+            <a:endParaRPr lang="it-IT" i="1" dirty="0">
+              <a:solidFill>
+                <a:srgbClr val="00B050"/>
+              </a:solidFill>
+            </a:endParaRPr>
+          </a:p>
+        </p:txBody>
+      </p:sp>
+      <p:pic>
+        <p:nvPicPr>
+          <p:cNvPr id="3" name="Picture 2">
+            <a:extLst>
+              <a:ext uri="{FF2B5EF4-FFF2-40B4-BE49-F238E27FC236}">
+                <a16:creationId xmlns:a16="http://schemas.microsoft.com/office/drawing/2014/main" id="{B61D6C4C-16C7-F9CB-4846-54D883F1F9A2}"/>
+              </a:ext>
+            </a:extLst>
+          </p:cNvPr>
+          <p:cNvPicPr>
+            <a:picLocks noChangeAspect="1"/>
+          </p:cNvPicPr>
+          <p:nvPr/>
+        </p:nvPicPr>
+        <p:blipFill>
+          <a:blip r:embed="rId4"/>
+          <a:stretch>
+            <a:fillRect/>
+          </a:stretch>
+        </p:blipFill>
+        <p:spPr>
+          <a:xfrm>
+            <a:off x="80923" y="2721350"/>
+            <a:ext cx="8982153" cy="976477"/>
+          </a:xfrm>
+          <a:prstGeom prst="rect">
+            <a:avLst/>
+          </a:prstGeom>
+          <a:ln>
+            <a:noFill/>
+          </a:ln>
+          <a:effectLst>
+            <a:outerShdw blurRad="292100" dist="139700" dir="2700000" algn="tl" rotWithShape="0">
+              <a:srgbClr val="333333">
+                <a:alpha val="65000"/>
+              </a:srgbClr>
+            </a:outerShdw>
+          </a:effectLst>
+        </p:spPr>
+      </p:pic>
+    </p:spTree>
+    <p:extLst>
+      <p:ext uri="{BB962C8B-B14F-4D97-AF65-F5344CB8AC3E}">
+        <p14:creationId xmlns:p14="http://schemas.microsoft.com/office/powerpoint/2010/main" val="3716936842"/>
+      </p:ext>
+    </p:extLst>
+  </p:cSld>
+  <p:clrMapOvr>
+    <a:masterClrMapping/>
+  </p:clrMapOvr>
+</p:sld>
+</file>
+
+<file path=ppt/slides/slide16.xml><?xml version="1.0" encoding="utf-8"?>
+<p:sld xmlns:a="http://schemas.openxmlformats.org/drawingml/2006/main" xmlns:r="http://schemas.openxmlformats.org/officeDocument/2006/relationships" xmlns:p="http://schemas.openxmlformats.org/presentationml/2006/main">
+  <p:cSld>
+    <p:bg>
+      <p:bgPr>
+        <a:blipFill dpi="0" rotWithShape="1">
+          <a:blip r:embed="rId3">
+            <a:lum/>
+          </a:blip>
+          <a:srcRect/>
+          <a:stretch>
+            <a:fillRect l="-10000" r="-10000"/>
+          </a:stretch>
+        </a:blipFill>
+        <a:effectLst/>
+      </p:bgPr>
+    </p:bg>
+    <p:spTree>
+      <p:nvGrpSpPr>
+        <p:cNvPr id="1" name="Shape 1342"/>
+        <p:cNvGrpSpPr/>
+        <p:nvPr/>
+      </p:nvGrpSpPr>
+      <p:grpSpPr>
+        <a:xfrm>
+          <a:off x="0" y="0"/>
+          <a:ext cx="0" cy="0"/>
+          <a:chOff x="0" y="0"/>
+          <a:chExt cx="0" cy="0"/>
+        </a:xfrm>
+      </p:grpSpPr>
+      <p:sp>
+        <p:nvSpPr>
+          <p:cNvPr id="14" name="Google Shape;1344;p38">
+            <a:extLst>
+              <a:ext uri="{FF2B5EF4-FFF2-40B4-BE49-F238E27FC236}">
+                <a16:creationId xmlns:a16="http://schemas.microsoft.com/office/drawing/2014/main" id="{980922C1-A395-6BB4-730E-83A8E1094A76}"/>
+              </a:ext>
+            </a:extLst>
+          </p:cNvPr>
+          <p:cNvSpPr txBox="1">
+            <a:spLocks/>
+          </p:cNvSpPr>
+          <p:nvPr/>
+        </p:nvSpPr>
+        <p:spPr>
+          <a:xfrm>
+            <a:off x="713100" y="1037051"/>
+            <a:ext cx="7839229" cy="3913346"/>
+          </a:xfrm>
+          <a:prstGeom prst="rect">
+            <a:avLst/>
+          </a:prstGeom>
+          <a:noFill/>
+          <a:ln>
+            <a:noFill/>
+          </a:ln>
+        </p:spPr>
+        <p:txBody>
+          <a:bodyPr spcFirstLastPara="1" wrap="square" lIns="91425" tIns="91425" rIns="91425" bIns="91425" anchor="t" anchorCtr="0">
+            <a:noAutofit/>
+          </a:bodyPr>
+          <a:lstStyle>
+            <a:defPPr marR="0" lvl="0" algn="l" rtl="0">
+              <a:lnSpc>
+                <a:spcPct val="100000"/>
+              </a:lnSpc>
+              <a:spcBef>
+                <a:spcPts val="0"/>
+              </a:spcBef>
+              <a:spcAft>
+                <a:spcPts val="0"/>
+              </a:spcAft>
+            </a:defPPr>
+            <a:lvl1pPr marL="457200" marR="0" lvl="0" indent="-304800" algn="l" rtl="0">
+              <a:lnSpc>
+                <a:spcPct val="100000"/>
+              </a:lnSpc>
+              <a:spcBef>
+                <a:spcPts val="0"/>
+              </a:spcBef>
+              <a:spcAft>
+                <a:spcPts val="0"/>
+              </a:spcAft>
+              <a:buClr>
+                <a:schemeClr val="accent2"/>
+              </a:buClr>
+              <a:buSzPts val="1200"/>
+              <a:buFont typeface="Roboto"/>
+              <a:buAutoNum type="arabicPeriod"/>
+              <a:defRPr sz="1200" b="0" i="0" u="none" strike="noStrike" cap="none">
+                <a:solidFill>
+                  <a:schemeClr val="dk1"/>
+                </a:solidFill>
+                <a:latin typeface="Roboto"/>
+                <a:ea typeface="Roboto"/>
+                <a:cs typeface="Roboto"/>
+                <a:sym typeface="Roboto"/>
+              </a:defRPr>
+            </a:lvl1pPr>
+            <a:lvl2pPr marL="914400" marR="0" lvl="1" indent="-304800" algn="l" rtl="0">
+              <a:lnSpc>
+                <a:spcPct val="115000"/>
+              </a:lnSpc>
+              <a:spcBef>
+                <a:spcPts val="0"/>
+              </a:spcBef>
+              <a:spcAft>
+                <a:spcPts val="0"/>
+              </a:spcAft>
+              <a:buClr>
+                <a:srgbClr val="434343"/>
+              </a:buClr>
+              <a:buSzPts val="1200"/>
+              <a:buFont typeface="Roboto Condensed Light"/>
+              <a:buAutoNum type="alphaLcPeriod"/>
+              <a:defRPr sz="1400" b="0" i="0" u="none" strike="noStrike" cap="none">
+                <a:solidFill>
+                  <a:schemeClr val="dk1"/>
+                </a:solidFill>
+                <a:latin typeface="Roboto"/>
+                <a:ea typeface="Roboto"/>
+                <a:cs typeface="Roboto"/>
+                <a:sym typeface="Roboto"/>
+              </a:defRPr>
+            </a:lvl2pPr>
+            <a:lvl3pPr marL="1371600" marR="0" lvl="2" indent="-304800" algn="l" rtl="0">
+              <a:lnSpc>
+                <a:spcPct val="115000"/>
+              </a:lnSpc>
+              <a:spcBef>
+                <a:spcPts val="0"/>
+              </a:spcBef>
+              <a:spcAft>
+                <a:spcPts val="0"/>
+              </a:spcAft>
+              <a:buClr>
+                <a:srgbClr val="434343"/>
+              </a:buClr>
+              <a:buSzPts val="1200"/>
+              <a:buFont typeface="Roboto Condensed Light"/>
+              <a:buAutoNum type="romanLcPeriod"/>
+              <a:defRPr sz="1400" b="0" i="0" u="none" strike="noStrike" cap="none">
+                <a:solidFill>
+                  <a:schemeClr val="dk1"/>
+                </a:solidFill>
+                <a:latin typeface="Roboto"/>
+                <a:ea typeface="Roboto"/>
+                <a:cs typeface="Roboto"/>
+                <a:sym typeface="Roboto"/>
+              </a:defRPr>
+            </a:lvl3pPr>
+            <a:lvl4pPr marL="1828800" marR="0" lvl="3" indent="-304800" algn="l" rtl="0">
+              <a:lnSpc>
+                <a:spcPct val="115000"/>
+              </a:lnSpc>
+              <a:spcBef>
+                <a:spcPts val="0"/>
+              </a:spcBef>
+              <a:spcAft>
+                <a:spcPts val="0"/>
+              </a:spcAft>
+              <a:buClr>
+                <a:srgbClr val="434343"/>
+              </a:buClr>
+              <a:buSzPts val="1200"/>
+              <a:buFont typeface="Roboto Condensed Light"/>
+              <a:buAutoNum type="arabicPeriod"/>
+              <a:defRPr sz="1400" b="0" i="0" u="none" strike="noStrike" cap="none">
+                <a:solidFill>
+                  <a:schemeClr val="dk1"/>
+                </a:solidFill>
+                <a:latin typeface="Roboto"/>
+                <a:ea typeface="Roboto"/>
+                <a:cs typeface="Roboto"/>
+                <a:sym typeface="Roboto"/>
+              </a:defRPr>
+            </a:lvl4pPr>
+            <a:lvl5pPr marL="2286000" marR="0" lvl="4" indent="-304800" algn="l" rtl="0">
+              <a:lnSpc>
+                <a:spcPct val="115000"/>
+              </a:lnSpc>
+              <a:spcBef>
+                <a:spcPts val="0"/>
+              </a:spcBef>
+              <a:spcAft>
+                <a:spcPts val="0"/>
+              </a:spcAft>
+              <a:buClr>
+                <a:srgbClr val="434343"/>
+              </a:buClr>
+              <a:buSzPts val="1200"/>
+              <a:buFont typeface="Roboto Condensed Light"/>
+              <a:buAutoNum type="alphaLcPeriod"/>
+              <a:defRPr sz="1400" b="0" i="0" u="none" strike="noStrike" cap="none">
+                <a:solidFill>
+                  <a:schemeClr val="dk1"/>
+                </a:solidFill>
+                <a:latin typeface="Roboto"/>
+                <a:ea typeface="Roboto"/>
+                <a:cs typeface="Roboto"/>
+                <a:sym typeface="Roboto"/>
+              </a:defRPr>
+            </a:lvl5pPr>
+            <a:lvl6pPr marL="2743200" marR="0" lvl="5" indent="-304800" algn="l" rtl="0">
+              <a:lnSpc>
+                <a:spcPct val="115000"/>
+              </a:lnSpc>
+              <a:spcBef>
+                <a:spcPts val="0"/>
+              </a:spcBef>
+              <a:spcAft>
+                <a:spcPts val="0"/>
+              </a:spcAft>
+              <a:buClr>
+                <a:srgbClr val="434343"/>
+              </a:buClr>
+              <a:buSzPts val="1200"/>
+              <a:buFont typeface="Roboto Condensed Light"/>
+              <a:buAutoNum type="romanLcPeriod"/>
+              <a:defRPr sz="1400" b="0" i="0" u="none" strike="noStrike" cap="none">
+                <a:solidFill>
+                  <a:schemeClr val="dk1"/>
+                </a:solidFill>
+                <a:latin typeface="Roboto"/>
+                <a:ea typeface="Roboto"/>
+                <a:cs typeface="Roboto"/>
+                <a:sym typeface="Roboto"/>
+              </a:defRPr>
+            </a:lvl6pPr>
+            <a:lvl7pPr marL="3200400" marR="0" lvl="6" indent="-304800" algn="l" rtl="0">
+              <a:lnSpc>
+                <a:spcPct val="115000"/>
+              </a:lnSpc>
+              <a:spcBef>
+                <a:spcPts val="0"/>
+              </a:spcBef>
+              <a:spcAft>
+                <a:spcPts val="0"/>
+              </a:spcAft>
+              <a:buClr>
+                <a:srgbClr val="434343"/>
+              </a:buClr>
+              <a:buSzPts val="1200"/>
+              <a:buFont typeface="Roboto Condensed Light"/>
+              <a:buAutoNum type="arabicPeriod"/>
+              <a:defRPr sz="1400" b="0" i="0" u="none" strike="noStrike" cap="none">
+                <a:solidFill>
+                  <a:schemeClr val="dk1"/>
+                </a:solidFill>
+                <a:latin typeface="Roboto"/>
+                <a:ea typeface="Roboto"/>
+                <a:cs typeface="Roboto"/>
+                <a:sym typeface="Roboto"/>
+              </a:defRPr>
+            </a:lvl7pPr>
+            <a:lvl8pPr marL="3657600" marR="0" lvl="7" indent="-304800" algn="l" rtl="0">
+              <a:lnSpc>
+                <a:spcPct val="115000"/>
+              </a:lnSpc>
+              <a:spcBef>
+                <a:spcPts val="0"/>
+              </a:spcBef>
+              <a:spcAft>
+                <a:spcPts val="0"/>
+              </a:spcAft>
+              <a:buClr>
+                <a:srgbClr val="434343"/>
+              </a:buClr>
+              <a:buSzPts val="1200"/>
+              <a:buFont typeface="Roboto Condensed Light"/>
+              <a:buAutoNum type="alphaLcPeriod"/>
+              <a:defRPr sz="1400" b="0" i="0" u="none" strike="noStrike" cap="none">
+                <a:solidFill>
+                  <a:schemeClr val="dk1"/>
+                </a:solidFill>
+                <a:latin typeface="Roboto"/>
+                <a:ea typeface="Roboto"/>
+                <a:cs typeface="Roboto"/>
+                <a:sym typeface="Roboto"/>
+              </a:defRPr>
+            </a:lvl8pPr>
+            <a:lvl9pPr marL="4114800" marR="0" lvl="8" indent="-304800" algn="l" rtl="0">
+              <a:lnSpc>
+                <a:spcPct val="115000"/>
+              </a:lnSpc>
+              <a:spcBef>
+                <a:spcPts val="0"/>
+              </a:spcBef>
+              <a:spcAft>
+                <a:spcPts val="0"/>
+              </a:spcAft>
+              <a:buClr>
+                <a:srgbClr val="434343"/>
+              </a:buClr>
+              <a:buSzPts val="1200"/>
+              <a:buFont typeface="Roboto Condensed Light"/>
+              <a:buAutoNum type="romanLcPeriod"/>
+              <a:defRPr sz="1400" b="0" i="0" u="none" strike="noStrike" cap="none">
+                <a:solidFill>
+                  <a:schemeClr val="dk1"/>
+                </a:solidFill>
+                <a:latin typeface="Roboto"/>
+                <a:ea typeface="Roboto"/>
+                <a:cs typeface="Roboto"/>
+                <a:sym typeface="Roboto"/>
+              </a:defRPr>
+            </a:lvl9pPr>
+          </a:lstStyle>
+          <a:p>
+            <a:pPr marL="0" indent="0">
+              <a:buClr>
+                <a:schemeClr val="dk1"/>
+              </a:buClr>
+              <a:buSzPts val="1100"/>
+              <a:buNone/>
+            </a:pPr>
+            <a:r>
+              <a:rPr lang="en-GB" sz="1600" dirty="0"/>
+              <a:t>The matrix shows how difficult it is to predict a draw outcome.</a:t>
+            </a:r>
+          </a:p>
+          <a:p>
+            <a:pPr marL="0" indent="0">
+              <a:buClr>
+                <a:schemeClr val="dk1"/>
+              </a:buClr>
+              <a:buSzPts val="1100"/>
+              <a:buNone/>
+            </a:pPr>
+            <a:endParaRPr lang="en-GB" sz="1600" dirty="0"/>
+          </a:p>
+        </p:txBody>
+      </p:sp>
+      <p:grpSp>
+        <p:nvGrpSpPr>
+          <p:cNvPr id="1362" name="Google Shape;1362;p38"/>
+          <p:cNvGrpSpPr/>
+          <p:nvPr/>
+        </p:nvGrpSpPr>
+        <p:grpSpPr>
+          <a:xfrm rot="1796183">
+            <a:off x="-280957" y="4547452"/>
+            <a:ext cx="957552" cy="766847"/>
+            <a:chOff x="4365025" y="1539800"/>
+            <a:chExt cx="121025" cy="96925"/>
+          </a:xfrm>
+        </p:grpSpPr>
+        <p:sp>
+          <p:nvSpPr>
+            <p:cNvPr id="1363" name="Google Shape;1363;p38"/>
+            <p:cNvSpPr/>
+            <p:nvPr/>
+          </p:nvSpPr>
+          <p:spPr>
+            <a:xfrm>
+              <a:off x="4365025" y="1587950"/>
+              <a:ext cx="30125" cy="19500"/>
+            </a:xfrm>
+            <a:custGeom>
+              <a:avLst/>
+              <a:gdLst/>
+              <a:ahLst/>
+              <a:cxnLst/>
+              <a:rect l="l" t="t" r="r" b="b"/>
+              <a:pathLst>
+                <a:path w="1205" h="780" extrusionOk="0">
+                  <a:moveTo>
+                    <a:pt x="786" y="0"/>
+                  </a:moveTo>
+                  <a:cubicBezTo>
+                    <a:pt x="525" y="3"/>
+                    <a:pt x="1" y="135"/>
+                    <a:pt x="70" y="487"/>
+                  </a:cubicBezTo>
+                  <a:cubicBezTo>
+                    <a:pt x="112" y="700"/>
+                    <a:pt x="344" y="779"/>
+                    <a:pt x="555" y="779"/>
+                  </a:cubicBezTo>
+                  <a:cubicBezTo>
+                    <a:pt x="632" y="779"/>
+                    <a:pt x="705" y="769"/>
+                    <a:pt x="766" y="751"/>
+                  </a:cubicBezTo>
+                  <a:cubicBezTo>
+                    <a:pt x="949" y="699"/>
+                    <a:pt x="1204" y="525"/>
+                    <a:pt x="1147" y="307"/>
+                  </a:cubicBezTo>
+                  <a:cubicBezTo>
+                    <a:pt x="1115" y="184"/>
+                    <a:pt x="929" y="49"/>
+                    <a:pt x="786" y="0"/>
+                  </a:cubicBezTo>
+                  <a:close/>
+                </a:path>
+              </a:pathLst>
+            </a:custGeom>
+            <a:solidFill>
+              <a:schemeClr val="accent4"/>
+            </a:solidFill>
+            <a:ln>
+              <a:noFill/>
+            </a:ln>
+          </p:spPr>
+          <p:txBody>
+            <a:bodyPr spcFirstLastPara="1" wrap="square" lIns="91425" tIns="91425" rIns="91425" bIns="91425" anchor="ctr" anchorCtr="0">
+              <a:noAutofit/>
+            </a:bodyPr>
+            <a:lstStyle/>
+            <a:p>
+              <a:pPr marL="0" lvl="0" indent="0" algn="l" rtl="0">
+                <a:spcBef>
+                  <a:spcPts val="0"/>
+                </a:spcBef>
+                <a:spcAft>
+                  <a:spcPts val="0"/>
+                </a:spcAft>
+                <a:buNone/>
+              </a:pPr>
+              <a:endParaRPr/>
+            </a:p>
+          </p:txBody>
+        </p:sp>
+        <p:sp>
+          <p:nvSpPr>
+            <p:cNvPr id="1364" name="Google Shape;1364;p38"/>
+            <p:cNvSpPr/>
+            <p:nvPr/>
+          </p:nvSpPr>
+          <p:spPr>
+            <a:xfrm>
+              <a:off x="4407850" y="1579225"/>
+              <a:ext cx="22750" cy="14925"/>
+            </a:xfrm>
+            <a:custGeom>
+              <a:avLst/>
+              <a:gdLst/>
+              <a:ahLst/>
+              <a:cxnLst/>
+              <a:rect l="l" t="t" r="r" b="b"/>
+              <a:pathLst>
+                <a:path w="910" h="597" extrusionOk="0">
+                  <a:moveTo>
+                    <a:pt x="581" y="0"/>
+                  </a:moveTo>
+                  <a:cubicBezTo>
+                    <a:pt x="571" y="0"/>
+                    <a:pt x="561" y="1"/>
+                    <a:pt x="551" y="3"/>
+                  </a:cubicBezTo>
+                  <a:lnTo>
+                    <a:pt x="594" y="8"/>
+                  </a:lnTo>
+                  <a:cubicBezTo>
+                    <a:pt x="1" y="8"/>
+                    <a:pt x="140" y="596"/>
+                    <a:pt x="475" y="596"/>
+                  </a:cubicBezTo>
+                  <a:cubicBezTo>
+                    <a:pt x="531" y="596"/>
+                    <a:pt x="593" y="580"/>
+                    <a:pt x="657" y="541"/>
+                  </a:cubicBezTo>
+                  <a:cubicBezTo>
+                    <a:pt x="801" y="455"/>
+                    <a:pt x="909" y="343"/>
+                    <a:pt x="832" y="180"/>
+                  </a:cubicBezTo>
+                  <a:cubicBezTo>
+                    <a:pt x="788" y="81"/>
+                    <a:pt x="686" y="0"/>
+                    <a:pt x="581" y="0"/>
+                  </a:cubicBezTo>
+                  <a:close/>
+                </a:path>
+              </a:pathLst>
+            </a:custGeom>
+            <a:solidFill>
+              <a:schemeClr val="accent4"/>
+            </a:solidFill>
+            <a:ln>
+              <a:noFill/>
+            </a:ln>
+          </p:spPr>
+          <p:txBody>
+            <a:bodyPr spcFirstLastPara="1" wrap="square" lIns="91425" tIns="91425" rIns="91425" bIns="91425" anchor="ctr" anchorCtr="0">
+              <a:noAutofit/>
+            </a:bodyPr>
+            <a:lstStyle/>
+            <a:p>
+              <a:pPr marL="0" lvl="0" indent="0" algn="l" rtl="0">
+                <a:spcBef>
+                  <a:spcPts val="0"/>
+                </a:spcBef>
+                <a:spcAft>
+                  <a:spcPts val="0"/>
+                </a:spcAft>
+                <a:buNone/>
+              </a:pPr>
+              <a:endParaRPr/>
+            </a:p>
+          </p:txBody>
+        </p:sp>
+        <p:sp>
+          <p:nvSpPr>
+            <p:cNvPr id="1365" name="Google Shape;1365;p38"/>
+            <p:cNvSpPr/>
+            <p:nvPr/>
+          </p:nvSpPr>
+          <p:spPr>
+            <a:xfrm>
+              <a:off x="4403900" y="1617025"/>
+              <a:ext cx="28200" cy="19700"/>
+            </a:xfrm>
+            <a:custGeom>
+              <a:avLst/>
+              <a:gdLst/>
+              <a:ahLst/>
+              <a:cxnLst/>
+              <a:rect l="l" t="t" r="r" b="b"/>
+              <a:pathLst>
+                <a:path w="1128" h="788" extrusionOk="0">
+                  <a:moveTo>
+                    <a:pt x="649" y="0"/>
+                  </a:moveTo>
+                  <a:cubicBezTo>
+                    <a:pt x="0" y="101"/>
+                    <a:pt x="230" y="788"/>
+                    <a:pt x="599" y="788"/>
+                  </a:cubicBezTo>
+                  <a:cubicBezTo>
+                    <a:pt x="681" y="788"/>
+                    <a:pt x="770" y="754"/>
+                    <a:pt x="858" y="671"/>
+                  </a:cubicBezTo>
+                  <a:cubicBezTo>
+                    <a:pt x="1128" y="416"/>
+                    <a:pt x="921" y="141"/>
+                    <a:pt x="649" y="0"/>
+                  </a:cubicBezTo>
+                  <a:close/>
+                </a:path>
+              </a:pathLst>
+            </a:custGeom>
+            <a:solidFill>
+              <a:schemeClr val="accent4"/>
+            </a:solidFill>
+            <a:ln>
+              <a:noFill/>
+            </a:ln>
+          </p:spPr>
+          <p:txBody>
+            <a:bodyPr spcFirstLastPara="1" wrap="square" lIns="91425" tIns="91425" rIns="91425" bIns="91425" anchor="ctr" anchorCtr="0">
+              <a:noAutofit/>
+            </a:bodyPr>
+            <a:lstStyle/>
+            <a:p>
+              <a:pPr marL="0" lvl="0" indent="0" algn="l" rtl="0">
+                <a:spcBef>
+                  <a:spcPts val="0"/>
+                </a:spcBef>
+                <a:spcAft>
+                  <a:spcPts val="0"/>
+                </a:spcAft>
+                <a:buNone/>
+              </a:pPr>
+              <a:endParaRPr/>
+            </a:p>
+          </p:txBody>
+        </p:sp>
+        <p:sp>
+          <p:nvSpPr>
+            <p:cNvPr id="1366" name="Google Shape;1366;p38"/>
+            <p:cNvSpPr/>
+            <p:nvPr/>
+          </p:nvSpPr>
+          <p:spPr>
+            <a:xfrm>
+              <a:off x="4449625" y="1610200"/>
+              <a:ext cx="13700" cy="15800"/>
+            </a:xfrm>
+            <a:custGeom>
+              <a:avLst/>
+              <a:gdLst/>
+              <a:ahLst/>
+              <a:cxnLst/>
+              <a:rect l="l" t="t" r="r" b="b"/>
+              <a:pathLst>
+                <a:path w="548" h="632" extrusionOk="0">
+                  <a:moveTo>
+                    <a:pt x="299" y="0"/>
+                  </a:moveTo>
+                  <a:cubicBezTo>
+                    <a:pt x="274" y="0"/>
+                    <a:pt x="251" y="8"/>
+                    <a:pt x="230" y="27"/>
+                  </a:cubicBezTo>
+                  <a:lnTo>
+                    <a:pt x="207" y="59"/>
+                  </a:lnTo>
+                  <a:cubicBezTo>
+                    <a:pt x="78" y="248"/>
+                    <a:pt x="1" y="468"/>
+                    <a:pt x="213" y="632"/>
+                  </a:cubicBezTo>
+                  <a:cubicBezTo>
+                    <a:pt x="359" y="563"/>
+                    <a:pt x="548" y="408"/>
+                    <a:pt x="519" y="225"/>
+                  </a:cubicBezTo>
+                  <a:cubicBezTo>
+                    <a:pt x="505" y="131"/>
+                    <a:pt x="396" y="0"/>
+                    <a:pt x="299" y="0"/>
+                  </a:cubicBezTo>
+                  <a:close/>
+                </a:path>
+              </a:pathLst>
+            </a:custGeom>
+            <a:solidFill>
+              <a:schemeClr val="accent4"/>
+            </a:solidFill>
+            <a:ln>
+              <a:noFill/>
+            </a:ln>
+          </p:spPr>
+          <p:txBody>
+            <a:bodyPr spcFirstLastPara="1" wrap="square" lIns="91425" tIns="91425" rIns="91425" bIns="91425" anchor="ctr" anchorCtr="0">
+              <a:noAutofit/>
+            </a:bodyPr>
+            <a:lstStyle/>
+            <a:p>
+              <a:pPr marL="0" lvl="0" indent="0" algn="l" rtl="0">
+                <a:spcBef>
+                  <a:spcPts val="0"/>
+                </a:spcBef>
+                <a:spcAft>
+                  <a:spcPts val="0"/>
+                </a:spcAft>
+                <a:buNone/>
+              </a:pPr>
+              <a:endParaRPr/>
+            </a:p>
+          </p:txBody>
+        </p:sp>
+        <p:sp>
+          <p:nvSpPr>
+            <p:cNvPr id="1367" name="Google Shape;1367;p38"/>
+            <p:cNvSpPr/>
+            <p:nvPr/>
+          </p:nvSpPr>
+          <p:spPr>
+            <a:xfrm>
+              <a:off x="4388575" y="1553100"/>
+              <a:ext cx="24300" cy="10400"/>
+            </a:xfrm>
+            <a:custGeom>
+              <a:avLst/>
+              <a:gdLst/>
+              <a:ahLst/>
+              <a:cxnLst/>
+              <a:rect l="l" t="t" r="r" b="b"/>
+              <a:pathLst>
+                <a:path w="972" h="416" extrusionOk="0">
+                  <a:moveTo>
+                    <a:pt x="577" y="1"/>
+                  </a:moveTo>
+                  <a:cubicBezTo>
+                    <a:pt x="297" y="1"/>
+                    <a:pt x="1" y="289"/>
+                    <a:pt x="403" y="400"/>
+                  </a:cubicBezTo>
+                  <a:cubicBezTo>
+                    <a:pt x="440" y="410"/>
+                    <a:pt x="477" y="415"/>
+                    <a:pt x="514" y="415"/>
+                  </a:cubicBezTo>
+                  <a:cubicBezTo>
+                    <a:pt x="764" y="415"/>
+                    <a:pt x="972" y="196"/>
+                    <a:pt x="692" y="19"/>
+                  </a:cubicBezTo>
+                  <a:cubicBezTo>
+                    <a:pt x="655" y="6"/>
+                    <a:pt x="616" y="1"/>
+                    <a:pt x="577" y="1"/>
+                  </a:cubicBezTo>
+                  <a:close/>
+                </a:path>
+              </a:pathLst>
+            </a:custGeom>
+            <a:solidFill>
+              <a:schemeClr val="accent4"/>
+            </a:solidFill>
+            <a:ln>
+              <a:noFill/>
+            </a:ln>
+          </p:spPr>
+          <p:txBody>
+            <a:bodyPr spcFirstLastPara="1" wrap="square" lIns="91425" tIns="91425" rIns="91425" bIns="91425" anchor="ctr" anchorCtr="0">
+              <a:noAutofit/>
+            </a:bodyPr>
+            <a:lstStyle/>
+            <a:p>
+              <a:pPr marL="0" lvl="0" indent="0" algn="l" rtl="0">
+                <a:spcBef>
+                  <a:spcPts val="0"/>
+                </a:spcBef>
+                <a:spcAft>
+                  <a:spcPts val="0"/>
+                </a:spcAft>
+                <a:buNone/>
+              </a:pPr>
+              <a:endParaRPr/>
+            </a:p>
+          </p:txBody>
+        </p:sp>
+        <p:sp>
+          <p:nvSpPr>
+            <p:cNvPr id="1368" name="Google Shape;1368;p38"/>
+            <p:cNvSpPr/>
+            <p:nvPr/>
+          </p:nvSpPr>
+          <p:spPr>
+            <a:xfrm>
+              <a:off x="4457500" y="1582775"/>
+              <a:ext cx="13600" cy="7825"/>
+            </a:xfrm>
+            <a:custGeom>
+              <a:avLst/>
+              <a:gdLst/>
+              <a:ahLst/>
+              <a:cxnLst/>
+              <a:rect l="l" t="t" r="r" b="b"/>
+              <a:pathLst>
+                <a:path w="544" h="313" extrusionOk="0">
+                  <a:moveTo>
+                    <a:pt x="362" y="1"/>
+                  </a:moveTo>
+                  <a:cubicBezTo>
+                    <a:pt x="264" y="27"/>
+                    <a:pt x="1" y="67"/>
+                    <a:pt x="35" y="216"/>
+                  </a:cubicBezTo>
+                  <a:cubicBezTo>
+                    <a:pt x="51" y="296"/>
+                    <a:pt x="119" y="313"/>
+                    <a:pt x="186" y="313"/>
+                  </a:cubicBezTo>
+                  <a:cubicBezTo>
+                    <a:pt x="212" y="313"/>
+                    <a:pt x="239" y="310"/>
+                    <a:pt x="261" y="307"/>
+                  </a:cubicBezTo>
+                  <a:cubicBezTo>
+                    <a:pt x="345" y="299"/>
+                    <a:pt x="516" y="262"/>
+                    <a:pt x="534" y="153"/>
+                  </a:cubicBezTo>
+                  <a:cubicBezTo>
+                    <a:pt x="543" y="91"/>
+                    <a:pt x="467" y="11"/>
+                    <a:pt x="400" y="11"/>
+                  </a:cubicBezTo>
+                  <a:cubicBezTo>
+                    <a:pt x="389" y="11"/>
+                    <a:pt x="378" y="13"/>
+                    <a:pt x="367" y="18"/>
+                  </a:cubicBezTo>
+                  <a:lnTo>
+                    <a:pt x="362" y="1"/>
+                  </a:lnTo>
+                  <a:close/>
+                </a:path>
+              </a:pathLst>
+            </a:custGeom>
+            <a:solidFill>
+              <a:schemeClr val="accent4"/>
+            </a:solidFill>
+            <a:ln>
+              <a:noFill/>
+            </a:ln>
+          </p:spPr>
+          <p:txBody>
+            <a:bodyPr spcFirstLastPara="1" wrap="square" lIns="91425" tIns="91425" rIns="91425" bIns="91425" anchor="ctr" anchorCtr="0">
+              <a:noAutofit/>
+            </a:bodyPr>
+            <a:lstStyle/>
+            <a:p>
+              <a:pPr marL="0" lvl="0" indent="0" algn="l" rtl="0">
+                <a:spcBef>
+                  <a:spcPts val="0"/>
+                </a:spcBef>
+                <a:spcAft>
+                  <a:spcPts val="0"/>
+                </a:spcAft>
+                <a:buNone/>
+              </a:pPr>
+              <a:endParaRPr/>
+            </a:p>
+          </p:txBody>
+        </p:sp>
+        <p:sp>
+          <p:nvSpPr>
+            <p:cNvPr id="1369" name="Google Shape;1369;p38"/>
+            <p:cNvSpPr/>
+            <p:nvPr/>
+          </p:nvSpPr>
+          <p:spPr>
+            <a:xfrm>
+              <a:off x="4436600" y="1539800"/>
+              <a:ext cx="15925" cy="12850"/>
+            </a:xfrm>
+            <a:custGeom>
+              <a:avLst/>
+              <a:gdLst/>
+              <a:ahLst/>
+              <a:cxnLst/>
+              <a:rect l="l" t="t" r="r" b="b"/>
+              <a:pathLst>
+                <a:path w="637" h="514" extrusionOk="0">
+                  <a:moveTo>
+                    <a:pt x="473" y="1"/>
+                  </a:moveTo>
+                  <a:lnTo>
+                    <a:pt x="473" y="1"/>
+                  </a:lnTo>
+                  <a:cubicBezTo>
+                    <a:pt x="307" y="21"/>
+                    <a:pt x="0" y="196"/>
+                    <a:pt x="83" y="405"/>
+                  </a:cubicBezTo>
+                  <a:cubicBezTo>
+                    <a:pt x="115" y="484"/>
+                    <a:pt x="170" y="514"/>
+                    <a:pt x="230" y="514"/>
+                  </a:cubicBezTo>
+                  <a:cubicBezTo>
+                    <a:pt x="297" y="514"/>
+                    <a:pt x="370" y="478"/>
+                    <a:pt x="427" y="433"/>
+                  </a:cubicBezTo>
+                  <a:cubicBezTo>
+                    <a:pt x="570" y="319"/>
+                    <a:pt x="636" y="113"/>
+                    <a:pt x="473" y="1"/>
+                  </a:cubicBezTo>
+                  <a:close/>
+                </a:path>
+              </a:pathLst>
+            </a:custGeom>
+            <a:solidFill>
+              <a:schemeClr val="accent4"/>
+            </a:solidFill>
+            <a:ln>
+              <a:noFill/>
+            </a:ln>
+          </p:spPr>
+          <p:txBody>
+            <a:bodyPr spcFirstLastPara="1" wrap="square" lIns="91425" tIns="91425" rIns="91425" bIns="91425" anchor="ctr" anchorCtr="0">
+              <a:noAutofit/>
+            </a:bodyPr>
+            <a:lstStyle/>
+            <a:p>
+              <a:pPr marL="0" lvl="0" indent="0" algn="l" rtl="0">
+                <a:spcBef>
+                  <a:spcPts val="0"/>
+                </a:spcBef>
+                <a:spcAft>
+                  <a:spcPts val="0"/>
+                </a:spcAft>
+                <a:buNone/>
+              </a:pPr>
+              <a:endParaRPr/>
+            </a:p>
+          </p:txBody>
+        </p:sp>
+        <p:sp>
+          <p:nvSpPr>
+            <p:cNvPr id="1370" name="Google Shape;1370;p38"/>
+            <p:cNvSpPr/>
+            <p:nvPr/>
+          </p:nvSpPr>
+          <p:spPr>
+            <a:xfrm>
+              <a:off x="4472250" y="1549775"/>
+              <a:ext cx="13800" cy="12175"/>
+            </a:xfrm>
+            <a:custGeom>
+              <a:avLst/>
+              <a:gdLst/>
+              <a:ahLst/>
+              <a:cxnLst/>
+              <a:rect l="l" t="t" r="r" b="b"/>
+              <a:pathLst>
+                <a:path w="552" h="487" extrusionOk="0">
+                  <a:moveTo>
+                    <a:pt x="359" y="0"/>
+                  </a:moveTo>
+                  <a:lnTo>
+                    <a:pt x="359" y="0"/>
+                  </a:lnTo>
+                  <a:cubicBezTo>
+                    <a:pt x="239" y="37"/>
+                    <a:pt x="1" y="161"/>
+                    <a:pt x="18" y="315"/>
+                  </a:cubicBezTo>
+                  <a:cubicBezTo>
+                    <a:pt x="28" y="414"/>
+                    <a:pt x="123" y="487"/>
+                    <a:pt x="221" y="487"/>
+                  </a:cubicBezTo>
+                  <a:cubicBezTo>
+                    <a:pt x="239" y="487"/>
+                    <a:pt x="258" y="484"/>
+                    <a:pt x="276" y="479"/>
+                  </a:cubicBezTo>
+                  <a:cubicBezTo>
+                    <a:pt x="442" y="433"/>
+                    <a:pt x="551" y="118"/>
+                    <a:pt x="359" y="0"/>
+                  </a:cubicBezTo>
+                  <a:close/>
+                </a:path>
+              </a:pathLst>
+            </a:custGeom>
+            <a:solidFill>
+              <a:schemeClr val="accent4"/>
+            </a:solidFill>
+            <a:ln>
+              <a:noFill/>
+            </a:ln>
+          </p:spPr>
+          <p:txBody>
+            <a:bodyPr spcFirstLastPara="1" wrap="square" lIns="91425" tIns="91425" rIns="91425" bIns="91425" anchor="ctr" anchorCtr="0">
+              <a:noAutofit/>
+            </a:bodyPr>
+            <a:lstStyle/>
+            <a:p>
+              <a:pPr marL="0" lvl="0" indent="0" algn="l" rtl="0">
+                <a:spcBef>
+                  <a:spcPts val="0"/>
+                </a:spcBef>
+                <a:spcAft>
+                  <a:spcPts val="0"/>
+                </a:spcAft>
+                <a:buNone/>
+              </a:pPr>
+              <a:endParaRPr/>
+            </a:p>
+          </p:txBody>
+        </p:sp>
+      </p:grpSp>
+      <p:sp>
+        <p:nvSpPr>
+          <p:cNvPr id="7" name="Google Shape;1343;p38">
+            <a:extLst>
+              <a:ext uri="{FF2B5EF4-FFF2-40B4-BE49-F238E27FC236}">
+                <a16:creationId xmlns:a16="http://schemas.microsoft.com/office/drawing/2014/main" id="{F15CCC14-A652-DCAE-F707-EFA7C83CA764}"/>
+              </a:ext>
+            </a:extLst>
+          </p:cNvPr>
+          <p:cNvSpPr txBox="1">
+            <a:spLocks/>
+          </p:cNvSpPr>
+          <p:nvPr/>
+        </p:nvSpPr>
+        <p:spPr>
+          <a:xfrm>
+            <a:off x="685392" y="544550"/>
+            <a:ext cx="7717800" cy="572700"/>
+          </a:xfrm>
+          <a:prstGeom prst="rect">
+            <a:avLst/>
+          </a:prstGeom>
+          <a:noFill/>
+          <a:ln>
+            <a:noFill/>
+          </a:ln>
+        </p:spPr>
+        <p:txBody>
+          <a:bodyPr spcFirstLastPara="1" wrap="square" lIns="91425" tIns="91425" rIns="91425" bIns="91425" anchor="ctr" anchorCtr="0">
+            <a:noAutofit/>
+          </a:bodyPr>
+          <a:lstStyle>
+            <a:defPPr marR="0" lvl="0" algn="l" rtl="0">
+              <a:lnSpc>
+                <a:spcPct val="100000"/>
+              </a:lnSpc>
+              <a:spcBef>
+                <a:spcPts val="0"/>
+              </a:spcBef>
+              <a:spcAft>
+                <a:spcPts val="0"/>
+              </a:spcAft>
+            </a:defPPr>
+            <a:lvl1pPr marR="0" lvl="0" algn="l" rtl="0">
+              <a:lnSpc>
+                <a:spcPct val="100000"/>
+              </a:lnSpc>
+              <a:spcBef>
+                <a:spcPts val="0"/>
+              </a:spcBef>
+              <a:spcAft>
+                <a:spcPts val="0"/>
+              </a:spcAft>
+              <a:buClr>
+                <a:schemeClr val="dk1"/>
+              </a:buClr>
+              <a:buSzPts val="3200"/>
+              <a:buFont typeface="Tajawal"/>
+              <a:buNone/>
+              <a:defRPr sz="3200" b="1" i="0" u="none" strike="noStrike" cap="none">
+                <a:solidFill>
+                  <a:schemeClr val="dk1"/>
+                </a:solidFill>
+                <a:latin typeface="Tajawal"/>
+                <a:ea typeface="Tajawal"/>
+                <a:cs typeface="Tajawal"/>
+                <a:sym typeface="Tajawal"/>
+              </a:defRPr>
+            </a:lvl1pPr>
+            <a:lvl2pPr marR="0" lvl="1" algn="l" rtl="0">
+              <a:lnSpc>
+                <a:spcPct val="100000"/>
+              </a:lnSpc>
+              <a:spcBef>
+                <a:spcPts val="0"/>
+              </a:spcBef>
+              <a:spcAft>
+                <a:spcPts val="0"/>
+              </a:spcAft>
+              <a:buClr>
+                <a:schemeClr val="dk1"/>
+              </a:buClr>
+              <a:buSzPts val="3200"/>
+              <a:buFont typeface="Tajawal"/>
+              <a:buNone/>
+              <a:defRPr sz="3200" b="1" i="0" u="none" strike="noStrike" cap="none">
+                <a:solidFill>
+                  <a:schemeClr val="dk1"/>
+                </a:solidFill>
+                <a:latin typeface="Tajawal"/>
+                <a:ea typeface="Tajawal"/>
+                <a:cs typeface="Tajawal"/>
+                <a:sym typeface="Tajawal"/>
+              </a:defRPr>
+            </a:lvl2pPr>
+            <a:lvl3pPr marR="0" lvl="2" algn="l" rtl="0">
+              <a:lnSpc>
+                <a:spcPct val="100000"/>
+              </a:lnSpc>
+              <a:spcBef>
+                <a:spcPts val="0"/>
+              </a:spcBef>
+              <a:spcAft>
+                <a:spcPts val="0"/>
+              </a:spcAft>
+              <a:buClr>
+                <a:schemeClr val="dk1"/>
+              </a:buClr>
+              <a:buSzPts val="3200"/>
+              <a:buFont typeface="Tajawal"/>
+              <a:buNone/>
+              <a:defRPr sz="3200" b="1" i="0" u="none" strike="noStrike" cap="none">
+                <a:solidFill>
+                  <a:schemeClr val="dk1"/>
+                </a:solidFill>
+                <a:latin typeface="Tajawal"/>
+                <a:ea typeface="Tajawal"/>
+                <a:cs typeface="Tajawal"/>
+                <a:sym typeface="Tajawal"/>
+              </a:defRPr>
+            </a:lvl3pPr>
+            <a:lvl4pPr marR="0" lvl="3" algn="l" rtl="0">
+              <a:lnSpc>
+                <a:spcPct val="100000"/>
+              </a:lnSpc>
+              <a:spcBef>
+                <a:spcPts val="0"/>
+              </a:spcBef>
+              <a:spcAft>
+                <a:spcPts val="0"/>
+              </a:spcAft>
+              <a:buClr>
+                <a:schemeClr val="dk1"/>
+              </a:buClr>
+              <a:buSzPts val="3200"/>
+              <a:buFont typeface="Tajawal"/>
+              <a:buNone/>
+              <a:defRPr sz="3200" b="1" i="0" u="none" strike="noStrike" cap="none">
+                <a:solidFill>
+                  <a:schemeClr val="dk1"/>
+                </a:solidFill>
+                <a:latin typeface="Tajawal"/>
+                <a:ea typeface="Tajawal"/>
+                <a:cs typeface="Tajawal"/>
+                <a:sym typeface="Tajawal"/>
+              </a:defRPr>
+            </a:lvl4pPr>
+            <a:lvl5pPr marR="0" lvl="4" algn="l" rtl="0">
+              <a:lnSpc>
+                <a:spcPct val="100000"/>
+              </a:lnSpc>
+              <a:spcBef>
+                <a:spcPts val="0"/>
+              </a:spcBef>
+              <a:spcAft>
+                <a:spcPts val="0"/>
+              </a:spcAft>
+              <a:buClr>
+                <a:schemeClr val="dk1"/>
+              </a:buClr>
+              <a:buSzPts val="3200"/>
+              <a:buFont typeface="Tajawal"/>
+              <a:buNone/>
+              <a:defRPr sz="3200" b="1" i="0" u="none" strike="noStrike" cap="none">
+                <a:solidFill>
+                  <a:schemeClr val="dk1"/>
+                </a:solidFill>
+                <a:latin typeface="Tajawal"/>
+                <a:ea typeface="Tajawal"/>
+                <a:cs typeface="Tajawal"/>
+                <a:sym typeface="Tajawal"/>
+              </a:defRPr>
+            </a:lvl5pPr>
+            <a:lvl6pPr marR="0" lvl="5" algn="l" rtl="0">
+              <a:lnSpc>
+                <a:spcPct val="100000"/>
+              </a:lnSpc>
+              <a:spcBef>
+                <a:spcPts val="0"/>
+              </a:spcBef>
+              <a:spcAft>
+                <a:spcPts val="0"/>
+              </a:spcAft>
+              <a:buClr>
+                <a:schemeClr val="dk1"/>
+              </a:buClr>
+              <a:buSzPts val="3200"/>
+              <a:buFont typeface="Tajawal"/>
+              <a:buNone/>
+              <a:defRPr sz="3200" b="1" i="0" u="none" strike="noStrike" cap="none">
+                <a:solidFill>
+                  <a:schemeClr val="dk1"/>
+                </a:solidFill>
+                <a:latin typeface="Tajawal"/>
+                <a:ea typeface="Tajawal"/>
+                <a:cs typeface="Tajawal"/>
+                <a:sym typeface="Tajawal"/>
+              </a:defRPr>
+            </a:lvl6pPr>
+            <a:lvl7pPr marR="0" lvl="6" algn="l" rtl="0">
+              <a:lnSpc>
+                <a:spcPct val="100000"/>
+              </a:lnSpc>
+              <a:spcBef>
+                <a:spcPts val="0"/>
+              </a:spcBef>
+              <a:spcAft>
+                <a:spcPts val="0"/>
+              </a:spcAft>
+              <a:buClr>
+                <a:schemeClr val="dk1"/>
+              </a:buClr>
+              <a:buSzPts val="3200"/>
+              <a:buFont typeface="Tajawal"/>
+              <a:buNone/>
+              <a:defRPr sz="3200" b="1" i="0" u="none" strike="noStrike" cap="none">
+                <a:solidFill>
+                  <a:schemeClr val="dk1"/>
+                </a:solidFill>
+                <a:latin typeface="Tajawal"/>
+                <a:ea typeface="Tajawal"/>
+                <a:cs typeface="Tajawal"/>
+                <a:sym typeface="Tajawal"/>
+              </a:defRPr>
+            </a:lvl7pPr>
+            <a:lvl8pPr marR="0" lvl="7" algn="l" rtl="0">
+              <a:lnSpc>
+                <a:spcPct val="100000"/>
+              </a:lnSpc>
+              <a:spcBef>
+                <a:spcPts val="0"/>
+              </a:spcBef>
+              <a:spcAft>
+                <a:spcPts val="0"/>
+              </a:spcAft>
+              <a:buClr>
+                <a:schemeClr val="dk1"/>
+              </a:buClr>
+              <a:buSzPts val="3200"/>
+              <a:buFont typeface="Tajawal"/>
+              <a:buNone/>
+              <a:defRPr sz="3200" b="1" i="0" u="none" strike="noStrike" cap="none">
+                <a:solidFill>
+                  <a:schemeClr val="dk1"/>
+                </a:solidFill>
+                <a:latin typeface="Tajawal"/>
+                <a:ea typeface="Tajawal"/>
+                <a:cs typeface="Tajawal"/>
+                <a:sym typeface="Tajawal"/>
+              </a:defRPr>
+            </a:lvl8pPr>
+            <a:lvl9pPr marR="0" lvl="8" algn="l" rtl="0">
+              <a:lnSpc>
+                <a:spcPct val="100000"/>
+              </a:lnSpc>
+              <a:spcBef>
+                <a:spcPts val="0"/>
+              </a:spcBef>
+              <a:spcAft>
+                <a:spcPts val="0"/>
+              </a:spcAft>
+              <a:buClr>
+                <a:schemeClr val="dk1"/>
+              </a:buClr>
+              <a:buSzPts val="3200"/>
+              <a:buFont typeface="Tajawal"/>
+              <a:buNone/>
+              <a:defRPr sz="3200" b="1" i="0" u="none" strike="noStrike" cap="none">
+                <a:solidFill>
+                  <a:schemeClr val="dk1"/>
+                </a:solidFill>
+                <a:latin typeface="Tajawal"/>
+                <a:ea typeface="Tajawal"/>
+                <a:cs typeface="Tajawal"/>
+                <a:sym typeface="Tajawal"/>
+              </a:defRPr>
+            </a:lvl9pPr>
+          </a:lstStyle>
+          <a:p>
+            <a:r>
+              <a:rPr lang="en-GB" dirty="0"/>
+              <a:t>Random Forest</a:t>
+            </a:r>
+          </a:p>
+        </p:txBody>
+      </p:sp>
+      <p:sp>
+        <p:nvSpPr>
+          <p:cNvPr id="8" name="Title 1">
+            <a:extLst>
+              <a:ext uri="{FF2B5EF4-FFF2-40B4-BE49-F238E27FC236}">
+                <a16:creationId xmlns:a16="http://schemas.microsoft.com/office/drawing/2014/main" id="{FAEE2A23-1D56-E547-5EF2-FA582DC6F459}"/>
+              </a:ext>
+            </a:extLst>
+          </p:cNvPr>
+          <p:cNvSpPr txBox="1">
+            <a:spLocks/>
+          </p:cNvSpPr>
+          <p:nvPr/>
+        </p:nvSpPr>
+        <p:spPr>
+          <a:xfrm>
+            <a:off x="731870" y="280427"/>
+            <a:ext cx="7717800" cy="572700"/>
+          </a:xfrm>
+          <a:prstGeom prst="rect">
+            <a:avLst/>
+          </a:prstGeom>
+          <a:noFill/>
+          <a:ln>
+            <a:noFill/>
+          </a:ln>
+        </p:spPr>
+        <p:txBody>
+          <a:bodyPr spcFirstLastPara="1" wrap="square" lIns="91425" tIns="91425" rIns="91425" bIns="91425" anchor="ctr" anchorCtr="0">
+            <a:noAutofit/>
+          </a:bodyPr>
+          <a:lstStyle>
+            <a:defPPr marR="0" lvl="0" algn="l" rtl="0">
+              <a:lnSpc>
+                <a:spcPct val="100000"/>
+              </a:lnSpc>
+              <a:spcBef>
+                <a:spcPts val="0"/>
+              </a:spcBef>
+              <a:spcAft>
+                <a:spcPts val="0"/>
+              </a:spcAft>
+            </a:defPPr>
+            <a:lvl1pPr marR="0" lvl="0" algn="l" rtl="0">
+              <a:lnSpc>
+                <a:spcPct val="100000"/>
+              </a:lnSpc>
+              <a:spcBef>
+                <a:spcPts val="0"/>
+              </a:spcBef>
+              <a:spcAft>
+                <a:spcPts val="0"/>
+              </a:spcAft>
+              <a:buClr>
+                <a:schemeClr val="dk1"/>
+              </a:buClr>
+              <a:buSzPts val="3200"/>
+              <a:buFont typeface="Tajawal"/>
+              <a:buNone/>
+              <a:defRPr sz="3200" b="1" i="0" u="none" strike="noStrike" cap="none">
+                <a:solidFill>
+                  <a:schemeClr val="dk1"/>
+                </a:solidFill>
+                <a:latin typeface="Tajawal"/>
+                <a:ea typeface="Tajawal"/>
+                <a:cs typeface="Tajawal"/>
+                <a:sym typeface="Tajawal"/>
+              </a:defRPr>
+            </a:lvl1pPr>
+            <a:lvl2pPr marR="0" lvl="1" algn="l" rtl="0">
+              <a:lnSpc>
+                <a:spcPct val="100000"/>
+              </a:lnSpc>
+              <a:spcBef>
+                <a:spcPts val="0"/>
+              </a:spcBef>
+              <a:spcAft>
+                <a:spcPts val="0"/>
+              </a:spcAft>
+              <a:buClr>
+                <a:schemeClr val="dk1"/>
+              </a:buClr>
+              <a:buSzPts val="3200"/>
+              <a:buFont typeface="Tajawal"/>
+              <a:buNone/>
+              <a:defRPr sz="3200" b="1" i="0" u="none" strike="noStrike" cap="none">
+                <a:solidFill>
+                  <a:schemeClr val="dk1"/>
+                </a:solidFill>
+                <a:latin typeface="Tajawal"/>
+                <a:ea typeface="Tajawal"/>
+                <a:cs typeface="Tajawal"/>
+                <a:sym typeface="Tajawal"/>
+              </a:defRPr>
+            </a:lvl2pPr>
+            <a:lvl3pPr marR="0" lvl="2" algn="l" rtl="0">
+              <a:lnSpc>
+                <a:spcPct val="100000"/>
+              </a:lnSpc>
+              <a:spcBef>
+                <a:spcPts val="0"/>
+              </a:spcBef>
+              <a:spcAft>
+                <a:spcPts val="0"/>
+              </a:spcAft>
+              <a:buClr>
+                <a:schemeClr val="dk1"/>
+              </a:buClr>
+              <a:buSzPts val="3200"/>
+              <a:buFont typeface="Tajawal"/>
+              <a:buNone/>
+              <a:defRPr sz="3200" b="1" i="0" u="none" strike="noStrike" cap="none">
+                <a:solidFill>
+                  <a:schemeClr val="dk1"/>
+                </a:solidFill>
+                <a:latin typeface="Tajawal"/>
+                <a:ea typeface="Tajawal"/>
+                <a:cs typeface="Tajawal"/>
+                <a:sym typeface="Tajawal"/>
+              </a:defRPr>
+            </a:lvl3pPr>
+            <a:lvl4pPr marR="0" lvl="3" algn="l" rtl="0">
+              <a:lnSpc>
+                <a:spcPct val="100000"/>
+              </a:lnSpc>
+              <a:spcBef>
+                <a:spcPts val="0"/>
+              </a:spcBef>
+              <a:spcAft>
+                <a:spcPts val="0"/>
+              </a:spcAft>
+              <a:buClr>
+                <a:schemeClr val="dk1"/>
+              </a:buClr>
+              <a:buSzPts val="3200"/>
+              <a:buFont typeface="Tajawal"/>
+              <a:buNone/>
+              <a:defRPr sz="3200" b="1" i="0" u="none" strike="noStrike" cap="none">
+                <a:solidFill>
+                  <a:schemeClr val="dk1"/>
+                </a:solidFill>
+                <a:latin typeface="Tajawal"/>
+                <a:ea typeface="Tajawal"/>
+                <a:cs typeface="Tajawal"/>
+                <a:sym typeface="Tajawal"/>
+              </a:defRPr>
+            </a:lvl4pPr>
+            <a:lvl5pPr marR="0" lvl="4" algn="l" rtl="0">
+              <a:lnSpc>
+                <a:spcPct val="100000"/>
+              </a:lnSpc>
+              <a:spcBef>
+                <a:spcPts val="0"/>
+              </a:spcBef>
+              <a:spcAft>
+                <a:spcPts val="0"/>
+              </a:spcAft>
+              <a:buClr>
+                <a:schemeClr val="dk1"/>
+              </a:buClr>
+              <a:buSzPts val="3200"/>
+              <a:buFont typeface="Tajawal"/>
+              <a:buNone/>
+              <a:defRPr sz="3200" b="1" i="0" u="none" strike="noStrike" cap="none">
+                <a:solidFill>
+                  <a:schemeClr val="dk1"/>
+                </a:solidFill>
+                <a:latin typeface="Tajawal"/>
+                <a:ea typeface="Tajawal"/>
+                <a:cs typeface="Tajawal"/>
+                <a:sym typeface="Tajawal"/>
+              </a:defRPr>
+            </a:lvl5pPr>
+            <a:lvl6pPr marR="0" lvl="5" algn="l" rtl="0">
+              <a:lnSpc>
+                <a:spcPct val="100000"/>
+              </a:lnSpc>
+              <a:spcBef>
+                <a:spcPts val="0"/>
+              </a:spcBef>
+              <a:spcAft>
+                <a:spcPts val="0"/>
+              </a:spcAft>
+              <a:buClr>
+                <a:schemeClr val="dk1"/>
+              </a:buClr>
+              <a:buSzPts val="3200"/>
+              <a:buFont typeface="Tajawal"/>
+              <a:buNone/>
+              <a:defRPr sz="3200" b="1" i="0" u="none" strike="noStrike" cap="none">
+                <a:solidFill>
+                  <a:schemeClr val="dk1"/>
+                </a:solidFill>
+                <a:latin typeface="Tajawal"/>
+                <a:ea typeface="Tajawal"/>
+                <a:cs typeface="Tajawal"/>
+                <a:sym typeface="Tajawal"/>
+              </a:defRPr>
+            </a:lvl6pPr>
+            <a:lvl7pPr marR="0" lvl="6" algn="l" rtl="0">
+              <a:lnSpc>
+                <a:spcPct val="100000"/>
+              </a:lnSpc>
+              <a:spcBef>
+                <a:spcPts val="0"/>
+              </a:spcBef>
+              <a:spcAft>
+                <a:spcPts val="0"/>
+              </a:spcAft>
+              <a:buClr>
+                <a:schemeClr val="dk1"/>
+              </a:buClr>
+              <a:buSzPts val="3200"/>
+              <a:buFont typeface="Tajawal"/>
+              <a:buNone/>
+              <a:defRPr sz="3200" b="1" i="0" u="none" strike="noStrike" cap="none">
+                <a:solidFill>
+                  <a:schemeClr val="dk1"/>
+                </a:solidFill>
+                <a:latin typeface="Tajawal"/>
+                <a:ea typeface="Tajawal"/>
+                <a:cs typeface="Tajawal"/>
+                <a:sym typeface="Tajawal"/>
+              </a:defRPr>
+            </a:lvl7pPr>
+            <a:lvl8pPr marR="0" lvl="7" algn="l" rtl="0">
+              <a:lnSpc>
+                <a:spcPct val="100000"/>
+              </a:lnSpc>
+              <a:spcBef>
+                <a:spcPts val="0"/>
+              </a:spcBef>
+              <a:spcAft>
+                <a:spcPts val="0"/>
+              </a:spcAft>
+              <a:buClr>
+                <a:schemeClr val="dk1"/>
+              </a:buClr>
+              <a:buSzPts val="3200"/>
+              <a:buFont typeface="Tajawal"/>
+              <a:buNone/>
+              <a:defRPr sz="3200" b="1" i="0" u="none" strike="noStrike" cap="none">
+                <a:solidFill>
+                  <a:schemeClr val="dk1"/>
+                </a:solidFill>
+                <a:latin typeface="Tajawal"/>
+                <a:ea typeface="Tajawal"/>
+                <a:cs typeface="Tajawal"/>
+                <a:sym typeface="Tajawal"/>
+              </a:defRPr>
+            </a:lvl8pPr>
+            <a:lvl9pPr marR="0" lvl="8" algn="l" rtl="0">
+              <a:lnSpc>
+                <a:spcPct val="100000"/>
+              </a:lnSpc>
+              <a:spcBef>
+                <a:spcPts val="0"/>
+              </a:spcBef>
+              <a:spcAft>
+                <a:spcPts val="0"/>
+              </a:spcAft>
+              <a:buClr>
+                <a:schemeClr val="dk1"/>
+              </a:buClr>
+              <a:buSzPts val="3200"/>
+              <a:buFont typeface="Tajawal"/>
+              <a:buNone/>
+              <a:defRPr sz="3200" b="1" i="0" u="none" strike="noStrike" cap="none">
+                <a:solidFill>
+                  <a:schemeClr val="dk1"/>
+                </a:solidFill>
+                <a:latin typeface="Tajawal"/>
+                <a:ea typeface="Tajawal"/>
+                <a:cs typeface="Tajawal"/>
+                <a:sym typeface="Tajawal"/>
+              </a:defRPr>
+            </a:lvl9pPr>
+          </a:lstStyle>
+          <a:p>
+            <a:r>
+              <a:rPr lang="it-IT" sz="1200" i="1" dirty="0">
+                <a:solidFill>
+                  <a:srgbClr val="00B050"/>
+                </a:solidFill>
+              </a:rPr>
+              <a:t>FINAL CLASSIFICATION</a:t>
+            </a:r>
+            <a:endParaRPr lang="it-IT" i="1" dirty="0">
+              <a:solidFill>
+                <a:srgbClr val="00B050"/>
+              </a:solidFill>
+            </a:endParaRPr>
+          </a:p>
+        </p:txBody>
+      </p:sp>
+      <p:pic>
+        <p:nvPicPr>
+          <p:cNvPr id="4" name="Picture 3" descr="Chart, waterfall chart&#10;&#10;Description automatically generated">
+            <a:extLst>
+              <a:ext uri="{FF2B5EF4-FFF2-40B4-BE49-F238E27FC236}">
+                <a16:creationId xmlns:a16="http://schemas.microsoft.com/office/drawing/2014/main" id="{47F57D22-540D-0461-98C1-076A49D6186C}"/>
+              </a:ext>
+            </a:extLst>
+          </p:cNvPr>
+          <p:cNvPicPr>
+            <a:picLocks noChangeAspect="1"/>
+          </p:cNvPicPr>
+          <p:nvPr/>
+        </p:nvPicPr>
+        <p:blipFill>
+          <a:blip r:embed="rId4"/>
+          <a:stretch>
+            <a:fillRect/>
+          </a:stretch>
+        </p:blipFill>
+        <p:spPr>
+          <a:xfrm>
+            <a:off x="764677" y="1408108"/>
+            <a:ext cx="3341181" cy="3302996"/>
+          </a:xfrm>
+          <a:prstGeom prst="rect">
+            <a:avLst/>
+          </a:prstGeom>
+          <a:ln>
+            <a:noFill/>
+          </a:ln>
+          <a:effectLst>
+            <a:outerShdw blurRad="292100" dist="139700" dir="2700000" algn="tl" rotWithShape="0">
+              <a:srgbClr val="333333">
+                <a:alpha val="65000"/>
+              </a:srgbClr>
+            </a:outerShdw>
+          </a:effectLst>
+        </p:spPr>
+      </p:pic>
+    </p:spTree>
+    <p:extLst>
+      <p:ext uri="{BB962C8B-B14F-4D97-AF65-F5344CB8AC3E}">
+        <p14:creationId xmlns:p14="http://schemas.microsoft.com/office/powerpoint/2010/main" val="3160964935"/>
+      </p:ext>
+    </p:extLst>
+  </p:cSld>
+  <p:clrMapOvr>
+    <a:masterClrMapping/>
+  </p:clrMapOvr>
+</p:sld>
+</file>
+
+<file path=ppt/slides/slide17.xml><?xml version="1.0" encoding="utf-8"?>
+<p:sld xmlns:a="http://schemas.openxmlformats.org/drawingml/2006/main" xmlns:r="http://schemas.openxmlformats.org/officeDocument/2006/relationships" xmlns:p="http://schemas.openxmlformats.org/presentationml/2006/main">
+  <p:cSld>
+    <p:bg>
+      <p:bgPr>
+        <a:blipFill dpi="0" rotWithShape="1">
+          <a:blip r:embed="rId3">
+            <a:lum/>
+          </a:blip>
+          <a:srcRect/>
+          <a:stretch>
+            <a:fillRect l="-10000" r="-10000"/>
+          </a:stretch>
+        </a:blipFill>
+        <a:effectLst/>
+      </p:bgPr>
+    </p:bg>
+    <p:spTree>
+      <p:nvGrpSpPr>
+        <p:cNvPr id="1" name="Shape 1342"/>
+        <p:cNvGrpSpPr/>
+        <p:nvPr/>
+      </p:nvGrpSpPr>
+      <p:grpSpPr>
+        <a:xfrm>
+          <a:off x="0" y="0"/>
+          <a:ext cx="0" cy="0"/>
+          <a:chOff x="0" y="0"/>
+          <a:chExt cx="0" cy="0"/>
+        </a:xfrm>
+      </p:grpSpPr>
+      <p:grpSp>
+        <p:nvGrpSpPr>
+          <p:cNvPr id="1362" name="Google Shape;1362;p38"/>
+          <p:cNvGrpSpPr/>
+          <p:nvPr/>
+        </p:nvGrpSpPr>
+        <p:grpSpPr>
+          <a:xfrm rot="1796183">
+            <a:off x="-280957" y="4547452"/>
+            <a:ext cx="957552" cy="766847"/>
+            <a:chOff x="4365025" y="1539800"/>
+            <a:chExt cx="121025" cy="96925"/>
+          </a:xfrm>
+        </p:grpSpPr>
+        <p:sp>
+          <p:nvSpPr>
+            <p:cNvPr id="1363" name="Google Shape;1363;p38"/>
+            <p:cNvSpPr/>
+            <p:nvPr/>
+          </p:nvSpPr>
+          <p:spPr>
+            <a:xfrm>
+              <a:off x="4365025" y="1587950"/>
+              <a:ext cx="30125" cy="19500"/>
+            </a:xfrm>
+            <a:custGeom>
+              <a:avLst/>
+              <a:gdLst/>
+              <a:ahLst/>
+              <a:cxnLst/>
+              <a:rect l="l" t="t" r="r" b="b"/>
+              <a:pathLst>
+                <a:path w="1205" h="780" extrusionOk="0">
+                  <a:moveTo>
+                    <a:pt x="786" y="0"/>
+                  </a:moveTo>
+                  <a:cubicBezTo>
+                    <a:pt x="525" y="3"/>
+                    <a:pt x="1" y="135"/>
+                    <a:pt x="70" y="487"/>
+                  </a:cubicBezTo>
+                  <a:cubicBezTo>
+                    <a:pt x="112" y="700"/>
+                    <a:pt x="344" y="779"/>
+                    <a:pt x="555" y="779"/>
+                  </a:cubicBezTo>
+                  <a:cubicBezTo>
+                    <a:pt x="632" y="779"/>
+                    <a:pt x="705" y="769"/>
+                    <a:pt x="766" y="751"/>
+                  </a:cubicBezTo>
+                  <a:cubicBezTo>
+                    <a:pt x="949" y="699"/>
+                    <a:pt x="1204" y="525"/>
+                    <a:pt x="1147" y="307"/>
+                  </a:cubicBezTo>
+                  <a:cubicBezTo>
+                    <a:pt x="1115" y="184"/>
+                    <a:pt x="929" y="49"/>
+                    <a:pt x="786" y="0"/>
+                  </a:cubicBezTo>
+                  <a:close/>
+                </a:path>
+              </a:pathLst>
+            </a:custGeom>
+            <a:solidFill>
+              <a:schemeClr val="accent4"/>
+            </a:solidFill>
+            <a:ln>
+              <a:noFill/>
+            </a:ln>
+          </p:spPr>
+          <p:txBody>
+            <a:bodyPr spcFirstLastPara="1" wrap="square" lIns="91425" tIns="91425" rIns="91425" bIns="91425" anchor="ctr" anchorCtr="0">
+              <a:noAutofit/>
+            </a:bodyPr>
+            <a:lstStyle/>
+            <a:p>
+              <a:pPr marL="0" lvl="0" indent="0" algn="l" rtl="0">
+                <a:spcBef>
+                  <a:spcPts val="0"/>
+                </a:spcBef>
+                <a:spcAft>
+                  <a:spcPts val="0"/>
+                </a:spcAft>
+                <a:buNone/>
+              </a:pPr>
+              <a:endParaRPr/>
+            </a:p>
+          </p:txBody>
+        </p:sp>
+        <p:sp>
+          <p:nvSpPr>
+            <p:cNvPr id="1364" name="Google Shape;1364;p38"/>
+            <p:cNvSpPr/>
+            <p:nvPr/>
+          </p:nvSpPr>
+          <p:spPr>
+            <a:xfrm>
+              <a:off x="4407850" y="1579225"/>
+              <a:ext cx="22750" cy="14925"/>
+            </a:xfrm>
+            <a:custGeom>
+              <a:avLst/>
+              <a:gdLst/>
+              <a:ahLst/>
+              <a:cxnLst/>
+              <a:rect l="l" t="t" r="r" b="b"/>
+              <a:pathLst>
+                <a:path w="910" h="597" extrusionOk="0">
+                  <a:moveTo>
+                    <a:pt x="581" y="0"/>
+                  </a:moveTo>
+                  <a:cubicBezTo>
+                    <a:pt x="571" y="0"/>
+                    <a:pt x="561" y="1"/>
+                    <a:pt x="551" y="3"/>
+                  </a:cubicBezTo>
+                  <a:lnTo>
+                    <a:pt x="594" y="8"/>
+                  </a:lnTo>
+                  <a:cubicBezTo>
+                    <a:pt x="1" y="8"/>
+                    <a:pt x="140" y="596"/>
+                    <a:pt x="475" y="596"/>
+                  </a:cubicBezTo>
+                  <a:cubicBezTo>
+                    <a:pt x="531" y="596"/>
+                    <a:pt x="593" y="580"/>
+                    <a:pt x="657" y="541"/>
+                  </a:cubicBezTo>
+                  <a:cubicBezTo>
+                    <a:pt x="801" y="455"/>
+                    <a:pt x="909" y="343"/>
+                    <a:pt x="832" y="180"/>
+                  </a:cubicBezTo>
+                  <a:cubicBezTo>
+                    <a:pt x="788" y="81"/>
+                    <a:pt x="686" y="0"/>
+                    <a:pt x="581" y="0"/>
+                  </a:cubicBezTo>
+                  <a:close/>
+                </a:path>
+              </a:pathLst>
+            </a:custGeom>
+            <a:solidFill>
+              <a:schemeClr val="accent4"/>
+            </a:solidFill>
+            <a:ln>
+              <a:noFill/>
+            </a:ln>
+          </p:spPr>
+          <p:txBody>
+            <a:bodyPr spcFirstLastPara="1" wrap="square" lIns="91425" tIns="91425" rIns="91425" bIns="91425" anchor="ctr" anchorCtr="0">
+              <a:noAutofit/>
+            </a:bodyPr>
+            <a:lstStyle/>
+            <a:p>
+              <a:pPr marL="0" lvl="0" indent="0" algn="l" rtl="0">
+                <a:spcBef>
+                  <a:spcPts val="0"/>
+                </a:spcBef>
+                <a:spcAft>
+                  <a:spcPts val="0"/>
+                </a:spcAft>
+                <a:buNone/>
+              </a:pPr>
+              <a:endParaRPr/>
+            </a:p>
+          </p:txBody>
+        </p:sp>
+        <p:sp>
+          <p:nvSpPr>
+            <p:cNvPr id="1365" name="Google Shape;1365;p38"/>
+            <p:cNvSpPr/>
+            <p:nvPr/>
+          </p:nvSpPr>
+          <p:spPr>
+            <a:xfrm>
+              <a:off x="4403900" y="1617025"/>
+              <a:ext cx="28200" cy="19700"/>
+            </a:xfrm>
+            <a:custGeom>
+              <a:avLst/>
+              <a:gdLst/>
+              <a:ahLst/>
+              <a:cxnLst/>
+              <a:rect l="l" t="t" r="r" b="b"/>
+              <a:pathLst>
+                <a:path w="1128" h="788" extrusionOk="0">
+                  <a:moveTo>
+                    <a:pt x="649" y="0"/>
+                  </a:moveTo>
+                  <a:cubicBezTo>
+                    <a:pt x="0" y="101"/>
+                    <a:pt x="230" y="788"/>
+                    <a:pt x="599" y="788"/>
+                  </a:cubicBezTo>
+                  <a:cubicBezTo>
+                    <a:pt x="681" y="788"/>
+                    <a:pt x="770" y="754"/>
+                    <a:pt x="858" y="671"/>
+                  </a:cubicBezTo>
+                  <a:cubicBezTo>
+                    <a:pt x="1128" y="416"/>
+                    <a:pt x="921" y="141"/>
+                    <a:pt x="649" y="0"/>
+                  </a:cubicBezTo>
+                  <a:close/>
+                </a:path>
+              </a:pathLst>
+            </a:custGeom>
+            <a:solidFill>
+              <a:schemeClr val="accent4"/>
+            </a:solidFill>
+            <a:ln>
+              <a:noFill/>
+            </a:ln>
+          </p:spPr>
+          <p:txBody>
+            <a:bodyPr spcFirstLastPara="1" wrap="square" lIns="91425" tIns="91425" rIns="91425" bIns="91425" anchor="ctr" anchorCtr="0">
+              <a:noAutofit/>
+            </a:bodyPr>
+            <a:lstStyle/>
+            <a:p>
+              <a:pPr marL="0" lvl="0" indent="0" algn="l" rtl="0">
+                <a:spcBef>
+                  <a:spcPts val="0"/>
+                </a:spcBef>
+                <a:spcAft>
+                  <a:spcPts val="0"/>
+                </a:spcAft>
+                <a:buNone/>
+              </a:pPr>
+              <a:endParaRPr/>
+            </a:p>
+          </p:txBody>
+        </p:sp>
+        <p:sp>
+          <p:nvSpPr>
+            <p:cNvPr id="1366" name="Google Shape;1366;p38"/>
+            <p:cNvSpPr/>
+            <p:nvPr/>
+          </p:nvSpPr>
+          <p:spPr>
+            <a:xfrm>
+              <a:off x="4449625" y="1610200"/>
+              <a:ext cx="13700" cy="15800"/>
+            </a:xfrm>
+            <a:custGeom>
+              <a:avLst/>
+              <a:gdLst/>
+              <a:ahLst/>
+              <a:cxnLst/>
+              <a:rect l="l" t="t" r="r" b="b"/>
+              <a:pathLst>
+                <a:path w="548" h="632" extrusionOk="0">
+                  <a:moveTo>
+                    <a:pt x="299" y="0"/>
+                  </a:moveTo>
+                  <a:cubicBezTo>
+                    <a:pt x="274" y="0"/>
+                    <a:pt x="251" y="8"/>
+                    <a:pt x="230" y="27"/>
+                  </a:cubicBezTo>
+                  <a:lnTo>
+                    <a:pt x="207" y="59"/>
+                  </a:lnTo>
+                  <a:cubicBezTo>
+                    <a:pt x="78" y="248"/>
+                    <a:pt x="1" y="468"/>
+                    <a:pt x="213" y="632"/>
+                  </a:cubicBezTo>
+                  <a:cubicBezTo>
+                    <a:pt x="359" y="563"/>
+                    <a:pt x="548" y="408"/>
+                    <a:pt x="519" y="225"/>
+                  </a:cubicBezTo>
+                  <a:cubicBezTo>
+                    <a:pt x="505" y="131"/>
+                    <a:pt x="396" y="0"/>
+                    <a:pt x="299" y="0"/>
+                  </a:cubicBezTo>
+                  <a:close/>
+                </a:path>
+              </a:pathLst>
+            </a:custGeom>
+            <a:solidFill>
+              <a:schemeClr val="accent4"/>
+            </a:solidFill>
+            <a:ln>
+              <a:noFill/>
+            </a:ln>
+          </p:spPr>
+          <p:txBody>
+            <a:bodyPr spcFirstLastPara="1" wrap="square" lIns="91425" tIns="91425" rIns="91425" bIns="91425" anchor="ctr" anchorCtr="0">
+              <a:noAutofit/>
+            </a:bodyPr>
+            <a:lstStyle/>
+            <a:p>
+              <a:pPr marL="0" lvl="0" indent="0" algn="l" rtl="0">
+                <a:spcBef>
+                  <a:spcPts val="0"/>
+                </a:spcBef>
+                <a:spcAft>
+                  <a:spcPts val="0"/>
+                </a:spcAft>
+                <a:buNone/>
+              </a:pPr>
+              <a:endParaRPr/>
+            </a:p>
+          </p:txBody>
+        </p:sp>
+        <p:sp>
+          <p:nvSpPr>
+            <p:cNvPr id="1367" name="Google Shape;1367;p38"/>
+            <p:cNvSpPr/>
+            <p:nvPr/>
+          </p:nvSpPr>
+          <p:spPr>
+            <a:xfrm>
+              <a:off x="4388575" y="1553100"/>
+              <a:ext cx="24300" cy="10400"/>
+            </a:xfrm>
+            <a:custGeom>
+              <a:avLst/>
+              <a:gdLst/>
+              <a:ahLst/>
+              <a:cxnLst/>
+              <a:rect l="l" t="t" r="r" b="b"/>
+              <a:pathLst>
+                <a:path w="972" h="416" extrusionOk="0">
+                  <a:moveTo>
+                    <a:pt x="577" y="1"/>
+                  </a:moveTo>
+                  <a:cubicBezTo>
+                    <a:pt x="297" y="1"/>
+                    <a:pt x="1" y="289"/>
+                    <a:pt x="403" y="400"/>
+                  </a:cubicBezTo>
+                  <a:cubicBezTo>
+                    <a:pt x="440" y="410"/>
+                    <a:pt x="477" y="415"/>
+                    <a:pt x="514" y="415"/>
+                  </a:cubicBezTo>
+                  <a:cubicBezTo>
+                    <a:pt x="764" y="415"/>
+                    <a:pt x="972" y="196"/>
+                    <a:pt x="692" y="19"/>
+                  </a:cubicBezTo>
+                  <a:cubicBezTo>
+                    <a:pt x="655" y="6"/>
+                    <a:pt x="616" y="1"/>
+                    <a:pt x="577" y="1"/>
+                  </a:cubicBezTo>
+                  <a:close/>
+                </a:path>
+              </a:pathLst>
+            </a:custGeom>
+            <a:solidFill>
+              <a:schemeClr val="accent4"/>
+            </a:solidFill>
+            <a:ln>
+              <a:noFill/>
+            </a:ln>
+          </p:spPr>
+          <p:txBody>
+            <a:bodyPr spcFirstLastPara="1" wrap="square" lIns="91425" tIns="91425" rIns="91425" bIns="91425" anchor="ctr" anchorCtr="0">
+              <a:noAutofit/>
+            </a:bodyPr>
+            <a:lstStyle/>
+            <a:p>
+              <a:pPr marL="0" lvl="0" indent="0" algn="l" rtl="0">
+                <a:spcBef>
+                  <a:spcPts val="0"/>
+                </a:spcBef>
+                <a:spcAft>
+                  <a:spcPts val="0"/>
+                </a:spcAft>
+                <a:buNone/>
+              </a:pPr>
+              <a:endParaRPr/>
+            </a:p>
+          </p:txBody>
+        </p:sp>
+        <p:sp>
+          <p:nvSpPr>
+            <p:cNvPr id="1368" name="Google Shape;1368;p38"/>
+            <p:cNvSpPr/>
+            <p:nvPr/>
+          </p:nvSpPr>
+          <p:spPr>
+            <a:xfrm>
+              <a:off x="4457500" y="1582775"/>
+              <a:ext cx="13600" cy="7825"/>
+            </a:xfrm>
+            <a:custGeom>
+              <a:avLst/>
+              <a:gdLst/>
+              <a:ahLst/>
+              <a:cxnLst/>
+              <a:rect l="l" t="t" r="r" b="b"/>
+              <a:pathLst>
+                <a:path w="544" h="313" extrusionOk="0">
+                  <a:moveTo>
+                    <a:pt x="362" y="1"/>
+                  </a:moveTo>
+                  <a:cubicBezTo>
+                    <a:pt x="264" y="27"/>
+                    <a:pt x="1" y="67"/>
+                    <a:pt x="35" y="216"/>
+                  </a:cubicBezTo>
+                  <a:cubicBezTo>
+                    <a:pt x="51" y="296"/>
+                    <a:pt x="119" y="313"/>
+                    <a:pt x="186" y="313"/>
+                  </a:cubicBezTo>
+                  <a:cubicBezTo>
+                    <a:pt x="212" y="313"/>
+                    <a:pt x="239" y="310"/>
+                    <a:pt x="261" y="307"/>
+                  </a:cubicBezTo>
+                  <a:cubicBezTo>
+                    <a:pt x="345" y="299"/>
+                    <a:pt x="516" y="262"/>
+                    <a:pt x="534" y="153"/>
+                  </a:cubicBezTo>
+                  <a:cubicBezTo>
+                    <a:pt x="543" y="91"/>
+                    <a:pt x="467" y="11"/>
+                    <a:pt x="400" y="11"/>
+                  </a:cubicBezTo>
+                  <a:cubicBezTo>
+                    <a:pt x="389" y="11"/>
+                    <a:pt x="378" y="13"/>
+                    <a:pt x="367" y="18"/>
+                  </a:cubicBezTo>
+                  <a:lnTo>
+                    <a:pt x="362" y="1"/>
+                  </a:lnTo>
+                  <a:close/>
+                </a:path>
+              </a:pathLst>
+            </a:custGeom>
+            <a:solidFill>
+              <a:schemeClr val="accent4"/>
+            </a:solidFill>
+            <a:ln>
+              <a:noFill/>
+            </a:ln>
+          </p:spPr>
+          <p:txBody>
+            <a:bodyPr spcFirstLastPara="1" wrap="square" lIns="91425" tIns="91425" rIns="91425" bIns="91425" anchor="ctr" anchorCtr="0">
+              <a:noAutofit/>
+            </a:bodyPr>
+            <a:lstStyle/>
+            <a:p>
+              <a:pPr marL="0" lvl="0" indent="0" algn="l" rtl="0">
+                <a:spcBef>
+                  <a:spcPts val="0"/>
+                </a:spcBef>
+                <a:spcAft>
+                  <a:spcPts val="0"/>
+                </a:spcAft>
+                <a:buNone/>
+              </a:pPr>
+              <a:endParaRPr/>
+            </a:p>
+          </p:txBody>
+        </p:sp>
+        <p:sp>
+          <p:nvSpPr>
+            <p:cNvPr id="1369" name="Google Shape;1369;p38"/>
+            <p:cNvSpPr/>
+            <p:nvPr/>
+          </p:nvSpPr>
+          <p:spPr>
+            <a:xfrm>
+              <a:off x="4436600" y="1539800"/>
+              <a:ext cx="15925" cy="12850"/>
+            </a:xfrm>
+            <a:custGeom>
+              <a:avLst/>
+              <a:gdLst/>
+              <a:ahLst/>
+              <a:cxnLst/>
+              <a:rect l="l" t="t" r="r" b="b"/>
+              <a:pathLst>
+                <a:path w="637" h="514" extrusionOk="0">
+                  <a:moveTo>
+                    <a:pt x="473" y="1"/>
+                  </a:moveTo>
+                  <a:lnTo>
+                    <a:pt x="473" y="1"/>
+                  </a:lnTo>
+                  <a:cubicBezTo>
+                    <a:pt x="307" y="21"/>
+                    <a:pt x="0" y="196"/>
+                    <a:pt x="83" y="405"/>
+                  </a:cubicBezTo>
+                  <a:cubicBezTo>
+                    <a:pt x="115" y="484"/>
+                    <a:pt x="170" y="514"/>
+                    <a:pt x="230" y="514"/>
+                  </a:cubicBezTo>
+                  <a:cubicBezTo>
+                    <a:pt x="297" y="514"/>
+                    <a:pt x="370" y="478"/>
+                    <a:pt x="427" y="433"/>
+                  </a:cubicBezTo>
+                  <a:cubicBezTo>
+                    <a:pt x="570" y="319"/>
+                    <a:pt x="636" y="113"/>
+                    <a:pt x="473" y="1"/>
+                  </a:cubicBezTo>
+                  <a:close/>
+                </a:path>
+              </a:pathLst>
+            </a:custGeom>
+            <a:solidFill>
+              <a:schemeClr val="accent4"/>
+            </a:solidFill>
+            <a:ln>
+              <a:noFill/>
+            </a:ln>
+          </p:spPr>
+          <p:txBody>
+            <a:bodyPr spcFirstLastPara="1" wrap="square" lIns="91425" tIns="91425" rIns="91425" bIns="91425" anchor="ctr" anchorCtr="0">
+              <a:noAutofit/>
+            </a:bodyPr>
+            <a:lstStyle/>
+            <a:p>
+              <a:pPr marL="0" lvl="0" indent="0" algn="l" rtl="0">
+                <a:spcBef>
+                  <a:spcPts val="0"/>
+                </a:spcBef>
+                <a:spcAft>
+                  <a:spcPts val="0"/>
+                </a:spcAft>
+                <a:buNone/>
+              </a:pPr>
+              <a:endParaRPr/>
+            </a:p>
+          </p:txBody>
+        </p:sp>
+        <p:sp>
+          <p:nvSpPr>
+            <p:cNvPr id="1370" name="Google Shape;1370;p38"/>
+            <p:cNvSpPr/>
+            <p:nvPr/>
+          </p:nvSpPr>
+          <p:spPr>
+            <a:xfrm>
+              <a:off x="4472250" y="1549775"/>
+              <a:ext cx="13800" cy="12175"/>
+            </a:xfrm>
+            <a:custGeom>
+              <a:avLst/>
+              <a:gdLst/>
+              <a:ahLst/>
+              <a:cxnLst/>
+              <a:rect l="l" t="t" r="r" b="b"/>
+              <a:pathLst>
+                <a:path w="552" h="487" extrusionOk="0">
+                  <a:moveTo>
+                    <a:pt x="359" y="0"/>
+                  </a:moveTo>
+                  <a:lnTo>
+                    <a:pt x="359" y="0"/>
+                  </a:lnTo>
+                  <a:cubicBezTo>
+                    <a:pt x="239" y="37"/>
+                    <a:pt x="1" y="161"/>
+                    <a:pt x="18" y="315"/>
+                  </a:cubicBezTo>
+                  <a:cubicBezTo>
+                    <a:pt x="28" y="414"/>
+                    <a:pt x="123" y="487"/>
+                    <a:pt x="221" y="487"/>
+                  </a:cubicBezTo>
+                  <a:cubicBezTo>
+                    <a:pt x="239" y="487"/>
+                    <a:pt x="258" y="484"/>
+                    <a:pt x="276" y="479"/>
+                  </a:cubicBezTo>
+                  <a:cubicBezTo>
+                    <a:pt x="442" y="433"/>
+                    <a:pt x="551" y="118"/>
+                    <a:pt x="359" y="0"/>
+                  </a:cubicBezTo>
+                  <a:close/>
+                </a:path>
+              </a:pathLst>
+            </a:custGeom>
+            <a:solidFill>
+              <a:schemeClr val="accent4"/>
+            </a:solidFill>
+            <a:ln>
+              <a:noFill/>
+            </a:ln>
+          </p:spPr>
+          <p:txBody>
+            <a:bodyPr spcFirstLastPara="1" wrap="square" lIns="91425" tIns="91425" rIns="91425" bIns="91425" anchor="ctr" anchorCtr="0">
+              <a:noAutofit/>
+            </a:bodyPr>
+            <a:lstStyle/>
+            <a:p>
+              <a:pPr marL="0" lvl="0" indent="0" algn="l" rtl="0">
+                <a:spcBef>
+                  <a:spcPts val="0"/>
+                </a:spcBef>
+                <a:spcAft>
+                  <a:spcPts val="0"/>
+                </a:spcAft>
+                <a:buNone/>
+              </a:pPr>
+              <a:endParaRPr/>
+            </a:p>
+          </p:txBody>
+        </p:sp>
+      </p:grpSp>
+      <p:sp>
+        <p:nvSpPr>
+          <p:cNvPr id="7" name="Google Shape;1343;p38">
+            <a:extLst>
+              <a:ext uri="{FF2B5EF4-FFF2-40B4-BE49-F238E27FC236}">
+                <a16:creationId xmlns:a16="http://schemas.microsoft.com/office/drawing/2014/main" id="{F15CCC14-A652-DCAE-F707-EFA7C83CA764}"/>
+              </a:ext>
+            </a:extLst>
+          </p:cNvPr>
+          <p:cNvSpPr txBox="1">
+            <a:spLocks/>
+          </p:cNvSpPr>
+          <p:nvPr/>
+        </p:nvSpPr>
+        <p:spPr>
+          <a:xfrm>
+            <a:off x="685392" y="544550"/>
+            <a:ext cx="7717800" cy="572700"/>
+          </a:xfrm>
+          <a:prstGeom prst="rect">
+            <a:avLst/>
+          </a:prstGeom>
+          <a:noFill/>
+          <a:ln>
+            <a:noFill/>
+          </a:ln>
+        </p:spPr>
+        <p:txBody>
+          <a:bodyPr spcFirstLastPara="1" wrap="square" lIns="91425" tIns="91425" rIns="91425" bIns="91425" anchor="ctr" anchorCtr="0">
+            <a:noAutofit/>
+          </a:bodyPr>
+          <a:lstStyle>
+            <a:defPPr marR="0" lvl="0" algn="l" rtl="0">
+              <a:lnSpc>
+                <a:spcPct val="100000"/>
+              </a:lnSpc>
+              <a:spcBef>
+                <a:spcPts val="0"/>
+              </a:spcBef>
+              <a:spcAft>
+                <a:spcPts val="0"/>
+              </a:spcAft>
+            </a:defPPr>
+            <a:lvl1pPr marR="0" lvl="0" algn="l" rtl="0">
+              <a:lnSpc>
+                <a:spcPct val="100000"/>
+              </a:lnSpc>
+              <a:spcBef>
+                <a:spcPts val="0"/>
+              </a:spcBef>
+              <a:spcAft>
+                <a:spcPts val="0"/>
+              </a:spcAft>
+              <a:buClr>
+                <a:schemeClr val="dk1"/>
+              </a:buClr>
+              <a:buSzPts val="3200"/>
+              <a:buFont typeface="Tajawal"/>
+              <a:buNone/>
+              <a:defRPr sz="3200" b="1" i="0" u="none" strike="noStrike" cap="none">
+                <a:solidFill>
+                  <a:schemeClr val="dk1"/>
+                </a:solidFill>
+                <a:latin typeface="Tajawal"/>
+                <a:ea typeface="Tajawal"/>
+                <a:cs typeface="Tajawal"/>
+                <a:sym typeface="Tajawal"/>
+              </a:defRPr>
+            </a:lvl1pPr>
+            <a:lvl2pPr marR="0" lvl="1" algn="l" rtl="0">
+              <a:lnSpc>
+                <a:spcPct val="100000"/>
+              </a:lnSpc>
+              <a:spcBef>
+                <a:spcPts val="0"/>
+              </a:spcBef>
+              <a:spcAft>
+                <a:spcPts val="0"/>
+              </a:spcAft>
+              <a:buClr>
+                <a:schemeClr val="dk1"/>
+              </a:buClr>
+              <a:buSzPts val="3200"/>
+              <a:buFont typeface="Tajawal"/>
+              <a:buNone/>
+              <a:defRPr sz="3200" b="1" i="0" u="none" strike="noStrike" cap="none">
+                <a:solidFill>
+                  <a:schemeClr val="dk1"/>
+                </a:solidFill>
+                <a:latin typeface="Tajawal"/>
+                <a:ea typeface="Tajawal"/>
+                <a:cs typeface="Tajawal"/>
+                <a:sym typeface="Tajawal"/>
+              </a:defRPr>
+            </a:lvl2pPr>
+            <a:lvl3pPr marR="0" lvl="2" algn="l" rtl="0">
+              <a:lnSpc>
+                <a:spcPct val="100000"/>
+              </a:lnSpc>
+              <a:spcBef>
+                <a:spcPts val="0"/>
+              </a:spcBef>
+              <a:spcAft>
+                <a:spcPts val="0"/>
+              </a:spcAft>
+              <a:buClr>
+                <a:schemeClr val="dk1"/>
+              </a:buClr>
+              <a:buSzPts val="3200"/>
+              <a:buFont typeface="Tajawal"/>
+              <a:buNone/>
+              <a:defRPr sz="3200" b="1" i="0" u="none" strike="noStrike" cap="none">
+                <a:solidFill>
+                  <a:schemeClr val="dk1"/>
+                </a:solidFill>
+                <a:latin typeface="Tajawal"/>
+                <a:ea typeface="Tajawal"/>
+                <a:cs typeface="Tajawal"/>
+                <a:sym typeface="Tajawal"/>
+              </a:defRPr>
+            </a:lvl3pPr>
+            <a:lvl4pPr marR="0" lvl="3" algn="l" rtl="0">
+              <a:lnSpc>
+                <a:spcPct val="100000"/>
+              </a:lnSpc>
+              <a:spcBef>
+                <a:spcPts val="0"/>
+              </a:spcBef>
+              <a:spcAft>
+                <a:spcPts val="0"/>
+              </a:spcAft>
+              <a:buClr>
+                <a:schemeClr val="dk1"/>
+              </a:buClr>
+              <a:buSzPts val="3200"/>
+              <a:buFont typeface="Tajawal"/>
+              <a:buNone/>
+              <a:defRPr sz="3200" b="1" i="0" u="none" strike="noStrike" cap="none">
+                <a:solidFill>
+                  <a:schemeClr val="dk1"/>
+                </a:solidFill>
+                <a:latin typeface="Tajawal"/>
+                <a:ea typeface="Tajawal"/>
+                <a:cs typeface="Tajawal"/>
+                <a:sym typeface="Tajawal"/>
+              </a:defRPr>
+            </a:lvl4pPr>
+            <a:lvl5pPr marR="0" lvl="4" algn="l" rtl="0">
+              <a:lnSpc>
+                <a:spcPct val="100000"/>
+              </a:lnSpc>
+              <a:spcBef>
+                <a:spcPts val="0"/>
+              </a:spcBef>
+              <a:spcAft>
+                <a:spcPts val="0"/>
+              </a:spcAft>
+              <a:buClr>
+                <a:schemeClr val="dk1"/>
+              </a:buClr>
+              <a:buSzPts val="3200"/>
+              <a:buFont typeface="Tajawal"/>
+              <a:buNone/>
+              <a:defRPr sz="3200" b="1" i="0" u="none" strike="noStrike" cap="none">
+                <a:solidFill>
+                  <a:schemeClr val="dk1"/>
+                </a:solidFill>
+                <a:latin typeface="Tajawal"/>
+                <a:ea typeface="Tajawal"/>
+                <a:cs typeface="Tajawal"/>
+                <a:sym typeface="Tajawal"/>
+              </a:defRPr>
+            </a:lvl5pPr>
+            <a:lvl6pPr marR="0" lvl="5" algn="l" rtl="0">
+              <a:lnSpc>
+                <a:spcPct val="100000"/>
+              </a:lnSpc>
+              <a:spcBef>
+                <a:spcPts val="0"/>
+              </a:spcBef>
+              <a:spcAft>
+                <a:spcPts val="0"/>
+              </a:spcAft>
+              <a:buClr>
+                <a:schemeClr val="dk1"/>
+              </a:buClr>
+              <a:buSzPts val="3200"/>
+              <a:buFont typeface="Tajawal"/>
+              <a:buNone/>
+              <a:defRPr sz="3200" b="1" i="0" u="none" strike="noStrike" cap="none">
+                <a:solidFill>
+                  <a:schemeClr val="dk1"/>
+                </a:solidFill>
+                <a:latin typeface="Tajawal"/>
+                <a:ea typeface="Tajawal"/>
+                <a:cs typeface="Tajawal"/>
+                <a:sym typeface="Tajawal"/>
+              </a:defRPr>
+            </a:lvl6pPr>
+            <a:lvl7pPr marR="0" lvl="6" algn="l" rtl="0">
+              <a:lnSpc>
+                <a:spcPct val="100000"/>
+              </a:lnSpc>
+              <a:spcBef>
+                <a:spcPts val="0"/>
+              </a:spcBef>
+              <a:spcAft>
+                <a:spcPts val="0"/>
+              </a:spcAft>
+              <a:buClr>
+                <a:schemeClr val="dk1"/>
+              </a:buClr>
+              <a:buSzPts val="3200"/>
+              <a:buFont typeface="Tajawal"/>
+              <a:buNone/>
+              <a:defRPr sz="3200" b="1" i="0" u="none" strike="noStrike" cap="none">
+                <a:solidFill>
+                  <a:schemeClr val="dk1"/>
+                </a:solidFill>
+                <a:latin typeface="Tajawal"/>
+                <a:ea typeface="Tajawal"/>
+                <a:cs typeface="Tajawal"/>
+                <a:sym typeface="Tajawal"/>
+              </a:defRPr>
+            </a:lvl7pPr>
+            <a:lvl8pPr marR="0" lvl="7" algn="l" rtl="0">
+              <a:lnSpc>
+                <a:spcPct val="100000"/>
+              </a:lnSpc>
+              <a:spcBef>
+                <a:spcPts val="0"/>
+              </a:spcBef>
+              <a:spcAft>
+                <a:spcPts val="0"/>
+              </a:spcAft>
+              <a:buClr>
+                <a:schemeClr val="dk1"/>
+              </a:buClr>
+              <a:buSzPts val="3200"/>
+              <a:buFont typeface="Tajawal"/>
+              <a:buNone/>
+              <a:defRPr sz="3200" b="1" i="0" u="none" strike="noStrike" cap="none">
+                <a:solidFill>
+                  <a:schemeClr val="dk1"/>
+                </a:solidFill>
+                <a:latin typeface="Tajawal"/>
+                <a:ea typeface="Tajawal"/>
+                <a:cs typeface="Tajawal"/>
+                <a:sym typeface="Tajawal"/>
+              </a:defRPr>
+            </a:lvl8pPr>
+            <a:lvl9pPr marR="0" lvl="8" algn="l" rtl="0">
+              <a:lnSpc>
+                <a:spcPct val="100000"/>
+              </a:lnSpc>
+              <a:spcBef>
+                <a:spcPts val="0"/>
+              </a:spcBef>
+              <a:spcAft>
+                <a:spcPts val="0"/>
+              </a:spcAft>
+              <a:buClr>
+                <a:schemeClr val="dk1"/>
+              </a:buClr>
+              <a:buSzPts val="3200"/>
+              <a:buFont typeface="Tajawal"/>
+              <a:buNone/>
+              <a:defRPr sz="3200" b="1" i="0" u="none" strike="noStrike" cap="none">
+                <a:solidFill>
+                  <a:schemeClr val="dk1"/>
+                </a:solidFill>
+                <a:latin typeface="Tajawal"/>
+                <a:ea typeface="Tajawal"/>
+                <a:cs typeface="Tajawal"/>
+                <a:sym typeface="Tajawal"/>
+              </a:defRPr>
+            </a:lvl9pPr>
+          </a:lstStyle>
+          <a:p>
+            <a:r>
+              <a:rPr lang="en-GB" dirty="0"/>
+              <a:t>Prediction</a:t>
+            </a:r>
+          </a:p>
+        </p:txBody>
+      </p:sp>
+      <p:pic>
+        <p:nvPicPr>
+          <p:cNvPr id="3" name="Picture 2" descr="Table&#10;&#10;Description automatically generated">
+            <a:extLst>
+              <a:ext uri="{FF2B5EF4-FFF2-40B4-BE49-F238E27FC236}">
+                <a16:creationId xmlns:a16="http://schemas.microsoft.com/office/drawing/2014/main" id="{CF74B1C8-EF02-546C-CF8A-AB47CD3CA29E}"/>
+              </a:ext>
+            </a:extLst>
+          </p:cNvPr>
+          <p:cNvPicPr>
+            <a:picLocks noChangeAspect="1"/>
+          </p:cNvPicPr>
+          <p:nvPr/>
+        </p:nvPicPr>
+        <p:blipFill>
+          <a:blip r:embed="rId4"/>
+          <a:stretch>
+            <a:fillRect/>
+          </a:stretch>
+        </p:blipFill>
+        <p:spPr>
+          <a:xfrm>
+            <a:off x="764676" y="1117250"/>
+            <a:ext cx="2479175" cy="3676018"/>
+          </a:xfrm>
+          <a:prstGeom prst="rect">
+            <a:avLst/>
+          </a:prstGeom>
+          <a:ln>
+            <a:noFill/>
+          </a:ln>
+          <a:effectLst>
+            <a:outerShdw blurRad="292100" dist="139700" dir="2700000" algn="tl" rotWithShape="0">
+              <a:srgbClr val="333333">
+                <a:alpha val="65000"/>
+              </a:srgbClr>
+            </a:outerShdw>
+          </a:effectLst>
+        </p:spPr>
+      </p:pic>
+      <p:pic>
+        <p:nvPicPr>
+          <p:cNvPr id="5" name="Picture 4" descr="A black background with white text&#10;&#10;Description automatically generated with low confidence">
+            <a:extLst>
+              <a:ext uri="{FF2B5EF4-FFF2-40B4-BE49-F238E27FC236}">
+                <a16:creationId xmlns:a16="http://schemas.microsoft.com/office/drawing/2014/main" id="{763C7A6B-4B27-C56C-957A-D619024D0471}"/>
+              </a:ext>
+            </a:extLst>
+          </p:cNvPr>
+          <p:cNvPicPr>
+            <a:picLocks noChangeAspect="1"/>
+          </p:cNvPicPr>
+          <p:nvPr/>
+        </p:nvPicPr>
+        <p:blipFill>
+          <a:blip r:embed="rId5"/>
+          <a:stretch>
+            <a:fillRect/>
+          </a:stretch>
+        </p:blipFill>
+        <p:spPr>
+          <a:xfrm>
+            <a:off x="3758695" y="1117250"/>
+            <a:ext cx="2270416" cy="1889421"/>
+          </a:xfrm>
+          <a:prstGeom prst="rect">
+            <a:avLst/>
+          </a:prstGeom>
+          <a:ln>
+            <a:noFill/>
+          </a:ln>
+          <a:effectLst>
+            <a:outerShdw blurRad="292100" dist="139700" dir="2700000" algn="tl" rotWithShape="0">
+              <a:srgbClr val="333333">
+                <a:alpha val="65000"/>
+              </a:srgbClr>
+            </a:outerShdw>
+          </a:effectLst>
+        </p:spPr>
+      </p:pic>
+    </p:spTree>
+    <p:extLst>
+      <p:ext uri="{BB962C8B-B14F-4D97-AF65-F5344CB8AC3E}">
+        <p14:creationId xmlns:p14="http://schemas.microsoft.com/office/powerpoint/2010/main" val="3262386048"/>
       </p:ext>
     </p:extLst>
   </p:cSld>
@@ -19160,20 +23801,29 @@
           </p:cNvPicPr>
           <p:nvPr/>
         </p:nvPicPr>
-        <p:blipFill>
+        <p:blipFill rotWithShape="1">
           <a:blip r:embed="rId4"/>
-          <a:stretch>
-            <a:fillRect/>
-          </a:stretch>
+          <a:srcRect l="377" t="45823" r="3322" b="-1"/>
+          <a:stretch/>
         </p:blipFill>
         <p:spPr>
           <a:xfrm>
-            <a:off x="0" y="1860239"/>
-            <a:ext cx="9144000" cy="3283261"/>
+            <a:off x="169154" y="1787374"/>
+            <a:ext cx="8805692" cy="1778769"/>
           </a:xfrm>
           <a:prstGeom prst="rect">
             <a:avLst/>
           </a:prstGeom>
+          <a:ln>
+            <a:noFill/>
+          </a:ln>
+          <a:effectLst>
+            <a:outerShdw blurRad="292100" dist="139700" dir="2700000" algn="tl" rotWithShape="0">
+              <a:srgbClr val="333333">
+                <a:alpha val="65000"/>
+              </a:srgbClr>
+            </a:outerShdw>
+          </a:effectLst>
         </p:spPr>
       </p:pic>
       <p:pic>
@@ -19211,6 +23861,13 @@
           <a:prstGeom prst="rect">
             <a:avLst/>
           </a:prstGeom>
+          <a:effectLst>
+            <a:outerShdw blurRad="292100" dist="139700" dir="2700000" algn="tl" rotWithShape="0">
+              <a:srgbClr val="333333">
+                <a:alpha val="65000"/>
+              </a:srgbClr>
+            </a:outerShdw>
+          </a:effectLst>
         </p:spPr>
       </p:pic>
       <p:sp>
@@ -20594,6 +25251,13 @@
           <a:prstGeom prst="rect">
             <a:avLst/>
           </a:prstGeom>
+          <a:effectLst>
+            <a:outerShdw blurRad="292100" dist="139700" dir="2700000" algn="tl" rotWithShape="0">
+              <a:srgbClr val="333333">
+                <a:alpha val="65000"/>
+              </a:srgbClr>
+            </a:outerShdw>
+          </a:effectLst>
         </p:spPr>
       </p:pic>
       <p:sp>
@@ -21483,7 +26147,7 @@
             </a:r>
             <a:r>
               <a:rPr lang="en-GB" dirty="0" err="1"/>
-              <a:t>Fbref</a:t>
+              <a:t>FBref</a:t>
             </a:r>
             <a:r>
               <a:rPr lang="en-GB" dirty="0"/>
@@ -22487,6 +27151,13 @@
           <a:prstGeom prst="rect">
             <a:avLst/>
           </a:prstGeom>
+          <a:effectLst>
+            <a:outerShdw blurRad="292100" dist="139700" dir="2700000" algn="tl" rotWithShape="0">
+              <a:srgbClr val="333333">
+                <a:alpha val="65000"/>
+              </a:srgbClr>
+            </a:outerShdw>
+          </a:effectLst>
         </p:spPr>
       </p:pic>
       <p:pic>
@@ -22516,6 +27187,16 @@
           <a:prstGeom prst="rect">
             <a:avLst/>
           </a:prstGeom>
+          <a:ln>
+            <a:noFill/>
+          </a:ln>
+          <a:effectLst>
+            <a:outerShdw blurRad="292100" dist="139700" dir="2700000" algn="tl" rotWithShape="0">
+              <a:srgbClr val="333333">
+                <a:alpha val="65000"/>
+              </a:srgbClr>
+            </a:outerShdw>
+          </a:effectLst>
         </p:spPr>
       </p:pic>
       <p:sp>
@@ -23109,7 +27790,7 @@
             </a:r>
             <a:r>
               <a:rPr lang="en-GB" dirty="0" err="1"/>
-              <a:t>Fbref</a:t>
+              <a:t>FBref</a:t>
             </a:r>
             <a:r>
               <a:rPr lang="en-GB" dirty="0"/>
@@ -24113,6 +28794,13 @@
           <a:prstGeom prst="rect">
             <a:avLst/>
           </a:prstGeom>
+          <a:effectLst>
+            <a:outerShdw blurRad="292100" dist="139700" dir="2700000" algn="tl" rotWithShape="0">
+              <a:srgbClr val="333333">
+                <a:alpha val="65000"/>
+              </a:srgbClr>
+            </a:outerShdw>
+          </a:effectLst>
         </p:spPr>
       </p:pic>
       <p:sp>
@@ -24403,7 +29091,7 @@
             </a:pPr>
             <a:r>
               <a:rPr lang="en-GB" sz="1600" dirty="0"/>
-              <a:t>Each pair of records referring the same match are merged into following 3 steps:</a:t>
+              <a:t>Each pair of records referring the same match is merged into following 3 steps:</a:t>
             </a:r>
           </a:p>
           <a:p>
@@ -24894,7 +29582,7 @@
             </a:r>
             <a:r>
               <a:rPr lang="en-GB" dirty="0"/>
-              <a:t>b</a:t>
+              <a:t>B</a:t>
             </a:r>
             <a:r>
               <a:rPr lang="en" dirty="0"/>
@@ -25899,6 +30587,13 @@
           <a:prstGeom prst="rect">
             <a:avLst/>
           </a:prstGeom>
+          <a:effectLst>
+            <a:outerShdw blurRad="292100" dist="139700" dir="2700000" algn="tl" rotWithShape="0">
+              <a:srgbClr val="333333">
+                <a:alpha val="65000"/>
+              </a:srgbClr>
+            </a:outerShdw>
+          </a:effectLst>
         </p:spPr>
       </p:pic>
       <p:sp>
@@ -27784,98 +32479,6 @@
           </a:p>
         </p:txBody>
       </p:sp>
-      <p:pic>
-        <p:nvPicPr>
-          <p:cNvPr id="2" name="Picture 10">
-            <a:hlinkClick r:id="rId4"/>
-            <a:extLst>
-              <a:ext uri="{FF2B5EF4-FFF2-40B4-BE49-F238E27FC236}">
-                <a16:creationId xmlns:a16="http://schemas.microsoft.com/office/drawing/2014/main" id="{61ACF0BE-E263-5938-1142-53EAB1C5FBEE}"/>
-              </a:ext>
-            </a:extLst>
-          </p:cNvPr>
-          <p:cNvPicPr>
-            <a:picLocks noChangeAspect="1" noChangeArrowheads="1"/>
-          </p:cNvPicPr>
-          <p:nvPr/>
-        </p:nvPicPr>
-        <p:blipFill rotWithShape="1">
-          <a:blip r:embed="rId5">
-            <a:extLst>
-              <a:ext uri="{28A0092B-C50C-407E-A947-70E740481C1C}">
-                <a14:useLocalDpi xmlns:a14="http://schemas.microsoft.com/office/drawing/2010/main" val="0"/>
-              </a:ext>
-            </a:extLst>
-          </a:blip>
-          <a:srcRect t="1" r="66808" b="-23964"/>
-          <a:stretch/>
-        </p:blipFill>
-        <p:spPr bwMode="auto">
-          <a:xfrm>
-            <a:off x="7817987" y="322516"/>
-            <a:ext cx="1263366" cy="308344"/>
-          </a:xfrm>
-          <a:prstGeom prst="rect">
-            <a:avLst/>
-          </a:prstGeom>
-          <a:noFill/>
-          <a:extLst>
-            <a:ext uri="{909E8E84-426E-40DD-AFC4-6F175D3DCCD1}">
-              <a14:hiddenFill xmlns:a14="http://schemas.microsoft.com/office/drawing/2010/main">
-                <a:solidFill>
-                  <a:srgbClr val="FFFFFF"/>
-                </a:solidFill>
-              </a14:hiddenFill>
-            </a:ext>
-          </a:extLst>
-        </p:spPr>
-      </p:pic>
-      <p:pic>
-        <p:nvPicPr>
-          <p:cNvPr id="4" name="Picture 10">
-            <a:hlinkClick r:id="rId4"/>
-            <a:extLst>
-              <a:ext uri="{FF2B5EF4-FFF2-40B4-BE49-F238E27FC236}">
-                <a16:creationId xmlns:a16="http://schemas.microsoft.com/office/drawing/2014/main" id="{42D4D957-FBAA-B8B4-D60B-D8034897C179}"/>
-              </a:ext>
-            </a:extLst>
-          </p:cNvPr>
-          <p:cNvPicPr>
-            <a:picLocks noChangeAspect="1" noChangeArrowheads="1"/>
-          </p:cNvPicPr>
-          <p:nvPr/>
-        </p:nvPicPr>
-        <p:blipFill rotWithShape="1">
-          <a:blip r:embed="rId5">
-            <a:extLst>
-              <a:ext uri="{28A0092B-C50C-407E-A947-70E740481C1C}">
-                <a14:useLocalDpi xmlns:a14="http://schemas.microsoft.com/office/drawing/2010/main" val="0"/>
-              </a:ext>
-            </a:extLst>
-          </a:blip>
-          <a:srcRect l="33028" t="-7094" r="70" b="-23964"/>
-          <a:stretch/>
-        </p:blipFill>
-        <p:spPr bwMode="auto">
-          <a:xfrm>
-            <a:off x="7817987" y="560518"/>
-            <a:ext cx="1263366" cy="161737"/>
-          </a:xfrm>
-          <a:prstGeom prst="rect">
-            <a:avLst/>
-          </a:prstGeom>
-          <a:noFill/>
-          <a:extLst>
-            <a:ext uri="{909E8E84-426E-40DD-AFC4-6F175D3DCCD1}">
-              <a14:hiddenFill xmlns:a14="http://schemas.microsoft.com/office/drawing/2010/main">
-                <a:solidFill>
-                  <a:srgbClr val="FFFFFF"/>
-                </a:solidFill>
-              </a14:hiddenFill>
-            </a:ext>
-          </a:extLst>
-        </p:spPr>
-      </p:pic>
       <p:sp>
         <p:nvSpPr>
           <p:cNvPr id="21" name="Google Shape;1343;p38">
@@ -28530,7 +33133,7 @@
             </a:pPr>
             <a:r>
               <a:rPr lang="en-GB" dirty="0">
-                <a:hlinkClick r:id="rId6"/>
+                <a:hlinkClick r:id="rId4"/>
               </a:rPr>
               <a:t>https://footballpredictions.com/footballpredictions/?date=23-10-2022</a:t>
             </a:r>
@@ -28586,7 +33189,7 @@
           <p:nvPr/>
         </p:nvPicPr>
         <p:blipFill>
-          <a:blip r:embed="rId7"/>
+          <a:blip r:embed="rId5"/>
           <a:stretch>
             <a:fillRect/>
           </a:stretch>
@@ -28599,6 +33202,126 @@
           <a:prstGeom prst="rect">
             <a:avLst/>
           </a:prstGeom>
+          <a:ln>
+            <a:noFill/>
+          </a:ln>
+          <a:effectLst>
+            <a:outerShdw blurRad="292100" dist="139700" dir="2700000" algn="tl" rotWithShape="0">
+              <a:srgbClr val="333333">
+                <a:alpha val="65000"/>
+              </a:srgbClr>
+            </a:outerShdw>
+          </a:effectLst>
+        </p:spPr>
+      </p:pic>
+      <p:pic>
+        <p:nvPicPr>
+          <p:cNvPr id="3" name="Picture 10">
+            <a:hlinkClick r:id="rId6"/>
+            <a:extLst>
+              <a:ext uri="{FF2B5EF4-FFF2-40B4-BE49-F238E27FC236}">
+                <a16:creationId xmlns:a16="http://schemas.microsoft.com/office/drawing/2014/main" id="{B08B6B8E-0D3F-11DC-3B78-A6C0A9E75AFE}"/>
+              </a:ext>
+            </a:extLst>
+          </p:cNvPr>
+          <p:cNvPicPr>
+            <a:picLocks noChangeAspect="1" noChangeArrowheads="1"/>
+          </p:cNvPicPr>
+          <p:nvPr/>
+        </p:nvPicPr>
+        <p:blipFill rotWithShape="1">
+          <a:blip r:embed="rId7">
+            <a:extLst>
+              <a:ext uri="{28A0092B-C50C-407E-A947-70E740481C1C}">
+                <a14:useLocalDpi xmlns:a14="http://schemas.microsoft.com/office/drawing/2010/main" val="0"/>
+              </a:ext>
+            </a:extLst>
+          </a:blip>
+          <a:srcRect t="1" r="67002" b="-23964"/>
+          <a:stretch/>
+        </p:blipFill>
+        <p:spPr bwMode="auto">
+          <a:xfrm>
+            <a:off x="7816973" y="324043"/>
+            <a:ext cx="1263366" cy="310152"/>
+          </a:xfrm>
+          <a:prstGeom prst="rect">
+            <a:avLst/>
+          </a:prstGeom>
+          <a:ln>
+            <a:noFill/>
+          </a:ln>
+          <a:effectLst>
+            <a:outerShdw blurRad="292100" dist="139700" dir="2700000" algn="tl" rotWithShape="0">
+              <a:srgbClr val="333333">
+                <a:alpha val="65000"/>
+              </a:srgbClr>
+            </a:outerShdw>
+          </a:effectLst>
+          <a:extLst>
+            <a:ext uri="{909E8E84-426E-40DD-AFC4-6F175D3DCCD1}">
+              <a14:hiddenFill xmlns:a14="http://schemas.microsoft.com/office/drawing/2010/main">
+                <a:solidFill>
+                  <a:srgbClr val="FFFFFF"/>
+                </a:solidFill>
+              </a14:hiddenFill>
+            </a:ext>
+          </a:extLst>
+        </p:spPr>
+      </p:pic>
+      <p:pic>
+        <p:nvPicPr>
+          <p:cNvPr id="6" name="Picture 10">
+            <a:hlinkClick r:id="rId6"/>
+            <a:extLst>
+              <a:ext uri="{FF2B5EF4-FFF2-40B4-BE49-F238E27FC236}">
+                <a16:creationId xmlns:a16="http://schemas.microsoft.com/office/drawing/2014/main" id="{EEF6F1B4-86F0-44A5-FB6B-25EE1698EFC8}"/>
+              </a:ext>
+            </a:extLst>
+          </p:cNvPr>
+          <p:cNvPicPr>
+            <a:picLocks noChangeAspect="1" noChangeArrowheads="1"/>
+          </p:cNvPicPr>
+          <p:nvPr/>
+        </p:nvPicPr>
+        <p:blipFill rotWithShape="1">
+          <a:blip r:embed="rId7">
+            <a:extLst>
+              <a:ext uri="{28A0092B-C50C-407E-A947-70E740481C1C}">
+                <a14:useLocalDpi xmlns:a14="http://schemas.microsoft.com/office/drawing/2010/main" val="0"/>
+              </a:ext>
+            </a:extLst>
+          </a:blip>
+          <a:srcRect l="33028" t="-7094" r="70" b="-23964"/>
+          <a:stretch/>
+        </p:blipFill>
+        <p:spPr bwMode="auto">
+          <a:xfrm>
+            <a:off x="7816973" y="566777"/>
+            <a:ext cx="1263366" cy="161737"/>
+          </a:xfrm>
+          <a:prstGeom prst="rect">
+            <a:avLst/>
+          </a:prstGeom>
+          <a:ln>
+            <a:noFill/>
+          </a:ln>
+          <a:effectLst>
+            <a:outerShdw blurRad="292100" dist="139700" dir="2700000" algn="tl" rotWithShape="0">
+              <a:srgbClr val="333333">
+                <a:alpha val="65000"/>
+              </a:srgbClr>
+            </a:outerShdw>
+          </a:effectLst>
+          <a:extLst>
+            <a:ext uri="{909E8E84-426E-40DD-AFC4-6F175D3DCCD1}">
+              <a14:hiddenFill xmlns:a14="http://schemas.microsoft.com/office/drawing/2010/main">
+                <a:solidFill>
+                  <a:srgbClr val="FFFFFF"/>
+                </a:solidFill>
+              </a14:hiddenFill>
+            </a:ext>
+          </a:extLst>
         </p:spPr>
       </p:pic>
     </p:spTree>
